--- a/Requirements-Engineering/RE-L07-Documentation--Textual.pptx
+++ b/Requirements-Engineering/RE-L07-Documentation--Textual.pptx
@@ -89,8 +89,8 @@
         </p:nvSpPr>
         <p:spPr>
           <a:xfrm>
-            <a:off x="533520" y="764280"/>
-            <a:ext cx="6704640" cy="3771360"/>
+            <a:off x="216000" y="812520"/>
+            <a:ext cx="7127280" cy="4008960"/>
           </a:xfrm>
           <a:prstGeom prst="rect">
             <a:avLst/>
@@ -107,7 +107,7 @@
           <a:p>
             <a:pPr algn="ctr"/>
             <a:r>
-              <a:rPr b="0" lang="en-US" sz="4400" spc="-1" strike="noStrike">
+              <a:rPr b="0" lang="en-GB" sz="4400" spc="-1" strike="noStrike">
                 <a:solidFill>
                   <a:srgbClr val="000000"/>
                 </a:solidFill>
@@ -115,7 +115,7 @@
               </a:rPr>
               <a:t>Click to move the slide</a:t>
             </a:r>
-            <a:endParaRPr b="0" lang="en-US" sz="4400" spc="-1" strike="noStrike">
+            <a:endParaRPr b="0" lang="en-GB" sz="4400" spc="-1" strike="noStrike">
               <a:solidFill>
                 <a:srgbClr val="000000"/>
               </a:solidFill>
@@ -136,8 +136,8 @@
         </p:nvSpPr>
         <p:spPr>
           <a:xfrm>
-            <a:off x="777240" y="4777560"/>
-            <a:ext cx="6217560" cy="4525920"/>
+            <a:off x="756000" y="5078520"/>
+            <a:ext cx="6047640" cy="4811040"/>
           </a:xfrm>
           <a:prstGeom prst="rect">
             <a:avLst/>
@@ -156,7 +156,7 @@
               <a:buNone/>
             </a:pPr>
             <a:r>
-              <a:rPr b="0" lang="en-US" sz="2000" spc="-1" strike="noStrike">
+              <a:rPr b="0" lang="en-GB" sz="2000" spc="-1" strike="noStrike">
                 <a:solidFill>
                   <a:srgbClr val="000000"/>
                 </a:solidFill>
@@ -164,7 +164,7 @@
               </a:rPr>
               <a:t>Click to edit the notes format</a:t>
             </a:r>
-            <a:endParaRPr b="0" lang="en-US" sz="2000" spc="-1" strike="noStrike">
+            <a:endParaRPr b="0" lang="en-GB" sz="2000" spc="-1" strike="noStrike">
               <a:solidFill>
                 <a:srgbClr val="000000"/>
               </a:solidFill>
@@ -186,7 +186,7 @@
         <p:spPr>
           <a:xfrm>
             <a:off x="0" y="0"/>
-            <a:ext cx="3372840" cy="502560"/>
+            <a:ext cx="3280680" cy="534240"/>
           </a:xfrm>
           <a:prstGeom prst="rect">
             <a:avLst/>
@@ -205,7 +205,7 @@
               <a:buNone/>
             </a:pPr>
             <a:r>
-              <a:rPr b="0" lang="en-US" sz="1400" spc="-1" strike="noStrike">
+              <a:rPr b="0" lang="en-GB" sz="1400" spc="-1" strike="noStrike">
                 <a:solidFill>
                   <a:srgbClr val="000000"/>
                 </a:solidFill>
@@ -213,7 +213,7 @@
               </a:rPr>
               <a:t>&lt;header&gt;</a:t>
             </a:r>
-            <a:endParaRPr b="0" lang="en-US" sz="1400" spc="-1" strike="noStrike">
+            <a:endParaRPr b="0" lang="en-GB" sz="1400" spc="-1" strike="noStrike">
               <a:solidFill>
                 <a:srgbClr val="000000"/>
               </a:solidFill>
@@ -234,8 +234,8 @@
         </p:nvSpPr>
         <p:spPr>
           <a:xfrm>
-            <a:off x="4399200" y="0"/>
-            <a:ext cx="3372840" cy="502560"/>
+            <a:off x="4278960" y="0"/>
+            <a:ext cx="3280680" cy="534240"/>
           </a:xfrm>
           <a:prstGeom prst="rect">
             <a:avLst/>
@@ -252,7 +252,7 @@
           <a:lstStyle>
             <a:lvl1pPr indent="0" algn="r">
               <a:buNone/>
-              <a:defRPr b="0" lang="en-US" sz="1400" spc="-1" strike="noStrike">
+              <a:defRPr b="0" lang="en-GB" sz="1400" spc="-1" strike="noStrike">
                 <a:solidFill>
                   <a:srgbClr val="000000"/>
                 </a:solidFill>
@@ -265,7 +265,7 @@
               <a:buNone/>
             </a:pPr>
             <a:r>
-              <a:rPr b="0" lang="en-US" sz="1400" spc="-1" strike="noStrike">
+              <a:rPr b="0" lang="en-GB" sz="1400" spc="-1" strike="noStrike">
                 <a:solidFill>
                   <a:srgbClr val="000000"/>
                 </a:solidFill>
@@ -273,7 +273,7 @@
               </a:rPr>
               <a:t>&lt;date/time&gt;</a:t>
             </a:r>
-            <a:endParaRPr b="0" lang="en-US" sz="1400" spc="-1" strike="noStrike">
+            <a:endParaRPr b="0" lang="en-GB" sz="1400" spc="-1" strike="noStrike">
               <a:solidFill>
                 <a:srgbClr val="000000"/>
               </a:solidFill>
@@ -294,8 +294,8 @@
         </p:nvSpPr>
         <p:spPr>
           <a:xfrm>
-            <a:off x="0" y="9555480"/>
-            <a:ext cx="3372840" cy="502560"/>
+            <a:off x="0" y="10157400"/>
+            <a:ext cx="3280680" cy="534240"/>
           </a:xfrm>
           <a:prstGeom prst="rect">
             <a:avLst/>
@@ -312,7 +312,7 @@
           <a:lstStyle>
             <a:lvl1pPr indent="0">
               <a:buNone/>
-              <a:defRPr b="0" lang="en-US" sz="1400" spc="-1" strike="noStrike">
+              <a:defRPr b="0" lang="en-GB" sz="1400" spc="-1" strike="noStrike">
                 <a:solidFill>
                   <a:srgbClr val="000000"/>
                 </a:solidFill>
@@ -325,7 +325,7 @@
               <a:buNone/>
             </a:pPr>
             <a:r>
-              <a:rPr b="0" lang="en-US" sz="1400" spc="-1" strike="noStrike">
+              <a:rPr b="0" lang="en-GB" sz="1400" spc="-1" strike="noStrike">
                 <a:solidFill>
                   <a:srgbClr val="000000"/>
                 </a:solidFill>
@@ -333,7 +333,7 @@
               </a:rPr>
               <a:t>&lt;footer&gt;</a:t>
             </a:r>
-            <a:endParaRPr b="0" lang="en-US" sz="1400" spc="-1" strike="noStrike">
+            <a:endParaRPr b="0" lang="en-GB" sz="1400" spc="-1" strike="noStrike">
               <a:solidFill>
                 <a:srgbClr val="000000"/>
               </a:solidFill>
@@ -354,8 +354,8 @@
         </p:nvSpPr>
         <p:spPr>
           <a:xfrm>
-            <a:off x="4399200" y="9555480"/>
-            <a:ext cx="3372840" cy="502560"/>
+            <a:off x="4278960" y="10157400"/>
+            <a:ext cx="3280680" cy="534240"/>
           </a:xfrm>
           <a:prstGeom prst="rect">
             <a:avLst/>
@@ -372,7 +372,7 @@
           <a:lstStyle>
             <a:lvl1pPr indent="0" algn="r">
               <a:buNone/>
-              <a:defRPr b="0" lang="en-US" sz="1400" spc="-1" strike="noStrike">
+              <a:defRPr b="0" lang="en-GB" sz="1400" spc="-1" strike="noStrike">
                 <a:solidFill>
                   <a:srgbClr val="000000"/>
                 </a:solidFill>
@@ -384,8 +384,8 @@
             <a:pPr indent="0" algn="r">
               <a:buNone/>
             </a:pPr>
-            <a:fld id="{D7D44CD8-7CD9-4F5A-A268-06A861EB477C}" type="slidenum">
-              <a:rPr b="0" lang="en-US" sz="1400" spc="-1" strike="noStrike">
+            <a:fld id="{036AB2D7-1EE0-4A87-9CED-329AB6AB9079}" type="slidenum">
+              <a:rPr b="0" lang="en-GB" sz="1400" spc="-1" strike="noStrike">
                 <a:solidFill>
                   <a:srgbClr val="000000"/>
                 </a:solidFill>
@@ -393,7 +393,7 @@
               </a:rPr>
               <a:t>&lt;number&gt;</a:t>
             </a:fld>
-            <a:endParaRPr b="0" lang="en-US" sz="1400" spc="-1" strike="noStrike">
+            <a:endParaRPr b="0" lang="en-GB" sz="1400" spc="-1" strike="noStrike">
               <a:solidFill>
                 <a:srgbClr val="000000"/>
               </a:solidFill>
@@ -434,7 +434,7 @@
         <p:spPr>
           <a:xfrm>
             <a:off x="4403880" y="9556200"/>
-            <a:ext cx="3363840" cy="498240"/>
+            <a:ext cx="3363480" cy="497880"/>
           </a:xfrm>
           <a:prstGeom prst="rect">
             <a:avLst/>
@@ -460,7 +460,7 @@
                 <a:spcPct val="100000"/>
               </a:lnSpc>
             </a:pPr>
-            <a:fld id="{ACF703D6-ECF2-4A36-BED5-3A8A0BAC0538}" type="slidenum">
+            <a:fld id="{96651C9C-9BBF-47E3-B585-2CAC6D3B64EB}" type="slidenum">
               <a:rPr b="0" lang="de-DE" sz="1400" spc="-1" strike="noStrike">
                 <a:solidFill>
                   <a:srgbClr val="000000"/>
@@ -470,7 +470,7 @@
               </a:rPr>
               <a:t>41</a:t>
             </a:fld>
-            <a:endParaRPr b="0" lang="en-US" sz="1400" spc="-1" strike="noStrike">
+            <a:endParaRPr b="0" lang="en-GB" sz="1400" spc="-1" strike="noStrike">
               <a:solidFill>
                 <a:srgbClr val="000000"/>
               </a:solidFill>
@@ -492,7 +492,7 @@
         <p:spPr>
           <a:xfrm>
             <a:off x="533520" y="755640"/>
-            <a:ext cx="6701760" cy="3768120"/>
+            <a:ext cx="6701400" cy="3767760"/>
           </a:xfrm>
           <a:prstGeom prst="rect">
             <a:avLst/>
@@ -515,7 +515,7 @@
         <p:spPr>
           <a:xfrm>
             <a:off x="1035720" y="4775400"/>
-            <a:ext cx="5696280" cy="4523400"/>
+            <a:ext cx="5695920" cy="4523040"/>
           </a:xfrm>
           <a:prstGeom prst="rect">
             <a:avLst/>
@@ -533,7 +533,7 @@
             <a:pPr marL="216000" indent="0">
               <a:buNone/>
             </a:pPr>
-            <a:endParaRPr b="0" lang="en-US" sz="1800" spc="-1" strike="noStrike">
+            <a:endParaRPr b="0" lang="en-GB" sz="1800" spc="-1" strike="noStrike">
               <a:solidFill>
                 <a:srgbClr val="000000"/>
               </a:solidFill>
@@ -573,7 +573,7 @@
         <p:spPr>
           <a:xfrm>
             <a:off x="4403880" y="9556200"/>
-            <a:ext cx="3363840" cy="498240"/>
+            <a:ext cx="3363480" cy="497880"/>
           </a:xfrm>
           <a:prstGeom prst="rect">
             <a:avLst/>
@@ -599,7 +599,7 @@
                 <a:spcPct val="100000"/>
               </a:lnSpc>
             </a:pPr>
-            <a:fld id="{7EA15C2B-BAC8-4696-8BBF-52488B0457DE}" type="slidenum">
+            <a:fld id="{9A17217C-2A07-4799-BCB7-BB1E77966001}" type="slidenum">
               <a:rPr b="0" lang="de-DE" sz="1400" spc="-1" strike="noStrike">
                 <a:solidFill>
                   <a:srgbClr val="000000"/>
@@ -609,7 +609,7 @@
               </a:rPr>
               <a:t>41</a:t>
             </a:fld>
-            <a:endParaRPr b="0" lang="en-US" sz="1400" spc="-1" strike="noStrike">
+            <a:endParaRPr b="0" lang="en-GB" sz="1400" spc="-1" strike="noStrike">
               <a:solidFill>
                 <a:srgbClr val="000000"/>
               </a:solidFill>
@@ -631,7 +631,7 @@
         <p:spPr>
           <a:xfrm>
             <a:off x="533520" y="755640"/>
-            <a:ext cx="6701760" cy="3768120"/>
+            <a:ext cx="6701400" cy="3767760"/>
           </a:xfrm>
           <a:prstGeom prst="rect">
             <a:avLst/>
@@ -654,7 +654,7 @@
         <p:spPr>
           <a:xfrm>
             <a:off x="1035720" y="4775400"/>
-            <a:ext cx="5696280" cy="4523400"/>
+            <a:ext cx="5695920" cy="4523040"/>
           </a:xfrm>
           <a:prstGeom prst="rect">
             <a:avLst/>
@@ -672,7 +672,7 @@
             <a:pPr marL="216000" indent="0">
               <a:buNone/>
             </a:pPr>
-            <a:endParaRPr b="0" lang="en-US" sz="1800" spc="-1" strike="noStrike">
+            <a:endParaRPr b="0" lang="en-GB" sz="1800" spc="-1" strike="noStrike">
               <a:solidFill>
                 <a:srgbClr val="000000"/>
               </a:solidFill>
@@ -712,7 +712,7 @@
         <p:spPr>
           <a:xfrm>
             <a:off x="4403880" y="9556200"/>
-            <a:ext cx="3363840" cy="498240"/>
+            <a:ext cx="3363480" cy="497880"/>
           </a:xfrm>
           <a:prstGeom prst="rect">
             <a:avLst/>
@@ -738,7 +738,7 @@
                 <a:spcPct val="100000"/>
               </a:lnSpc>
             </a:pPr>
-            <a:fld id="{DE1AA1D1-EB38-4F89-82C3-C34BA7E7272C}" type="slidenum">
+            <a:fld id="{C0218BD3-F052-49C6-856A-5F9EDF85D547}" type="slidenum">
               <a:rPr b="0" lang="de-DE" sz="1400" spc="-1" strike="noStrike">
                 <a:solidFill>
                   <a:srgbClr val="000000"/>
@@ -748,7 +748,7 @@
               </a:rPr>
               <a:t>41</a:t>
             </a:fld>
-            <a:endParaRPr b="0" lang="en-US" sz="1400" spc="-1" strike="noStrike">
+            <a:endParaRPr b="0" lang="en-GB" sz="1400" spc="-1" strike="noStrike">
               <a:solidFill>
                 <a:srgbClr val="000000"/>
               </a:solidFill>
@@ -770,7 +770,7 @@
         <p:spPr>
           <a:xfrm>
             <a:off x="533520" y="755640"/>
-            <a:ext cx="6701400" cy="3767760"/>
+            <a:ext cx="6701040" cy="3767400"/>
           </a:xfrm>
           <a:prstGeom prst="rect">
             <a:avLst/>
@@ -793,7 +793,7 @@
         <p:spPr>
           <a:xfrm>
             <a:off x="1035720" y="4775400"/>
-            <a:ext cx="5696280" cy="4523400"/>
+            <a:ext cx="5695920" cy="4523040"/>
           </a:xfrm>
           <a:prstGeom prst="rect">
             <a:avLst/>
@@ -811,7 +811,7 @@
             <a:pPr marL="216000" indent="0">
               <a:buNone/>
             </a:pPr>
-            <a:endParaRPr b="0" lang="en-US" sz="1800" spc="-1" strike="noStrike">
+            <a:endParaRPr b="0" lang="en-GB" sz="1800" spc="-1" strike="noStrike">
               <a:solidFill>
                 <a:srgbClr val="000000"/>
               </a:solidFill>
@@ -851,7 +851,7 @@
         <p:spPr>
           <a:xfrm>
             <a:off x="4403880" y="9556200"/>
-            <a:ext cx="3363840" cy="498240"/>
+            <a:ext cx="3363480" cy="497880"/>
           </a:xfrm>
           <a:prstGeom prst="rect">
             <a:avLst/>
@@ -877,7 +877,7 @@
                 <a:spcPct val="100000"/>
               </a:lnSpc>
             </a:pPr>
-            <a:fld id="{1EE59829-94D6-4689-B118-BD5E3D7FC370}" type="slidenum">
+            <a:fld id="{92F31DE9-AF5B-462F-B8D4-CE89903B0773}" type="slidenum">
               <a:rPr b="0" lang="de-DE" sz="1400" spc="-1" strike="noStrike">
                 <a:solidFill>
                   <a:srgbClr val="000000"/>
@@ -887,7 +887,7 @@
               </a:rPr>
               <a:t>41</a:t>
             </a:fld>
-            <a:endParaRPr b="0" lang="en-US" sz="1400" spc="-1" strike="noStrike">
+            <a:endParaRPr b="0" lang="en-GB" sz="1400" spc="-1" strike="noStrike">
               <a:solidFill>
                 <a:srgbClr val="000000"/>
               </a:solidFill>
@@ -909,7 +909,7 @@
         <p:spPr>
           <a:xfrm>
             <a:off x="533520" y="755640"/>
-            <a:ext cx="6701760" cy="3768120"/>
+            <a:ext cx="6701400" cy="3767760"/>
           </a:xfrm>
           <a:prstGeom prst="rect">
             <a:avLst/>
@@ -932,7 +932,7 @@
         <p:spPr>
           <a:xfrm>
             <a:off x="1035720" y="4775400"/>
-            <a:ext cx="5696280" cy="4523400"/>
+            <a:ext cx="5695920" cy="4523040"/>
           </a:xfrm>
           <a:prstGeom prst="rect">
             <a:avLst/>
@@ -965,7 +965,7 @@
               </a:rPr>
               <a:t>Was muss ich für 5% mehr Umsatz machen?</a:t>
             </a:r>
-            <a:endParaRPr b="0" lang="en-US" sz="2000" spc="-1" strike="noStrike">
+            <a:endParaRPr b="0" lang="en-GB" sz="2000" spc="-1" strike="noStrike">
               <a:solidFill>
                 <a:srgbClr val="000000"/>
               </a:solidFill>
@@ -1005,7 +1005,7 @@
         <p:spPr>
           <a:xfrm>
             <a:off x="4403880" y="9556200"/>
-            <a:ext cx="3363840" cy="498240"/>
+            <a:ext cx="3363480" cy="497880"/>
           </a:xfrm>
           <a:prstGeom prst="rect">
             <a:avLst/>
@@ -1031,7 +1031,7 @@
                 <a:spcPct val="100000"/>
               </a:lnSpc>
             </a:pPr>
-            <a:fld id="{2D6682B2-75BA-4F4B-ADE8-D105BD4CD907}" type="slidenum">
+            <a:fld id="{E03381B8-C6D6-4A17-86C5-29A3227CEF49}" type="slidenum">
               <a:rPr b="0" lang="de-DE" sz="1400" spc="-1" strike="noStrike">
                 <a:solidFill>
                   <a:srgbClr val="000000"/>
@@ -1041,7 +1041,7 @@
               </a:rPr>
               <a:t>41</a:t>
             </a:fld>
-            <a:endParaRPr b="0" lang="en-US" sz="1400" spc="-1" strike="noStrike">
+            <a:endParaRPr b="0" lang="en-GB" sz="1400" spc="-1" strike="noStrike">
               <a:solidFill>
                 <a:srgbClr val="000000"/>
               </a:solidFill>
@@ -1063,7 +1063,7 @@
         <p:spPr>
           <a:xfrm>
             <a:off x="533520" y="755640"/>
-            <a:ext cx="6701760" cy="3768120"/>
+            <a:ext cx="6701400" cy="3767760"/>
           </a:xfrm>
           <a:prstGeom prst="rect">
             <a:avLst/>
@@ -1086,7 +1086,7 @@
         <p:spPr>
           <a:xfrm>
             <a:off x="1035720" y="4775400"/>
-            <a:ext cx="5696280" cy="4523400"/>
+            <a:ext cx="5695920" cy="4523040"/>
           </a:xfrm>
           <a:prstGeom prst="rect">
             <a:avLst/>
@@ -1104,7 +1104,7 @@
             <a:pPr marL="216000" indent="0">
               <a:buNone/>
             </a:pPr>
-            <a:endParaRPr b="0" lang="en-US" sz="1800" spc="-1" strike="noStrike">
+            <a:endParaRPr b="0" lang="en-GB" sz="1800" spc="-1" strike="noStrike">
               <a:solidFill>
                 <a:srgbClr val="000000"/>
               </a:solidFill>
@@ -1144,7 +1144,7 @@
         <p:spPr>
           <a:xfrm>
             <a:off x="4403880" y="9556200"/>
-            <a:ext cx="3363840" cy="498240"/>
+            <a:ext cx="3363480" cy="497880"/>
           </a:xfrm>
           <a:prstGeom prst="rect">
             <a:avLst/>
@@ -1170,7 +1170,7 @@
                 <a:spcPct val="100000"/>
               </a:lnSpc>
             </a:pPr>
-            <a:fld id="{9C4C7FBE-7CF5-43E0-8B54-05794F737D48}" type="slidenum">
+            <a:fld id="{747F1AAC-D3EF-4E92-9605-C2C8388417E0}" type="slidenum">
               <a:rPr b="0" lang="de-DE" sz="1400" spc="-1" strike="noStrike">
                 <a:solidFill>
                   <a:srgbClr val="000000"/>
@@ -1180,7 +1180,7 @@
               </a:rPr>
               <a:t>41</a:t>
             </a:fld>
-            <a:endParaRPr b="0" lang="en-US" sz="1400" spc="-1" strike="noStrike">
+            <a:endParaRPr b="0" lang="en-GB" sz="1400" spc="-1" strike="noStrike">
               <a:solidFill>
                 <a:srgbClr val="000000"/>
               </a:solidFill>
@@ -1202,7 +1202,7 @@
         <p:spPr>
           <a:xfrm>
             <a:off x="533520" y="755640"/>
-            <a:ext cx="6701760" cy="3768120"/>
+            <a:ext cx="6701400" cy="3767760"/>
           </a:xfrm>
           <a:prstGeom prst="rect">
             <a:avLst/>
@@ -1225,7 +1225,7 @@
         <p:spPr>
           <a:xfrm>
             <a:off x="1035720" y="4775400"/>
-            <a:ext cx="5696280" cy="4523400"/>
+            <a:ext cx="5695920" cy="4523040"/>
           </a:xfrm>
           <a:prstGeom prst="rect">
             <a:avLst/>
@@ -1243,7 +1243,7 @@
             <a:pPr marL="216000" indent="0">
               <a:buNone/>
             </a:pPr>
-            <a:endParaRPr b="0" lang="en-US" sz="1800" spc="-1" strike="noStrike">
+            <a:endParaRPr b="0" lang="en-GB" sz="1800" spc="-1" strike="noStrike">
               <a:solidFill>
                 <a:srgbClr val="000000"/>
               </a:solidFill>
@@ -1283,7 +1283,7 @@
         <p:spPr>
           <a:xfrm>
             <a:off x="4403880" y="9556200"/>
-            <a:ext cx="3363840" cy="498240"/>
+            <a:ext cx="3363480" cy="497880"/>
           </a:xfrm>
           <a:prstGeom prst="rect">
             <a:avLst/>
@@ -1309,7 +1309,7 @@
                 <a:spcPct val="100000"/>
               </a:lnSpc>
             </a:pPr>
-            <a:fld id="{C0D2555C-C1BA-4659-93AC-04DB16559972}" type="slidenum">
+            <a:fld id="{CFD1C76A-FFF6-4122-9D35-06C0FE235567}" type="slidenum">
               <a:rPr b="0" lang="de-DE" sz="1400" spc="-1" strike="noStrike">
                 <a:solidFill>
                   <a:srgbClr val="000000"/>
@@ -1319,7 +1319,7 @@
               </a:rPr>
               <a:t>41</a:t>
             </a:fld>
-            <a:endParaRPr b="0" lang="en-US" sz="1400" spc="-1" strike="noStrike">
+            <a:endParaRPr b="0" lang="en-GB" sz="1400" spc="-1" strike="noStrike">
               <a:solidFill>
                 <a:srgbClr val="000000"/>
               </a:solidFill>
@@ -1341,7 +1341,7 @@
         <p:spPr>
           <a:xfrm>
             <a:off x="533520" y="755640"/>
-            <a:ext cx="6701760" cy="3768120"/>
+            <a:ext cx="6701400" cy="3767760"/>
           </a:xfrm>
           <a:prstGeom prst="rect">
             <a:avLst/>
@@ -1364,7 +1364,7 @@
         <p:spPr>
           <a:xfrm>
             <a:off x="1035720" y="4775400"/>
-            <a:ext cx="5696280" cy="4523400"/>
+            <a:ext cx="5695920" cy="4523040"/>
           </a:xfrm>
           <a:prstGeom prst="rect">
             <a:avLst/>
@@ -1382,7 +1382,7 @@
             <a:pPr marL="216000" indent="0">
               <a:buNone/>
             </a:pPr>
-            <a:endParaRPr b="0" lang="en-US" sz="1800" spc="-1" strike="noStrike">
+            <a:endParaRPr b="0" lang="en-GB" sz="1800" spc="-1" strike="noStrike">
               <a:solidFill>
                 <a:srgbClr val="000000"/>
               </a:solidFill>
@@ -1422,7 +1422,7 @@
         <p:spPr>
           <a:xfrm>
             <a:off x="4403880" y="9556200"/>
-            <a:ext cx="3363840" cy="498240"/>
+            <a:ext cx="3363480" cy="497880"/>
           </a:xfrm>
           <a:prstGeom prst="rect">
             <a:avLst/>
@@ -1448,7 +1448,7 @@
                 <a:spcPct val="100000"/>
               </a:lnSpc>
             </a:pPr>
-            <a:fld id="{8B4DDA8B-7886-4EC3-ACFD-B528067EA3CE}" type="slidenum">
+            <a:fld id="{AA9ED082-C361-4612-859E-3E608A06ABE1}" type="slidenum">
               <a:rPr b="0" lang="de-DE" sz="1400" spc="-1" strike="noStrike">
                 <a:solidFill>
                   <a:srgbClr val="000000"/>
@@ -1458,7 +1458,7 @@
               </a:rPr>
               <a:t>41</a:t>
             </a:fld>
-            <a:endParaRPr b="0" lang="en-US" sz="1400" spc="-1" strike="noStrike">
+            <a:endParaRPr b="0" lang="en-GB" sz="1400" spc="-1" strike="noStrike">
               <a:solidFill>
                 <a:srgbClr val="000000"/>
               </a:solidFill>
@@ -1480,7 +1480,7 @@
         <p:spPr>
           <a:xfrm>
             <a:off x="533520" y="755640"/>
-            <a:ext cx="6701400" cy="3767760"/>
+            <a:ext cx="6701040" cy="3767400"/>
           </a:xfrm>
           <a:prstGeom prst="rect">
             <a:avLst/>
@@ -1503,7 +1503,7 @@
         <p:spPr>
           <a:xfrm>
             <a:off x="1035720" y="4775400"/>
-            <a:ext cx="5696280" cy="4523400"/>
+            <a:ext cx="5695920" cy="4523040"/>
           </a:xfrm>
           <a:prstGeom prst="rect">
             <a:avLst/>
@@ -1521,7 +1521,7 @@
             <a:pPr marL="216000" indent="0">
               <a:buNone/>
             </a:pPr>
-            <a:endParaRPr b="0" lang="en-US" sz="1800" spc="-1" strike="noStrike">
+            <a:endParaRPr b="0" lang="en-GB" sz="1800" spc="-1" strike="noStrike">
               <a:solidFill>
                 <a:srgbClr val="000000"/>
               </a:solidFill>
@@ -1561,7 +1561,7 @@
         <p:spPr>
           <a:xfrm>
             <a:off x="4403880" y="9556200"/>
-            <a:ext cx="3363840" cy="498240"/>
+            <a:ext cx="3363480" cy="497880"/>
           </a:xfrm>
           <a:prstGeom prst="rect">
             <a:avLst/>
@@ -1587,7 +1587,7 @@
                 <a:spcPct val="100000"/>
               </a:lnSpc>
             </a:pPr>
-            <a:fld id="{92B4BB42-2843-4E31-80CF-3348A33987D1}" type="slidenum">
+            <a:fld id="{90D1F1C7-090F-4E8B-A474-D7A77D8BA225}" type="slidenum">
               <a:rPr b="0" lang="de-DE" sz="1400" spc="-1" strike="noStrike">
                 <a:solidFill>
                   <a:srgbClr val="000000"/>
@@ -1597,7 +1597,7 @@
               </a:rPr>
               <a:t>41</a:t>
             </a:fld>
-            <a:endParaRPr b="0" lang="en-US" sz="1400" spc="-1" strike="noStrike">
+            <a:endParaRPr b="0" lang="en-GB" sz="1400" spc="-1" strike="noStrike">
               <a:solidFill>
                 <a:srgbClr val="000000"/>
               </a:solidFill>
@@ -1619,7 +1619,7 @@
         <p:spPr>
           <a:xfrm>
             <a:off x="533520" y="755640"/>
-            <a:ext cx="6701400" cy="3767760"/>
+            <a:ext cx="6701040" cy="3767400"/>
           </a:xfrm>
           <a:prstGeom prst="rect">
             <a:avLst/>
@@ -1642,7 +1642,7 @@
         <p:spPr>
           <a:xfrm>
             <a:off x="1035720" y="4775400"/>
-            <a:ext cx="5696280" cy="4523400"/>
+            <a:ext cx="5695920" cy="4523040"/>
           </a:xfrm>
           <a:prstGeom prst="rect">
             <a:avLst/>
@@ -1660,7 +1660,7 @@
             <a:pPr marL="216000" indent="0">
               <a:buNone/>
             </a:pPr>
-            <a:endParaRPr b="0" lang="en-US" sz="1800" spc="-1" strike="noStrike">
+            <a:endParaRPr b="0" lang="en-GB" sz="1800" spc="-1" strike="noStrike">
               <a:solidFill>
                 <a:srgbClr val="000000"/>
               </a:solidFill>
@@ -1700,7 +1700,7 @@
         <p:spPr>
           <a:xfrm>
             <a:off x="4403880" y="9556200"/>
-            <a:ext cx="3363840" cy="498240"/>
+            <a:ext cx="3363480" cy="497880"/>
           </a:xfrm>
           <a:prstGeom prst="rect">
             <a:avLst/>
@@ -1726,7 +1726,7 @@
                 <a:spcPct val="100000"/>
               </a:lnSpc>
             </a:pPr>
-            <a:fld id="{6D692198-9EDA-4BE0-A8D8-476B0EDDBBF4}" type="slidenum">
+            <a:fld id="{82EB5314-C236-447A-A427-01CFBA5B9182}" type="slidenum">
               <a:rPr b="0" lang="de-DE" sz="1400" spc="-1" strike="noStrike">
                 <a:solidFill>
                   <a:srgbClr val="000000"/>
@@ -1736,7 +1736,7 @@
               </a:rPr>
               <a:t>41</a:t>
             </a:fld>
-            <a:endParaRPr b="0" lang="en-US" sz="1400" spc="-1" strike="noStrike">
+            <a:endParaRPr b="0" lang="en-GB" sz="1400" spc="-1" strike="noStrike">
               <a:solidFill>
                 <a:srgbClr val="000000"/>
               </a:solidFill>
@@ -1758,7 +1758,7 @@
         <p:spPr>
           <a:xfrm>
             <a:off x="533520" y="755640"/>
-            <a:ext cx="6701760" cy="3768120"/>
+            <a:ext cx="6701400" cy="3767760"/>
           </a:xfrm>
           <a:prstGeom prst="rect">
             <a:avLst/>
@@ -1781,7 +1781,7 @@
         <p:spPr>
           <a:xfrm>
             <a:off x="1035720" y="4775400"/>
-            <a:ext cx="5696280" cy="4523400"/>
+            <a:ext cx="5695920" cy="4523040"/>
           </a:xfrm>
           <a:prstGeom prst="rect">
             <a:avLst/>
@@ -1799,7 +1799,7 @@
             <a:pPr marL="216000" indent="0">
               <a:buNone/>
             </a:pPr>
-            <a:endParaRPr b="0" lang="en-US" sz="1800" spc="-1" strike="noStrike">
+            <a:endParaRPr b="0" lang="en-GB" sz="1800" spc="-1" strike="noStrike">
               <a:solidFill>
                 <a:srgbClr val="000000"/>
               </a:solidFill>
@@ -1839,7 +1839,7 @@
         <p:spPr>
           <a:xfrm>
             <a:off x="4403880" y="9556200"/>
-            <a:ext cx="3363840" cy="498240"/>
+            <a:ext cx="3363480" cy="497880"/>
           </a:xfrm>
           <a:prstGeom prst="rect">
             <a:avLst/>
@@ -1865,7 +1865,7 @@
                 <a:spcPct val="100000"/>
               </a:lnSpc>
             </a:pPr>
-            <a:fld id="{3BDE9FEC-0BCD-4A3B-8BF9-5BA344A4A517}" type="slidenum">
+            <a:fld id="{3665DB83-0608-456A-BAC8-407B6F9840BC}" type="slidenum">
               <a:rPr b="0" lang="de-DE" sz="1400" spc="-1" strike="noStrike">
                 <a:solidFill>
                   <a:srgbClr val="000000"/>
@@ -1875,7 +1875,7 @@
               </a:rPr>
               <a:t>41</a:t>
             </a:fld>
-            <a:endParaRPr b="0" lang="en-US" sz="1400" spc="-1" strike="noStrike">
+            <a:endParaRPr b="0" lang="en-GB" sz="1400" spc="-1" strike="noStrike">
               <a:solidFill>
                 <a:srgbClr val="000000"/>
               </a:solidFill>
@@ -1897,7 +1897,7 @@
         <p:spPr>
           <a:xfrm>
             <a:off x="533520" y="755640"/>
-            <a:ext cx="6701400" cy="3767760"/>
+            <a:ext cx="6701040" cy="3767400"/>
           </a:xfrm>
           <a:prstGeom prst="rect">
             <a:avLst/>
@@ -1920,7 +1920,7 @@
         <p:spPr>
           <a:xfrm>
             <a:off x="1035720" y="4775400"/>
-            <a:ext cx="5696280" cy="4523400"/>
+            <a:ext cx="5695920" cy="4523040"/>
           </a:xfrm>
           <a:prstGeom prst="rect">
             <a:avLst/>
@@ -1938,7 +1938,7 @@
             <a:pPr marL="216000" indent="0">
               <a:buNone/>
             </a:pPr>
-            <a:endParaRPr b="0" lang="en-US" sz="1800" spc="-1" strike="noStrike">
+            <a:endParaRPr b="0" lang="en-GB" sz="1800" spc="-1" strike="noStrike">
               <a:solidFill>
                 <a:srgbClr val="000000"/>
               </a:solidFill>
@@ -1978,7 +1978,7 @@
         <p:spPr>
           <a:xfrm>
             <a:off x="4403880" y="9556200"/>
-            <a:ext cx="3363840" cy="498240"/>
+            <a:ext cx="3363480" cy="497880"/>
           </a:xfrm>
           <a:prstGeom prst="rect">
             <a:avLst/>
@@ -2004,7 +2004,7 @@
                 <a:spcPct val="100000"/>
               </a:lnSpc>
             </a:pPr>
-            <a:fld id="{3310FB87-DE09-4DF8-BD05-57807E5CADFB}" type="slidenum">
+            <a:fld id="{30BB2959-4862-4584-8DA8-0FFDD55B4FB0}" type="slidenum">
               <a:rPr b="0" lang="de-DE" sz="1400" spc="-1" strike="noStrike">
                 <a:solidFill>
                   <a:srgbClr val="000000"/>
@@ -2014,7 +2014,7 @@
               </a:rPr>
               <a:t>41</a:t>
             </a:fld>
-            <a:endParaRPr b="0" lang="en-US" sz="1400" spc="-1" strike="noStrike">
+            <a:endParaRPr b="0" lang="en-GB" sz="1400" spc="-1" strike="noStrike">
               <a:solidFill>
                 <a:srgbClr val="000000"/>
               </a:solidFill>
@@ -2036,7 +2036,7 @@
         <p:spPr>
           <a:xfrm>
             <a:off x="533520" y="755640"/>
-            <a:ext cx="6701760" cy="3768120"/>
+            <a:ext cx="6701400" cy="3767760"/>
           </a:xfrm>
           <a:prstGeom prst="rect">
             <a:avLst/>
@@ -2059,7 +2059,7 @@
         <p:spPr>
           <a:xfrm>
             <a:off x="1035720" y="4775400"/>
-            <a:ext cx="5696280" cy="4523400"/>
+            <a:ext cx="5695920" cy="4523040"/>
           </a:xfrm>
           <a:prstGeom prst="rect">
             <a:avLst/>
@@ -2077,7 +2077,7 @@
             <a:pPr marL="216000" indent="0">
               <a:buNone/>
             </a:pPr>
-            <a:endParaRPr b="0" lang="en-US" sz="1800" spc="-1" strike="noStrike">
+            <a:endParaRPr b="0" lang="en-GB" sz="1800" spc="-1" strike="noStrike">
               <a:solidFill>
                 <a:srgbClr val="000000"/>
               </a:solidFill>
@@ -2117,7 +2117,7 @@
         <p:spPr>
           <a:xfrm>
             <a:off x="4403880" y="9556200"/>
-            <a:ext cx="3363840" cy="498240"/>
+            <a:ext cx="3363480" cy="497880"/>
           </a:xfrm>
           <a:prstGeom prst="rect">
             <a:avLst/>
@@ -2143,7 +2143,7 @@
                 <a:spcPct val="100000"/>
               </a:lnSpc>
             </a:pPr>
-            <a:fld id="{7E5B2341-0AFC-4A18-98AD-6798AA8A828E}" type="slidenum">
+            <a:fld id="{7C018A19-7CAF-4B62-B5E7-1896E1D4D594}" type="slidenum">
               <a:rPr b="0" lang="de-DE" sz="1400" spc="-1" strike="noStrike">
                 <a:solidFill>
                   <a:srgbClr val="000000"/>
@@ -2153,7 +2153,7 @@
               </a:rPr>
               <a:t>41</a:t>
             </a:fld>
-            <a:endParaRPr b="0" lang="en-US" sz="1400" spc="-1" strike="noStrike">
+            <a:endParaRPr b="0" lang="en-GB" sz="1400" spc="-1" strike="noStrike">
               <a:solidFill>
                 <a:srgbClr val="000000"/>
               </a:solidFill>
@@ -2175,7 +2175,7 @@
         <p:spPr>
           <a:xfrm>
             <a:off x="533520" y="755640"/>
-            <a:ext cx="6701760" cy="3768120"/>
+            <a:ext cx="6701400" cy="3767760"/>
           </a:xfrm>
           <a:prstGeom prst="rect">
             <a:avLst/>
@@ -2198,7 +2198,7 @@
         <p:spPr>
           <a:xfrm>
             <a:off x="1035720" y="4775400"/>
-            <a:ext cx="5696280" cy="4523400"/>
+            <a:ext cx="5695920" cy="4523040"/>
           </a:xfrm>
           <a:prstGeom prst="rect">
             <a:avLst/>
@@ -2231,7 +2231,7 @@
               </a:rPr>
               <a:t>Actor muss klar sein: Tut es das System oder die Umgebung.</a:t>
             </a:r>
-            <a:endParaRPr b="0" lang="en-US" sz="2000" spc="-1" strike="noStrike">
+            <a:endParaRPr b="0" lang="en-GB" sz="2000" spc="-1" strike="noStrike">
               <a:solidFill>
                 <a:srgbClr val="000000"/>
               </a:solidFill>
@@ -2257,7 +2257,7 @@
               </a:rPr>
               <a:t>Aber nicht Entwurf vorwegnehmen</a:t>
             </a:r>
-            <a:endParaRPr b="0" lang="en-US" sz="2000" spc="-1" strike="noStrike">
+            <a:endParaRPr b="0" lang="en-GB" sz="2000" spc="-1" strike="noStrike">
               <a:solidFill>
                 <a:srgbClr val="000000"/>
               </a:solidFill>
@@ -2297,7 +2297,7 @@
         <p:spPr>
           <a:xfrm>
             <a:off x="4403880" y="9556200"/>
-            <a:ext cx="3363840" cy="498240"/>
+            <a:ext cx="3363480" cy="497880"/>
           </a:xfrm>
           <a:prstGeom prst="rect">
             <a:avLst/>
@@ -2323,7 +2323,7 @@
                 <a:spcPct val="100000"/>
               </a:lnSpc>
             </a:pPr>
-            <a:fld id="{7621A22C-7F60-4233-A524-9CE288959234}" type="slidenum">
+            <a:fld id="{2B6E2197-713C-4A15-9B1C-F7723E639413}" type="slidenum">
               <a:rPr b="0" lang="de-DE" sz="1400" spc="-1" strike="noStrike">
                 <a:solidFill>
                   <a:srgbClr val="000000"/>
@@ -2333,7 +2333,7 @@
               </a:rPr>
               <a:t>41</a:t>
             </a:fld>
-            <a:endParaRPr b="0" lang="en-US" sz="1400" spc="-1" strike="noStrike">
+            <a:endParaRPr b="0" lang="en-GB" sz="1400" spc="-1" strike="noStrike">
               <a:solidFill>
                 <a:srgbClr val="000000"/>
               </a:solidFill>
@@ -2355,7 +2355,7 @@
         <p:spPr>
           <a:xfrm>
             <a:off x="533520" y="755640"/>
-            <a:ext cx="6701760" cy="3768120"/>
+            <a:ext cx="6701400" cy="3767760"/>
           </a:xfrm>
           <a:prstGeom prst="rect">
             <a:avLst/>
@@ -2378,7 +2378,7 @@
         <p:spPr>
           <a:xfrm>
             <a:off x="1035720" y="4775400"/>
-            <a:ext cx="5696280" cy="4523400"/>
+            <a:ext cx="5695920" cy="4523040"/>
           </a:xfrm>
           <a:prstGeom prst="rect">
             <a:avLst/>
@@ -2411,7 +2411,7 @@
               </a:rPr>
               <a:t>Sauber trennen was ist Requirement und was ist Begründung (Rationale)</a:t>
             </a:r>
-            <a:endParaRPr b="0" lang="en-US" sz="2000" spc="-1" strike="noStrike">
+            <a:endParaRPr b="0" lang="en-GB" sz="2000" spc="-1" strike="noStrike">
               <a:solidFill>
                 <a:srgbClr val="000000"/>
               </a:solidFill>
@@ -2451,7 +2451,7 @@
         <p:spPr>
           <a:xfrm>
             <a:off x="4403880" y="9556200"/>
-            <a:ext cx="3363840" cy="498240"/>
+            <a:ext cx="3363480" cy="497880"/>
           </a:xfrm>
           <a:prstGeom prst="rect">
             <a:avLst/>
@@ -2477,7 +2477,7 @@
                 <a:spcPct val="100000"/>
               </a:lnSpc>
             </a:pPr>
-            <a:fld id="{F2CA2280-12CF-474B-B604-C933B5BAF928}" type="slidenum">
+            <a:fld id="{102ABD33-A080-4725-8422-55D75BC64645}" type="slidenum">
               <a:rPr b="0" lang="de-DE" sz="1400" spc="-1" strike="noStrike">
                 <a:solidFill>
                   <a:srgbClr val="000000"/>
@@ -2487,7 +2487,7 @@
               </a:rPr>
               <a:t>41</a:t>
             </a:fld>
-            <a:endParaRPr b="0" lang="en-US" sz="1400" spc="-1" strike="noStrike">
+            <a:endParaRPr b="0" lang="en-GB" sz="1400" spc="-1" strike="noStrike">
               <a:solidFill>
                 <a:srgbClr val="000000"/>
               </a:solidFill>
@@ -2509,7 +2509,7 @@
         <p:spPr>
           <a:xfrm>
             <a:off x="533520" y="755640"/>
-            <a:ext cx="6701760" cy="3768120"/>
+            <a:ext cx="6701400" cy="3767760"/>
           </a:xfrm>
           <a:prstGeom prst="rect">
             <a:avLst/>
@@ -2532,7 +2532,7 @@
         <p:spPr>
           <a:xfrm>
             <a:off x="1035720" y="4775400"/>
-            <a:ext cx="5696280" cy="4523400"/>
+            <a:ext cx="5695920" cy="4523040"/>
           </a:xfrm>
           <a:prstGeom prst="rect">
             <a:avLst/>
@@ -2550,7 +2550,7 @@
             <a:pPr marL="216000" indent="0">
               <a:buNone/>
             </a:pPr>
-            <a:endParaRPr b="0" lang="en-US" sz="1800" spc="-1" strike="noStrike">
+            <a:endParaRPr b="0" lang="en-GB" sz="1800" spc="-1" strike="noStrike">
               <a:solidFill>
                 <a:srgbClr val="000000"/>
               </a:solidFill>
@@ -2590,7 +2590,7 @@
         <p:spPr>
           <a:xfrm>
             <a:off x="4403880" y="9556200"/>
-            <a:ext cx="3363840" cy="498240"/>
+            <a:ext cx="3363480" cy="497880"/>
           </a:xfrm>
           <a:prstGeom prst="rect">
             <a:avLst/>
@@ -2616,7 +2616,7 @@
                 <a:spcPct val="100000"/>
               </a:lnSpc>
             </a:pPr>
-            <a:fld id="{A5F90FDA-CD42-4CF1-A5B3-680C1A381FE8}" type="slidenum">
+            <a:fld id="{64C7DB48-DF96-4776-9182-65DB50E9A042}" type="slidenum">
               <a:rPr b="0" lang="de-DE" sz="1400" spc="-1" strike="noStrike">
                 <a:solidFill>
                   <a:srgbClr val="000000"/>
@@ -2626,7 +2626,7 @@
               </a:rPr>
               <a:t>41</a:t>
             </a:fld>
-            <a:endParaRPr b="0" lang="en-US" sz="1400" spc="-1" strike="noStrike">
+            <a:endParaRPr b="0" lang="en-GB" sz="1400" spc="-1" strike="noStrike">
               <a:solidFill>
                 <a:srgbClr val="000000"/>
               </a:solidFill>
@@ -2648,7 +2648,7 @@
         <p:spPr>
           <a:xfrm>
             <a:off x="533520" y="755640"/>
-            <a:ext cx="6701760" cy="3768120"/>
+            <a:ext cx="6701400" cy="3767760"/>
           </a:xfrm>
           <a:prstGeom prst="rect">
             <a:avLst/>
@@ -2671,7 +2671,7 @@
         <p:spPr>
           <a:xfrm>
             <a:off x="1035720" y="4775400"/>
-            <a:ext cx="5696280" cy="4523400"/>
+            <a:ext cx="5695920" cy="4523040"/>
           </a:xfrm>
           <a:prstGeom prst="rect">
             <a:avLst/>
@@ -2689,7 +2689,7 @@
             <a:pPr marL="216000" indent="0">
               <a:buNone/>
             </a:pPr>
-            <a:endParaRPr b="0" lang="en-US" sz="1800" spc="-1" strike="noStrike">
+            <a:endParaRPr b="0" lang="en-GB" sz="1800" spc="-1" strike="noStrike">
               <a:solidFill>
                 <a:srgbClr val="000000"/>
               </a:solidFill>
@@ -2729,7 +2729,7 @@
         <p:spPr>
           <a:xfrm>
             <a:off x="4403880" y="9556200"/>
-            <a:ext cx="3363840" cy="498240"/>
+            <a:ext cx="3363480" cy="497880"/>
           </a:xfrm>
           <a:prstGeom prst="rect">
             <a:avLst/>
@@ -2755,7 +2755,7 @@
                 <a:spcPct val="100000"/>
               </a:lnSpc>
             </a:pPr>
-            <a:fld id="{E391A4DD-D099-46EA-AF76-23DA202AF660}" type="slidenum">
+            <a:fld id="{E891F850-75F2-4B09-8903-50040E62435C}" type="slidenum">
               <a:rPr b="0" lang="de-DE" sz="1400" spc="-1" strike="noStrike">
                 <a:solidFill>
                   <a:srgbClr val="000000"/>
@@ -2765,7 +2765,7 @@
               </a:rPr>
               <a:t>41</a:t>
             </a:fld>
-            <a:endParaRPr b="0" lang="en-US" sz="1400" spc="-1" strike="noStrike">
+            <a:endParaRPr b="0" lang="en-GB" sz="1400" spc="-1" strike="noStrike">
               <a:solidFill>
                 <a:srgbClr val="000000"/>
               </a:solidFill>
@@ -2787,7 +2787,7 @@
         <p:spPr>
           <a:xfrm>
             <a:off x="533520" y="755640"/>
-            <a:ext cx="6701400" cy="3767760"/>
+            <a:ext cx="6701040" cy="3767400"/>
           </a:xfrm>
           <a:prstGeom prst="rect">
             <a:avLst/>
@@ -2810,7 +2810,7 @@
         <p:spPr>
           <a:xfrm>
             <a:off x="1035720" y="4775400"/>
-            <a:ext cx="5696280" cy="4523400"/>
+            <a:ext cx="5695920" cy="4523040"/>
           </a:xfrm>
           <a:prstGeom prst="rect">
             <a:avLst/>
@@ -2843,7 +2843,7 @@
               </a:rPr>
               <a:t>Nicht den Begriff Telefon verwenden um alle 3 Teile zu subsumieren, sondern Zielgruppe adäquat ansprechen</a:t>
             </a:r>
-            <a:endParaRPr b="0" lang="en-US" sz="2000" spc="-1" strike="noStrike">
+            <a:endParaRPr b="0" lang="en-GB" sz="2000" spc="-1" strike="noStrike">
               <a:solidFill>
                 <a:srgbClr val="000000"/>
               </a:solidFill>
@@ -2883,7 +2883,7 @@
         <p:spPr>
           <a:xfrm>
             <a:off x="4403880" y="9556200"/>
-            <a:ext cx="3363840" cy="498240"/>
+            <a:ext cx="3363480" cy="497880"/>
           </a:xfrm>
           <a:prstGeom prst="rect">
             <a:avLst/>
@@ -2909,7 +2909,7 @@
                 <a:spcPct val="100000"/>
               </a:lnSpc>
             </a:pPr>
-            <a:fld id="{294B69CC-CA7A-4251-A979-992FE06EFADE}" type="slidenum">
+            <a:fld id="{B24499AF-0EF3-4CC9-B425-98ED1D83B507}" type="slidenum">
               <a:rPr b="0" lang="de-DE" sz="1400" spc="-1" strike="noStrike">
                 <a:solidFill>
                   <a:srgbClr val="000000"/>
@@ -2919,7 +2919,7 @@
               </a:rPr>
               <a:t>41</a:t>
             </a:fld>
-            <a:endParaRPr b="0" lang="en-US" sz="1400" spc="-1" strike="noStrike">
+            <a:endParaRPr b="0" lang="en-GB" sz="1400" spc="-1" strike="noStrike">
               <a:solidFill>
                 <a:srgbClr val="000000"/>
               </a:solidFill>
@@ -2941,7 +2941,7 @@
         <p:spPr>
           <a:xfrm>
             <a:off x="533520" y="755640"/>
-            <a:ext cx="6701760" cy="3768120"/>
+            <a:ext cx="6701400" cy="3767760"/>
           </a:xfrm>
           <a:prstGeom prst="rect">
             <a:avLst/>
@@ -2964,7 +2964,7 @@
         <p:spPr>
           <a:xfrm>
             <a:off x="1035720" y="4777200"/>
-            <a:ext cx="5696280" cy="4521960"/>
+            <a:ext cx="5695920" cy="4521600"/>
           </a:xfrm>
           <a:prstGeom prst="rect">
             <a:avLst/>
@@ -2997,7 +2997,7 @@
               </a:rPr>
               <a:t>Vier Variablen Modell in einem Satz: Grundlagen sind Variablen (Grundlegendes Modell), Erweiterung über Realtionen -&gt; Grundlage für Dokumente: Wie dokumentiere ich sowas</a:t>
             </a:r>
-            <a:endParaRPr b="0" lang="en-US" sz="2000" spc="-1" strike="noStrike">
+            <a:endParaRPr b="0" lang="en-GB" sz="2000" spc="-1" strike="noStrike">
               <a:solidFill>
                 <a:srgbClr val="000000"/>
               </a:solidFill>
@@ -3014,7 +3014,7 @@
                 <a:tab algn="l" pos="0"/>
               </a:tabLst>
             </a:pPr>
-            <a:endParaRPr b="0" lang="en-US" sz="2000" spc="-1" strike="noStrike">
+            <a:endParaRPr b="0" lang="en-GB" sz="2000" spc="-1" strike="noStrike">
               <a:solidFill>
                 <a:srgbClr val="000000"/>
               </a:solidFill>
@@ -3041,7 +3041,7 @@
               </a:rPr>
               <a:t>Controlled V-&gt; Ausgabewerte die durch das System beschrieben / verändert werden</a:t>
             </a:r>
-            <a:endParaRPr b="0" lang="en-US" sz="1200" spc="-1" strike="noStrike">
+            <a:endParaRPr b="0" lang="en-GB" sz="1200" spc="-1" strike="noStrike">
               <a:solidFill>
                 <a:srgbClr val="000000"/>
               </a:solidFill>
@@ -3068,7 +3068,7 @@
               </a:rPr>
               <a:t>Monitored V -&gt; EingabeWerte, die durch das System beschrieben werden</a:t>
             </a:r>
-            <a:endParaRPr b="0" lang="en-US" sz="1200" spc="-1" strike="noStrike">
+            <a:endParaRPr b="0" lang="en-GB" sz="1200" spc="-1" strike="noStrike">
               <a:solidFill>
                 <a:srgbClr val="000000"/>
               </a:solidFill>
@@ -3095,7 +3095,7 @@
               </a:rPr>
               <a:t>Output V -&gt; represents controlled V.</a:t>
             </a:r>
-            <a:endParaRPr b="0" lang="en-US" sz="1200" spc="-1" strike="noStrike">
+            <a:endParaRPr b="0" lang="en-GB" sz="1200" spc="-1" strike="noStrike">
               <a:solidFill>
                 <a:srgbClr val="000000"/>
               </a:solidFill>
@@ -3132,7 +3132,7 @@
               </a:rPr>
               <a:t>represents monitored V.</a:t>
             </a:r>
-            <a:endParaRPr b="0" lang="en-US" sz="1200" spc="-1" strike="noStrike">
+            <a:endParaRPr b="0" lang="en-GB" sz="1200" spc="-1" strike="noStrike">
               <a:solidFill>
                 <a:srgbClr val="000000"/>
               </a:solidFill>
@@ -3149,7 +3149,7 @@
                 <a:tab algn="l" pos="0"/>
               </a:tabLst>
             </a:pPr>
-            <a:endParaRPr b="0" lang="en-US" sz="1200" spc="-1" strike="noStrike">
+            <a:endParaRPr b="0" lang="en-GB" sz="1200" spc="-1" strike="noStrike">
               <a:solidFill>
                 <a:srgbClr val="000000"/>
               </a:solidFill>
@@ -3176,7 +3176,7 @@
               </a:rPr>
               <a:t>Eschbach, Elicitation &amp; Modeling: Embedded Systems Industrial Formal Techniques, 2006</a:t>
             </a:r>
-            <a:endParaRPr b="0" lang="en-US" sz="2000" spc="-1" strike="noStrike">
+            <a:endParaRPr b="0" lang="en-GB" sz="2000" spc="-1" strike="noStrike">
               <a:solidFill>
                 <a:srgbClr val="000000"/>
               </a:solidFill>
@@ -3216,7 +3216,7 @@
         <p:spPr>
           <a:xfrm>
             <a:off x="4403880" y="9556200"/>
-            <a:ext cx="3363840" cy="498240"/>
+            <a:ext cx="3363480" cy="497880"/>
           </a:xfrm>
           <a:prstGeom prst="rect">
             <a:avLst/>
@@ -3242,7 +3242,7 @@
                 <a:spcPct val="100000"/>
               </a:lnSpc>
             </a:pPr>
-            <a:fld id="{DAF26791-C06F-4016-8DFE-0A2AF6DAD078}" type="slidenum">
+            <a:fld id="{C02D5132-AE9B-4844-AD0B-4826949409BD}" type="slidenum">
               <a:rPr b="0" lang="de-DE" sz="1400" spc="-1" strike="noStrike">
                 <a:solidFill>
                   <a:srgbClr val="000000"/>
@@ -3252,7 +3252,7 @@
               </a:rPr>
               <a:t>41</a:t>
             </a:fld>
-            <a:endParaRPr b="0" lang="en-US" sz="1400" spc="-1" strike="noStrike">
+            <a:endParaRPr b="0" lang="en-GB" sz="1400" spc="-1" strike="noStrike">
               <a:solidFill>
                 <a:srgbClr val="000000"/>
               </a:solidFill>
@@ -3274,7 +3274,7 @@
         <p:spPr>
           <a:xfrm>
             <a:off x="533520" y="755640"/>
-            <a:ext cx="6701760" cy="3768120"/>
+            <a:ext cx="6701400" cy="3767760"/>
           </a:xfrm>
           <a:prstGeom prst="rect">
             <a:avLst/>
@@ -3297,7 +3297,7 @@
         <p:spPr>
           <a:xfrm>
             <a:off x="1035720" y="4777200"/>
-            <a:ext cx="5696280" cy="4521960"/>
+            <a:ext cx="5695920" cy="4521600"/>
           </a:xfrm>
           <a:prstGeom prst="rect">
             <a:avLst/>
@@ -3330,7 +3330,7 @@
               </a:rPr>
               <a:t>Vier Variablen Modell in einem Satz: Grundlagen sind Variablen (Grundlegendes Modell), Erweiterung über Realtionen -&gt; Grundlage für Dokumente: Wie dokumentiere ich sowas</a:t>
             </a:r>
-            <a:endParaRPr b="0" lang="en-US" sz="2000" spc="-1" strike="noStrike">
+            <a:endParaRPr b="0" lang="en-GB" sz="2000" spc="-1" strike="noStrike">
               <a:solidFill>
                 <a:srgbClr val="000000"/>
               </a:solidFill>
@@ -3347,7 +3347,7 @@
                 <a:tab algn="l" pos="0"/>
               </a:tabLst>
             </a:pPr>
-            <a:endParaRPr b="0" lang="en-US" sz="2000" spc="-1" strike="noStrike">
+            <a:endParaRPr b="0" lang="en-GB" sz="2000" spc="-1" strike="noStrike">
               <a:solidFill>
                 <a:srgbClr val="000000"/>
               </a:solidFill>
@@ -3374,7 +3374,7 @@
               </a:rPr>
               <a:t>Controlled V-&gt; Ausgabewerte die durch das System beschrieben / verändert werden</a:t>
             </a:r>
-            <a:endParaRPr b="0" lang="en-US" sz="1200" spc="-1" strike="noStrike">
+            <a:endParaRPr b="0" lang="en-GB" sz="1200" spc="-1" strike="noStrike">
               <a:solidFill>
                 <a:srgbClr val="000000"/>
               </a:solidFill>
@@ -3401,7 +3401,7 @@
               </a:rPr>
               <a:t>Monitored V -&gt; EingabeWerte, die durch das System beschrieben werden</a:t>
             </a:r>
-            <a:endParaRPr b="0" lang="en-US" sz="1200" spc="-1" strike="noStrike">
+            <a:endParaRPr b="0" lang="en-GB" sz="1200" spc="-1" strike="noStrike">
               <a:solidFill>
                 <a:srgbClr val="000000"/>
               </a:solidFill>
@@ -3428,7 +3428,7 @@
               </a:rPr>
               <a:t>Output V -&gt; represents controlled V.</a:t>
             </a:r>
-            <a:endParaRPr b="0" lang="en-US" sz="1200" spc="-1" strike="noStrike">
+            <a:endParaRPr b="0" lang="en-GB" sz="1200" spc="-1" strike="noStrike">
               <a:solidFill>
                 <a:srgbClr val="000000"/>
               </a:solidFill>
@@ -3465,7 +3465,7 @@
               </a:rPr>
               <a:t>represents monitored V.</a:t>
             </a:r>
-            <a:endParaRPr b="0" lang="en-US" sz="1200" spc="-1" strike="noStrike">
+            <a:endParaRPr b="0" lang="en-GB" sz="1200" spc="-1" strike="noStrike">
               <a:solidFill>
                 <a:srgbClr val="000000"/>
               </a:solidFill>
@@ -3482,7 +3482,7 @@
                 <a:tab algn="l" pos="0"/>
               </a:tabLst>
             </a:pPr>
-            <a:endParaRPr b="0" lang="en-US" sz="1200" spc="-1" strike="noStrike">
+            <a:endParaRPr b="0" lang="en-GB" sz="1200" spc="-1" strike="noStrike">
               <a:solidFill>
                 <a:srgbClr val="000000"/>
               </a:solidFill>
@@ -3509,7 +3509,7 @@
               </a:rPr>
               <a:t>Eschbach, Elicitation &amp; Modeling: Embedded Systems Industrial Formal Techniques, 2006</a:t>
             </a:r>
-            <a:endParaRPr b="0" lang="en-US" sz="2000" spc="-1" strike="noStrike">
+            <a:endParaRPr b="0" lang="en-GB" sz="2000" spc="-1" strike="noStrike">
               <a:solidFill>
                 <a:srgbClr val="000000"/>
               </a:solidFill>
@@ -3549,7 +3549,7 @@
         <p:spPr>
           <a:xfrm>
             <a:off x="4403880" y="9556200"/>
-            <a:ext cx="3363840" cy="498240"/>
+            <a:ext cx="3363480" cy="497880"/>
           </a:xfrm>
           <a:prstGeom prst="rect">
             <a:avLst/>
@@ -3575,7 +3575,7 @@
                 <a:spcPct val="100000"/>
               </a:lnSpc>
             </a:pPr>
-            <a:fld id="{97E89578-9A50-4CE3-AAE9-D3AE7DB52E43}" type="slidenum">
+            <a:fld id="{70C0E90E-59E5-4458-9864-1E747F4DAB32}" type="slidenum">
               <a:rPr b="0" lang="de-DE" sz="1400" spc="-1" strike="noStrike">
                 <a:solidFill>
                   <a:srgbClr val="000000"/>
@@ -3585,7 +3585,7 @@
               </a:rPr>
               <a:t>41</a:t>
             </a:fld>
-            <a:endParaRPr b="0" lang="en-US" sz="1400" spc="-1" strike="noStrike">
+            <a:endParaRPr b="0" lang="en-GB" sz="1400" spc="-1" strike="noStrike">
               <a:solidFill>
                 <a:srgbClr val="000000"/>
               </a:solidFill>
@@ -3607,7 +3607,7 @@
         <p:spPr>
           <a:xfrm>
             <a:off x="533520" y="755640"/>
-            <a:ext cx="6701760" cy="3768120"/>
+            <a:ext cx="6701400" cy="3767760"/>
           </a:xfrm>
           <a:prstGeom prst="rect">
             <a:avLst/>
@@ -3630,7 +3630,7 @@
         <p:spPr>
           <a:xfrm>
             <a:off x="1035720" y="4777200"/>
-            <a:ext cx="5696280" cy="4521960"/>
+            <a:ext cx="5695920" cy="4521600"/>
           </a:xfrm>
           <a:prstGeom prst="rect">
             <a:avLst/>
@@ -3663,7 +3663,7 @@
               </a:rPr>
               <a:t>Vier Variablen Modell in einem Satz: Grundlagen sind Variablen (Grundlegendes Modell), Erweiterung über Realtionen -&gt; Grundlage für Dokumente: Wie dokumentiere ich sowas</a:t>
             </a:r>
-            <a:endParaRPr b="0" lang="en-US" sz="2000" spc="-1" strike="noStrike">
+            <a:endParaRPr b="0" lang="en-GB" sz="2000" spc="-1" strike="noStrike">
               <a:solidFill>
                 <a:srgbClr val="000000"/>
               </a:solidFill>
@@ -3680,7 +3680,7 @@
                 <a:tab algn="l" pos="0"/>
               </a:tabLst>
             </a:pPr>
-            <a:endParaRPr b="0" lang="en-US" sz="2000" spc="-1" strike="noStrike">
+            <a:endParaRPr b="0" lang="en-GB" sz="2000" spc="-1" strike="noStrike">
               <a:solidFill>
                 <a:srgbClr val="000000"/>
               </a:solidFill>
@@ -3707,7 +3707,7 @@
               </a:rPr>
               <a:t>Controlled V-&gt; Ausgabewerte die durch das System beschrieben / verändert werden</a:t>
             </a:r>
-            <a:endParaRPr b="0" lang="en-US" sz="1200" spc="-1" strike="noStrike">
+            <a:endParaRPr b="0" lang="en-GB" sz="1200" spc="-1" strike="noStrike">
               <a:solidFill>
                 <a:srgbClr val="000000"/>
               </a:solidFill>
@@ -3734,7 +3734,7 @@
               </a:rPr>
               <a:t>Monitored V -&gt; EingabeWerte, die durch das System beschrieben werden</a:t>
             </a:r>
-            <a:endParaRPr b="0" lang="en-US" sz="1200" spc="-1" strike="noStrike">
+            <a:endParaRPr b="0" lang="en-GB" sz="1200" spc="-1" strike="noStrike">
               <a:solidFill>
                 <a:srgbClr val="000000"/>
               </a:solidFill>
@@ -3761,7 +3761,7 @@
               </a:rPr>
               <a:t>Output V -&gt; represents controlled V.</a:t>
             </a:r>
-            <a:endParaRPr b="0" lang="en-US" sz="1200" spc="-1" strike="noStrike">
+            <a:endParaRPr b="0" lang="en-GB" sz="1200" spc="-1" strike="noStrike">
               <a:solidFill>
                 <a:srgbClr val="000000"/>
               </a:solidFill>
@@ -3798,7 +3798,7 @@
               </a:rPr>
               <a:t>represents monitored V.</a:t>
             </a:r>
-            <a:endParaRPr b="0" lang="en-US" sz="1200" spc="-1" strike="noStrike">
+            <a:endParaRPr b="0" lang="en-GB" sz="1200" spc="-1" strike="noStrike">
               <a:solidFill>
                 <a:srgbClr val="000000"/>
               </a:solidFill>
@@ -3815,7 +3815,7 @@
                 <a:tab algn="l" pos="0"/>
               </a:tabLst>
             </a:pPr>
-            <a:endParaRPr b="0" lang="en-US" sz="1200" spc="-1" strike="noStrike">
+            <a:endParaRPr b="0" lang="en-GB" sz="1200" spc="-1" strike="noStrike">
               <a:solidFill>
                 <a:srgbClr val="000000"/>
               </a:solidFill>
@@ -3842,7 +3842,7 @@
               </a:rPr>
               <a:t>Eschbach, Elicitation &amp; Modeling: Embedded Systems Industrial Formal Techniques, 2006</a:t>
             </a:r>
-            <a:endParaRPr b="0" lang="en-US" sz="2000" spc="-1" strike="noStrike">
+            <a:endParaRPr b="0" lang="en-GB" sz="2000" spc="-1" strike="noStrike">
               <a:solidFill>
                 <a:srgbClr val="000000"/>
               </a:solidFill>
@@ -3882,7 +3882,7 @@
         <p:spPr>
           <a:xfrm>
             <a:off x="4403880" y="9556200"/>
-            <a:ext cx="3363840" cy="498240"/>
+            <a:ext cx="3363480" cy="497880"/>
           </a:xfrm>
           <a:prstGeom prst="rect">
             <a:avLst/>
@@ -3908,7 +3908,7 @@
                 <a:spcPct val="100000"/>
               </a:lnSpc>
             </a:pPr>
-            <a:fld id="{B2E35BBB-5C56-49B6-8B65-C004794B153D}" type="slidenum">
+            <a:fld id="{745B3542-7CF1-4004-BC7E-9EFBC11CD7D4}" type="slidenum">
               <a:rPr b="0" lang="de-DE" sz="1400" spc="-1" strike="noStrike">
                 <a:solidFill>
                   <a:srgbClr val="000000"/>
@@ -3918,7 +3918,7 @@
               </a:rPr>
               <a:t>41</a:t>
             </a:fld>
-            <a:endParaRPr b="0" lang="en-US" sz="1400" spc="-1" strike="noStrike">
+            <a:endParaRPr b="0" lang="en-GB" sz="1400" spc="-1" strike="noStrike">
               <a:solidFill>
                 <a:srgbClr val="000000"/>
               </a:solidFill>
@@ -3940,7 +3940,7 @@
         <p:spPr>
           <a:xfrm>
             <a:off x="533520" y="755640"/>
-            <a:ext cx="6701760" cy="3768120"/>
+            <a:ext cx="6701400" cy="3767760"/>
           </a:xfrm>
           <a:prstGeom prst="rect">
             <a:avLst/>
@@ -3963,7 +3963,7 @@
         <p:spPr>
           <a:xfrm>
             <a:off x="1035720" y="4777200"/>
-            <a:ext cx="5696280" cy="4521960"/>
+            <a:ext cx="5695920" cy="4521600"/>
           </a:xfrm>
           <a:prstGeom prst="rect">
             <a:avLst/>
@@ -3996,7 +3996,7 @@
               </a:rPr>
               <a:t>Vier Variablen Modell in einem Satz: Grundlagen sind Variablen (Grundlegendes Modell), Erweiterung über Realtionen -&gt; Grundlage für Dokumente: Wie dokumentiere ich sowas</a:t>
             </a:r>
-            <a:endParaRPr b="0" lang="en-US" sz="2000" spc="-1" strike="noStrike">
+            <a:endParaRPr b="0" lang="en-GB" sz="2000" spc="-1" strike="noStrike">
               <a:solidFill>
                 <a:srgbClr val="000000"/>
               </a:solidFill>
@@ -4013,7 +4013,7 @@
                 <a:tab algn="l" pos="0"/>
               </a:tabLst>
             </a:pPr>
-            <a:endParaRPr b="0" lang="en-US" sz="2000" spc="-1" strike="noStrike">
+            <a:endParaRPr b="0" lang="en-GB" sz="2000" spc="-1" strike="noStrike">
               <a:solidFill>
                 <a:srgbClr val="000000"/>
               </a:solidFill>
@@ -4040,7 +4040,7 @@
               </a:rPr>
               <a:t>Controlled V-&gt; Ausgabewerte die durch das System beschrieben / verändert werden</a:t>
             </a:r>
-            <a:endParaRPr b="0" lang="en-US" sz="1200" spc="-1" strike="noStrike">
+            <a:endParaRPr b="0" lang="en-GB" sz="1200" spc="-1" strike="noStrike">
               <a:solidFill>
                 <a:srgbClr val="000000"/>
               </a:solidFill>
@@ -4067,7 +4067,7 @@
               </a:rPr>
               <a:t>Monitored V -&gt; EingabeWerte, die durch das System beschrieben werden</a:t>
             </a:r>
-            <a:endParaRPr b="0" lang="en-US" sz="1200" spc="-1" strike="noStrike">
+            <a:endParaRPr b="0" lang="en-GB" sz="1200" spc="-1" strike="noStrike">
               <a:solidFill>
                 <a:srgbClr val="000000"/>
               </a:solidFill>
@@ -4094,7 +4094,7 @@
               </a:rPr>
               <a:t>Output V -&gt; represents controlled V.</a:t>
             </a:r>
-            <a:endParaRPr b="0" lang="en-US" sz="1200" spc="-1" strike="noStrike">
+            <a:endParaRPr b="0" lang="en-GB" sz="1200" spc="-1" strike="noStrike">
               <a:solidFill>
                 <a:srgbClr val="000000"/>
               </a:solidFill>
@@ -4131,7 +4131,7 @@
               </a:rPr>
               <a:t>represents monitored V.</a:t>
             </a:r>
-            <a:endParaRPr b="0" lang="en-US" sz="1200" spc="-1" strike="noStrike">
+            <a:endParaRPr b="0" lang="en-GB" sz="1200" spc="-1" strike="noStrike">
               <a:solidFill>
                 <a:srgbClr val="000000"/>
               </a:solidFill>
@@ -4148,7 +4148,7 @@
                 <a:tab algn="l" pos="0"/>
               </a:tabLst>
             </a:pPr>
-            <a:endParaRPr b="0" lang="en-US" sz="1200" spc="-1" strike="noStrike">
+            <a:endParaRPr b="0" lang="en-GB" sz="1200" spc="-1" strike="noStrike">
               <a:solidFill>
                 <a:srgbClr val="000000"/>
               </a:solidFill>
@@ -4175,7 +4175,7 @@
               </a:rPr>
               <a:t>Eschbach, Elicitation &amp; Modeling: Embedded Systems Industrial Formal Techniques, 2006</a:t>
             </a:r>
-            <a:endParaRPr b="0" lang="en-US" sz="2000" spc="-1" strike="noStrike">
+            <a:endParaRPr b="0" lang="en-GB" sz="2000" spc="-1" strike="noStrike">
               <a:solidFill>
                 <a:srgbClr val="000000"/>
               </a:solidFill>
@@ -4215,7 +4215,7 @@
         <p:spPr>
           <a:xfrm>
             <a:off x="4403880" y="9556200"/>
-            <a:ext cx="3363840" cy="498240"/>
+            <a:ext cx="3363480" cy="497880"/>
           </a:xfrm>
           <a:prstGeom prst="rect">
             <a:avLst/>
@@ -4241,7 +4241,7 @@
                 <a:spcPct val="100000"/>
               </a:lnSpc>
             </a:pPr>
-            <a:fld id="{5F0F57C8-C4EB-4601-AACD-66B8F038F7C3}" type="slidenum">
+            <a:fld id="{A2DD4637-0996-4101-8734-6ED8D85E8B05}" type="slidenum">
               <a:rPr b="0" lang="de-DE" sz="1400" spc="-1" strike="noStrike">
                 <a:solidFill>
                   <a:srgbClr val="000000"/>
@@ -4251,7 +4251,7 @@
               </a:rPr>
               <a:t>41</a:t>
             </a:fld>
-            <a:endParaRPr b="0" lang="en-US" sz="1400" spc="-1" strike="noStrike">
+            <a:endParaRPr b="0" lang="en-GB" sz="1400" spc="-1" strike="noStrike">
               <a:solidFill>
                 <a:srgbClr val="000000"/>
               </a:solidFill>
@@ -4273,7 +4273,7 @@
         <p:spPr>
           <a:xfrm>
             <a:off x="533520" y="755640"/>
-            <a:ext cx="6701760" cy="3768120"/>
+            <a:ext cx="6701400" cy="3767760"/>
           </a:xfrm>
           <a:prstGeom prst="rect">
             <a:avLst/>
@@ -4296,7 +4296,7 @@
         <p:spPr>
           <a:xfrm>
             <a:off x="1035720" y="4777200"/>
-            <a:ext cx="5696280" cy="4521960"/>
+            <a:ext cx="5695920" cy="4521600"/>
           </a:xfrm>
           <a:prstGeom prst="rect">
             <a:avLst/>
@@ -4329,7 +4329,7 @@
               </a:rPr>
               <a:t>Vier Variablen Modell in einem Satz: Grundlagen sind Variablen (Grundlegendes Modell), Erweiterung über Realtionen -&gt; Grundlage für Dokumente: Wie dokumentiere ich sowas</a:t>
             </a:r>
-            <a:endParaRPr b="0" lang="en-US" sz="2000" spc="-1" strike="noStrike">
+            <a:endParaRPr b="0" lang="en-GB" sz="2000" spc="-1" strike="noStrike">
               <a:solidFill>
                 <a:srgbClr val="000000"/>
               </a:solidFill>
@@ -4346,7 +4346,7 @@
                 <a:tab algn="l" pos="0"/>
               </a:tabLst>
             </a:pPr>
-            <a:endParaRPr b="0" lang="en-US" sz="2000" spc="-1" strike="noStrike">
+            <a:endParaRPr b="0" lang="en-GB" sz="2000" spc="-1" strike="noStrike">
               <a:solidFill>
                 <a:srgbClr val="000000"/>
               </a:solidFill>
@@ -4373,7 +4373,7 @@
               </a:rPr>
               <a:t>Controlled V-&gt; Ausgabewerte die durch das System beschrieben / verändert werden</a:t>
             </a:r>
-            <a:endParaRPr b="0" lang="en-US" sz="1200" spc="-1" strike="noStrike">
+            <a:endParaRPr b="0" lang="en-GB" sz="1200" spc="-1" strike="noStrike">
               <a:solidFill>
                 <a:srgbClr val="000000"/>
               </a:solidFill>
@@ -4400,7 +4400,7 @@
               </a:rPr>
               <a:t>Monitored V -&gt; EingabeWerte, die durch das System beschrieben werden</a:t>
             </a:r>
-            <a:endParaRPr b="0" lang="en-US" sz="1200" spc="-1" strike="noStrike">
+            <a:endParaRPr b="0" lang="en-GB" sz="1200" spc="-1" strike="noStrike">
               <a:solidFill>
                 <a:srgbClr val="000000"/>
               </a:solidFill>
@@ -4427,7 +4427,7 @@
               </a:rPr>
               <a:t>Output V -&gt; represents controlled V.</a:t>
             </a:r>
-            <a:endParaRPr b="0" lang="en-US" sz="1200" spc="-1" strike="noStrike">
+            <a:endParaRPr b="0" lang="en-GB" sz="1200" spc="-1" strike="noStrike">
               <a:solidFill>
                 <a:srgbClr val="000000"/>
               </a:solidFill>
@@ -4464,7 +4464,7 @@
               </a:rPr>
               <a:t>represents monitored V.</a:t>
             </a:r>
-            <a:endParaRPr b="0" lang="en-US" sz="1200" spc="-1" strike="noStrike">
+            <a:endParaRPr b="0" lang="en-GB" sz="1200" spc="-1" strike="noStrike">
               <a:solidFill>
                 <a:srgbClr val="000000"/>
               </a:solidFill>
@@ -4481,7 +4481,7 @@
                 <a:tab algn="l" pos="0"/>
               </a:tabLst>
             </a:pPr>
-            <a:endParaRPr b="0" lang="en-US" sz="1200" spc="-1" strike="noStrike">
+            <a:endParaRPr b="0" lang="en-GB" sz="1200" spc="-1" strike="noStrike">
               <a:solidFill>
                 <a:srgbClr val="000000"/>
               </a:solidFill>
@@ -4508,7 +4508,7 @@
               </a:rPr>
               <a:t>Eschbach, Elicitation &amp; Modeling: Embedded Systems Industrial Formal Techniques, 2006</a:t>
             </a:r>
-            <a:endParaRPr b="0" lang="en-US" sz="2000" spc="-1" strike="noStrike">
+            <a:endParaRPr b="0" lang="en-GB" sz="2000" spc="-1" strike="noStrike">
               <a:solidFill>
                 <a:srgbClr val="000000"/>
               </a:solidFill>
@@ -4548,7 +4548,7 @@
         <p:spPr>
           <a:xfrm>
             <a:off x="4403880" y="9556200"/>
-            <a:ext cx="3363840" cy="498240"/>
+            <a:ext cx="3363480" cy="497880"/>
           </a:xfrm>
           <a:prstGeom prst="rect">
             <a:avLst/>
@@ -4574,7 +4574,7 @@
                 <a:spcPct val="100000"/>
               </a:lnSpc>
             </a:pPr>
-            <a:fld id="{234CEC62-6596-45EC-9BA3-F2DA3ED3FADA}" type="slidenum">
+            <a:fld id="{FDCA3FCA-AF56-4E47-B1AA-2AD3D5EA2523}" type="slidenum">
               <a:rPr b="0" lang="de-DE" sz="1400" spc="-1" strike="noStrike">
                 <a:solidFill>
                   <a:srgbClr val="000000"/>
@@ -4584,7 +4584,7 @@
               </a:rPr>
               <a:t>41</a:t>
             </a:fld>
-            <a:endParaRPr b="0" lang="en-US" sz="1400" spc="-1" strike="noStrike">
+            <a:endParaRPr b="0" lang="en-GB" sz="1400" spc="-1" strike="noStrike">
               <a:solidFill>
                 <a:srgbClr val="000000"/>
               </a:solidFill>
@@ -4606,7 +4606,7 @@
         <p:spPr>
           <a:xfrm>
             <a:off x="533520" y="755640"/>
-            <a:ext cx="6701760" cy="3768120"/>
+            <a:ext cx="6701400" cy="3767760"/>
           </a:xfrm>
           <a:prstGeom prst="rect">
             <a:avLst/>
@@ -4629,7 +4629,7 @@
         <p:spPr>
           <a:xfrm>
             <a:off x="1035720" y="4777200"/>
-            <a:ext cx="5696280" cy="4521960"/>
+            <a:ext cx="5695920" cy="4521600"/>
           </a:xfrm>
           <a:prstGeom prst="rect">
             <a:avLst/>
@@ -4662,7 +4662,7 @@
               </a:rPr>
               <a:t>Vier Variablen Modell in einem Satz: Grundlagen sind Variablen (Grundlegendes Modell), Erweiterung über Realtionen -&gt; Grundlage für Dokumente: Wie dokumentiere ich sowas</a:t>
             </a:r>
-            <a:endParaRPr b="0" lang="en-US" sz="2000" spc="-1" strike="noStrike">
+            <a:endParaRPr b="0" lang="en-GB" sz="2000" spc="-1" strike="noStrike">
               <a:solidFill>
                 <a:srgbClr val="000000"/>
               </a:solidFill>
@@ -4679,7 +4679,7 @@
                 <a:tab algn="l" pos="0"/>
               </a:tabLst>
             </a:pPr>
-            <a:endParaRPr b="0" lang="en-US" sz="2000" spc="-1" strike="noStrike">
+            <a:endParaRPr b="0" lang="en-GB" sz="2000" spc="-1" strike="noStrike">
               <a:solidFill>
                 <a:srgbClr val="000000"/>
               </a:solidFill>
@@ -4706,7 +4706,7 @@
               </a:rPr>
               <a:t>Controlled V-&gt; Ausgabewerte die durch das System beschrieben / verändert werden</a:t>
             </a:r>
-            <a:endParaRPr b="0" lang="en-US" sz="1200" spc="-1" strike="noStrike">
+            <a:endParaRPr b="0" lang="en-GB" sz="1200" spc="-1" strike="noStrike">
               <a:solidFill>
                 <a:srgbClr val="000000"/>
               </a:solidFill>
@@ -4733,7 +4733,7 @@
               </a:rPr>
               <a:t>Monitored V -&gt; EingabeWerte, die durch das System beschrieben werden</a:t>
             </a:r>
-            <a:endParaRPr b="0" lang="en-US" sz="1200" spc="-1" strike="noStrike">
+            <a:endParaRPr b="0" lang="en-GB" sz="1200" spc="-1" strike="noStrike">
               <a:solidFill>
                 <a:srgbClr val="000000"/>
               </a:solidFill>
@@ -4760,7 +4760,7 @@
               </a:rPr>
               <a:t>Output V -&gt; represents controlled V.</a:t>
             </a:r>
-            <a:endParaRPr b="0" lang="en-US" sz="1200" spc="-1" strike="noStrike">
+            <a:endParaRPr b="0" lang="en-GB" sz="1200" spc="-1" strike="noStrike">
               <a:solidFill>
                 <a:srgbClr val="000000"/>
               </a:solidFill>
@@ -4797,7 +4797,7 @@
               </a:rPr>
               <a:t>represents monitored V.</a:t>
             </a:r>
-            <a:endParaRPr b="0" lang="en-US" sz="1200" spc="-1" strike="noStrike">
+            <a:endParaRPr b="0" lang="en-GB" sz="1200" spc="-1" strike="noStrike">
               <a:solidFill>
                 <a:srgbClr val="000000"/>
               </a:solidFill>
@@ -4814,7 +4814,7 @@
                 <a:tab algn="l" pos="0"/>
               </a:tabLst>
             </a:pPr>
-            <a:endParaRPr b="0" lang="en-US" sz="1200" spc="-1" strike="noStrike">
+            <a:endParaRPr b="0" lang="en-GB" sz="1200" spc="-1" strike="noStrike">
               <a:solidFill>
                 <a:srgbClr val="000000"/>
               </a:solidFill>
@@ -4841,7 +4841,7 @@
               </a:rPr>
               <a:t>Eschbach, Elicitation &amp; Modeling: Embedded Systems Industrial Formal Techniques, 2006</a:t>
             </a:r>
-            <a:endParaRPr b="0" lang="en-US" sz="2000" spc="-1" strike="noStrike">
+            <a:endParaRPr b="0" lang="en-GB" sz="2000" spc="-1" strike="noStrike">
               <a:solidFill>
                 <a:srgbClr val="000000"/>
               </a:solidFill>
@@ -4881,7 +4881,7 @@
         <p:spPr>
           <a:xfrm>
             <a:off x="4403880" y="9556200"/>
-            <a:ext cx="3363840" cy="498240"/>
+            <a:ext cx="3363480" cy="497880"/>
           </a:xfrm>
           <a:prstGeom prst="rect">
             <a:avLst/>
@@ -4907,7 +4907,7 @@
                 <a:spcPct val="100000"/>
               </a:lnSpc>
             </a:pPr>
-            <a:fld id="{D4EC89EA-A9B1-4DAE-AD75-1B172BAF6FBC}" type="slidenum">
+            <a:fld id="{4A6B8ADA-012C-43E4-954C-8A7D4E4E710A}" type="slidenum">
               <a:rPr b="0" lang="de-DE" sz="1400" spc="-1" strike="noStrike">
                 <a:solidFill>
                   <a:srgbClr val="000000"/>
@@ -4915,9 +4915,9 @@
                 <a:latin typeface="Times New Roman"/>
                 <a:ea typeface="ＭＳ Ｐゴシック"/>
               </a:rPr>
-              <a:t>41</a:t>
+              <a:t>&lt;number&gt;</a:t>
             </a:fld>
-            <a:endParaRPr b="0" lang="en-US" sz="1400" spc="-1" strike="noStrike">
+            <a:endParaRPr b="0" lang="en-GB" sz="1400" spc="-1" strike="noStrike">
               <a:solidFill>
                 <a:srgbClr val="000000"/>
               </a:solidFill>
@@ -4939,7 +4939,7 @@
         <p:spPr>
           <a:xfrm>
             <a:off x="533520" y="755640"/>
-            <a:ext cx="6701760" cy="3768120"/>
+            <a:ext cx="6701400" cy="3767760"/>
           </a:xfrm>
           <a:prstGeom prst="rect">
             <a:avLst/>
@@ -4962,7 +4962,7 @@
         <p:spPr>
           <a:xfrm>
             <a:off x="1035720" y="4777200"/>
-            <a:ext cx="5696280" cy="4521960"/>
+            <a:ext cx="5695920" cy="4521600"/>
           </a:xfrm>
           <a:prstGeom prst="rect">
             <a:avLst/>
@@ -4995,7 +4995,7 @@
               </a:rPr>
               <a:t>Vier Variablen Modell in einem Satz: Grundlagen sind Variablen (Grundlegendes Modell), Erweiterung über Realtionen -&gt; Grundlage für Dokumente: Wie dokumentiere ich sowas</a:t>
             </a:r>
-            <a:endParaRPr b="0" lang="en-US" sz="2000" spc="-1" strike="noStrike">
+            <a:endParaRPr b="0" lang="en-GB" sz="2000" spc="-1" strike="noStrike">
               <a:solidFill>
                 <a:srgbClr val="000000"/>
               </a:solidFill>
@@ -5012,7 +5012,7 @@
                 <a:tab algn="l" pos="0"/>
               </a:tabLst>
             </a:pPr>
-            <a:endParaRPr b="0" lang="en-US" sz="2000" spc="-1" strike="noStrike">
+            <a:endParaRPr b="0" lang="en-GB" sz="2000" spc="-1" strike="noStrike">
               <a:solidFill>
                 <a:srgbClr val="000000"/>
               </a:solidFill>
@@ -5039,7 +5039,7 @@
               </a:rPr>
               <a:t>Controlled V-&gt; Ausgabewerte die durch das System beschrieben / verändert werden</a:t>
             </a:r>
-            <a:endParaRPr b="0" lang="en-US" sz="1200" spc="-1" strike="noStrike">
+            <a:endParaRPr b="0" lang="en-GB" sz="1200" spc="-1" strike="noStrike">
               <a:solidFill>
                 <a:srgbClr val="000000"/>
               </a:solidFill>
@@ -5066,7 +5066,7 @@
               </a:rPr>
               <a:t>Monitored V -&gt; EingabeWerte, die durch das System beschrieben werden</a:t>
             </a:r>
-            <a:endParaRPr b="0" lang="en-US" sz="1200" spc="-1" strike="noStrike">
+            <a:endParaRPr b="0" lang="en-GB" sz="1200" spc="-1" strike="noStrike">
               <a:solidFill>
                 <a:srgbClr val="000000"/>
               </a:solidFill>
@@ -5093,7 +5093,7 @@
               </a:rPr>
               <a:t>Output V -&gt; represents controlled V.</a:t>
             </a:r>
-            <a:endParaRPr b="0" lang="en-US" sz="1200" spc="-1" strike="noStrike">
+            <a:endParaRPr b="0" lang="en-GB" sz="1200" spc="-1" strike="noStrike">
               <a:solidFill>
                 <a:srgbClr val="000000"/>
               </a:solidFill>
@@ -5130,7 +5130,7 @@
               </a:rPr>
               <a:t>represents monitored V.</a:t>
             </a:r>
-            <a:endParaRPr b="0" lang="en-US" sz="1200" spc="-1" strike="noStrike">
+            <a:endParaRPr b="0" lang="en-GB" sz="1200" spc="-1" strike="noStrike">
               <a:solidFill>
                 <a:srgbClr val="000000"/>
               </a:solidFill>
@@ -5147,7 +5147,7 @@
                 <a:tab algn="l" pos="0"/>
               </a:tabLst>
             </a:pPr>
-            <a:endParaRPr b="0" lang="en-US" sz="1200" spc="-1" strike="noStrike">
+            <a:endParaRPr b="0" lang="en-GB" sz="1200" spc="-1" strike="noStrike">
               <a:solidFill>
                 <a:srgbClr val="000000"/>
               </a:solidFill>
@@ -5174,7 +5174,7 @@
               </a:rPr>
               <a:t>Eschbach, Elicitation &amp; Modeling: Embedded Systems Industrial Formal Techniques, 2006</a:t>
             </a:r>
-            <a:endParaRPr b="0" lang="en-US" sz="2000" spc="-1" strike="noStrike">
+            <a:endParaRPr b="0" lang="en-GB" sz="2000" spc="-1" strike="noStrike">
               <a:solidFill>
                 <a:srgbClr val="000000"/>
               </a:solidFill>
@@ -5214,7 +5214,7 @@
         <p:spPr>
           <a:xfrm>
             <a:off x="4403880" y="9556200"/>
-            <a:ext cx="3363840" cy="498240"/>
+            <a:ext cx="3363480" cy="497880"/>
           </a:xfrm>
           <a:prstGeom prst="rect">
             <a:avLst/>
@@ -5240,7 +5240,7 @@
                 <a:spcPct val="100000"/>
               </a:lnSpc>
             </a:pPr>
-            <a:fld id="{99C4E79E-4E23-4C05-B329-19159C9F577B}" type="slidenum">
+            <a:fld id="{F6E1FB2B-BB47-461E-A321-1BAEA1708E0C}" type="slidenum">
               <a:rPr b="0" lang="de-DE" sz="1400" spc="-1" strike="noStrike">
                 <a:solidFill>
                   <a:srgbClr val="000000"/>
@@ -5248,9 +5248,9 @@
                 <a:latin typeface="Times New Roman"/>
                 <a:ea typeface="ＭＳ Ｐゴシック"/>
               </a:rPr>
-              <a:t>41</a:t>
+              <a:t>&lt;number&gt;</a:t>
             </a:fld>
-            <a:endParaRPr b="0" lang="en-US" sz="1400" spc="-1" strike="noStrike">
+            <a:endParaRPr b="0" lang="en-GB" sz="1400" spc="-1" strike="noStrike">
               <a:solidFill>
                 <a:srgbClr val="000000"/>
               </a:solidFill>
@@ -5272,7 +5272,7 @@
         <p:spPr>
           <a:xfrm>
             <a:off x="533520" y="755640"/>
-            <a:ext cx="6701760" cy="3768120"/>
+            <a:ext cx="6701400" cy="3767760"/>
           </a:xfrm>
           <a:prstGeom prst="rect">
             <a:avLst/>
@@ -5295,7 +5295,7 @@
         <p:spPr>
           <a:xfrm>
             <a:off x="1035720" y="4777200"/>
-            <a:ext cx="5696280" cy="4521960"/>
+            <a:ext cx="5695920" cy="4521600"/>
           </a:xfrm>
           <a:prstGeom prst="rect">
             <a:avLst/>
@@ -5328,7 +5328,7 @@
               </a:rPr>
               <a:t>Vier Variablen Modell in einem Satz: Grundlagen sind Variablen (Grundlegendes Modell), Erweiterung über Realtionen -&gt; Grundlage für Dokumente: Wie dokumentiere ich sowas</a:t>
             </a:r>
-            <a:endParaRPr b="0" lang="en-US" sz="2000" spc="-1" strike="noStrike">
+            <a:endParaRPr b="0" lang="en-GB" sz="2000" spc="-1" strike="noStrike">
               <a:solidFill>
                 <a:srgbClr val="000000"/>
               </a:solidFill>
@@ -5345,7 +5345,7 @@
                 <a:tab algn="l" pos="0"/>
               </a:tabLst>
             </a:pPr>
-            <a:endParaRPr b="0" lang="en-US" sz="2000" spc="-1" strike="noStrike">
+            <a:endParaRPr b="0" lang="en-GB" sz="2000" spc="-1" strike="noStrike">
               <a:solidFill>
                 <a:srgbClr val="000000"/>
               </a:solidFill>
@@ -5372,7 +5372,7 @@
               </a:rPr>
               <a:t>Controlled V-&gt; Ausgabewerte die durch das System beschrieben / verändert werden</a:t>
             </a:r>
-            <a:endParaRPr b="0" lang="en-US" sz="1200" spc="-1" strike="noStrike">
+            <a:endParaRPr b="0" lang="en-GB" sz="1200" spc="-1" strike="noStrike">
               <a:solidFill>
                 <a:srgbClr val="000000"/>
               </a:solidFill>
@@ -5399,7 +5399,7 @@
               </a:rPr>
               <a:t>Monitored V -&gt; EingabeWerte, die durch das System beschrieben werden</a:t>
             </a:r>
-            <a:endParaRPr b="0" lang="en-US" sz="1200" spc="-1" strike="noStrike">
+            <a:endParaRPr b="0" lang="en-GB" sz="1200" spc="-1" strike="noStrike">
               <a:solidFill>
                 <a:srgbClr val="000000"/>
               </a:solidFill>
@@ -5426,7 +5426,7 @@
               </a:rPr>
               <a:t>Output V -&gt; represents controlled V.</a:t>
             </a:r>
-            <a:endParaRPr b="0" lang="en-US" sz="1200" spc="-1" strike="noStrike">
+            <a:endParaRPr b="0" lang="en-GB" sz="1200" spc="-1" strike="noStrike">
               <a:solidFill>
                 <a:srgbClr val="000000"/>
               </a:solidFill>
@@ -5463,7 +5463,7 @@
               </a:rPr>
               <a:t>represents monitored V.</a:t>
             </a:r>
-            <a:endParaRPr b="0" lang="en-US" sz="1200" spc="-1" strike="noStrike">
+            <a:endParaRPr b="0" lang="en-GB" sz="1200" spc="-1" strike="noStrike">
               <a:solidFill>
                 <a:srgbClr val="000000"/>
               </a:solidFill>
@@ -5480,7 +5480,7 @@
                 <a:tab algn="l" pos="0"/>
               </a:tabLst>
             </a:pPr>
-            <a:endParaRPr b="0" lang="en-US" sz="1200" spc="-1" strike="noStrike">
+            <a:endParaRPr b="0" lang="en-GB" sz="1200" spc="-1" strike="noStrike">
               <a:solidFill>
                 <a:srgbClr val="000000"/>
               </a:solidFill>
@@ -5507,7 +5507,7 @@
               </a:rPr>
               <a:t>Eschbach, Elicitation &amp; Modeling: Embedded Systems Industrial Formal Techniques, 2006</a:t>
             </a:r>
-            <a:endParaRPr b="0" lang="en-US" sz="2000" spc="-1" strike="noStrike">
+            <a:endParaRPr b="0" lang="en-GB" sz="2000" spc="-1" strike="noStrike">
               <a:solidFill>
                 <a:srgbClr val="000000"/>
               </a:solidFill>
@@ -5547,7 +5547,7 @@
         <p:spPr>
           <a:xfrm>
             <a:off x="4403880" y="9556200"/>
-            <a:ext cx="3363840" cy="498240"/>
+            <a:ext cx="3363480" cy="497880"/>
           </a:xfrm>
           <a:prstGeom prst="rect">
             <a:avLst/>
@@ -5573,7 +5573,7 @@
                 <a:spcPct val="100000"/>
               </a:lnSpc>
             </a:pPr>
-            <a:fld id="{BBB59C54-EED1-4EF7-A44B-CABF5B262817}" type="slidenum">
+            <a:fld id="{FA009836-602E-44C5-9F46-2F57B00F440B}" type="slidenum">
               <a:rPr b="0" lang="de-DE" sz="1400" spc="-1" strike="noStrike">
                 <a:solidFill>
                   <a:srgbClr val="000000"/>
@@ -5581,9 +5581,9 @@
                 <a:latin typeface="Times New Roman"/>
                 <a:ea typeface="ＭＳ Ｐゴシック"/>
               </a:rPr>
-              <a:t>41</a:t>
+              <a:t>&lt;number&gt;</a:t>
             </a:fld>
-            <a:endParaRPr b="0" lang="en-US" sz="1400" spc="-1" strike="noStrike">
+            <a:endParaRPr b="0" lang="en-GB" sz="1400" spc="-1" strike="noStrike">
               <a:solidFill>
                 <a:srgbClr val="000000"/>
               </a:solidFill>
@@ -5605,7 +5605,7 @@
         <p:spPr>
           <a:xfrm>
             <a:off x="533520" y="755640"/>
-            <a:ext cx="6701760" cy="3768120"/>
+            <a:ext cx="6701400" cy="3767760"/>
           </a:xfrm>
           <a:prstGeom prst="rect">
             <a:avLst/>
@@ -5628,7 +5628,7 @@
         <p:spPr>
           <a:xfrm>
             <a:off x="1035720" y="4777200"/>
-            <a:ext cx="5696280" cy="4521960"/>
+            <a:ext cx="5695920" cy="4521600"/>
           </a:xfrm>
           <a:prstGeom prst="rect">
             <a:avLst/>
@@ -5661,7 +5661,7 @@
               </a:rPr>
               <a:t>Vier Variablen Modell in einem Satz: Grundlagen sind Variablen (Grundlegendes Modell), Erweiterung über Realtionen -&gt; Grundlage für Dokumente: Wie dokumentiere ich sowas</a:t>
             </a:r>
-            <a:endParaRPr b="0" lang="en-US" sz="2000" spc="-1" strike="noStrike">
+            <a:endParaRPr b="0" lang="en-GB" sz="2000" spc="-1" strike="noStrike">
               <a:solidFill>
                 <a:srgbClr val="000000"/>
               </a:solidFill>
@@ -5678,7 +5678,7 @@
                 <a:tab algn="l" pos="0"/>
               </a:tabLst>
             </a:pPr>
-            <a:endParaRPr b="0" lang="en-US" sz="2000" spc="-1" strike="noStrike">
+            <a:endParaRPr b="0" lang="en-GB" sz="2000" spc="-1" strike="noStrike">
               <a:solidFill>
                 <a:srgbClr val="000000"/>
               </a:solidFill>
@@ -5705,7 +5705,7 @@
               </a:rPr>
               <a:t>Controlled V-&gt; Ausgabewerte die durch das System beschrieben / verändert werden</a:t>
             </a:r>
-            <a:endParaRPr b="0" lang="en-US" sz="1200" spc="-1" strike="noStrike">
+            <a:endParaRPr b="0" lang="en-GB" sz="1200" spc="-1" strike="noStrike">
               <a:solidFill>
                 <a:srgbClr val="000000"/>
               </a:solidFill>
@@ -5732,7 +5732,7 @@
               </a:rPr>
               <a:t>Monitored V -&gt; EingabeWerte, die durch das System beschrieben werden</a:t>
             </a:r>
-            <a:endParaRPr b="0" lang="en-US" sz="1200" spc="-1" strike="noStrike">
+            <a:endParaRPr b="0" lang="en-GB" sz="1200" spc="-1" strike="noStrike">
               <a:solidFill>
                 <a:srgbClr val="000000"/>
               </a:solidFill>
@@ -5759,7 +5759,7 @@
               </a:rPr>
               <a:t>Output V -&gt; represents controlled V.</a:t>
             </a:r>
-            <a:endParaRPr b="0" lang="en-US" sz="1200" spc="-1" strike="noStrike">
+            <a:endParaRPr b="0" lang="en-GB" sz="1200" spc="-1" strike="noStrike">
               <a:solidFill>
                 <a:srgbClr val="000000"/>
               </a:solidFill>
@@ -5796,7 +5796,7 @@
               </a:rPr>
               <a:t>represents monitored V.</a:t>
             </a:r>
-            <a:endParaRPr b="0" lang="en-US" sz="1200" spc="-1" strike="noStrike">
+            <a:endParaRPr b="0" lang="en-GB" sz="1200" spc="-1" strike="noStrike">
               <a:solidFill>
                 <a:srgbClr val="000000"/>
               </a:solidFill>
@@ -5813,7 +5813,7 @@
                 <a:tab algn="l" pos="0"/>
               </a:tabLst>
             </a:pPr>
-            <a:endParaRPr b="0" lang="en-US" sz="1200" spc="-1" strike="noStrike">
+            <a:endParaRPr b="0" lang="en-GB" sz="1200" spc="-1" strike="noStrike">
               <a:solidFill>
                 <a:srgbClr val="000000"/>
               </a:solidFill>
@@ -5840,7 +5840,7 @@
               </a:rPr>
               <a:t>Eschbach, Elicitation &amp; Modeling: Embedded Systems Industrial Formal Techniques, 2006</a:t>
             </a:r>
-            <a:endParaRPr b="0" lang="en-US" sz="2000" spc="-1" strike="noStrike">
+            <a:endParaRPr b="0" lang="en-GB" sz="2000" spc="-1" strike="noStrike">
               <a:solidFill>
                 <a:srgbClr val="000000"/>
               </a:solidFill>
@@ -5880,7 +5880,7 @@
         <p:spPr>
           <a:xfrm>
             <a:off x="4403880" y="9556200"/>
-            <a:ext cx="3363840" cy="498240"/>
+            <a:ext cx="3363480" cy="497880"/>
           </a:xfrm>
           <a:prstGeom prst="rect">
             <a:avLst/>
@@ -5906,7 +5906,7 @@
                 <a:spcPct val="100000"/>
               </a:lnSpc>
             </a:pPr>
-            <a:fld id="{B76B30A6-CDFD-451F-9E96-4F34F8595EDB}" type="slidenum">
+            <a:fld id="{641F582E-53F8-4C72-A046-1D9E8DABAE60}" type="slidenum">
               <a:rPr b="0" lang="de-DE" sz="1400" spc="-1" strike="noStrike">
                 <a:solidFill>
                   <a:srgbClr val="000000"/>
@@ -5914,9 +5914,9 @@
                 <a:latin typeface="Times New Roman"/>
                 <a:ea typeface="ＭＳ Ｐゴシック"/>
               </a:rPr>
-              <a:t>41</a:t>
+              <a:t>&lt;number&gt;</a:t>
             </a:fld>
-            <a:endParaRPr b="0" lang="en-US" sz="1400" spc="-1" strike="noStrike">
+            <a:endParaRPr b="0" lang="en-GB" sz="1400" spc="-1" strike="noStrike">
               <a:solidFill>
                 <a:srgbClr val="000000"/>
               </a:solidFill>
@@ -5938,7 +5938,7 @@
         <p:spPr>
           <a:xfrm>
             <a:off x="533520" y="755640"/>
-            <a:ext cx="6701760" cy="3768120"/>
+            <a:ext cx="6701400" cy="3767760"/>
           </a:xfrm>
           <a:prstGeom prst="rect">
             <a:avLst/>
@@ -5961,7 +5961,7 @@
         <p:spPr>
           <a:xfrm>
             <a:off x="1035720" y="4777200"/>
-            <a:ext cx="5696280" cy="4521960"/>
+            <a:ext cx="5695920" cy="4521600"/>
           </a:xfrm>
           <a:prstGeom prst="rect">
             <a:avLst/>
@@ -5994,7 +5994,7 @@
               </a:rPr>
               <a:t>Vier Variablen Modell in einem Satz: Grundlagen sind Variablen (Grundlegendes Modell), Erweiterung über Realtionen -&gt; Grundlage für Dokumente: Wie dokumentiere ich sowas</a:t>
             </a:r>
-            <a:endParaRPr b="0" lang="en-US" sz="2000" spc="-1" strike="noStrike">
+            <a:endParaRPr b="0" lang="en-GB" sz="2000" spc="-1" strike="noStrike">
               <a:solidFill>
                 <a:srgbClr val="000000"/>
               </a:solidFill>
@@ -6011,7 +6011,7 @@
                 <a:tab algn="l" pos="0"/>
               </a:tabLst>
             </a:pPr>
-            <a:endParaRPr b="0" lang="en-US" sz="2000" spc="-1" strike="noStrike">
+            <a:endParaRPr b="0" lang="en-GB" sz="2000" spc="-1" strike="noStrike">
               <a:solidFill>
                 <a:srgbClr val="000000"/>
               </a:solidFill>
@@ -6038,7 +6038,7 @@
               </a:rPr>
               <a:t>Controlled V-&gt; Ausgabewerte die durch das System beschrieben / verändert werden</a:t>
             </a:r>
-            <a:endParaRPr b="0" lang="en-US" sz="1200" spc="-1" strike="noStrike">
+            <a:endParaRPr b="0" lang="en-GB" sz="1200" spc="-1" strike="noStrike">
               <a:solidFill>
                 <a:srgbClr val="000000"/>
               </a:solidFill>
@@ -6065,7 +6065,7 @@
               </a:rPr>
               <a:t>Monitored V -&gt; EingabeWerte, die durch das System beschrieben werden</a:t>
             </a:r>
-            <a:endParaRPr b="0" lang="en-US" sz="1200" spc="-1" strike="noStrike">
+            <a:endParaRPr b="0" lang="en-GB" sz="1200" spc="-1" strike="noStrike">
               <a:solidFill>
                 <a:srgbClr val="000000"/>
               </a:solidFill>
@@ -6092,7 +6092,7 @@
               </a:rPr>
               <a:t>Output V -&gt; represents controlled V.</a:t>
             </a:r>
-            <a:endParaRPr b="0" lang="en-US" sz="1200" spc="-1" strike="noStrike">
+            <a:endParaRPr b="0" lang="en-GB" sz="1200" spc="-1" strike="noStrike">
               <a:solidFill>
                 <a:srgbClr val="000000"/>
               </a:solidFill>
@@ -6129,7 +6129,7 @@
               </a:rPr>
               <a:t>represents monitored V.</a:t>
             </a:r>
-            <a:endParaRPr b="0" lang="en-US" sz="1200" spc="-1" strike="noStrike">
+            <a:endParaRPr b="0" lang="en-GB" sz="1200" spc="-1" strike="noStrike">
               <a:solidFill>
                 <a:srgbClr val="000000"/>
               </a:solidFill>
@@ -6146,7 +6146,7 @@
                 <a:tab algn="l" pos="0"/>
               </a:tabLst>
             </a:pPr>
-            <a:endParaRPr b="0" lang="en-US" sz="1200" spc="-1" strike="noStrike">
+            <a:endParaRPr b="0" lang="en-GB" sz="1200" spc="-1" strike="noStrike">
               <a:solidFill>
                 <a:srgbClr val="000000"/>
               </a:solidFill>
@@ -6173,7 +6173,7 @@
               </a:rPr>
               <a:t>Eschbach, Elicitation &amp; Modeling: Embedded Systems Industrial Formal Techniques, 2006</a:t>
             </a:r>
-            <a:endParaRPr b="0" lang="en-US" sz="2000" spc="-1" strike="noStrike">
+            <a:endParaRPr b="0" lang="en-GB" sz="2000" spc="-1" strike="noStrike">
               <a:solidFill>
                 <a:srgbClr val="000000"/>
               </a:solidFill>
@@ -6213,7 +6213,7 @@
         <p:spPr>
           <a:xfrm>
             <a:off x="4403880" y="9556200"/>
-            <a:ext cx="3363840" cy="498240"/>
+            <a:ext cx="3363480" cy="497880"/>
           </a:xfrm>
           <a:prstGeom prst="rect">
             <a:avLst/>
@@ -6239,7 +6239,7 @@
                 <a:spcPct val="100000"/>
               </a:lnSpc>
             </a:pPr>
-            <a:fld id="{AF1594CB-CBBB-4DE4-8C84-9DA5C674B2EB}" type="slidenum">
+            <a:fld id="{ADDE20BB-32A7-4D2B-A63E-F505C27DED6D}" type="slidenum">
               <a:rPr b="0" lang="de-DE" sz="1400" spc="-1" strike="noStrike">
                 <a:solidFill>
                   <a:srgbClr val="000000"/>
@@ -6249,7 +6249,7 @@
               </a:rPr>
               <a:t>&lt;number&gt;</a:t>
             </a:fld>
-            <a:endParaRPr b="0" lang="en-US" sz="1400" spc="-1" strike="noStrike">
+            <a:endParaRPr b="0" lang="en-GB" sz="1400" spc="-1" strike="noStrike">
               <a:solidFill>
                 <a:srgbClr val="000000"/>
               </a:solidFill>
@@ -6271,7 +6271,7 @@
         <p:spPr>
           <a:xfrm>
             <a:off x="533520" y="755640"/>
-            <a:ext cx="6701760" cy="3768120"/>
+            <a:ext cx="6701400" cy="3767760"/>
           </a:xfrm>
           <a:prstGeom prst="rect">
             <a:avLst/>
@@ -6294,7 +6294,7 @@
         <p:spPr>
           <a:xfrm>
             <a:off x="1035720" y="4777200"/>
-            <a:ext cx="5696280" cy="4521960"/>
+            <a:ext cx="5695920" cy="4521600"/>
           </a:xfrm>
           <a:prstGeom prst="rect">
             <a:avLst/>
@@ -6327,7 +6327,7 @@
               </a:rPr>
               <a:t>Vier Variablen Modell in einem Satz: Grundlagen sind Variablen (Grundlegendes Modell), Erweiterung über Realtionen -&gt; Grundlage für Dokumente: Wie dokumentiere ich sowas</a:t>
             </a:r>
-            <a:endParaRPr b="0" lang="en-US" sz="2000" spc="-1" strike="noStrike">
+            <a:endParaRPr b="0" lang="en-GB" sz="2000" spc="-1" strike="noStrike">
               <a:solidFill>
                 <a:srgbClr val="000000"/>
               </a:solidFill>
@@ -6344,7 +6344,7 @@
                 <a:tab algn="l" pos="0"/>
               </a:tabLst>
             </a:pPr>
-            <a:endParaRPr b="0" lang="en-US" sz="2000" spc="-1" strike="noStrike">
+            <a:endParaRPr b="0" lang="en-GB" sz="2000" spc="-1" strike="noStrike">
               <a:solidFill>
                 <a:srgbClr val="000000"/>
               </a:solidFill>
@@ -6371,7 +6371,7 @@
               </a:rPr>
               <a:t>Controlled V-&gt; Ausgabewerte die durch das System beschrieben / verändert werden</a:t>
             </a:r>
-            <a:endParaRPr b="0" lang="en-US" sz="1200" spc="-1" strike="noStrike">
+            <a:endParaRPr b="0" lang="en-GB" sz="1200" spc="-1" strike="noStrike">
               <a:solidFill>
                 <a:srgbClr val="000000"/>
               </a:solidFill>
@@ -6398,7 +6398,7 @@
               </a:rPr>
               <a:t>Monitored V -&gt; EingabeWerte, die durch das System beschrieben werden</a:t>
             </a:r>
-            <a:endParaRPr b="0" lang="en-US" sz="1200" spc="-1" strike="noStrike">
+            <a:endParaRPr b="0" lang="en-GB" sz="1200" spc="-1" strike="noStrike">
               <a:solidFill>
                 <a:srgbClr val="000000"/>
               </a:solidFill>
@@ -6425,7 +6425,7 @@
               </a:rPr>
               <a:t>Output V -&gt; represents controlled V.</a:t>
             </a:r>
-            <a:endParaRPr b="0" lang="en-US" sz="1200" spc="-1" strike="noStrike">
+            <a:endParaRPr b="0" lang="en-GB" sz="1200" spc="-1" strike="noStrike">
               <a:solidFill>
                 <a:srgbClr val="000000"/>
               </a:solidFill>
@@ -6462,7 +6462,7 @@
               </a:rPr>
               <a:t>represents monitored V.</a:t>
             </a:r>
-            <a:endParaRPr b="0" lang="en-US" sz="1200" spc="-1" strike="noStrike">
+            <a:endParaRPr b="0" lang="en-GB" sz="1200" spc="-1" strike="noStrike">
               <a:solidFill>
                 <a:srgbClr val="000000"/>
               </a:solidFill>
@@ -6479,7 +6479,7 @@
                 <a:tab algn="l" pos="0"/>
               </a:tabLst>
             </a:pPr>
-            <a:endParaRPr b="0" lang="en-US" sz="1200" spc="-1" strike="noStrike">
+            <a:endParaRPr b="0" lang="en-GB" sz="1200" spc="-1" strike="noStrike">
               <a:solidFill>
                 <a:srgbClr val="000000"/>
               </a:solidFill>
@@ -6506,7 +6506,7 @@
               </a:rPr>
               <a:t>Eschbach, Elicitation &amp; Modeling: Embedded Systems Industrial Formal Techniques, 2006</a:t>
             </a:r>
-            <a:endParaRPr b="0" lang="en-US" sz="2000" spc="-1" strike="noStrike">
+            <a:endParaRPr b="0" lang="en-GB" sz="2000" spc="-1" strike="noStrike">
               <a:solidFill>
                 <a:srgbClr val="000000"/>
               </a:solidFill>
@@ -6546,7 +6546,7 @@
         <p:spPr>
           <a:xfrm>
             <a:off x="4403880" y="9556200"/>
-            <a:ext cx="3363840" cy="498240"/>
+            <a:ext cx="3363480" cy="497880"/>
           </a:xfrm>
           <a:prstGeom prst="rect">
             <a:avLst/>
@@ -6572,7 +6572,7 @@
                 <a:spcPct val="100000"/>
               </a:lnSpc>
             </a:pPr>
-            <a:fld id="{7CDC9C4A-E0F4-4D26-B7CC-23EF06521085}" type="slidenum">
+            <a:fld id="{EC35081A-8BBC-4809-B484-E058D076E2B1}" type="slidenum">
               <a:rPr b="0" lang="de-DE" sz="1400" spc="-1" strike="noStrike">
                 <a:solidFill>
                   <a:srgbClr val="000000"/>
@@ -6582,7 +6582,7 @@
               </a:rPr>
               <a:t>41</a:t>
             </a:fld>
-            <a:endParaRPr b="0" lang="en-US" sz="1400" spc="-1" strike="noStrike">
+            <a:endParaRPr b="0" lang="en-GB" sz="1400" spc="-1" strike="noStrike">
               <a:solidFill>
                 <a:srgbClr val="000000"/>
               </a:solidFill>
@@ -6604,7 +6604,7 @@
         <p:spPr>
           <a:xfrm>
             <a:off x="533520" y="755640"/>
-            <a:ext cx="6701760" cy="3768120"/>
+            <a:ext cx="6701400" cy="3767760"/>
           </a:xfrm>
           <a:prstGeom prst="rect">
             <a:avLst/>
@@ -6627,7 +6627,7 @@
         <p:spPr>
           <a:xfrm>
             <a:off x="1035720" y="4775400"/>
-            <a:ext cx="5696280" cy="4523400"/>
+            <a:ext cx="5695920" cy="4523040"/>
           </a:xfrm>
           <a:prstGeom prst="rect">
             <a:avLst/>
@@ -6645,7 +6645,7 @@
             <a:pPr marL="216000" indent="0">
               <a:buNone/>
             </a:pPr>
-            <a:endParaRPr b="0" lang="en-US" sz="1800" spc="-1" strike="noStrike">
+            <a:endParaRPr b="0" lang="en-GB" sz="1800" spc="-1" strike="noStrike">
               <a:solidFill>
                 <a:srgbClr val="000000"/>
               </a:solidFill>
@@ -6685,7 +6685,7 @@
         <p:spPr>
           <a:xfrm>
             <a:off x="4403880" y="9556200"/>
-            <a:ext cx="3363840" cy="498240"/>
+            <a:ext cx="3363480" cy="497880"/>
           </a:xfrm>
           <a:prstGeom prst="rect">
             <a:avLst/>
@@ -6711,7 +6711,7 @@
                 <a:spcPct val="100000"/>
               </a:lnSpc>
             </a:pPr>
-            <a:fld id="{C91B5E0C-AEE1-48C5-857C-6A5E75E03856}" type="slidenum">
+            <a:fld id="{D374B45F-C950-4232-95EF-2101DE1CD1A2}" type="slidenum">
               <a:rPr b="0" lang="de-DE" sz="1400" spc="-1" strike="noStrike">
                 <a:solidFill>
                   <a:srgbClr val="000000"/>
@@ -6721,7 +6721,7 @@
               </a:rPr>
               <a:t>41</a:t>
             </a:fld>
-            <a:endParaRPr b="0" lang="en-US" sz="1400" spc="-1" strike="noStrike">
+            <a:endParaRPr b="0" lang="en-GB" sz="1400" spc="-1" strike="noStrike">
               <a:solidFill>
                 <a:srgbClr val="000000"/>
               </a:solidFill>
@@ -6743,7 +6743,7 @@
         <p:spPr>
           <a:xfrm>
             <a:off x="533520" y="755640"/>
-            <a:ext cx="6701760" cy="3768120"/>
+            <a:ext cx="6701400" cy="3767760"/>
           </a:xfrm>
           <a:prstGeom prst="rect">
             <a:avLst/>
@@ -6766,7 +6766,7 @@
         <p:spPr>
           <a:xfrm>
             <a:off x="1035720" y="4775400"/>
-            <a:ext cx="5696280" cy="4523400"/>
+            <a:ext cx="5695920" cy="4523040"/>
           </a:xfrm>
           <a:prstGeom prst="rect">
             <a:avLst/>
@@ -6784,7 +6784,7 @@
             <a:pPr marL="216000" indent="0">
               <a:buNone/>
             </a:pPr>
-            <a:endParaRPr b="0" lang="en-US" sz="1800" spc="-1" strike="noStrike">
+            <a:endParaRPr b="0" lang="en-GB" sz="1800" spc="-1" strike="noStrike">
               <a:solidFill>
                 <a:srgbClr val="000000"/>
               </a:solidFill>
@@ -6824,7 +6824,7 @@
         <p:spPr>
           <a:xfrm>
             <a:off x="4403880" y="9556200"/>
-            <a:ext cx="3363840" cy="498240"/>
+            <a:ext cx="3363480" cy="497880"/>
           </a:xfrm>
           <a:prstGeom prst="rect">
             <a:avLst/>
@@ -6850,7 +6850,7 @@
                 <a:spcPct val="100000"/>
               </a:lnSpc>
             </a:pPr>
-            <a:fld id="{5C62AA0E-DD94-4056-9D91-791C36531ED9}" type="slidenum">
+            <a:fld id="{34A0E2CD-6602-4CBA-8C22-2298747D5C6F}" type="slidenum">
               <a:rPr b="0" lang="de-DE" sz="1400" spc="-1" strike="noStrike">
                 <a:solidFill>
                   <a:srgbClr val="000000"/>
@@ -6860,7 +6860,7 @@
               </a:rPr>
               <a:t>41</a:t>
             </a:fld>
-            <a:endParaRPr b="0" lang="en-US" sz="1400" spc="-1" strike="noStrike">
+            <a:endParaRPr b="0" lang="en-GB" sz="1400" spc="-1" strike="noStrike">
               <a:solidFill>
                 <a:srgbClr val="000000"/>
               </a:solidFill>
@@ -6882,7 +6882,7 @@
         <p:spPr>
           <a:xfrm>
             <a:off x="533520" y="755640"/>
-            <a:ext cx="6701760" cy="3768120"/>
+            <a:ext cx="6701400" cy="3767760"/>
           </a:xfrm>
           <a:prstGeom prst="rect">
             <a:avLst/>
@@ -6905,7 +6905,7 @@
         <p:spPr>
           <a:xfrm>
             <a:off x="1035720" y="4775400"/>
-            <a:ext cx="5696280" cy="4523400"/>
+            <a:ext cx="5695920" cy="4523040"/>
           </a:xfrm>
           <a:prstGeom prst="rect">
             <a:avLst/>
@@ -6923,7 +6923,7 @@
             <a:pPr marL="216000" indent="0">
               <a:buNone/>
             </a:pPr>
-            <a:endParaRPr b="0" lang="en-US" sz="1800" spc="-1" strike="noStrike">
+            <a:endParaRPr b="0" lang="en-GB" sz="1800" spc="-1" strike="noStrike">
               <a:solidFill>
                 <a:srgbClr val="000000"/>
               </a:solidFill>
@@ -6963,7 +6963,7 @@
         <p:spPr>
           <a:xfrm>
             <a:off x="4403880" y="9556200"/>
-            <a:ext cx="3363840" cy="498240"/>
+            <a:ext cx="3363480" cy="497880"/>
           </a:xfrm>
           <a:prstGeom prst="rect">
             <a:avLst/>
@@ -6989,7 +6989,7 @@
                 <a:spcPct val="100000"/>
               </a:lnSpc>
             </a:pPr>
-            <a:fld id="{8B396D73-8377-4698-8F9E-30810E62CC5E}" type="slidenum">
+            <a:fld id="{B3D1EDF1-8C5A-4E57-BDB0-5131A0098405}" type="slidenum">
               <a:rPr b="0" lang="de-DE" sz="1400" spc="-1" strike="noStrike">
                 <a:solidFill>
                   <a:srgbClr val="000000"/>
@@ -6999,7 +6999,7 @@
               </a:rPr>
               <a:t>41</a:t>
             </a:fld>
-            <a:endParaRPr b="0" lang="en-US" sz="1400" spc="-1" strike="noStrike">
+            <a:endParaRPr b="0" lang="en-GB" sz="1400" spc="-1" strike="noStrike">
               <a:solidFill>
                 <a:srgbClr val="000000"/>
               </a:solidFill>
@@ -7021,7 +7021,7 @@
         <p:spPr>
           <a:xfrm>
             <a:off x="533520" y="755640"/>
-            <a:ext cx="6701760" cy="3768120"/>
+            <a:ext cx="6701400" cy="3767760"/>
           </a:xfrm>
           <a:prstGeom prst="rect">
             <a:avLst/>
@@ -7044,7 +7044,7 @@
         <p:spPr>
           <a:xfrm>
             <a:off x="1035720" y="4775400"/>
-            <a:ext cx="5696280" cy="4523400"/>
+            <a:ext cx="5695920" cy="4523040"/>
           </a:xfrm>
           <a:prstGeom prst="rect">
             <a:avLst/>
@@ -7062,7 +7062,7 @@
             <a:pPr marL="216000" indent="0">
               <a:buNone/>
             </a:pPr>
-            <a:endParaRPr b="0" lang="en-US" sz="1800" spc="-1" strike="noStrike">
+            <a:endParaRPr b="0" lang="en-GB" sz="1800" spc="-1" strike="noStrike">
               <a:solidFill>
                 <a:srgbClr val="000000"/>
               </a:solidFill>
@@ -7146,7 +7146,7 @@
             <a:pPr indent="0" algn="ctr">
               <a:buNone/>
             </a:pPr>
-            <a:endParaRPr b="0" lang="en-US" sz="4400" spc="-1" strike="noStrike">
+            <a:endParaRPr b="0" lang="en-GB" sz="4400" spc="-1" strike="noStrike">
               <a:solidFill>
                 <a:srgbClr val="000000"/>
               </a:solidFill>
@@ -7189,7 +7189,7 @@
               </a:spcBef>
               <a:buNone/>
             </a:pPr>
-            <a:endParaRPr b="0" lang="en-US" sz="3200" spc="-1" strike="noStrike">
+            <a:endParaRPr b="0" lang="en-GB" sz="3200" spc="-1" strike="noStrike">
               <a:solidFill>
                 <a:srgbClr val="000000"/>
               </a:solidFill>
@@ -7232,7 +7232,7 @@
               </a:spcBef>
               <a:buNone/>
             </a:pPr>
-            <a:endParaRPr b="0" lang="en-US" sz="3200" spc="-1" strike="noStrike">
+            <a:endParaRPr b="0" lang="en-GB" sz="3200" spc="-1" strike="noStrike">
               <a:solidFill>
                 <a:srgbClr val="000000"/>
               </a:solidFill>
@@ -7294,7 +7294,7 @@
             <a:pPr indent="0" algn="ctr">
               <a:buNone/>
             </a:pPr>
-            <a:endParaRPr b="0" lang="en-US" sz="4400" spc="-1" strike="noStrike">
+            <a:endParaRPr b="0" lang="en-GB" sz="4400" spc="-1" strike="noStrike">
               <a:solidFill>
                 <a:srgbClr val="000000"/>
               </a:solidFill>
@@ -7337,7 +7337,7 @@
               </a:spcBef>
               <a:buNone/>
             </a:pPr>
-            <a:endParaRPr b="0" lang="en-US" sz="3200" spc="-1" strike="noStrike">
+            <a:endParaRPr b="0" lang="en-GB" sz="3200" spc="-1" strike="noStrike">
               <a:solidFill>
                 <a:srgbClr val="000000"/>
               </a:solidFill>
@@ -7380,7 +7380,7 @@
               </a:spcBef>
               <a:buNone/>
             </a:pPr>
-            <a:endParaRPr b="0" lang="en-US" sz="3200" spc="-1" strike="noStrike">
+            <a:endParaRPr b="0" lang="en-GB" sz="3200" spc="-1" strike="noStrike">
               <a:solidFill>
                 <a:srgbClr val="000000"/>
               </a:solidFill>
@@ -7423,7 +7423,7 @@
               </a:spcBef>
               <a:buNone/>
             </a:pPr>
-            <a:endParaRPr b="0" lang="en-US" sz="3200" spc="-1" strike="noStrike">
+            <a:endParaRPr b="0" lang="en-GB" sz="3200" spc="-1" strike="noStrike">
               <a:solidFill>
                 <a:srgbClr val="000000"/>
               </a:solidFill>
@@ -7466,7 +7466,7 @@
               </a:spcBef>
               <a:buNone/>
             </a:pPr>
-            <a:endParaRPr b="0" lang="en-US" sz="3200" spc="-1" strike="noStrike">
+            <a:endParaRPr b="0" lang="en-GB" sz="3200" spc="-1" strike="noStrike">
               <a:solidFill>
                 <a:srgbClr val="000000"/>
               </a:solidFill>
@@ -7528,7 +7528,7 @@
             <a:pPr indent="0" algn="ctr">
               <a:buNone/>
             </a:pPr>
-            <a:endParaRPr b="0" lang="en-US" sz="4400" spc="-1" strike="noStrike">
+            <a:endParaRPr b="0" lang="en-GB" sz="4400" spc="-1" strike="noStrike">
               <a:solidFill>
                 <a:srgbClr val="000000"/>
               </a:solidFill>
@@ -7571,7 +7571,7 @@
               </a:spcBef>
               <a:buNone/>
             </a:pPr>
-            <a:endParaRPr b="0" lang="en-US" sz="3200" spc="-1" strike="noStrike">
+            <a:endParaRPr b="0" lang="en-GB" sz="3200" spc="-1" strike="noStrike">
               <a:solidFill>
                 <a:srgbClr val="000000"/>
               </a:solidFill>
@@ -7614,7 +7614,7 @@
               </a:spcBef>
               <a:buNone/>
             </a:pPr>
-            <a:endParaRPr b="0" lang="en-US" sz="3200" spc="-1" strike="noStrike">
+            <a:endParaRPr b="0" lang="en-GB" sz="3200" spc="-1" strike="noStrike">
               <a:solidFill>
                 <a:srgbClr val="000000"/>
               </a:solidFill>
@@ -7657,7 +7657,7 @@
               </a:spcBef>
               <a:buNone/>
             </a:pPr>
-            <a:endParaRPr b="0" lang="en-US" sz="3200" spc="-1" strike="noStrike">
+            <a:endParaRPr b="0" lang="en-GB" sz="3200" spc="-1" strike="noStrike">
               <a:solidFill>
                 <a:srgbClr val="000000"/>
               </a:solidFill>
@@ -7700,7 +7700,7 @@
               </a:spcBef>
               <a:buNone/>
             </a:pPr>
-            <a:endParaRPr b="0" lang="en-US" sz="3200" spc="-1" strike="noStrike">
+            <a:endParaRPr b="0" lang="en-GB" sz="3200" spc="-1" strike="noStrike">
               <a:solidFill>
                 <a:srgbClr val="000000"/>
               </a:solidFill>
@@ -7743,7 +7743,7 @@
               </a:spcBef>
               <a:buNone/>
             </a:pPr>
-            <a:endParaRPr b="0" lang="en-US" sz="3200" spc="-1" strike="noStrike">
+            <a:endParaRPr b="0" lang="en-GB" sz="3200" spc="-1" strike="noStrike">
               <a:solidFill>
                 <a:srgbClr val="000000"/>
               </a:solidFill>
@@ -7786,7 +7786,7 @@
               </a:spcBef>
               <a:buNone/>
             </a:pPr>
-            <a:endParaRPr b="0" lang="en-US" sz="3200" spc="-1" strike="noStrike">
+            <a:endParaRPr b="0" lang="en-GB" sz="3200" spc="-1" strike="noStrike">
               <a:solidFill>
                 <a:srgbClr val="000000"/>
               </a:solidFill>
@@ -7870,7 +7870,7 @@
             <a:pPr indent="0" algn="ctr">
               <a:buNone/>
             </a:pPr>
-            <a:endParaRPr b="0" lang="en-US" sz="4400" spc="-1" strike="noStrike">
+            <a:endParaRPr b="0" lang="en-GB" sz="4400" spc="-1" strike="noStrike">
               <a:solidFill>
                 <a:srgbClr val="000000"/>
               </a:solidFill>
@@ -7910,7 +7910,7 @@
             <a:pPr indent="0" algn="ctr">
               <a:buNone/>
             </a:pPr>
-            <a:endParaRPr b="0" lang="en-US" sz="3200" spc="-1" strike="noStrike">
+            <a:endParaRPr b="0" lang="en-GB" sz="3200" spc="-1" strike="noStrike">
               <a:solidFill>
                 <a:srgbClr val="000000"/>
               </a:solidFill>
@@ -7972,7 +7972,7 @@
             <a:pPr indent="0" algn="ctr">
               <a:buNone/>
             </a:pPr>
-            <a:endParaRPr b="0" lang="en-US" sz="4400" spc="-1" strike="noStrike">
+            <a:endParaRPr b="0" lang="en-GB" sz="4400" spc="-1" strike="noStrike">
               <a:solidFill>
                 <a:srgbClr val="000000"/>
               </a:solidFill>
@@ -8015,7 +8015,7 @@
               </a:spcBef>
               <a:buNone/>
             </a:pPr>
-            <a:endParaRPr b="0" lang="en-US" sz="3200" spc="-1" strike="noStrike">
+            <a:endParaRPr b="0" lang="en-GB" sz="3200" spc="-1" strike="noStrike">
               <a:solidFill>
                 <a:srgbClr val="000000"/>
               </a:solidFill>
@@ -8077,7 +8077,7 @@
             <a:pPr indent="0" algn="ctr">
               <a:buNone/>
             </a:pPr>
-            <a:endParaRPr b="0" lang="en-US" sz="4400" spc="-1" strike="noStrike">
+            <a:endParaRPr b="0" lang="en-GB" sz="4400" spc="-1" strike="noStrike">
               <a:solidFill>
                 <a:srgbClr val="000000"/>
               </a:solidFill>
@@ -8120,7 +8120,7 @@
               </a:spcBef>
               <a:buNone/>
             </a:pPr>
-            <a:endParaRPr b="0" lang="en-US" sz="3200" spc="-1" strike="noStrike">
+            <a:endParaRPr b="0" lang="en-GB" sz="3200" spc="-1" strike="noStrike">
               <a:solidFill>
                 <a:srgbClr val="000000"/>
               </a:solidFill>
@@ -8163,7 +8163,7 @@
               </a:spcBef>
               <a:buNone/>
             </a:pPr>
-            <a:endParaRPr b="0" lang="en-US" sz="3200" spc="-1" strike="noStrike">
+            <a:endParaRPr b="0" lang="en-GB" sz="3200" spc="-1" strike="noStrike">
               <a:solidFill>
                 <a:srgbClr val="000000"/>
               </a:solidFill>
@@ -8225,7 +8225,7 @@
             <a:pPr indent="0" algn="ctr">
               <a:buNone/>
             </a:pPr>
-            <a:endParaRPr b="0" lang="en-US" sz="4400" spc="-1" strike="noStrike">
+            <a:endParaRPr b="0" lang="en-GB" sz="4400" spc="-1" strike="noStrike">
               <a:solidFill>
                 <a:srgbClr val="000000"/>
               </a:solidFill>
@@ -8285,7 +8285,7 @@
           </a:bodyPr>
           <a:p>
             <a:pPr algn="ctr"/>
-            <a:endParaRPr b="0" lang="en-US" sz="3200" spc="-1" strike="noStrike">
+            <a:endParaRPr b="0" lang="en-GB" sz="3200" spc="-1" strike="noStrike">
               <a:solidFill>
                 <a:srgbClr val="000000"/>
               </a:solidFill>
@@ -8347,7 +8347,7 @@
             <a:pPr indent="0" algn="ctr">
               <a:buNone/>
             </a:pPr>
-            <a:endParaRPr b="0" lang="en-US" sz="4400" spc="-1" strike="noStrike">
+            <a:endParaRPr b="0" lang="en-GB" sz="4400" spc="-1" strike="noStrike">
               <a:solidFill>
                 <a:srgbClr val="000000"/>
               </a:solidFill>
@@ -8390,7 +8390,7 @@
               </a:spcBef>
               <a:buNone/>
             </a:pPr>
-            <a:endParaRPr b="0" lang="en-US" sz="3200" spc="-1" strike="noStrike">
+            <a:endParaRPr b="0" lang="en-GB" sz="3200" spc="-1" strike="noStrike">
               <a:solidFill>
                 <a:srgbClr val="000000"/>
               </a:solidFill>
@@ -8433,7 +8433,7 @@
               </a:spcBef>
               <a:buNone/>
             </a:pPr>
-            <a:endParaRPr b="0" lang="en-US" sz="3200" spc="-1" strike="noStrike">
+            <a:endParaRPr b="0" lang="en-GB" sz="3200" spc="-1" strike="noStrike">
               <a:solidFill>
                 <a:srgbClr val="000000"/>
               </a:solidFill>
@@ -8476,7 +8476,7 @@
               </a:spcBef>
               <a:buNone/>
             </a:pPr>
-            <a:endParaRPr b="0" lang="en-US" sz="3200" spc="-1" strike="noStrike">
+            <a:endParaRPr b="0" lang="en-GB" sz="3200" spc="-1" strike="noStrike">
               <a:solidFill>
                 <a:srgbClr val="000000"/>
               </a:solidFill>
@@ -8538,7 +8538,7 @@
             <a:pPr indent="0" algn="ctr">
               <a:buNone/>
             </a:pPr>
-            <a:endParaRPr b="0" lang="en-US" sz="4400" spc="-1" strike="noStrike">
+            <a:endParaRPr b="0" lang="en-GB" sz="4400" spc="-1" strike="noStrike">
               <a:solidFill>
                 <a:srgbClr val="000000"/>
               </a:solidFill>
@@ -8578,7 +8578,7 @@
             <a:pPr indent="0" algn="ctr">
               <a:buNone/>
             </a:pPr>
-            <a:endParaRPr b="0" lang="en-US" sz="3200" spc="-1" strike="noStrike">
+            <a:endParaRPr b="0" lang="en-GB" sz="3200" spc="-1" strike="noStrike">
               <a:solidFill>
                 <a:srgbClr val="000000"/>
               </a:solidFill>
@@ -8640,7 +8640,7 @@
             <a:pPr indent="0" algn="ctr">
               <a:buNone/>
             </a:pPr>
-            <a:endParaRPr b="0" lang="en-US" sz="4400" spc="-1" strike="noStrike">
+            <a:endParaRPr b="0" lang="en-GB" sz="4400" spc="-1" strike="noStrike">
               <a:solidFill>
                 <a:srgbClr val="000000"/>
               </a:solidFill>
@@ -8683,7 +8683,7 @@
               </a:spcBef>
               <a:buNone/>
             </a:pPr>
-            <a:endParaRPr b="0" lang="en-US" sz="3200" spc="-1" strike="noStrike">
+            <a:endParaRPr b="0" lang="en-GB" sz="3200" spc="-1" strike="noStrike">
               <a:solidFill>
                 <a:srgbClr val="000000"/>
               </a:solidFill>
@@ -8726,7 +8726,7 @@
               </a:spcBef>
               <a:buNone/>
             </a:pPr>
-            <a:endParaRPr b="0" lang="en-US" sz="3200" spc="-1" strike="noStrike">
+            <a:endParaRPr b="0" lang="en-GB" sz="3200" spc="-1" strike="noStrike">
               <a:solidFill>
                 <a:srgbClr val="000000"/>
               </a:solidFill>
@@ -8769,7 +8769,7 @@
               </a:spcBef>
               <a:buNone/>
             </a:pPr>
-            <a:endParaRPr b="0" lang="en-US" sz="3200" spc="-1" strike="noStrike">
+            <a:endParaRPr b="0" lang="en-GB" sz="3200" spc="-1" strike="noStrike">
               <a:solidFill>
                 <a:srgbClr val="000000"/>
               </a:solidFill>
@@ -8831,7 +8831,7 @@
             <a:pPr indent="0" algn="ctr">
               <a:buNone/>
             </a:pPr>
-            <a:endParaRPr b="0" lang="en-US" sz="4400" spc="-1" strike="noStrike">
+            <a:endParaRPr b="0" lang="en-GB" sz="4400" spc="-1" strike="noStrike">
               <a:solidFill>
                 <a:srgbClr val="000000"/>
               </a:solidFill>
@@ -8874,7 +8874,7 @@
               </a:spcBef>
               <a:buNone/>
             </a:pPr>
-            <a:endParaRPr b="0" lang="en-US" sz="3200" spc="-1" strike="noStrike">
+            <a:endParaRPr b="0" lang="en-GB" sz="3200" spc="-1" strike="noStrike">
               <a:solidFill>
                 <a:srgbClr val="000000"/>
               </a:solidFill>
@@ -8917,7 +8917,7 @@
               </a:spcBef>
               <a:buNone/>
             </a:pPr>
-            <a:endParaRPr b="0" lang="en-US" sz="3200" spc="-1" strike="noStrike">
+            <a:endParaRPr b="0" lang="en-GB" sz="3200" spc="-1" strike="noStrike">
               <a:solidFill>
                 <a:srgbClr val="000000"/>
               </a:solidFill>
@@ -8960,7 +8960,7 @@
               </a:spcBef>
               <a:buNone/>
             </a:pPr>
-            <a:endParaRPr b="0" lang="en-US" sz="3200" spc="-1" strike="noStrike">
+            <a:endParaRPr b="0" lang="en-GB" sz="3200" spc="-1" strike="noStrike">
               <a:solidFill>
                 <a:srgbClr val="000000"/>
               </a:solidFill>
@@ -9022,7 +9022,7 @@
             <a:pPr indent="0" algn="ctr">
               <a:buNone/>
             </a:pPr>
-            <a:endParaRPr b="0" lang="en-US" sz="4400" spc="-1" strike="noStrike">
+            <a:endParaRPr b="0" lang="en-GB" sz="4400" spc="-1" strike="noStrike">
               <a:solidFill>
                 <a:srgbClr val="000000"/>
               </a:solidFill>
@@ -9065,7 +9065,7 @@
               </a:spcBef>
               <a:buNone/>
             </a:pPr>
-            <a:endParaRPr b="0" lang="en-US" sz="3200" spc="-1" strike="noStrike">
+            <a:endParaRPr b="0" lang="en-GB" sz="3200" spc="-1" strike="noStrike">
               <a:solidFill>
                 <a:srgbClr val="000000"/>
               </a:solidFill>
@@ -9108,7 +9108,7 @@
               </a:spcBef>
               <a:buNone/>
             </a:pPr>
-            <a:endParaRPr b="0" lang="en-US" sz="3200" spc="-1" strike="noStrike">
+            <a:endParaRPr b="0" lang="en-GB" sz="3200" spc="-1" strike="noStrike">
               <a:solidFill>
                 <a:srgbClr val="000000"/>
               </a:solidFill>
@@ -9170,7 +9170,7 @@
             <a:pPr indent="0" algn="ctr">
               <a:buNone/>
             </a:pPr>
-            <a:endParaRPr b="0" lang="en-US" sz="4400" spc="-1" strike="noStrike">
+            <a:endParaRPr b="0" lang="en-GB" sz="4400" spc="-1" strike="noStrike">
               <a:solidFill>
                 <a:srgbClr val="000000"/>
               </a:solidFill>
@@ -9213,7 +9213,7 @@
               </a:spcBef>
               <a:buNone/>
             </a:pPr>
-            <a:endParaRPr b="0" lang="en-US" sz="3200" spc="-1" strike="noStrike">
+            <a:endParaRPr b="0" lang="en-GB" sz="3200" spc="-1" strike="noStrike">
               <a:solidFill>
                 <a:srgbClr val="000000"/>
               </a:solidFill>
@@ -9256,7 +9256,7 @@
               </a:spcBef>
               <a:buNone/>
             </a:pPr>
-            <a:endParaRPr b="0" lang="en-US" sz="3200" spc="-1" strike="noStrike">
+            <a:endParaRPr b="0" lang="en-GB" sz="3200" spc="-1" strike="noStrike">
               <a:solidFill>
                 <a:srgbClr val="000000"/>
               </a:solidFill>
@@ -9299,7 +9299,7 @@
               </a:spcBef>
               <a:buNone/>
             </a:pPr>
-            <a:endParaRPr b="0" lang="en-US" sz="3200" spc="-1" strike="noStrike">
+            <a:endParaRPr b="0" lang="en-GB" sz="3200" spc="-1" strike="noStrike">
               <a:solidFill>
                 <a:srgbClr val="000000"/>
               </a:solidFill>
@@ -9342,7 +9342,7 @@
               </a:spcBef>
               <a:buNone/>
             </a:pPr>
-            <a:endParaRPr b="0" lang="en-US" sz="3200" spc="-1" strike="noStrike">
+            <a:endParaRPr b="0" lang="en-GB" sz="3200" spc="-1" strike="noStrike">
               <a:solidFill>
                 <a:srgbClr val="000000"/>
               </a:solidFill>
@@ -9404,7 +9404,7 @@
             <a:pPr indent="0" algn="ctr">
               <a:buNone/>
             </a:pPr>
-            <a:endParaRPr b="0" lang="en-US" sz="4400" spc="-1" strike="noStrike">
+            <a:endParaRPr b="0" lang="en-GB" sz="4400" spc="-1" strike="noStrike">
               <a:solidFill>
                 <a:srgbClr val="000000"/>
               </a:solidFill>
@@ -9447,7 +9447,7 @@
               </a:spcBef>
               <a:buNone/>
             </a:pPr>
-            <a:endParaRPr b="0" lang="en-US" sz="3200" spc="-1" strike="noStrike">
+            <a:endParaRPr b="0" lang="en-GB" sz="3200" spc="-1" strike="noStrike">
               <a:solidFill>
                 <a:srgbClr val="000000"/>
               </a:solidFill>
@@ -9490,7 +9490,7 @@
               </a:spcBef>
               <a:buNone/>
             </a:pPr>
-            <a:endParaRPr b="0" lang="en-US" sz="3200" spc="-1" strike="noStrike">
+            <a:endParaRPr b="0" lang="en-GB" sz="3200" spc="-1" strike="noStrike">
               <a:solidFill>
                 <a:srgbClr val="000000"/>
               </a:solidFill>
@@ -9533,7 +9533,7 @@
               </a:spcBef>
               <a:buNone/>
             </a:pPr>
-            <a:endParaRPr b="0" lang="en-US" sz="3200" spc="-1" strike="noStrike">
+            <a:endParaRPr b="0" lang="en-GB" sz="3200" spc="-1" strike="noStrike">
               <a:solidFill>
                 <a:srgbClr val="000000"/>
               </a:solidFill>
@@ -9576,7 +9576,7 @@
               </a:spcBef>
               <a:buNone/>
             </a:pPr>
-            <a:endParaRPr b="0" lang="en-US" sz="3200" spc="-1" strike="noStrike">
+            <a:endParaRPr b="0" lang="en-GB" sz="3200" spc="-1" strike="noStrike">
               <a:solidFill>
                 <a:srgbClr val="000000"/>
               </a:solidFill>
@@ -9619,7 +9619,7 @@
               </a:spcBef>
               <a:buNone/>
             </a:pPr>
-            <a:endParaRPr b="0" lang="en-US" sz="3200" spc="-1" strike="noStrike">
+            <a:endParaRPr b="0" lang="en-GB" sz="3200" spc="-1" strike="noStrike">
               <a:solidFill>
                 <a:srgbClr val="000000"/>
               </a:solidFill>
@@ -9662,7 +9662,7 @@
               </a:spcBef>
               <a:buNone/>
             </a:pPr>
-            <a:endParaRPr b="0" lang="en-US" sz="3200" spc="-1" strike="noStrike">
+            <a:endParaRPr b="0" lang="en-GB" sz="3200" spc="-1" strike="noStrike">
               <a:solidFill>
                 <a:srgbClr val="000000"/>
               </a:solidFill>
@@ -9746,7 +9746,7 @@
             <a:pPr indent="0" algn="ctr">
               <a:buNone/>
             </a:pPr>
-            <a:endParaRPr b="0" lang="en-US" sz="4400" spc="-1" strike="noStrike">
+            <a:endParaRPr b="0" lang="en-GB" sz="4400" spc="-1" strike="noStrike">
               <a:solidFill>
                 <a:srgbClr val="000000"/>
               </a:solidFill>
@@ -9786,7 +9786,7 @@
             <a:pPr indent="0" algn="ctr">
               <a:buNone/>
             </a:pPr>
-            <a:endParaRPr b="0" lang="en-US" sz="3200" spc="-1" strike="noStrike">
+            <a:endParaRPr b="0" lang="en-GB" sz="3200" spc="-1" strike="noStrike">
               <a:solidFill>
                 <a:srgbClr val="000000"/>
               </a:solidFill>
@@ -9848,7 +9848,7 @@
             <a:pPr indent="0" algn="ctr">
               <a:buNone/>
             </a:pPr>
-            <a:endParaRPr b="0" lang="en-US" sz="4400" spc="-1" strike="noStrike">
+            <a:endParaRPr b="0" lang="en-GB" sz="4400" spc="-1" strike="noStrike">
               <a:solidFill>
                 <a:srgbClr val="000000"/>
               </a:solidFill>
@@ -9891,7 +9891,7 @@
               </a:spcBef>
               <a:buNone/>
             </a:pPr>
-            <a:endParaRPr b="0" lang="en-US" sz="3200" spc="-1" strike="noStrike">
+            <a:endParaRPr b="0" lang="en-GB" sz="3200" spc="-1" strike="noStrike">
               <a:solidFill>
                 <a:srgbClr val="000000"/>
               </a:solidFill>
@@ -9953,7 +9953,7 @@
             <a:pPr indent="0" algn="ctr">
               <a:buNone/>
             </a:pPr>
-            <a:endParaRPr b="0" lang="en-US" sz="4400" spc="-1" strike="noStrike">
+            <a:endParaRPr b="0" lang="en-GB" sz="4400" spc="-1" strike="noStrike">
               <a:solidFill>
                 <a:srgbClr val="000000"/>
               </a:solidFill>
@@ -9996,7 +9996,7 @@
               </a:spcBef>
               <a:buNone/>
             </a:pPr>
-            <a:endParaRPr b="0" lang="en-US" sz="3200" spc="-1" strike="noStrike">
+            <a:endParaRPr b="0" lang="en-GB" sz="3200" spc="-1" strike="noStrike">
               <a:solidFill>
                 <a:srgbClr val="000000"/>
               </a:solidFill>
@@ -10039,7 +10039,7 @@
               </a:spcBef>
               <a:buNone/>
             </a:pPr>
-            <a:endParaRPr b="0" lang="en-US" sz="3200" spc="-1" strike="noStrike">
+            <a:endParaRPr b="0" lang="en-GB" sz="3200" spc="-1" strike="noStrike">
               <a:solidFill>
                 <a:srgbClr val="000000"/>
               </a:solidFill>
@@ -10101,7 +10101,7 @@
             <a:pPr indent="0" algn="ctr">
               <a:buNone/>
             </a:pPr>
-            <a:endParaRPr b="0" lang="en-US" sz="4400" spc="-1" strike="noStrike">
+            <a:endParaRPr b="0" lang="en-GB" sz="4400" spc="-1" strike="noStrike">
               <a:solidFill>
                 <a:srgbClr val="000000"/>
               </a:solidFill>
@@ -10163,7 +10163,7 @@
             <a:pPr indent="0" algn="ctr">
               <a:buNone/>
             </a:pPr>
-            <a:endParaRPr b="0" lang="en-US" sz="4400" spc="-1" strike="noStrike">
+            <a:endParaRPr b="0" lang="en-GB" sz="4400" spc="-1" strike="noStrike">
               <a:solidFill>
                 <a:srgbClr val="000000"/>
               </a:solidFill>
@@ -10206,7 +10206,7 @@
               </a:spcBef>
               <a:buNone/>
             </a:pPr>
-            <a:endParaRPr b="0" lang="en-US" sz="3200" spc="-1" strike="noStrike">
+            <a:endParaRPr b="0" lang="en-GB" sz="3200" spc="-1" strike="noStrike">
               <a:solidFill>
                 <a:srgbClr val="000000"/>
               </a:solidFill>
@@ -10266,7 +10266,7 @@
           </a:bodyPr>
           <a:p>
             <a:pPr algn="ctr"/>
-            <a:endParaRPr b="0" lang="en-US" sz="3200" spc="-1" strike="noStrike">
+            <a:endParaRPr b="0" lang="en-GB" sz="3200" spc="-1" strike="noStrike">
               <a:solidFill>
                 <a:srgbClr val="000000"/>
               </a:solidFill>
@@ -10328,7 +10328,7 @@
             <a:pPr indent="0" algn="ctr">
               <a:buNone/>
             </a:pPr>
-            <a:endParaRPr b="0" lang="en-US" sz="4400" spc="-1" strike="noStrike">
+            <a:endParaRPr b="0" lang="en-GB" sz="4400" spc="-1" strike="noStrike">
               <a:solidFill>
                 <a:srgbClr val="000000"/>
               </a:solidFill>
@@ -10371,7 +10371,7 @@
               </a:spcBef>
               <a:buNone/>
             </a:pPr>
-            <a:endParaRPr b="0" lang="en-US" sz="3200" spc="-1" strike="noStrike">
+            <a:endParaRPr b="0" lang="en-GB" sz="3200" spc="-1" strike="noStrike">
               <a:solidFill>
                 <a:srgbClr val="000000"/>
               </a:solidFill>
@@ -10414,7 +10414,7 @@
               </a:spcBef>
               <a:buNone/>
             </a:pPr>
-            <a:endParaRPr b="0" lang="en-US" sz="3200" spc="-1" strike="noStrike">
+            <a:endParaRPr b="0" lang="en-GB" sz="3200" spc="-1" strike="noStrike">
               <a:solidFill>
                 <a:srgbClr val="000000"/>
               </a:solidFill>
@@ -10457,7 +10457,7 @@
               </a:spcBef>
               <a:buNone/>
             </a:pPr>
-            <a:endParaRPr b="0" lang="en-US" sz="3200" spc="-1" strike="noStrike">
+            <a:endParaRPr b="0" lang="en-GB" sz="3200" spc="-1" strike="noStrike">
               <a:solidFill>
                 <a:srgbClr val="000000"/>
               </a:solidFill>
@@ -10519,7 +10519,7 @@
             <a:pPr indent="0" algn="ctr">
               <a:buNone/>
             </a:pPr>
-            <a:endParaRPr b="0" lang="en-US" sz="4400" spc="-1" strike="noStrike">
+            <a:endParaRPr b="0" lang="en-GB" sz="4400" spc="-1" strike="noStrike">
               <a:solidFill>
                 <a:srgbClr val="000000"/>
               </a:solidFill>
@@ -10562,7 +10562,7 @@
               </a:spcBef>
               <a:buNone/>
             </a:pPr>
-            <a:endParaRPr b="0" lang="en-US" sz="3200" spc="-1" strike="noStrike">
+            <a:endParaRPr b="0" lang="en-GB" sz="3200" spc="-1" strike="noStrike">
               <a:solidFill>
                 <a:srgbClr val="000000"/>
               </a:solidFill>
@@ -10605,7 +10605,7 @@
               </a:spcBef>
               <a:buNone/>
             </a:pPr>
-            <a:endParaRPr b="0" lang="en-US" sz="3200" spc="-1" strike="noStrike">
+            <a:endParaRPr b="0" lang="en-GB" sz="3200" spc="-1" strike="noStrike">
               <a:solidFill>
                 <a:srgbClr val="000000"/>
               </a:solidFill>
@@ -10648,7 +10648,7 @@
               </a:spcBef>
               <a:buNone/>
             </a:pPr>
-            <a:endParaRPr b="0" lang="en-US" sz="3200" spc="-1" strike="noStrike">
+            <a:endParaRPr b="0" lang="en-GB" sz="3200" spc="-1" strike="noStrike">
               <a:solidFill>
                 <a:srgbClr val="000000"/>
               </a:solidFill>
@@ -10710,7 +10710,7 @@
             <a:pPr indent="0" algn="ctr">
               <a:buNone/>
             </a:pPr>
-            <a:endParaRPr b="0" lang="en-US" sz="4400" spc="-1" strike="noStrike">
+            <a:endParaRPr b="0" lang="en-GB" sz="4400" spc="-1" strike="noStrike">
               <a:solidFill>
                 <a:srgbClr val="000000"/>
               </a:solidFill>
@@ -10753,7 +10753,7 @@
               </a:spcBef>
               <a:buNone/>
             </a:pPr>
-            <a:endParaRPr b="0" lang="en-US" sz="3200" spc="-1" strike="noStrike">
+            <a:endParaRPr b="0" lang="en-GB" sz="3200" spc="-1" strike="noStrike">
               <a:solidFill>
                 <a:srgbClr val="000000"/>
               </a:solidFill>
@@ -10796,7 +10796,7 @@
               </a:spcBef>
               <a:buNone/>
             </a:pPr>
-            <a:endParaRPr b="0" lang="en-US" sz="3200" spc="-1" strike="noStrike">
+            <a:endParaRPr b="0" lang="en-GB" sz="3200" spc="-1" strike="noStrike">
               <a:solidFill>
                 <a:srgbClr val="000000"/>
               </a:solidFill>
@@ -10839,7 +10839,7 @@
               </a:spcBef>
               <a:buNone/>
             </a:pPr>
-            <a:endParaRPr b="0" lang="en-US" sz="3200" spc="-1" strike="noStrike">
+            <a:endParaRPr b="0" lang="en-GB" sz="3200" spc="-1" strike="noStrike">
               <a:solidFill>
                 <a:srgbClr val="000000"/>
               </a:solidFill>
@@ -10901,7 +10901,7 @@
             <a:pPr indent="0" algn="ctr">
               <a:buNone/>
             </a:pPr>
-            <a:endParaRPr b="0" lang="en-US" sz="4400" spc="-1" strike="noStrike">
+            <a:endParaRPr b="0" lang="en-GB" sz="4400" spc="-1" strike="noStrike">
               <a:solidFill>
                 <a:srgbClr val="000000"/>
               </a:solidFill>
@@ -10944,7 +10944,7 @@
               </a:spcBef>
               <a:buNone/>
             </a:pPr>
-            <a:endParaRPr b="0" lang="en-US" sz="3200" spc="-1" strike="noStrike">
+            <a:endParaRPr b="0" lang="en-GB" sz="3200" spc="-1" strike="noStrike">
               <a:solidFill>
                 <a:srgbClr val="000000"/>
               </a:solidFill>
@@ -10987,7 +10987,7 @@
               </a:spcBef>
               <a:buNone/>
             </a:pPr>
-            <a:endParaRPr b="0" lang="en-US" sz="3200" spc="-1" strike="noStrike">
+            <a:endParaRPr b="0" lang="en-GB" sz="3200" spc="-1" strike="noStrike">
               <a:solidFill>
                 <a:srgbClr val="000000"/>
               </a:solidFill>
@@ -11049,7 +11049,7 @@
             <a:pPr indent="0" algn="ctr">
               <a:buNone/>
             </a:pPr>
-            <a:endParaRPr b="0" lang="en-US" sz="4400" spc="-1" strike="noStrike">
+            <a:endParaRPr b="0" lang="en-GB" sz="4400" spc="-1" strike="noStrike">
               <a:solidFill>
                 <a:srgbClr val="000000"/>
               </a:solidFill>
@@ -11092,7 +11092,7 @@
               </a:spcBef>
               <a:buNone/>
             </a:pPr>
-            <a:endParaRPr b="0" lang="en-US" sz="3200" spc="-1" strike="noStrike">
+            <a:endParaRPr b="0" lang="en-GB" sz="3200" spc="-1" strike="noStrike">
               <a:solidFill>
                 <a:srgbClr val="000000"/>
               </a:solidFill>
@@ -11135,7 +11135,7 @@
               </a:spcBef>
               <a:buNone/>
             </a:pPr>
-            <a:endParaRPr b="0" lang="en-US" sz="3200" spc="-1" strike="noStrike">
+            <a:endParaRPr b="0" lang="en-GB" sz="3200" spc="-1" strike="noStrike">
               <a:solidFill>
                 <a:srgbClr val="000000"/>
               </a:solidFill>
@@ -11178,7 +11178,7 @@
               </a:spcBef>
               <a:buNone/>
             </a:pPr>
-            <a:endParaRPr b="0" lang="en-US" sz="3200" spc="-1" strike="noStrike">
+            <a:endParaRPr b="0" lang="en-GB" sz="3200" spc="-1" strike="noStrike">
               <a:solidFill>
                 <a:srgbClr val="000000"/>
               </a:solidFill>
@@ -11221,7 +11221,7 @@
               </a:spcBef>
               <a:buNone/>
             </a:pPr>
-            <a:endParaRPr b="0" lang="en-US" sz="3200" spc="-1" strike="noStrike">
+            <a:endParaRPr b="0" lang="en-GB" sz="3200" spc="-1" strike="noStrike">
               <a:solidFill>
                 <a:srgbClr val="000000"/>
               </a:solidFill>
@@ -11283,7 +11283,7 @@
             <a:pPr indent="0" algn="ctr">
               <a:buNone/>
             </a:pPr>
-            <a:endParaRPr b="0" lang="en-US" sz="4400" spc="-1" strike="noStrike">
+            <a:endParaRPr b="0" lang="en-GB" sz="4400" spc="-1" strike="noStrike">
               <a:solidFill>
                 <a:srgbClr val="000000"/>
               </a:solidFill>
@@ -11326,7 +11326,7 @@
               </a:spcBef>
               <a:buNone/>
             </a:pPr>
-            <a:endParaRPr b="0" lang="en-US" sz="3200" spc="-1" strike="noStrike">
+            <a:endParaRPr b="0" lang="en-GB" sz="3200" spc="-1" strike="noStrike">
               <a:solidFill>
                 <a:srgbClr val="000000"/>
               </a:solidFill>
@@ -11369,7 +11369,7 @@
               </a:spcBef>
               <a:buNone/>
             </a:pPr>
-            <a:endParaRPr b="0" lang="en-US" sz="3200" spc="-1" strike="noStrike">
+            <a:endParaRPr b="0" lang="en-GB" sz="3200" spc="-1" strike="noStrike">
               <a:solidFill>
                 <a:srgbClr val="000000"/>
               </a:solidFill>
@@ -11412,7 +11412,7 @@
               </a:spcBef>
               <a:buNone/>
             </a:pPr>
-            <a:endParaRPr b="0" lang="en-US" sz="3200" spc="-1" strike="noStrike">
+            <a:endParaRPr b="0" lang="en-GB" sz="3200" spc="-1" strike="noStrike">
               <a:solidFill>
                 <a:srgbClr val="000000"/>
               </a:solidFill>
@@ -11455,7 +11455,7 @@
               </a:spcBef>
               <a:buNone/>
             </a:pPr>
-            <a:endParaRPr b="0" lang="en-US" sz="3200" spc="-1" strike="noStrike">
+            <a:endParaRPr b="0" lang="en-GB" sz="3200" spc="-1" strike="noStrike">
               <a:solidFill>
                 <a:srgbClr val="000000"/>
               </a:solidFill>
@@ -11498,7 +11498,7 @@
               </a:spcBef>
               <a:buNone/>
             </a:pPr>
-            <a:endParaRPr b="0" lang="en-US" sz="3200" spc="-1" strike="noStrike">
+            <a:endParaRPr b="0" lang="en-GB" sz="3200" spc="-1" strike="noStrike">
               <a:solidFill>
                 <a:srgbClr val="000000"/>
               </a:solidFill>
@@ -11541,7 +11541,7 @@
               </a:spcBef>
               <a:buNone/>
             </a:pPr>
-            <a:endParaRPr b="0" lang="en-US" sz="3200" spc="-1" strike="noStrike">
+            <a:endParaRPr b="0" lang="en-GB" sz="3200" spc="-1" strike="noStrike">
               <a:solidFill>
                 <a:srgbClr val="000000"/>
               </a:solidFill>
@@ -11625,7 +11625,7 @@
             <a:pPr indent="0" algn="ctr">
               <a:buNone/>
             </a:pPr>
-            <a:endParaRPr b="0" lang="en-US" sz="4400" spc="-1" strike="noStrike">
+            <a:endParaRPr b="0" lang="en-GB" sz="4400" spc="-1" strike="noStrike">
               <a:solidFill>
                 <a:srgbClr val="000000"/>
               </a:solidFill>
@@ -11665,7 +11665,7 @@
             <a:pPr indent="0" algn="ctr">
               <a:buNone/>
             </a:pPr>
-            <a:endParaRPr b="0" lang="en-US" sz="3200" spc="-1" strike="noStrike">
+            <a:endParaRPr b="0" lang="en-GB" sz="3200" spc="-1" strike="noStrike">
               <a:solidFill>
                 <a:srgbClr val="000000"/>
               </a:solidFill>
@@ -11727,7 +11727,7 @@
             <a:pPr indent="0" algn="ctr">
               <a:buNone/>
             </a:pPr>
-            <a:endParaRPr b="0" lang="en-US" sz="4400" spc="-1" strike="noStrike">
+            <a:endParaRPr b="0" lang="en-GB" sz="4400" spc="-1" strike="noStrike">
               <a:solidFill>
                 <a:srgbClr val="000000"/>
               </a:solidFill>
@@ -11770,7 +11770,7 @@
               </a:spcBef>
               <a:buNone/>
             </a:pPr>
-            <a:endParaRPr b="0" lang="en-US" sz="3200" spc="-1" strike="noStrike">
+            <a:endParaRPr b="0" lang="en-GB" sz="3200" spc="-1" strike="noStrike">
               <a:solidFill>
                 <a:srgbClr val="000000"/>
               </a:solidFill>
@@ -11832,7 +11832,7 @@
             <a:pPr indent="0" algn="ctr">
               <a:buNone/>
             </a:pPr>
-            <a:endParaRPr b="0" lang="en-US" sz="4400" spc="-1" strike="noStrike">
+            <a:endParaRPr b="0" lang="en-GB" sz="4400" spc="-1" strike="noStrike">
               <a:solidFill>
                 <a:srgbClr val="000000"/>
               </a:solidFill>
@@ -11875,7 +11875,7 @@
               </a:spcBef>
               <a:buNone/>
             </a:pPr>
-            <a:endParaRPr b="0" lang="en-US" sz="3200" spc="-1" strike="noStrike">
+            <a:endParaRPr b="0" lang="en-GB" sz="3200" spc="-1" strike="noStrike">
               <a:solidFill>
                 <a:srgbClr val="000000"/>
               </a:solidFill>
@@ -11918,7 +11918,7 @@
               </a:spcBef>
               <a:buNone/>
             </a:pPr>
-            <a:endParaRPr b="0" lang="en-US" sz="3200" spc="-1" strike="noStrike">
+            <a:endParaRPr b="0" lang="en-GB" sz="3200" spc="-1" strike="noStrike">
               <a:solidFill>
                 <a:srgbClr val="000000"/>
               </a:solidFill>
@@ -11980,7 +11980,7 @@
             <a:pPr indent="0" algn="ctr">
               <a:buNone/>
             </a:pPr>
-            <a:endParaRPr b="0" lang="en-US" sz="4400" spc="-1" strike="noStrike">
+            <a:endParaRPr b="0" lang="en-GB" sz="4400" spc="-1" strike="noStrike">
               <a:solidFill>
                 <a:srgbClr val="000000"/>
               </a:solidFill>
@@ -12023,7 +12023,7 @@
               </a:spcBef>
               <a:buNone/>
             </a:pPr>
-            <a:endParaRPr b="0" lang="en-US" sz="3200" spc="-1" strike="noStrike">
+            <a:endParaRPr b="0" lang="en-GB" sz="3200" spc="-1" strike="noStrike">
               <a:solidFill>
                 <a:srgbClr val="000000"/>
               </a:solidFill>
@@ -12066,7 +12066,7 @@
               </a:spcBef>
               <a:buNone/>
             </a:pPr>
-            <a:endParaRPr b="0" lang="en-US" sz="3200" spc="-1" strike="noStrike">
+            <a:endParaRPr b="0" lang="en-GB" sz="3200" spc="-1" strike="noStrike">
               <a:solidFill>
                 <a:srgbClr val="000000"/>
               </a:solidFill>
@@ -12128,7 +12128,7 @@
             <a:pPr indent="0" algn="ctr">
               <a:buNone/>
             </a:pPr>
-            <a:endParaRPr b="0" lang="en-US" sz="4400" spc="-1" strike="noStrike">
+            <a:endParaRPr b="0" lang="en-GB" sz="4400" spc="-1" strike="noStrike">
               <a:solidFill>
                 <a:srgbClr val="000000"/>
               </a:solidFill>
@@ -12188,7 +12188,7 @@
           </a:bodyPr>
           <a:p>
             <a:pPr algn="ctr"/>
-            <a:endParaRPr b="0" lang="en-US" sz="3200" spc="-1" strike="noStrike">
+            <a:endParaRPr b="0" lang="en-GB" sz="3200" spc="-1" strike="noStrike">
               <a:solidFill>
                 <a:srgbClr val="000000"/>
               </a:solidFill>
@@ -12250,7 +12250,7 @@
             <a:pPr indent="0" algn="ctr">
               <a:buNone/>
             </a:pPr>
-            <a:endParaRPr b="0" lang="en-US" sz="4400" spc="-1" strike="noStrike">
+            <a:endParaRPr b="0" lang="en-GB" sz="4400" spc="-1" strike="noStrike">
               <a:solidFill>
                 <a:srgbClr val="000000"/>
               </a:solidFill>
@@ -12293,7 +12293,7 @@
               </a:spcBef>
               <a:buNone/>
             </a:pPr>
-            <a:endParaRPr b="0" lang="en-US" sz="3200" spc="-1" strike="noStrike">
+            <a:endParaRPr b="0" lang="en-GB" sz="3200" spc="-1" strike="noStrike">
               <a:solidFill>
                 <a:srgbClr val="000000"/>
               </a:solidFill>
@@ -12336,7 +12336,7 @@
               </a:spcBef>
               <a:buNone/>
             </a:pPr>
-            <a:endParaRPr b="0" lang="en-US" sz="3200" spc="-1" strike="noStrike">
+            <a:endParaRPr b="0" lang="en-GB" sz="3200" spc="-1" strike="noStrike">
               <a:solidFill>
                 <a:srgbClr val="000000"/>
               </a:solidFill>
@@ -12379,7 +12379,7 @@
               </a:spcBef>
               <a:buNone/>
             </a:pPr>
-            <a:endParaRPr b="0" lang="en-US" sz="3200" spc="-1" strike="noStrike">
+            <a:endParaRPr b="0" lang="en-GB" sz="3200" spc="-1" strike="noStrike">
               <a:solidFill>
                 <a:srgbClr val="000000"/>
               </a:solidFill>
@@ -12441,7 +12441,7 @@
             <a:pPr indent="0" algn="ctr">
               <a:buNone/>
             </a:pPr>
-            <a:endParaRPr b="0" lang="en-US" sz="4400" spc="-1" strike="noStrike">
+            <a:endParaRPr b="0" lang="en-GB" sz="4400" spc="-1" strike="noStrike">
               <a:solidFill>
                 <a:srgbClr val="000000"/>
               </a:solidFill>
@@ -12484,7 +12484,7 @@
               </a:spcBef>
               <a:buNone/>
             </a:pPr>
-            <a:endParaRPr b="0" lang="en-US" sz="3200" spc="-1" strike="noStrike">
+            <a:endParaRPr b="0" lang="en-GB" sz="3200" spc="-1" strike="noStrike">
               <a:solidFill>
                 <a:srgbClr val="000000"/>
               </a:solidFill>
@@ -12527,7 +12527,7 @@
               </a:spcBef>
               <a:buNone/>
             </a:pPr>
-            <a:endParaRPr b="0" lang="en-US" sz="3200" spc="-1" strike="noStrike">
+            <a:endParaRPr b="0" lang="en-GB" sz="3200" spc="-1" strike="noStrike">
               <a:solidFill>
                 <a:srgbClr val="000000"/>
               </a:solidFill>
@@ -12570,7 +12570,7 @@
               </a:spcBef>
               <a:buNone/>
             </a:pPr>
-            <a:endParaRPr b="0" lang="en-US" sz="3200" spc="-1" strike="noStrike">
+            <a:endParaRPr b="0" lang="en-GB" sz="3200" spc="-1" strike="noStrike">
               <a:solidFill>
                 <a:srgbClr val="000000"/>
               </a:solidFill>
@@ -12632,7 +12632,7 @@
             <a:pPr indent="0" algn="ctr">
               <a:buNone/>
             </a:pPr>
-            <a:endParaRPr b="0" lang="en-US" sz="4400" spc="-1" strike="noStrike">
+            <a:endParaRPr b="0" lang="en-GB" sz="4400" spc="-1" strike="noStrike">
               <a:solidFill>
                 <a:srgbClr val="000000"/>
               </a:solidFill>
@@ -12675,7 +12675,7 @@
               </a:spcBef>
               <a:buNone/>
             </a:pPr>
-            <a:endParaRPr b="0" lang="en-US" sz="3200" spc="-1" strike="noStrike">
+            <a:endParaRPr b="0" lang="en-GB" sz="3200" spc="-1" strike="noStrike">
               <a:solidFill>
                 <a:srgbClr val="000000"/>
               </a:solidFill>
@@ -12718,7 +12718,7 @@
               </a:spcBef>
               <a:buNone/>
             </a:pPr>
-            <a:endParaRPr b="0" lang="en-US" sz="3200" spc="-1" strike="noStrike">
+            <a:endParaRPr b="0" lang="en-GB" sz="3200" spc="-1" strike="noStrike">
               <a:solidFill>
                 <a:srgbClr val="000000"/>
               </a:solidFill>
@@ -12761,7 +12761,7 @@
               </a:spcBef>
               <a:buNone/>
             </a:pPr>
-            <a:endParaRPr b="0" lang="en-US" sz="3200" spc="-1" strike="noStrike">
+            <a:endParaRPr b="0" lang="en-GB" sz="3200" spc="-1" strike="noStrike">
               <a:solidFill>
                 <a:srgbClr val="000000"/>
               </a:solidFill>
@@ -12823,7 +12823,7 @@
             <a:pPr indent="0" algn="ctr">
               <a:buNone/>
             </a:pPr>
-            <a:endParaRPr b="0" lang="en-US" sz="4400" spc="-1" strike="noStrike">
+            <a:endParaRPr b="0" lang="en-GB" sz="4400" spc="-1" strike="noStrike">
               <a:solidFill>
                 <a:srgbClr val="000000"/>
               </a:solidFill>
@@ -12866,7 +12866,7 @@
               </a:spcBef>
               <a:buNone/>
             </a:pPr>
-            <a:endParaRPr b="0" lang="en-US" sz="3200" spc="-1" strike="noStrike">
+            <a:endParaRPr b="0" lang="en-GB" sz="3200" spc="-1" strike="noStrike">
               <a:solidFill>
                 <a:srgbClr val="000000"/>
               </a:solidFill>
@@ -12909,7 +12909,7 @@
               </a:spcBef>
               <a:buNone/>
             </a:pPr>
-            <a:endParaRPr b="0" lang="en-US" sz="3200" spc="-1" strike="noStrike">
+            <a:endParaRPr b="0" lang="en-GB" sz="3200" spc="-1" strike="noStrike">
               <a:solidFill>
                 <a:srgbClr val="000000"/>
               </a:solidFill>
@@ -12971,7 +12971,7 @@
             <a:pPr indent="0" algn="ctr">
               <a:buNone/>
             </a:pPr>
-            <a:endParaRPr b="0" lang="en-US" sz="4400" spc="-1" strike="noStrike">
+            <a:endParaRPr b="0" lang="en-GB" sz="4400" spc="-1" strike="noStrike">
               <a:solidFill>
                 <a:srgbClr val="000000"/>
               </a:solidFill>
@@ -13014,7 +13014,7 @@
               </a:spcBef>
               <a:buNone/>
             </a:pPr>
-            <a:endParaRPr b="0" lang="en-US" sz="3200" spc="-1" strike="noStrike">
+            <a:endParaRPr b="0" lang="en-GB" sz="3200" spc="-1" strike="noStrike">
               <a:solidFill>
                 <a:srgbClr val="000000"/>
               </a:solidFill>
@@ -13057,7 +13057,7 @@
               </a:spcBef>
               <a:buNone/>
             </a:pPr>
-            <a:endParaRPr b="0" lang="en-US" sz="3200" spc="-1" strike="noStrike">
+            <a:endParaRPr b="0" lang="en-GB" sz="3200" spc="-1" strike="noStrike">
               <a:solidFill>
                 <a:srgbClr val="000000"/>
               </a:solidFill>
@@ -13100,7 +13100,7 @@
               </a:spcBef>
               <a:buNone/>
             </a:pPr>
-            <a:endParaRPr b="0" lang="en-US" sz="3200" spc="-1" strike="noStrike">
+            <a:endParaRPr b="0" lang="en-GB" sz="3200" spc="-1" strike="noStrike">
               <a:solidFill>
                 <a:srgbClr val="000000"/>
               </a:solidFill>
@@ -13143,7 +13143,7 @@
               </a:spcBef>
               <a:buNone/>
             </a:pPr>
-            <a:endParaRPr b="0" lang="en-US" sz="3200" spc="-1" strike="noStrike">
+            <a:endParaRPr b="0" lang="en-GB" sz="3200" spc="-1" strike="noStrike">
               <a:solidFill>
                 <a:srgbClr val="000000"/>
               </a:solidFill>
@@ -13205,7 +13205,7 @@
             <a:pPr indent="0" algn="ctr">
               <a:buNone/>
             </a:pPr>
-            <a:endParaRPr b="0" lang="en-US" sz="4400" spc="-1" strike="noStrike">
+            <a:endParaRPr b="0" lang="en-GB" sz="4400" spc="-1" strike="noStrike">
               <a:solidFill>
                 <a:srgbClr val="000000"/>
               </a:solidFill>
@@ -13248,7 +13248,7 @@
               </a:spcBef>
               <a:buNone/>
             </a:pPr>
-            <a:endParaRPr b="0" lang="en-US" sz="3200" spc="-1" strike="noStrike">
+            <a:endParaRPr b="0" lang="en-GB" sz="3200" spc="-1" strike="noStrike">
               <a:solidFill>
                 <a:srgbClr val="000000"/>
               </a:solidFill>
@@ -13291,7 +13291,7 @@
               </a:spcBef>
               <a:buNone/>
             </a:pPr>
-            <a:endParaRPr b="0" lang="en-US" sz="3200" spc="-1" strike="noStrike">
+            <a:endParaRPr b="0" lang="en-GB" sz="3200" spc="-1" strike="noStrike">
               <a:solidFill>
                 <a:srgbClr val="000000"/>
               </a:solidFill>
@@ -13334,7 +13334,7 @@
               </a:spcBef>
               <a:buNone/>
             </a:pPr>
-            <a:endParaRPr b="0" lang="en-US" sz="3200" spc="-1" strike="noStrike">
+            <a:endParaRPr b="0" lang="en-GB" sz="3200" spc="-1" strike="noStrike">
               <a:solidFill>
                 <a:srgbClr val="000000"/>
               </a:solidFill>
@@ -13377,7 +13377,7 @@
               </a:spcBef>
               <a:buNone/>
             </a:pPr>
-            <a:endParaRPr b="0" lang="en-US" sz="3200" spc="-1" strike="noStrike">
+            <a:endParaRPr b="0" lang="en-GB" sz="3200" spc="-1" strike="noStrike">
               <a:solidFill>
                 <a:srgbClr val="000000"/>
               </a:solidFill>
@@ -13420,7 +13420,7 @@
               </a:spcBef>
               <a:buNone/>
             </a:pPr>
-            <a:endParaRPr b="0" lang="en-US" sz="3200" spc="-1" strike="noStrike">
+            <a:endParaRPr b="0" lang="en-GB" sz="3200" spc="-1" strike="noStrike">
               <a:solidFill>
                 <a:srgbClr val="000000"/>
               </a:solidFill>
@@ -13463,7 +13463,7 @@
               </a:spcBef>
               <a:buNone/>
             </a:pPr>
-            <a:endParaRPr b="0" lang="en-US" sz="3200" spc="-1" strike="noStrike">
+            <a:endParaRPr b="0" lang="en-GB" sz="3200" spc="-1" strike="noStrike">
               <a:solidFill>
                 <a:srgbClr val="000000"/>
               </a:solidFill>
@@ -13525,7 +13525,7 @@
             <a:pPr indent="0" algn="ctr">
               <a:buNone/>
             </a:pPr>
-            <a:endParaRPr b="0" lang="en-US" sz="4400" spc="-1" strike="noStrike">
+            <a:endParaRPr b="0" lang="en-GB" sz="4400" spc="-1" strike="noStrike">
               <a:solidFill>
                 <a:srgbClr val="000000"/>
               </a:solidFill>
@@ -13585,7 +13585,7 @@
           </a:bodyPr>
           <a:p>
             <a:pPr algn="ctr"/>
-            <a:endParaRPr b="0" lang="en-US" sz="3200" spc="-1" strike="noStrike">
+            <a:endParaRPr b="0" lang="en-GB" sz="3200" spc="-1" strike="noStrike">
               <a:solidFill>
                 <a:srgbClr val="000000"/>
               </a:solidFill>
@@ -13647,7 +13647,7 @@
             <a:pPr indent="0" algn="ctr">
               <a:buNone/>
             </a:pPr>
-            <a:endParaRPr b="0" lang="en-US" sz="4400" spc="-1" strike="noStrike">
+            <a:endParaRPr b="0" lang="en-GB" sz="4400" spc="-1" strike="noStrike">
               <a:solidFill>
                 <a:srgbClr val="000000"/>
               </a:solidFill>
@@ -13690,7 +13690,7 @@
               </a:spcBef>
               <a:buNone/>
             </a:pPr>
-            <a:endParaRPr b="0" lang="en-US" sz="3200" spc="-1" strike="noStrike">
+            <a:endParaRPr b="0" lang="en-GB" sz="3200" spc="-1" strike="noStrike">
               <a:solidFill>
                 <a:srgbClr val="000000"/>
               </a:solidFill>
@@ -13733,7 +13733,7 @@
               </a:spcBef>
               <a:buNone/>
             </a:pPr>
-            <a:endParaRPr b="0" lang="en-US" sz="3200" spc="-1" strike="noStrike">
+            <a:endParaRPr b="0" lang="en-GB" sz="3200" spc="-1" strike="noStrike">
               <a:solidFill>
                 <a:srgbClr val="000000"/>
               </a:solidFill>
@@ -13776,7 +13776,7 @@
               </a:spcBef>
               <a:buNone/>
             </a:pPr>
-            <a:endParaRPr b="0" lang="en-US" sz="3200" spc="-1" strike="noStrike">
+            <a:endParaRPr b="0" lang="en-GB" sz="3200" spc="-1" strike="noStrike">
               <a:solidFill>
                 <a:srgbClr val="000000"/>
               </a:solidFill>
@@ -13838,7 +13838,7 @@
             <a:pPr indent="0" algn="ctr">
               <a:buNone/>
             </a:pPr>
-            <a:endParaRPr b="0" lang="en-US" sz="4400" spc="-1" strike="noStrike">
+            <a:endParaRPr b="0" lang="en-GB" sz="4400" spc="-1" strike="noStrike">
               <a:solidFill>
                 <a:srgbClr val="000000"/>
               </a:solidFill>
@@ -13881,7 +13881,7 @@
               </a:spcBef>
               <a:buNone/>
             </a:pPr>
-            <a:endParaRPr b="0" lang="en-US" sz="3200" spc="-1" strike="noStrike">
+            <a:endParaRPr b="0" lang="en-GB" sz="3200" spc="-1" strike="noStrike">
               <a:solidFill>
                 <a:srgbClr val="000000"/>
               </a:solidFill>
@@ -13924,7 +13924,7 @@
               </a:spcBef>
               <a:buNone/>
             </a:pPr>
-            <a:endParaRPr b="0" lang="en-US" sz="3200" spc="-1" strike="noStrike">
+            <a:endParaRPr b="0" lang="en-GB" sz="3200" spc="-1" strike="noStrike">
               <a:solidFill>
                 <a:srgbClr val="000000"/>
               </a:solidFill>
@@ -13967,7 +13967,7 @@
               </a:spcBef>
               <a:buNone/>
             </a:pPr>
-            <a:endParaRPr b="0" lang="en-US" sz="3200" spc="-1" strike="noStrike">
+            <a:endParaRPr b="0" lang="en-GB" sz="3200" spc="-1" strike="noStrike">
               <a:solidFill>
                 <a:srgbClr val="000000"/>
               </a:solidFill>
@@ -14029,7 +14029,7 @@
             <a:pPr indent="0" algn="ctr">
               <a:buNone/>
             </a:pPr>
-            <a:endParaRPr b="0" lang="en-US" sz="4400" spc="-1" strike="noStrike">
+            <a:endParaRPr b="0" lang="en-GB" sz="4400" spc="-1" strike="noStrike">
               <a:solidFill>
                 <a:srgbClr val="000000"/>
               </a:solidFill>
@@ -14072,7 +14072,7 @@
               </a:spcBef>
               <a:buNone/>
             </a:pPr>
-            <a:endParaRPr b="0" lang="en-US" sz="3200" spc="-1" strike="noStrike">
+            <a:endParaRPr b="0" lang="en-GB" sz="3200" spc="-1" strike="noStrike">
               <a:solidFill>
                 <a:srgbClr val="000000"/>
               </a:solidFill>
@@ -14115,7 +14115,7 @@
               </a:spcBef>
               <a:buNone/>
             </a:pPr>
-            <a:endParaRPr b="0" lang="en-US" sz="3200" spc="-1" strike="noStrike">
+            <a:endParaRPr b="0" lang="en-GB" sz="3200" spc="-1" strike="noStrike">
               <a:solidFill>
                 <a:srgbClr val="000000"/>
               </a:solidFill>
@@ -14158,7 +14158,7 @@
               </a:spcBef>
               <a:buNone/>
             </a:pPr>
-            <a:endParaRPr b="0" lang="en-US" sz="3200" spc="-1" strike="noStrike">
+            <a:endParaRPr b="0" lang="en-GB" sz="3200" spc="-1" strike="noStrike">
               <a:solidFill>
                 <a:srgbClr val="000000"/>
               </a:solidFill>
@@ -14205,7 +14205,7 @@
         <p:spPr>
           <a:xfrm>
             <a:off x="11444760" y="0"/>
-            <a:ext cx="742320" cy="6851160"/>
+            <a:ext cx="741960" cy="6850800"/>
           </a:xfrm>
           <a:prstGeom prst="rect">
             <a:avLst/>
@@ -14230,11 +14230,17 @@
             <a:noAutofit/>
           </a:bodyPr>
           <a:p>
+            <a:pPr>
+              <a:lnSpc>
+                <a:spcPct val="100000"/>
+              </a:lnSpc>
+            </a:pPr>
             <a:endParaRPr b="0" lang="en-US" sz="1800" spc="-1" strike="noStrike">
               <a:solidFill>
                 <a:srgbClr val="ffffff"/>
               </a:solidFill>
               <a:latin typeface="Arial"/>
+              <a:ea typeface="DejaVu Sans"/>
             </a:endParaRPr>
           </a:p>
         </p:txBody>
@@ -14248,7 +14254,7 @@
         <p:spPr>
           <a:xfrm>
             <a:off x="11438640" y="6453360"/>
-            <a:ext cx="759240" cy="363960"/>
+            <a:ext cx="758880" cy="363960"/>
           </a:xfrm>
           <a:prstGeom prst="rect">
             <a:avLst/>
@@ -14274,7 +14280,7 @@
                 <a:spcPct val="100000"/>
               </a:lnSpc>
             </a:pPr>
-            <a:fld id="{A45ECE32-6C61-44C9-91DD-94516576E1DF}" type="slidenum">
+            <a:fld id="{57291EDB-566E-4704-B7F1-1CE3CB0428C5}" type="slidenum">
               <a:rPr b="0" lang="en-US" sz="1800" spc="-1" strike="noStrike">
                 <a:solidFill>
                   <a:srgbClr val="808080"/>
@@ -14284,7 +14290,7 @@
               </a:rPr>
               <a:t>&lt;number&gt;</a:t>
             </a:fld>
-            <a:endParaRPr b="0" lang="en-US" sz="1800" spc="-1" strike="noStrike">
+            <a:endParaRPr b="0" lang="en-GB" sz="1800" spc="-1" strike="noStrike">
               <a:solidFill>
                 <a:srgbClr val="000000"/>
               </a:solidFill>
@@ -14302,7 +14308,7 @@
         <p:spPr>
           <a:xfrm>
             <a:off x="912240" y="1268280"/>
-            <a:ext cx="9209160" cy="362520"/>
+            <a:ext cx="9208800" cy="362160"/>
           </a:xfrm>
           <a:prstGeom prst="rect">
             <a:avLst/>
@@ -14323,11 +14329,17 @@
             <a:noAutofit/>
           </a:bodyPr>
           <a:p>
+            <a:pPr>
+              <a:lnSpc>
+                <a:spcPct val="100000"/>
+              </a:lnSpc>
+            </a:pPr>
             <a:endParaRPr b="0" lang="en-US" sz="1800" spc="-1" strike="noStrike">
               <a:solidFill>
                 <a:srgbClr val="000000"/>
               </a:solidFill>
               <a:latin typeface="Arial"/>
+              <a:ea typeface="DejaVu Sans"/>
             </a:endParaRPr>
           </a:p>
         </p:txBody>
@@ -14345,7 +14357,7 @@
         <p:spPr>
           <a:xfrm>
             <a:off x="0" y="0"/>
-            <a:ext cx="3053160" cy="563040"/>
+            <a:ext cx="3052800" cy="562680"/>
           </a:xfrm>
           <a:prstGeom prst="rect">
             <a:avLst/>
@@ -14368,7 +14380,7 @@
         <p:spPr>
           <a:xfrm>
             <a:off x="7430400" y="134640"/>
-            <a:ext cx="3699000" cy="515160"/>
+            <a:ext cx="3698640" cy="514800"/>
           </a:xfrm>
           <a:prstGeom prst="rect">
             <a:avLst/>
@@ -14387,7 +14399,7 @@
         <p:spPr>
           <a:xfrm>
             <a:off x="912240" y="1268280"/>
-            <a:ext cx="9209160" cy="362520"/>
+            <a:ext cx="9208800" cy="362160"/>
           </a:xfrm>
           <a:prstGeom prst="rect">
             <a:avLst/>
@@ -14408,11 +14420,17 @@
             <a:noAutofit/>
           </a:bodyPr>
           <a:p>
+            <a:pPr>
+              <a:lnSpc>
+                <a:spcPct val="100000"/>
+              </a:lnSpc>
+            </a:pPr>
             <a:endParaRPr b="0" lang="en-US" sz="1800" spc="-1" strike="noStrike">
               <a:solidFill>
                 <a:srgbClr val="000000"/>
               </a:solidFill>
               <a:latin typeface="Arial"/>
+              <a:ea typeface="DejaVu Sans"/>
             </a:endParaRPr>
           </a:p>
         </p:txBody>
@@ -14426,7 +14444,7 @@
         <p:spPr>
           <a:xfrm>
             <a:off x="11444760" y="0"/>
-            <a:ext cx="742320" cy="6851160"/>
+            <a:ext cx="741960" cy="6850800"/>
           </a:xfrm>
           <a:prstGeom prst="rect">
             <a:avLst/>
@@ -14451,11 +14469,17 @@
             <a:noAutofit/>
           </a:bodyPr>
           <a:p>
+            <a:pPr>
+              <a:lnSpc>
+                <a:spcPct val="100000"/>
+              </a:lnSpc>
+            </a:pPr>
             <a:endParaRPr b="0" lang="en-US" sz="1800" spc="-1" strike="noStrike">
               <a:solidFill>
                 <a:srgbClr val="ffffff"/>
               </a:solidFill>
               <a:latin typeface="Arial"/>
+              <a:ea typeface="DejaVu Sans"/>
             </a:endParaRPr>
           </a:p>
         </p:txBody>
@@ -14469,7 +14493,7 @@
         <p:spPr>
           <a:xfrm>
             <a:off x="0" y="6646680"/>
-            <a:ext cx="12185280" cy="211320"/>
+            <a:ext cx="12184920" cy="211320"/>
           </a:xfrm>
           <a:prstGeom prst="rect">
             <a:avLst/>
@@ -14505,7 +14529,7 @@
               </a:rPr>
               <a:t>Requirements Engineering – TU Clausthal</a:t>
             </a:r>
-            <a:endParaRPr b="0" lang="en-US" sz="800" spc="-1" strike="noStrike">
+            <a:endParaRPr b="0" lang="en-GB" sz="800" spc="-1" strike="noStrike">
               <a:solidFill>
                 <a:srgbClr val="000000"/>
               </a:solidFill>
@@ -14546,7 +14570,7 @@
               <a:buNone/>
             </a:pPr>
             <a:r>
-              <a:rPr b="0" lang="en-US" sz="4400" spc="-1" strike="noStrike">
+              <a:rPr b="0" lang="en-GB" sz="4400" spc="-1" strike="noStrike">
                 <a:solidFill>
                   <a:srgbClr val="000000"/>
                 </a:solidFill>
@@ -14554,7 +14578,7 @@
               </a:rPr>
               <a:t>Click to edit the title text format</a:t>
             </a:r>
-            <a:endParaRPr b="0" lang="en-US" sz="4400" spc="-1" strike="noStrike">
+            <a:endParaRPr b="0" lang="en-GB" sz="4400" spc="-1" strike="noStrike">
               <a:solidFill>
                 <a:srgbClr val="000000"/>
               </a:solidFill>
@@ -14603,7 +14627,7 @@
               <a:buChar char=""/>
             </a:pPr>
             <a:r>
-              <a:rPr b="0" lang="en-US" sz="3200" spc="-1" strike="noStrike">
+              <a:rPr b="0" lang="en-GB" sz="3200" spc="-1" strike="noStrike">
                 <a:solidFill>
                   <a:srgbClr val="000000"/>
                 </a:solidFill>
@@ -14611,7 +14635,7 @@
               </a:rPr>
               <a:t>Click to edit the outline text format</a:t>
             </a:r>
-            <a:endParaRPr b="0" lang="en-US" sz="3200" spc="-1" strike="noStrike">
+            <a:endParaRPr b="0" lang="en-GB" sz="3200" spc="-1" strike="noStrike">
               <a:solidFill>
                 <a:srgbClr val="000000"/>
               </a:solidFill>
@@ -14631,7 +14655,7 @@
               <a:buChar char=""/>
             </a:pPr>
             <a:r>
-              <a:rPr b="0" lang="en-US" sz="2800" spc="-1" strike="noStrike">
+              <a:rPr b="0" lang="en-GB" sz="2800" spc="-1" strike="noStrike">
                 <a:solidFill>
                   <a:srgbClr val="000000"/>
                 </a:solidFill>
@@ -14639,7 +14663,7 @@
               </a:rPr>
               <a:t>Second Outline Level</a:t>
             </a:r>
-            <a:endParaRPr b="0" lang="en-US" sz="2800" spc="-1" strike="noStrike">
+            <a:endParaRPr b="0" lang="en-GB" sz="2800" spc="-1" strike="noStrike">
               <a:solidFill>
                 <a:srgbClr val="000000"/>
               </a:solidFill>
@@ -14659,7 +14683,7 @@
               <a:buChar char=""/>
             </a:pPr>
             <a:r>
-              <a:rPr b="0" lang="en-US" sz="2400" spc="-1" strike="noStrike">
+              <a:rPr b="0" lang="en-GB" sz="2400" spc="-1" strike="noStrike">
                 <a:solidFill>
                   <a:srgbClr val="000000"/>
                 </a:solidFill>
@@ -14667,7 +14691,7 @@
               </a:rPr>
               <a:t>Third Outline Level</a:t>
             </a:r>
-            <a:endParaRPr b="0" lang="en-US" sz="2400" spc="-1" strike="noStrike">
+            <a:endParaRPr b="0" lang="en-GB" sz="2400" spc="-1" strike="noStrike">
               <a:solidFill>
                 <a:srgbClr val="000000"/>
               </a:solidFill>
@@ -14687,7 +14711,7 @@
               <a:buChar char=""/>
             </a:pPr>
             <a:r>
-              <a:rPr b="0" lang="en-US" sz="2000" spc="-1" strike="noStrike">
+              <a:rPr b="0" lang="en-GB" sz="2000" spc="-1" strike="noStrike">
                 <a:solidFill>
                   <a:srgbClr val="000000"/>
                 </a:solidFill>
@@ -14695,7 +14719,7 @@
               </a:rPr>
               <a:t>Fourth Outline Level</a:t>
             </a:r>
-            <a:endParaRPr b="0" lang="en-US" sz="2000" spc="-1" strike="noStrike">
+            <a:endParaRPr b="0" lang="en-GB" sz="2000" spc="-1" strike="noStrike">
               <a:solidFill>
                 <a:srgbClr val="000000"/>
               </a:solidFill>
@@ -14715,7 +14739,7 @@
               <a:buChar char=""/>
             </a:pPr>
             <a:r>
-              <a:rPr b="0" lang="en-US" sz="2000" spc="-1" strike="noStrike">
+              <a:rPr b="0" lang="en-GB" sz="2000" spc="-1" strike="noStrike">
                 <a:solidFill>
                   <a:srgbClr val="000000"/>
                 </a:solidFill>
@@ -14723,7 +14747,7 @@
               </a:rPr>
               <a:t>Fifth Outline Level</a:t>
             </a:r>
-            <a:endParaRPr b="0" lang="en-US" sz="2000" spc="-1" strike="noStrike">
+            <a:endParaRPr b="0" lang="en-GB" sz="2000" spc="-1" strike="noStrike">
               <a:solidFill>
                 <a:srgbClr val="000000"/>
               </a:solidFill>
@@ -14743,7 +14767,7 @@
               <a:buChar char=""/>
             </a:pPr>
             <a:r>
-              <a:rPr b="0" lang="en-US" sz="2000" spc="-1" strike="noStrike">
+              <a:rPr b="0" lang="en-GB" sz="2000" spc="-1" strike="noStrike">
                 <a:solidFill>
                   <a:srgbClr val="000000"/>
                 </a:solidFill>
@@ -14751,7 +14775,7 @@
               </a:rPr>
               <a:t>Sixth Outline Level</a:t>
             </a:r>
-            <a:endParaRPr b="0" lang="en-US" sz="2000" spc="-1" strike="noStrike">
+            <a:endParaRPr b="0" lang="en-GB" sz="2000" spc="-1" strike="noStrike">
               <a:solidFill>
                 <a:srgbClr val="000000"/>
               </a:solidFill>
@@ -14771,7 +14795,7 @@
               <a:buChar char=""/>
             </a:pPr>
             <a:r>
-              <a:rPr b="0" lang="en-US" sz="2000" spc="-1" strike="noStrike">
+              <a:rPr b="0" lang="en-GB" sz="2000" spc="-1" strike="noStrike">
                 <a:solidFill>
                   <a:srgbClr val="000000"/>
                 </a:solidFill>
@@ -14779,7 +14803,7 @@
               </a:rPr>
               <a:t>Seventh Outline Level</a:t>
             </a:r>
-            <a:endParaRPr b="0" lang="en-US" sz="2000" spc="-1" strike="noStrike">
+            <a:endParaRPr b="0" lang="en-GB" sz="2000" spc="-1" strike="noStrike">
               <a:solidFill>
                 <a:srgbClr val="000000"/>
               </a:solidFill>
@@ -14841,7 +14865,7 @@
         <p:spPr>
           <a:xfrm>
             <a:off x="11444760" y="0"/>
-            <a:ext cx="742320" cy="6851160"/>
+            <a:ext cx="741960" cy="6850800"/>
           </a:xfrm>
           <a:prstGeom prst="rect">
             <a:avLst/>
@@ -14866,11 +14890,17 @@
             <a:noAutofit/>
           </a:bodyPr>
           <a:p>
+            <a:pPr>
+              <a:lnSpc>
+                <a:spcPct val="100000"/>
+              </a:lnSpc>
+            </a:pPr>
             <a:endParaRPr b="0" lang="en-US" sz="1800" spc="-1" strike="noStrike">
               <a:solidFill>
                 <a:srgbClr val="ffffff"/>
               </a:solidFill>
               <a:latin typeface="Arial"/>
+              <a:ea typeface="DejaVu Sans"/>
             </a:endParaRPr>
           </a:p>
         </p:txBody>
@@ -14884,7 +14914,7 @@
         <p:spPr>
           <a:xfrm>
             <a:off x="11438640" y="6453360"/>
-            <a:ext cx="759240" cy="363960"/>
+            <a:ext cx="758880" cy="363960"/>
           </a:xfrm>
           <a:prstGeom prst="rect">
             <a:avLst/>
@@ -14910,7 +14940,7 @@
                 <a:spcPct val="100000"/>
               </a:lnSpc>
             </a:pPr>
-            <a:fld id="{47EF7FEF-5EF4-4F5E-8825-AD4A305180F4}" type="slidenum">
+            <a:fld id="{9C839FD3-8DC0-48C7-A43E-015759572103}" type="slidenum">
               <a:rPr b="0" lang="en-US" sz="1800" spc="-1" strike="noStrike">
                 <a:solidFill>
                   <a:srgbClr val="808080"/>
@@ -14920,7 +14950,7 @@
               </a:rPr>
               <a:t>&lt;number&gt;</a:t>
             </a:fld>
-            <a:endParaRPr b="0" lang="en-US" sz="1800" spc="-1" strike="noStrike">
+            <a:endParaRPr b="0" lang="en-GB" sz="1800" spc="-1" strike="noStrike">
               <a:solidFill>
                 <a:srgbClr val="000000"/>
               </a:solidFill>
@@ -14938,7 +14968,7 @@
         <p:spPr>
           <a:xfrm>
             <a:off x="912240" y="1268280"/>
-            <a:ext cx="9209160" cy="362520"/>
+            <a:ext cx="9208800" cy="362160"/>
           </a:xfrm>
           <a:prstGeom prst="rect">
             <a:avLst/>
@@ -14959,11 +14989,17 @@
             <a:noAutofit/>
           </a:bodyPr>
           <a:p>
+            <a:pPr>
+              <a:lnSpc>
+                <a:spcPct val="100000"/>
+              </a:lnSpc>
+            </a:pPr>
             <a:endParaRPr b="0" lang="en-US" sz="1800" spc="-1" strike="noStrike">
               <a:solidFill>
                 <a:srgbClr val="000000"/>
               </a:solidFill>
               <a:latin typeface="Arial"/>
+              <a:ea typeface="DejaVu Sans"/>
             </a:endParaRPr>
           </a:p>
         </p:txBody>
@@ -14981,7 +15017,7 @@
         <p:spPr>
           <a:xfrm>
             <a:off x="0" y="0"/>
-            <a:ext cx="3053160" cy="563040"/>
+            <a:ext cx="3052800" cy="562680"/>
           </a:xfrm>
           <a:prstGeom prst="rect">
             <a:avLst/>
@@ -15004,7 +15040,7 @@
         <p:spPr>
           <a:xfrm>
             <a:off x="7430400" y="134640"/>
-            <a:ext cx="3699000" cy="515160"/>
+            <a:ext cx="3698640" cy="514800"/>
           </a:xfrm>
           <a:prstGeom prst="rect">
             <a:avLst/>
@@ -15023,7 +15059,7 @@
         <p:spPr>
           <a:xfrm>
             <a:off x="912240" y="1268280"/>
-            <a:ext cx="9209160" cy="362520"/>
+            <a:ext cx="9208800" cy="362160"/>
           </a:xfrm>
           <a:prstGeom prst="rect">
             <a:avLst/>
@@ -15044,11 +15080,17 @@
             <a:noAutofit/>
           </a:bodyPr>
           <a:p>
+            <a:pPr>
+              <a:lnSpc>
+                <a:spcPct val="100000"/>
+              </a:lnSpc>
+            </a:pPr>
             <a:endParaRPr b="0" lang="en-US" sz="1800" spc="-1" strike="noStrike">
               <a:solidFill>
                 <a:srgbClr val="000000"/>
               </a:solidFill>
               <a:latin typeface="Arial"/>
+              <a:ea typeface="DejaVu Sans"/>
             </a:endParaRPr>
           </a:p>
         </p:txBody>
@@ -15062,7 +15104,7 @@
         <p:spPr>
           <a:xfrm>
             <a:off x="11444760" y="0"/>
-            <a:ext cx="742320" cy="6851160"/>
+            <a:ext cx="741960" cy="6850800"/>
           </a:xfrm>
           <a:prstGeom prst="rect">
             <a:avLst/>
@@ -15087,11 +15129,17 @@
             <a:noAutofit/>
           </a:bodyPr>
           <a:p>
+            <a:pPr>
+              <a:lnSpc>
+                <a:spcPct val="100000"/>
+              </a:lnSpc>
+            </a:pPr>
             <a:endParaRPr b="0" lang="en-US" sz="1800" spc="-1" strike="noStrike">
               <a:solidFill>
                 <a:srgbClr val="ffffff"/>
               </a:solidFill>
               <a:latin typeface="Arial"/>
+              <a:ea typeface="DejaVu Sans"/>
             </a:endParaRPr>
           </a:p>
         </p:txBody>
@@ -15105,7 +15153,7 @@
         <p:spPr>
           <a:xfrm>
             <a:off x="0" y="6646680"/>
-            <a:ext cx="12185280" cy="211320"/>
+            <a:ext cx="12184920" cy="211320"/>
           </a:xfrm>
           <a:prstGeom prst="rect">
             <a:avLst/>
@@ -15141,7 +15189,7 @@
               </a:rPr>
               <a:t>Requirements Engineering – TU Clausthal</a:t>
             </a:r>
-            <a:endParaRPr b="0" lang="en-US" sz="800" spc="-1" strike="noStrike">
+            <a:endParaRPr b="0" lang="en-GB" sz="800" spc="-1" strike="noStrike">
               <a:solidFill>
                 <a:srgbClr val="000000"/>
               </a:solidFill>
@@ -15182,7 +15230,7 @@
               <a:buNone/>
             </a:pPr>
             <a:r>
-              <a:rPr b="0" lang="en-US" sz="4400" spc="-1" strike="noStrike">
+              <a:rPr b="0" lang="en-GB" sz="4400" spc="-1" strike="noStrike">
                 <a:solidFill>
                   <a:srgbClr val="000000"/>
                 </a:solidFill>
@@ -15190,7 +15238,7 @@
               </a:rPr>
               <a:t>Click to edit the title text format</a:t>
             </a:r>
-            <a:endParaRPr b="0" lang="en-US" sz="4400" spc="-1" strike="noStrike">
+            <a:endParaRPr b="0" lang="en-GB" sz="4400" spc="-1" strike="noStrike">
               <a:solidFill>
                 <a:srgbClr val="000000"/>
               </a:solidFill>
@@ -15239,7 +15287,7 @@
               <a:buChar char=""/>
             </a:pPr>
             <a:r>
-              <a:rPr b="0" lang="en-US" sz="3200" spc="-1" strike="noStrike">
+              <a:rPr b="0" lang="en-GB" sz="3200" spc="-1" strike="noStrike">
                 <a:solidFill>
                   <a:srgbClr val="000000"/>
                 </a:solidFill>
@@ -15247,7 +15295,7 @@
               </a:rPr>
               <a:t>Click to edit the outline text format</a:t>
             </a:r>
-            <a:endParaRPr b="0" lang="en-US" sz="3200" spc="-1" strike="noStrike">
+            <a:endParaRPr b="0" lang="en-GB" sz="3200" spc="-1" strike="noStrike">
               <a:solidFill>
                 <a:srgbClr val="000000"/>
               </a:solidFill>
@@ -15267,7 +15315,7 @@
               <a:buChar char=""/>
             </a:pPr>
             <a:r>
-              <a:rPr b="0" lang="en-US" sz="2800" spc="-1" strike="noStrike">
+              <a:rPr b="0" lang="en-GB" sz="2800" spc="-1" strike="noStrike">
                 <a:solidFill>
                   <a:srgbClr val="000000"/>
                 </a:solidFill>
@@ -15275,7 +15323,7 @@
               </a:rPr>
               <a:t>Second Outline Level</a:t>
             </a:r>
-            <a:endParaRPr b="0" lang="en-US" sz="2800" spc="-1" strike="noStrike">
+            <a:endParaRPr b="0" lang="en-GB" sz="2800" spc="-1" strike="noStrike">
               <a:solidFill>
                 <a:srgbClr val="000000"/>
               </a:solidFill>
@@ -15295,7 +15343,7 @@
               <a:buChar char=""/>
             </a:pPr>
             <a:r>
-              <a:rPr b="0" lang="en-US" sz="2400" spc="-1" strike="noStrike">
+              <a:rPr b="0" lang="en-GB" sz="2400" spc="-1" strike="noStrike">
                 <a:solidFill>
                   <a:srgbClr val="000000"/>
                 </a:solidFill>
@@ -15303,7 +15351,7 @@
               </a:rPr>
               <a:t>Third Outline Level</a:t>
             </a:r>
-            <a:endParaRPr b="0" lang="en-US" sz="2400" spc="-1" strike="noStrike">
+            <a:endParaRPr b="0" lang="en-GB" sz="2400" spc="-1" strike="noStrike">
               <a:solidFill>
                 <a:srgbClr val="000000"/>
               </a:solidFill>
@@ -15323,7 +15371,7 @@
               <a:buChar char=""/>
             </a:pPr>
             <a:r>
-              <a:rPr b="0" lang="en-US" sz="2000" spc="-1" strike="noStrike">
+              <a:rPr b="0" lang="en-GB" sz="2000" spc="-1" strike="noStrike">
                 <a:solidFill>
                   <a:srgbClr val="000000"/>
                 </a:solidFill>
@@ -15331,7 +15379,7 @@
               </a:rPr>
               <a:t>Fourth Outline Level</a:t>
             </a:r>
-            <a:endParaRPr b="0" lang="en-US" sz="2000" spc="-1" strike="noStrike">
+            <a:endParaRPr b="0" lang="en-GB" sz="2000" spc="-1" strike="noStrike">
               <a:solidFill>
                 <a:srgbClr val="000000"/>
               </a:solidFill>
@@ -15351,7 +15399,7 @@
               <a:buChar char=""/>
             </a:pPr>
             <a:r>
-              <a:rPr b="0" lang="en-US" sz="2000" spc="-1" strike="noStrike">
+              <a:rPr b="0" lang="en-GB" sz="2000" spc="-1" strike="noStrike">
                 <a:solidFill>
                   <a:srgbClr val="000000"/>
                 </a:solidFill>
@@ -15359,7 +15407,7 @@
               </a:rPr>
               <a:t>Fifth Outline Level</a:t>
             </a:r>
-            <a:endParaRPr b="0" lang="en-US" sz="2000" spc="-1" strike="noStrike">
+            <a:endParaRPr b="0" lang="en-GB" sz="2000" spc="-1" strike="noStrike">
               <a:solidFill>
                 <a:srgbClr val="000000"/>
               </a:solidFill>
@@ -15379,7 +15427,7 @@
               <a:buChar char=""/>
             </a:pPr>
             <a:r>
-              <a:rPr b="0" lang="en-US" sz="2000" spc="-1" strike="noStrike">
+              <a:rPr b="0" lang="en-GB" sz="2000" spc="-1" strike="noStrike">
                 <a:solidFill>
                   <a:srgbClr val="000000"/>
                 </a:solidFill>
@@ -15387,7 +15435,7 @@
               </a:rPr>
               <a:t>Sixth Outline Level</a:t>
             </a:r>
-            <a:endParaRPr b="0" lang="en-US" sz="2000" spc="-1" strike="noStrike">
+            <a:endParaRPr b="0" lang="en-GB" sz="2000" spc="-1" strike="noStrike">
               <a:solidFill>
                 <a:srgbClr val="000000"/>
               </a:solidFill>
@@ -15407,7 +15455,7 @@
               <a:buChar char=""/>
             </a:pPr>
             <a:r>
-              <a:rPr b="0" lang="en-US" sz="2000" spc="-1" strike="noStrike">
+              <a:rPr b="0" lang="en-GB" sz="2000" spc="-1" strike="noStrike">
                 <a:solidFill>
                   <a:srgbClr val="000000"/>
                 </a:solidFill>
@@ -15415,7 +15463,7 @@
               </a:rPr>
               <a:t>Seventh Outline Level</a:t>
             </a:r>
-            <a:endParaRPr b="0" lang="en-US" sz="2000" spc="-1" strike="noStrike">
+            <a:endParaRPr b="0" lang="en-GB" sz="2000" spc="-1" strike="noStrike">
               <a:solidFill>
                 <a:srgbClr val="000000"/>
               </a:solidFill>
@@ -15477,7 +15525,7 @@
         <p:spPr>
           <a:xfrm>
             <a:off x="11444760" y="0"/>
-            <a:ext cx="742320" cy="6851160"/>
+            <a:ext cx="741960" cy="6850800"/>
           </a:xfrm>
           <a:prstGeom prst="rect">
             <a:avLst/>
@@ -15502,11 +15550,17 @@
             <a:noAutofit/>
           </a:bodyPr>
           <a:p>
+            <a:pPr>
+              <a:lnSpc>
+                <a:spcPct val="100000"/>
+              </a:lnSpc>
+            </a:pPr>
             <a:endParaRPr b="0" lang="en-US" sz="1800" spc="-1" strike="noStrike">
               <a:solidFill>
                 <a:srgbClr val="ffffff"/>
               </a:solidFill>
               <a:latin typeface="Arial"/>
+              <a:ea typeface="DejaVu Sans"/>
             </a:endParaRPr>
           </a:p>
         </p:txBody>
@@ -15520,7 +15574,7 @@
         <p:spPr>
           <a:xfrm>
             <a:off x="11438640" y="6453360"/>
-            <a:ext cx="759240" cy="363960"/>
+            <a:ext cx="758880" cy="363960"/>
           </a:xfrm>
           <a:prstGeom prst="rect">
             <a:avLst/>
@@ -15546,7 +15600,7 @@
                 <a:spcPct val="100000"/>
               </a:lnSpc>
             </a:pPr>
-            <a:fld id="{EB1B9AFF-6297-4467-A218-71E837F0B565}" type="slidenum">
+            <a:fld id="{8FE7BB7F-5A56-4549-973C-2734C0E0FEAF}" type="slidenum">
               <a:rPr b="0" lang="en-US" sz="1800" spc="-1" strike="noStrike">
                 <a:solidFill>
                   <a:srgbClr val="808080"/>
@@ -15556,7 +15610,7 @@
               </a:rPr>
               <a:t>&lt;number&gt;</a:t>
             </a:fld>
-            <a:endParaRPr b="0" lang="en-US" sz="1800" spc="-1" strike="noStrike">
+            <a:endParaRPr b="0" lang="en-GB" sz="1800" spc="-1" strike="noStrike">
               <a:solidFill>
                 <a:srgbClr val="000000"/>
               </a:solidFill>
@@ -15574,7 +15628,7 @@
         <p:spPr>
           <a:xfrm>
             <a:off x="912240" y="1268280"/>
-            <a:ext cx="9209160" cy="362520"/>
+            <a:ext cx="9208800" cy="362160"/>
           </a:xfrm>
           <a:prstGeom prst="rect">
             <a:avLst/>
@@ -15595,11 +15649,17 @@
             <a:noAutofit/>
           </a:bodyPr>
           <a:p>
+            <a:pPr>
+              <a:lnSpc>
+                <a:spcPct val="100000"/>
+              </a:lnSpc>
+            </a:pPr>
             <a:endParaRPr b="0" lang="en-US" sz="1800" spc="-1" strike="noStrike">
               <a:solidFill>
                 <a:srgbClr val="000000"/>
               </a:solidFill>
               <a:latin typeface="Arial"/>
+              <a:ea typeface="DejaVu Sans"/>
             </a:endParaRPr>
           </a:p>
         </p:txBody>
@@ -15617,7 +15677,7 @@
         <p:spPr>
           <a:xfrm>
             <a:off x="0" y="0"/>
-            <a:ext cx="3053160" cy="563040"/>
+            <a:ext cx="3052800" cy="562680"/>
           </a:xfrm>
           <a:prstGeom prst="rect">
             <a:avLst/>
@@ -15640,7 +15700,7 @@
         <p:spPr>
           <a:xfrm>
             <a:off x="7430400" y="134640"/>
-            <a:ext cx="3699000" cy="515160"/>
+            <a:ext cx="3698640" cy="514800"/>
           </a:xfrm>
           <a:prstGeom prst="rect">
             <a:avLst/>
@@ -15659,7 +15719,7 @@
         <p:spPr>
           <a:xfrm>
             <a:off x="11444760" y="1440"/>
-            <a:ext cx="742320" cy="6851160"/>
+            <a:ext cx="741960" cy="6850800"/>
           </a:xfrm>
           <a:prstGeom prst="rect">
             <a:avLst/>
@@ -15684,11 +15744,17 @@
             <a:noAutofit/>
           </a:bodyPr>
           <a:p>
+            <a:pPr>
+              <a:lnSpc>
+                <a:spcPct val="100000"/>
+              </a:lnSpc>
+            </a:pPr>
             <a:endParaRPr b="0" lang="en-US" sz="1800" spc="-1" strike="noStrike">
               <a:solidFill>
                 <a:srgbClr val="ffffff"/>
               </a:solidFill>
               <a:latin typeface="Arial"/>
+              <a:ea typeface="DejaVu Sans"/>
             </a:endParaRPr>
           </a:p>
         </p:txBody>
@@ -15702,7 +15768,7 @@
         <p:spPr>
           <a:xfrm>
             <a:off x="11427480" y="6453360"/>
-            <a:ext cx="759240" cy="363960"/>
+            <a:ext cx="758880" cy="363960"/>
           </a:xfrm>
           <a:prstGeom prst="rect">
             <a:avLst/>
@@ -15728,7 +15794,7 @@
                 <a:spcPct val="100000"/>
               </a:lnSpc>
             </a:pPr>
-            <a:fld id="{448C3333-C89B-456D-9F9D-1725AACFB881}" type="slidenum">
+            <a:fld id="{9C80062E-30A9-49CE-AC53-F3B6BDE58EB8}" type="slidenum">
               <a:rPr b="0" lang="en-US" sz="1800" spc="-1" strike="noStrike">
                 <a:solidFill>
                   <a:srgbClr val="808080"/>
@@ -15738,7 +15804,7 @@
               </a:rPr>
               <a:t>&lt;number&gt;</a:t>
             </a:fld>
-            <a:endParaRPr b="0" lang="en-US" sz="1800" spc="-1" strike="noStrike">
+            <a:endParaRPr b="0" lang="en-GB" sz="1800" spc="-1" strike="noStrike">
               <a:solidFill>
                 <a:srgbClr val="000000"/>
               </a:solidFill>
@@ -15756,7 +15822,7 @@
         <p:spPr>
           <a:xfrm>
             <a:off x="0" y="6646680"/>
-            <a:ext cx="12185280" cy="211320"/>
+            <a:ext cx="12184920" cy="211320"/>
           </a:xfrm>
           <a:prstGeom prst="rect">
             <a:avLst/>
@@ -15792,7 +15858,7 @@
               </a:rPr>
               <a:t>Requirements Engineering – TU Clausthal</a:t>
             </a:r>
-            <a:endParaRPr b="0" lang="en-US" sz="800" spc="-1" strike="noStrike">
+            <a:endParaRPr b="0" lang="en-GB" sz="800" spc="-1" strike="noStrike">
               <a:solidFill>
                 <a:srgbClr val="000000"/>
               </a:solidFill>
@@ -15833,7 +15899,7 @@
               <a:buNone/>
             </a:pPr>
             <a:r>
-              <a:rPr b="0" lang="en-US" sz="4400" spc="-1" strike="noStrike">
+              <a:rPr b="0" lang="en-GB" sz="4400" spc="-1" strike="noStrike">
                 <a:solidFill>
                   <a:srgbClr val="000000"/>
                 </a:solidFill>
@@ -15841,7 +15907,7 @@
               </a:rPr>
               <a:t>Click to edit the title text format</a:t>
             </a:r>
-            <a:endParaRPr b="0" lang="en-US" sz="4400" spc="-1" strike="noStrike">
+            <a:endParaRPr b="0" lang="en-GB" sz="4400" spc="-1" strike="noStrike">
               <a:solidFill>
                 <a:srgbClr val="000000"/>
               </a:solidFill>
@@ -15890,7 +15956,7 @@
               <a:buChar char=""/>
             </a:pPr>
             <a:r>
-              <a:rPr b="0" lang="en-US" sz="3200" spc="-1" strike="noStrike">
+              <a:rPr b="0" lang="en-GB" sz="3200" spc="-1" strike="noStrike">
                 <a:solidFill>
                   <a:srgbClr val="000000"/>
                 </a:solidFill>
@@ -15898,7 +15964,7 @@
               </a:rPr>
               <a:t>Click to edit the outline text format</a:t>
             </a:r>
-            <a:endParaRPr b="0" lang="en-US" sz="3200" spc="-1" strike="noStrike">
+            <a:endParaRPr b="0" lang="en-GB" sz="3200" spc="-1" strike="noStrike">
               <a:solidFill>
                 <a:srgbClr val="000000"/>
               </a:solidFill>
@@ -15918,7 +15984,7 @@
               <a:buChar char=""/>
             </a:pPr>
             <a:r>
-              <a:rPr b="0" lang="en-US" sz="2800" spc="-1" strike="noStrike">
+              <a:rPr b="0" lang="en-GB" sz="2800" spc="-1" strike="noStrike">
                 <a:solidFill>
                   <a:srgbClr val="000000"/>
                 </a:solidFill>
@@ -15926,7 +15992,7 @@
               </a:rPr>
               <a:t>Second Outline Level</a:t>
             </a:r>
-            <a:endParaRPr b="0" lang="en-US" sz="2800" spc="-1" strike="noStrike">
+            <a:endParaRPr b="0" lang="en-GB" sz="2800" spc="-1" strike="noStrike">
               <a:solidFill>
                 <a:srgbClr val="000000"/>
               </a:solidFill>
@@ -15946,7 +16012,7 @@
               <a:buChar char=""/>
             </a:pPr>
             <a:r>
-              <a:rPr b="0" lang="en-US" sz="2400" spc="-1" strike="noStrike">
+              <a:rPr b="0" lang="en-GB" sz="2400" spc="-1" strike="noStrike">
                 <a:solidFill>
                   <a:srgbClr val="000000"/>
                 </a:solidFill>
@@ -15954,7 +16020,7 @@
               </a:rPr>
               <a:t>Third Outline Level</a:t>
             </a:r>
-            <a:endParaRPr b="0" lang="en-US" sz="2400" spc="-1" strike="noStrike">
+            <a:endParaRPr b="0" lang="en-GB" sz="2400" spc="-1" strike="noStrike">
               <a:solidFill>
                 <a:srgbClr val="000000"/>
               </a:solidFill>
@@ -15974,7 +16040,7 @@
               <a:buChar char=""/>
             </a:pPr>
             <a:r>
-              <a:rPr b="0" lang="en-US" sz="2000" spc="-1" strike="noStrike">
+              <a:rPr b="0" lang="en-GB" sz="2000" spc="-1" strike="noStrike">
                 <a:solidFill>
                   <a:srgbClr val="000000"/>
                 </a:solidFill>
@@ -15982,7 +16048,7 @@
               </a:rPr>
               <a:t>Fourth Outline Level</a:t>
             </a:r>
-            <a:endParaRPr b="0" lang="en-US" sz="2000" spc="-1" strike="noStrike">
+            <a:endParaRPr b="0" lang="en-GB" sz="2000" spc="-1" strike="noStrike">
               <a:solidFill>
                 <a:srgbClr val="000000"/>
               </a:solidFill>
@@ -16002,7 +16068,7 @@
               <a:buChar char=""/>
             </a:pPr>
             <a:r>
-              <a:rPr b="0" lang="en-US" sz="2000" spc="-1" strike="noStrike">
+              <a:rPr b="0" lang="en-GB" sz="2000" spc="-1" strike="noStrike">
                 <a:solidFill>
                   <a:srgbClr val="000000"/>
                 </a:solidFill>
@@ -16010,7 +16076,7 @@
               </a:rPr>
               <a:t>Fifth Outline Level</a:t>
             </a:r>
-            <a:endParaRPr b="0" lang="en-US" sz="2000" spc="-1" strike="noStrike">
+            <a:endParaRPr b="0" lang="en-GB" sz="2000" spc="-1" strike="noStrike">
               <a:solidFill>
                 <a:srgbClr val="000000"/>
               </a:solidFill>
@@ -16030,7 +16096,7 @@
               <a:buChar char=""/>
             </a:pPr>
             <a:r>
-              <a:rPr b="0" lang="en-US" sz="2000" spc="-1" strike="noStrike">
+              <a:rPr b="0" lang="en-GB" sz="2000" spc="-1" strike="noStrike">
                 <a:solidFill>
                   <a:srgbClr val="000000"/>
                 </a:solidFill>
@@ -16038,7 +16104,7 @@
               </a:rPr>
               <a:t>Sixth Outline Level</a:t>
             </a:r>
-            <a:endParaRPr b="0" lang="en-US" sz="2000" spc="-1" strike="noStrike">
+            <a:endParaRPr b="0" lang="en-GB" sz="2000" spc="-1" strike="noStrike">
               <a:solidFill>
                 <a:srgbClr val="000000"/>
               </a:solidFill>
@@ -16058,7 +16124,7 @@
               <a:buChar char=""/>
             </a:pPr>
             <a:r>
-              <a:rPr b="0" lang="en-US" sz="2000" spc="-1" strike="noStrike">
+              <a:rPr b="0" lang="en-GB" sz="2000" spc="-1" strike="noStrike">
                 <a:solidFill>
                   <a:srgbClr val="000000"/>
                 </a:solidFill>
@@ -16066,7 +16132,7 @@
               </a:rPr>
               <a:t>Seventh Outline Level</a:t>
             </a:r>
-            <a:endParaRPr b="0" lang="en-US" sz="2000" spc="-1" strike="noStrike">
+            <a:endParaRPr b="0" lang="en-GB" sz="2000" spc="-1" strike="noStrike">
               <a:solidFill>
                 <a:srgbClr val="000000"/>
               </a:solidFill>
@@ -16128,7 +16194,7 @@
         <p:spPr>
           <a:xfrm>
             <a:off x="11444760" y="0"/>
-            <a:ext cx="742320" cy="6851160"/>
+            <a:ext cx="741960" cy="6850800"/>
           </a:xfrm>
           <a:prstGeom prst="rect">
             <a:avLst/>
@@ -16153,11 +16219,17 @@
             <a:noAutofit/>
           </a:bodyPr>
           <a:p>
+            <a:pPr>
+              <a:lnSpc>
+                <a:spcPct val="100000"/>
+              </a:lnSpc>
+            </a:pPr>
             <a:endParaRPr b="0" lang="en-US" sz="1800" spc="-1" strike="noStrike">
               <a:solidFill>
                 <a:srgbClr val="ffffff"/>
               </a:solidFill>
               <a:latin typeface="Arial"/>
+              <a:ea typeface="DejaVu Sans"/>
             </a:endParaRPr>
           </a:p>
         </p:txBody>
@@ -16171,7 +16243,7 @@
         <p:spPr>
           <a:xfrm>
             <a:off x="11438640" y="6453360"/>
-            <a:ext cx="759240" cy="363960"/>
+            <a:ext cx="758880" cy="363960"/>
           </a:xfrm>
           <a:prstGeom prst="rect">
             <a:avLst/>
@@ -16197,7 +16269,7 @@
                 <a:spcPct val="100000"/>
               </a:lnSpc>
             </a:pPr>
-            <a:fld id="{A7CB2E50-9D3C-4A88-87C6-CAF547CA34AD}" type="slidenum">
+            <a:fld id="{55473FD5-352E-4429-8E03-FB21923C0963}" type="slidenum">
               <a:rPr b="0" lang="en-US" sz="1800" spc="-1" strike="noStrike">
                 <a:solidFill>
                   <a:srgbClr val="808080"/>
@@ -16207,7 +16279,7 @@
               </a:rPr>
               <a:t>&lt;number&gt;</a:t>
             </a:fld>
-            <a:endParaRPr b="0" lang="en-US" sz="1800" spc="-1" strike="noStrike">
+            <a:endParaRPr b="0" lang="en-GB" sz="1800" spc="-1" strike="noStrike">
               <a:solidFill>
                 <a:srgbClr val="000000"/>
               </a:solidFill>
@@ -16225,7 +16297,7 @@
         <p:spPr>
           <a:xfrm>
             <a:off x="912240" y="1268280"/>
-            <a:ext cx="9209160" cy="362520"/>
+            <a:ext cx="9208800" cy="362160"/>
           </a:xfrm>
           <a:prstGeom prst="rect">
             <a:avLst/>
@@ -16246,11 +16318,17 @@
             <a:noAutofit/>
           </a:bodyPr>
           <a:p>
+            <a:pPr>
+              <a:lnSpc>
+                <a:spcPct val="100000"/>
+              </a:lnSpc>
+            </a:pPr>
             <a:endParaRPr b="0" lang="en-US" sz="1800" spc="-1" strike="noStrike">
               <a:solidFill>
                 <a:srgbClr val="000000"/>
               </a:solidFill>
               <a:latin typeface="Arial"/>
+              <a:ea typeface="DejaVu Sans"/>
             </a:endParaRPr>
           </a:p>
         </p:txBody>
@@ -16268,7 +16346,7 @@
         <p:spPr>
           <a:xfrm>
             <a:off x="0" y="0"/>
-            <a:ext cx="3053160" cy="563040"/>
+            <a:ext cx="3052800" cy="562680"/>
           </a:xfrm>
           <a:prstGeom prst="rect">
             <a:avLst/>
@@ -16291,7 +16369,7 @@
         <p:spPr>
           <a:xfrm>
             <a:off x="7430400" y="134640"/>
-            <a:ext cx="3699000" cy="515160"/>
+            <a:ext cx="3698640" cy="514800"/>
           </a:xfrm>
           <a:prstGeom prst="rect">
             <a:avLst/>
@@ -16310,7 +16388,7 @@
         <p:spPr>
           <a:xfrm>
             <a:off x="11444760" y="1440"/>
-            <a:ext cx="742320" cy="6851160"/>
+            <a:ext cx="741960" cy="6850800"/>
           </a:xfrm>
           <a:prstGeom prst="rect">
             <a:avLst/>
@@ -16335,11 +16413,17 @@
             <a:noAutofit/>
           </a:bodyPr>
           <a:p>
+            <a:pPr>
+              <a:lnSpc>
+                <a:spcPct val="100000"/>
+              </a:lnSpc>
+            </a:pPr>
             <a:endParaRPr b="0" lang="en-US" sz="1800" spc="-1" strike="noStrike">
               <a:solidFill>
                 <a:srgbClr val="ffffff"/>
               </a:solidFill>
               <a:latin typeface="Arial"/>
+              <a:ea typeface="DejaVu Sans"/>
             </a:endParaRPr>
           </a:p>
         </p:txBody>
@@ -16353,7 +16437,7 @@
         <p:spPr>
           <a:xfrm>
             <a:off x="11427480" y="6453360"/>
-            <a:ext cx="759240" cy="363960"/>
+            <a:ext cx="758880" cy="363960"/>
           </a:xfrm>
           <a:prstGeom prst="rect">
             <a:avLst/>
@@ -16379,7 +16463,7 @@
                 <a:spcPct val="100000"/>
               </a:lnSpc>
             </a:pPr>
-            <a:fld id="{469E5246-118A-4D45-83DE-54C2ECB9B515}" type="slidenum">
+            <a:fld id="{74B70FBA-3CE0-44CE-A7A0-DAFD10F9CA17}" type="slidenum">
               <a:rPr b="0" lang="en-US" sz="1800" spc="-1" strike="noStrike">
                 <a:solidFill>
                   <a:srgbClr val="808080"/>
@@ -16389,7 +16473,7 @@
               </a:rPr>
               <a:t>&lt;number&gt;</a:t>
             </a:fld>
-            <a:endParaRPr b="0" lang="en-US" sz="1800" spc="-1" strike="noStrike">
+            <a:endParaRPr b="0" lang="en-GB" sz="1800" spc="-1" strike="noStrike">
               <a:solidFill>
                 <a:srgbClr val="000000"/>
               </a:solidFill>
@@ -16407,7 +16491,7 @@
         <p:spPr>
           <a:xfrm>
             <a:off x="0" y="6646680"/>
-            <a:ext cx="12185280" cy="211320"/>
+            <a:ext cx="12184920" cy="211320"/>
           </a:xfrm>
           <a:prstGeom prst="rect">
             <a:avLst/>
@@ -16443,7 +16527,7 @@
               </a:rPr>
               <a:t>Requirements Engineering – TU Clausthal</a:t>
             </a:r>
-            <a:endParaRPr b="0" lang="en-US" sz="800" spc="-1" strike="noStrike">
+            <a:endParaRPr b="0" lang="en-GB" sz="800" spc="-1" strike="noStrike">
               <a:solidFill>
                 <a:srgbClr val="000000"/>
               </a:solidFill>
@@ -16484,7 +16568,7 @@
               <a:buNone/>
             </a:pPr>
             <a:r>
-              <a:rPr b="0" lang="en-US" sz="4400" spc="-1" strike="noStrike">
+              <a:rPr b="0" lang="en-GB" sz="4400" spc="-1" strike="noStrike">
                 <a:solidFill>
                   <a:srgbClr val="000000"/>
                 </a:solidFill>
@@ -16492,7 +16576,7 @@
               </a:rPr>
               <a:t>Click to edit the title text format</a:t>
             </a:r>
-            <a:endParaRPr b="0" lang="en-US" sz="4400" spc="-1" strike="noStrike">
+            <a:endParaRPr b="0" lang="en-GB" sz="4400" spc="-1" strike="noStrike">
               <a:solidFill>
                 <a:srgbClr val="000000"/>
               </a:solidFill>
@@ -16541,7 +16625,7 @@
               <a:buChar char=""/>
             </a:pPr>
             <a:r>
-              <a:rPr b="0" lang="en-US" sz="3200" spc="-1" strike="noStrike">
+              <a:rPr b="0" lang="en-GB" sz="3200" spc="-1" strike="noStrike">
                 <a:solidFill>
                   <a:srgbClr val="000000"/>
                 </a:solidFill>
@@ -16549,7 +16633,7 @@
               </a:rPr>
               <a:t>Click to edit the outline text format</a:t>
             </a:r>
-            <a:endParaRPr b="0" lang="en-US" sz="3200" spc="-1" strike="noStrike">
+            <a:endParaRPr b="0" lang="en-GB" sz="3200" spc="-1" strike="noStrike">
               <a:solidFill>
                 <a:srgbClr val="000000"/>
               </a:solidFill>
@@ -16569,7 +16653,7 @@
               <a:buChar char=""/>
             </a:pPr>
             <a:r>
-              <a:rPr b="0" lang="en-US" sz="2800" spc="-1" strike="noStrike">
+              <a:rPr b="0" lang="en-GB" sz="2800" spc="-1" strike="noStrike">
                 <a:solidFill>
                   <a:srgbClr val="000000"/>
                 </a:solidFill>
@@ -16577,7 +16661,7 @@
               </a:rPr>
               <a:t>Second Outline Level</a:t>
             </a:r>
-            <a:endParaRPr b="0" lang="en-US" sz="2800" spc="-1" strike="noStrike">
+            <a:endParaRPr b="0" lang="en-GB" sz="2800" spc="-1" strike="noStrike">
               <a:solidFill>
                 <a:srgbClr val="000000"/>
               </a:solidFill>
@@ -16597,7 +16681,7 @@
               <a:buChar char=""/>
             </a:pPr>
             <a:r>
-              <a:rPr b="0" lang="en-US" sz="2400" spc="-1" strike="noStrike">
+              <a:rPr b="0" lang="en-GB" sz="2400" spc="-1" strike="noStrike">
                 <a:solidFill>
                   <a:srgbClr val="000000"/>
                 </a:solidFill>
@@ -16605,7 +16689,7 @@
               </a:rPr>
               <a:t>Third Outline Level</a:t>
             </a:r>
-            <a:endParaRPr b="0" lang="en-US" sz="2400" spc="-1" strike="noStrike">
+            <a:endParaRPr b="0" lang="en-GB" sz="2400" spc="-1" strike="noStrike">
               <a:solidFill>
                 <a:srgbClr val="000000"/>
               </a:solidFill>
@@ -16625,7 +16709,7 @@
               <a:buChar char=""/>
             </a:pPr>
             <a:r>
-              <a:rPr b="0" lang="en-US" sz="2000" spc="-1" strike="noStrike">
+              <a:rPr b="0" lang="en-GB" sz="2000" spc="-1" strike="noStrike">
                 <a:solidFill>
                   <a:srgbClr val="000000"/>
                 </a:solidFill>
@@ -16633,7 +16717,7 @@
               </a:rPr>
               <a:t>Fourth Outline Level</a:t>
             </a:r>
-            <a:endParaRPr b="0" lang="en-US" sz="2000" spc="-1" strike="noStrike">
+            <a:endParaRPr b="0" lang="en-GB" sz="2000" spc="-1" strike="noStrike">
               <a:solidFill>
                 <a:srgbClr val="000000"/>
               </a:solidFill>
@@ -16653,7 +16737,7 @@
               <a:buChar char=""/>
             </a:pPr>
             <a:r>
-              <a:rPr b="0" lang="en-US" sz="2000" spc="-1" strike="noStrike">
+              <a:rPr b="0" lang="en-GB" sz="2000" spc="-1" strike="noStrike">
                 <a:solidFill>
                   <a:srgbClr val="000000"/>
                 </a:solidFill>
@@ -16661,7 +16745,7 @@
               </a:rPr>
               <a:t>Fifth Outline Level</a:t>
             </a:r>
-            <a:endParaRPr b="0" lang="en-US" sz="2000" spc="-1" strike="noStrike">
+            <a:endParaRPr b="0" lang="en-GB" sz="2000" spc="-1" strike="noStrike">
               <a:solidFill>
                 <a:srgbClr val="000000"/>
               </a:solidFill>
@@ -16681,7 +16765,7 @@
               <a:buChar char=""/>
             </a:pPr>
             <a:r>
-              <a:rPr b="0" lang="en-US" sz="2000" spc="-1" strike="noStrike">
+              <a:rPr b="0" lang="en-GB" sz="2000" spc="-1" strike="noStrike">
                 <a:solidFill>
                   <a:srgbClr val="000000"/>
                 </a:solidFill>
@@ -16689,7 +16773,7 @@
               </a:rPr>
               <a:t>Sixth Outline Level</a:t>
             </a:r>
-            <a:endParaRPr b="0" lang="en-US" sz="2000" spc="-1" strike="noStrike">
+            <a:endParaRPr b="0" lang="en-GB" sz="2000" spc="-1" strike="noStrike">
               <a:solidFill>
                 <a:srgbClr val="000000"/>
               </a:solidFill>
@@ -16709,7 +16793,7 @@
               <a:buChar char=""/>
             </a:pPr>
             <a:r>
-              <a:rPr b="0" lang="en-US" sz="2000" spc="-1" strike="noStrike">
+              <a:rPr b="0" lang="en-GB" sz="2000" spc="-1" strike="noStrike">
                 <a:solidFill>
                   <a:srgbClr val="000000"/>
                 </a:solidFill>
@@ -16717,7 +16801,7 @@
               </a:rPr>
               <a:t>Seventh Outline Level</a:t>
             </a:r>
-            <a:endParaRPr b="0" lang="en-US" sz="2000" spc="-1" strike="noStrike">
+            <a:endParaRPr b="0" lang="en-GB" sz="2000" spc="-1" strike="noStrike">
               <a:solidFill>
                 <a:srgbClr val="000000"/>
               </a:solidFill>
@@ -16772,7 +16856,7 @@
         <p:spPr>
           <a:xfrm>
             <a:off x="527400" y="1412640"/>
-            <a:ext cx="10362240" cy="1148760"/>
+            <a:ext cx="10361880" cy="1148400"/>
           </a:xfrm>
           <a:prstGeom prst="rect">
             <a:avLst/>
@@ -16808,7 +16892,7 @@
               </a:rPr>
               <a:t>Requirement Engineering</a:t>
             </a:r>
-            <a:endParaRPr b="0" lang="en-US" sz="3200" spc="-1" strike="noStrike">
+            <a:endParaRPr b="0" lang="en-GB" sz="3200" spc="-1" strike="noStrike">
               <a:solidFill>
                 <a:srgbClr val="000000"/>
               </a:solidFill>
@@ -16826,7 +16910,7 @@
         <p:spPr>
           <a:xfrm>
             <a:off x="527400" y="2852640"/>
-            <a:ext cx="10362240" cy="2369520"/>
+            <a:ext cx="10361880" cy="2369160"/>
           </a:xfrm>
           <a:prstGeom prst="rect">
             <a:avLst/>
@@ -16868,7 +16952,7 @@
               </a:rPr>
               <a:t>Lecture 7: Requirements Documentation</a:t>
             </a:r>
-            <a:endParaRPr b="0" lang="en-US" sz="2400" spc="-1" strike="noStrike">
+            <a:endParaRPr b="0" lang="en-GB" sz="2400" spc="-1" strike="noStrike">
               <a:solidFill>
                 <a:srgbClr val="000000"/>
               </a:solidFill>
@@ -16897,7 +16981,7 @@
               </a:rPr>
               <a:t>Textual Requirements Specification</a:t>
             </a:r>
-            <a:endParaRPr b="0" lang="en-US" sz="1800" spc="-1" strike="noStrike">
+            <a:endParaRPr b="0" lang="en-GB" sz="1800" spc="-1" strike="noStrike">
               <a:solidFill>
                 <a:srgbClr val="000000"/>
               </a:solidFill>
@@ -16916,7 +17000,7 @@
                 <a:tab algn="l" pos="0"/>
               </a:tabLst>
             </a:pPr>
-            <a:endParaRPr b="0" lang="en-US" sz="1800" spc="-1" strike="noStrike">
+            <a:endParaRPr b="0" lang="en-GB" sz="1800" spc="-1" strike="noStrike">
               <a:solidFill>
                 <a:srgbClr val="000000"/>
               </a:solidFill>
@@ -16935,7 +17019,7 @@
                 <a:tab algn="l" pos="0"/>
               </a:tabLst>
             </a:pPr>
-            <a:endParaRPr b="0" lang="en-US" sz="1800" spc="-1" strike="noStrike">
+            <a:endParaRPr b="0" lang="en-GB" sz="1800" spc="-1" strike="noStrike">
               <a:solidFill>
                 <a:srgbClr val="000000"/>
               </a:solidFill>
@@ -16964,7 +17048,7 @@
               </a:rPr>
               <a:t>Prof. Dr. Benjamin Leiding</a:t>
             </a:r>
-            <a:endParaRPr b="0" lang="en-US" sz="1600" spc="-1" strike="noStrike">
+            <a:endParaRPr b="0" lang="en-GB" sz="1600" spc="-1" strike="noStrike">
               <a:solidFill>
                 <a:srgbClr val="000000"/>
               </a:solidFill>
@@ -16993,7 +17077,36 @@
               </a:rPr>
               <a:t>M.Sc. Anant Sujatanagarjuna</a:t>
             </a:r>
-            <a:endParaRPr b="0" lang="en-US" sz="1600" spc="-1" strike="noStrike">
+            <a:endParaRPr b="0" lang="en-GB" sz="1600" spc="-1" strike="noStrike">
+              <a:solidFill>
+                <a:srgbClr val="000000"/>
+              </a:solidFill>
+              <a:latin typeface="Arial"/>
+            </a:endParaRPr>
+          </a:p>
+          <a:p>
+            <a:pPr algn="ctr">
+              <a:lnSpc>
+                <a:spcPct val="100000"/>
+              </a:lnSpc>
+              <a:spcBef>
+                <a:spcPts val="320"/>
+              </a:spcBef>
+              <a:tabLst>
+                <a:tab algn="l" pos="0"/>
+              </a:tabLst>
+            </a:pPr>
+            <a:r>
+              <a:rPr b="0" lang="en-GB" sz="1600" spc="-1" strike="noStrike">
+                <a:solidFill>
+                  <a:srgbClr val="000000"/>
+                </a:solidFill>
+                <a:latin typeface="DejaVu Sans"/>
+                <a:ea typeface="DejaVu Sans"/>
+              </a:rPr>
+              <a:t>M.Sc. Chintan Patel</a:t>
+            </a:r>
+            <a:endParaRPr b="0" lang="en-GB" sz="1600" spc="-1" strike="noStrike">
               <a:solidFill>
                 <a:srgbClr val="000000"/>
               </a:solidFill>
@@ -17041,7 +17154,7 @@
         <p:spPr>
           <a:xfrm>
             <a:off x="539640" y="1617840"/>
-            <a:ext cx="10568880" cy="4779360"/>
+            <a:ext cx="10568520" cy="4779000"/>
           </a:xfrm>
           <a:prstGeom prst="rect">
             <a:avLst/>
@@ -17089,7 +17202,7 @@
               </a:rPr>
               <a:t>Ambiguity is a common problem</a:t>
             </a:r>
-            <a:endParaRPr b="0" lang="en-US" sz="2000" spc="-1" strike="noStrike">
+            <a:endParaRPr b="0" lang="en-GB" sz="2000" spc="-1" strike="noStrike">
               <a:solidFill>
                 <a:srgbClr val="000000"/>
               </a:solidFill>
@@ -17124,7 +17237,7 @@
               </a:rPr>
               <a:t>Ambiguity is often overlooked, as an interpretation is chosen unconsciously</a:t>
             </a:r>
-            <a:endParaRPr b="0" lang="en-US" sz="2000" spc="-1" strike="noStrike">
+            <a:endParaRPr b="0" lang="en-GB" sz="2000" spc="-1" strike="noStrike">
               <a:solidFill>
                 <a:srgbClr val="000000"/>
               </a:solidFill>
@@ -17162,7 +17275,7 @@
               </a:rPr>
               <a:t>Cause: Ambiguity as „under-specification“ is a typical phenomenon of natural language. The solution of ambiguity is an (often unconscious) cognitive process taking context (e.g. shared situation) or other cues (e.g. nonverbal) into account.</a:t>
             </a:r>
-            <a:endParaRPr b="0" lang="en-US" sz="1800" spc="-1" strike="noStrike">
+            <a:endParaRPr b="0" lang="en-GB" sz="1800" spc="-1" strike="noStrike">
               <a:solidFill>
                 <a:srgbClr val="000000"/>
               </a:solidFill>
@@ -17200,7 +17313,7 @@
               </a:rPr>
               <a:t>The „most likely“ interpretation of a requirement is chosen unconsciously, thus the interpretation causing the least contradictions with already known requirements, domain attributes or standards is chosen.</a:t>
             </a:r>
-            <a:endParaRPr b="0" lang="en-US" sz="1800" spc="-1" strike="noStrike">
+            <a:endParaRPr b="0" lang="en-GB" sz="1800" spc="-1" strike="noStrike">
               <a:solidFill>
                 <a:srgbClr val="000000"/>
               </a:solidFill>
@@ -17238,7 +17351,7 @@
               </a:rPr>
               <a:t>Because requirements can be controversial, this – in contrast to the common, verbal everyday communication – is not an optimal strategy! Contradictions must be discussed with the parties and must be solved.</a:t>
             </a:r>
-            <a:endParaRPr b="0" lang="en-US" sz="1800" spc="-1" strike="noStrike">
+            <a:endParaRPr b="0" lang="en-GB" sz="1800" spc="-1" strike="noStrike">
               <a:solidFill>
                 <a:srgbClr val="000000"/>
               </a:solidFill>
@@ -17273,7 +17386,7 @@
               </a:rPr>
               <a:t>Ambiguity can be a sign for incompleteness!</a:t>
             </a:r>
-            <a:endParaRPr b="0" lang="en-US" sz="2000" spc="-1" strike="noStrike">
+            <a:endParaRPr b="0" lang="en-GB" sz="2000" spc="-1" strike="noStrike">
               <a:solidFill>
                 <a:srgbClr val="000000"/>
               </a:solidFill>
@@ -17291,7 +17404,7 @@
         <p:spPr>
           <a:xfrm>
             <a:off x="542880" y="724320"/>
-            <a:ext cx="10357920" cy="498600"/>
+            <a:ext cx="10357560" cy="498240"/>
           </a:xfrm>
           <a:prstGeom prst="rect">
             <a:avLst/>
@@ -17327,7 +17440,7 @@
               </a:rPr>
               <a:t>Textual Requirements Specification</a:t>
             </a:r>
-            <a:endParaRPr b="0" lang="en-US" sz="2200" spc="-1" strike="noStrike">
+            <a:endParaRPr b="0" lang="en-GB" sz="2200" spc="-1" strike="noStrike">
               <a:solidFill>
                 <a:srgbClr val="000000"/>
               </a:solidFill>
@@ -17345,7 +17458,7 @@
         <p:spPr>
           <a:xfrm>
             <a:off x="542880" y="1269720"/>
-            <a:ext cx="10357920" cy="498600"/>
+            <a:ext cx="10357560" cy="498240"/>
           </a:xfrm>
           <a:prstGeom prst="rect">
             <a:avLst/>
@@ -17381,7 +17494,7 @@
               </a:rPr>
               <a:t>Ambiguity – Why should we care? </a:t>
             </a:r>
-            <a:endParaRPr b="0" lang="en-US" sz="2200" spc="-1" strike="noStrike">
+            <a:endParaRPr b="0" lang="en-GB" sz="2200" spc="-1" strike="noStrike">
               <a:solidFill>
                 <a:srgbClr val="000000"/>
               </a:solidFill>
@@ -17429,7 +17542,7 @@
         <p:spPr>
           <a:xfrm>
             <a:off x="539640" y="1339200"/>
-            <a:ext cx="10731600" cy="5287680"/>
+            <a:ext cx="10731240" cy="5287320"/>
           </a:xfrm>
           <a:prstGeom prst="rect">
             <a:avLst/>
@@ -17477,7 +17590,7 @@
               </a:rPr>
               <a:t>Consequences show up very late</a:t>
             </a:r>
-            <a:endParaRPr b="0" lang="en-US" sz="2000" spc="-1" strike="noStrike">
+            <a:endParaRPr b="0" lang="en-GB" sz="2000" spc="-1" strike="noStrike">
               <a:solidFill>
                 <a:srgbClr val="000000"/>
               </a:solidFill>
@@ -17512,7 +17625,7 @@
               </a:rPr>
               <a:t>During integration of software components</a:t>
             </a:r>
-            <a:endParaRPr b="0" lang="en-US" sz="1800" spc="-1" strike="noStrike">
+            <a:endParaRPr b="0" lang="en-GB" sz="1800" spc="-1" strike="noStrike">
               <a:solidFill>
                 <a:srgbClr val="000000"/>
               </a:solidFill>
@@ -17547,7 +17660,7 @@
               </a:rPr>
               <a:t>During acceptance test</a:t>
             </a:r>
-            <a:endParaRPr b="0" lang="en-US" sz="1800" spc="-1" strike="noStrike">
+            <a:endParaRPr b="0" lang="en-GB" sz="1800" spc="-1" strike="noStrike">
               <a:solidFill>
                 <a:srgbClr val="000000"/>
               </a:solidFill>
@@ -17582,7 +17695,7 @@
               </a:rPr>
               <a:t>During usage of the software</a:t>
             </a:r>
-            <a:endParaRPr b="0" lang="en-US" sz="1800" spc="-1" strike="noStrike">
+            <a:endParaRPr b="0" lang="en-GB" sz="1800" spc="-1" strike="noStrike">
               <a:solidFill>
                 <a:srgbClr val="000000"/>
               </a:solidFill>
@@ -17617,7 +17730,7 @@
               </a:rPr>
               <a:t>Are ambiguous requirements a frequent problem?</a:t>
             </a:r>
-            <a:endParaRPr b="0" lang="en-US" sz="2000" spc="-1" strike="noStrike">
+            <a:endParaRPr b="0" lang="en-GB" sz="2000" spc="-1" strike="noStrike">
               <a:solidFill>
                 <a:srgbClr val="000000"/>
               </a:solidFill>
@@ -17652,7 +17765,7 @@
               </a:rPr>
               <a:t>Result of a survey with specification techniques:</a:t>
             </a:r>
-            <a:endParaRPr b="0" lang="en-US" sz="2000" spc="-1" strike="noStrike">
+            <a:endParaRPr b="0" lang="en-GB" sz="2000" spc="-1" strike="noStrike">
               <a:solidFill>
                 <a:srgbClr val="000000"/>
               </a:solidFill>
@@ -17687,7 +17800,7 @@
               </a:rPr>
               <a:t>Omissions and conflicts in specifications are noticed more often than ambiguities</a:t>
             </a:r>
-            <a:endParaRPr b="0" lang="en-US" sz="1800" spc="-1" strike="noStrike">
+            <a:endParaRPr b="0" lang="en-GB" sz="1800" spc="-1" strike="noStrike">
               <a:solidFill>
                 <a:srgbClr val="000000"/>
               </a:solidFill>
@@ -17732,7 +17845,7 @@
               </a:rPr>
               <a:t>mbiguities are rather self-interpreted and more often misinterpreted than other types of defects</a:t>
             </a:r>
-            <a:endParaRPr b="0" lang="en-US" sz="1800" spc="-1" strike="noStrike">
+            <a:endParaRPr b="0" lang="en-GB" sz="1800" spc="-1" strike="noStrike">
               <a:solidFill>
                 <a:srgbClr val="000000"/>
               </a:solidFill>
@@ -17767,7 +17880,7 @@
               </a:rPr>
               <a:t>RE specific ambiguity: a frequent problem</a:t>
             </a:r>
-            <a:endParaRPr b="0" lang="en-US" sz="1800" spc="-1" strike="noStrike">
+            <a:endParaRPr b="0" lang="en-GB" sz="1800" spc="-1" strike="noStrike">
               <a:solidFill>
                 <a:srgbClr val="000000"/>
               </a:solidFill>
@@ -17802,7 +17915,7 @@
               </a:rPr>
               <a:t>Linguistic ambiguity: a rare problem</a:t>
             </a:r>
-            <a:endParaRPr b="0" lang="en-US" sz="1800" spc="-1" strike="noStrike">
+            <a:endParaRPr b="0" lang="en-GB" sz="1800" spc="-1" strike="noStrike">
               <a:solidFill>
                 <a:srgbClr val="000000"/>
               </a:solidFill>
@@ -17820,7 +17933,7 @@
         <p:spPr>
           <a:xfrm>
             <a:off x="542880" y="725040"/>
-            <a:ext cx="10357920" cy="498600"/>
+            <a:ext cx="10357560" cy="498240"/>
           </a:xfrm>
           <a:prstGeom prst="rect">
             <a:avLst/>
@@ -17856,7 +17969,7 @@
               </a:rPr>
               <a:t>Textual Requirements Specification</a:t>
             </a:r>
-            <a:endParaRPr b="0" lang="en-US" sz="2200" spc="-1" strike="noStrike">
+            <a:endParaRPr b="0" lang="en-GB" sz="2200" spc="-1" strike="noStrike">
               <a:solidFill>
                 <a:srgbClr val="000000"/>
               </a:solidFill>
@@ -17874,7 +17987,7 @@
         <p:spPr>
           <a:xfrm>
             <a:off x="542880" y="1270440"/>
-            <a:ext cx="10357920" cy="498600"/>
+            <a:ext cx="10357560" cy="498240"/>
           </a:xfrm>
           <a:prstGeom prst="rect">
             <a:avLst/>
@@ -17920,7 +18033,7 @@
               </a:rPr>
               <a:t>Impact on Software Engineering</a:t>
             </a:r>
-            <a:endParaRPr b="0" lang="en-US" sz="2200" spc="-1" strike="noStrike">
+            <a:endParaRPr b="0" lang="en-GB" sz="2200" spc="-1" strike="noStrike">
               <a:solidFill>
                 <a:srgbClr val="000000"/>
               </a:solidFill>
@@ -17968,7 +18081,7 @@
         <p:spPr>
           <a:xfrm>
             <a:off x="467640" y="1973520"/>
-            <a:ext cx="10396800" cy="4076280"/>
+            <a:ext cx="10396440" cy="4076280"/>
           </a:xfrm>
           <a:prstGeom prst="rect">
             <a:avLst/>
@@ -18014,7 +18127,7 @@
               </a:rPr>
               <a:t>Conscious ambiguity: </a:t>
             </a:r>
-            <a:endParaRPr b="0" lang="en-US" sz="2000" spc="-1" strike="noStrike">
+            <a:endParaRPr b="0" lang="en-GB" sz="2000" spc="-1" strike="noStrike">
               <a:solidFill>
                 <a:srgbClr val="000000"/>
               </a:solidFill>
@@ -18072,7 +18185,7 @@
               </a:rPr>
               <a:t> in public projects</a:t>
             </a:r>
-            <a:endParaRPr b="0" lang="en-US" sz="1800" spc="-1" strike="noStrike">
+            <a:endParaRPr b="0" lang="en-GB" sz="1800" spc="-1" strike="noStrike">
               <a:solidFill>
                 <a:srgbClr val="000000"/>
               </a:solidFill>
@@ -18105,7 +18218,7 @@
               </a:rPr>
               <a:t>Unconscious ambiguity: </a:t>
             </a:r>
-            <a:endParaRPr b="0" lang="en-US" sz="2000" spc="-1" strike="noStrike">
+            <a:endParaRPr b="0" lang="en-GB" sz="2000" spc="-1" strike="noStrike">
               <a:solidFill>
                 <a:srgbClr val="000000"/>
               </a:solidFill>
@@ -18143,7 +18256,7 @@
               </a:rPr>
               <a:t>Client expects a certain interpretation of the requirement, ambiguity occurs as the expectations of customer and client are not shared</a:t>
             </a:r>
-            <a:endParaRPr b="0" lang="en-US" sz="1800" spc="-1" strike="noStrike">
+            <a:endParaRPr b="0" lang="en-GB" sz="1800" spc="-1" strike="noStrike">
               <a:solidFill>
                 <a:srgbClr val="000000"/>
               </a:solidFill>
@@ -18176,7 +18289,7 @@
               </a:rPr>
               <a:t>Linguistic ambiguity: </a:t>
             </a:r>
-            <a:endParaRPr b="0" lang="en-US" sz="2000" spc="-1" strike="noStrike">
+            <a:endParaRPr b="0" lang="en-GB" sz="2000" spc="-1" strike="noStrike">
               <a:solidFill>
                 <a:srgbClr val="000000"/>
               </a:solidFill>
@@ -18214,7 +18327,7 @@
               </a:rPr>
               <a:t>Inherent attributes of the natural language „Flying airplanes can be dangerous”</a:t>
             </a:r>
-            <a:endParaRPr b="0" lang="en-US" sz="1800" spc="-1" strike="noStrike">
+            <a:endParaRPr b="0" lang="en-GB" sz="1800" spc="-1" strike="noStrike">
               <a:solidFill>
                 <a:srgbClr val="000000"/>
               </a:solidFill>
@@ -18247,7 +18360,7 @@
               </a:rPr>
               <a:t>RE specific ambiguity:</a:t>
             </a:r>
-            <a:endParaRPr b="0" lang="en-US" sz="2000" spc="-1" strike="noStrike">
+            <a:endParaRPr b="0" lang="en-GB" sz="2000" spc="-1" strike="noStrike">
               <a:solidFill>
                 <a:srgbClr val="000000"/>
               </a:solidFill>
@@ -18285,7 +18398,7 @@
               </a:rPr>
               <a:t>Arises from interpretation of a requirement via background knowledge (other requirements, domain, etc.)</a:t>
             </a:r>
-            <a:endParaRPr b="0" lang="en-US" sz="1800" spc="-1" strike="noStrike">
+            <a:endParaRPr b="0" lang="en-GB" sz="1800" spc="-1" strike="noStrike">
               <a:solidFill>
                 <a:srgbClr val="000000"/>
               </a:solidFill>
@@ -18303,7 +18416,7 @@
         <p:spPr>
           <a:xfrm>
             <a:off x="542880" y="725040"/>
-            <a:ext cx="10357920" cy="498600"/>
+            <a:ext cx="10357560" cy="498240"/>
           </a:xfrm>
           <a:prstGeom prst="rect">
             <a:avLst/>
@@ -18339,7 +18452,7 @@
               </a:rPr>
               <a:t>Textual Requirements Specification</a:t>
             </a:r>
-            <a:endParaRPr b="0" lang="en-US" sz="2200" spc="-1" strike="noStrike">
+            <a:endParaRPr b="0" lang="en-GB" sz="2200" spc="-1" strike="noStrike">
               <a:solidFill>
                 <a:srgbClr val="000000"/>
               </a:solidFill>
@@ -18357,7 +18470,7 @@
         <p:spPr>
           <a:xfrm>
             <a:off x="542880" y="1270440"/>
-            <a:ext cx="10357920" cy="498600"/>
+            <a:ext cx="10357560" cy="498240"/>
           </a:xfrm>
           <a:prstGeom prst="rect">
             <a:avLst/>
@@ -18393,7 +18506,7 @@
               </a:rPr>
               <a:t>Ambiguity – Categories</a:t>
             </a:r>
-            <a:endParaRPr b="0" lang="en-US" sz="2200" spc="-1" strike="noStrike">
+            <a:endParaRPr b="0" lang="en-GB" sz="2200" spc="-1" strike="noStrike">
               <a:solidFill>
                 <a:srgbClr val="000000"/>
               </a:solidFill>
@@ -18441,7 +18554,7 @@
         <p:spPr>
           <a:xfrm>
             <a:off x="539640" y="1339200"/>
-            <a:ext cx="10503000" cy="4859280"/>
+            <a:ext cx="10502640" cy="4858920"/>
           </a:xfrm>
           <a:prstGeom prst="rect">
             <a:avLst/>
@@ -18473,7 +18586,7 @@
                 <a:tab algn="l" pos="0"/>
               </a:tabLst>
             </a:pPr>
-            <a:endParaRPr b="0" lang="en-US" sz="3200" spc="-1" strike="noStrike">
+            <a:endParaRPr b="0" lang="en-GB" sz="3200" spc="-1" strike="noStrike">
               <a:solidFill>
                 <a:srgbClr val="000000"/>
               </a:solidFill>
@@ -18503,7 +18616,7 @@
               </a:rPr>
               <a:t>Vagueness:</a:t>
             </a:r>
-            <a:endParaRPr b="0" lang="en-US" sz="2000" spc="-1" strike="noStrike">
+            <a:endParaRPr b="0" lang="en-GB" sz="2000" spc="-1" strike="noStrike">
               <a:solidFill>
                 <a:srgbClr val="000000"/>
               </a:solidFill>
@@ -18538,7 +18651,7 @@
               </a:rPr>
               <a:t>Continuum of interpretations, diffuse classification, summarized version of the interpretation available</a:t>
             </a:r>
-            <a:endParaRPr b="0" lang="en-US" sz="2000" spc="-1" strike="noStrike">
+            <a:endParaRPr b="0" lang="en-GB" sz="2000" spc="-1" strike="noStrike">
               <a:solidFill>
                 <a:srgbClr val="000000"/>
               </a:solidFill>
@@ -18573,7 +18686,7 @@
               </a:rPr>
               <a:t>The text editor has to respond to user input in the adequate time</a:t>
             </a:r>
-            <a:endParaRPr b="0" lang="en-US" sz="1800" spc="-1" strike="noStrike">
+            <a:endParaRPr b="0" lang="en-GB" sz="1800" spc="-1" strike="noStrike">
               <a:solidFill>
                 <a:srgbClr val="000000"/>
               </a:solidFill>
@@ -18608,7 +18721,7 @@
               </a:rPr>
               <a:t>Are 10 seconds still adequate? </a:t>
             </a:r>
-            <a:endParaRPr b="0" lang="en-US" sz="1800" spc="-1" strike="noStrike">
+            <a:endParaRPr b="0" lang="en-GB" sz="1800" spc="-1" strike="noStrike">
               <a:solidFill>
                 <a:srgbClr val="000000"/>
               </a:solidFill>
@@ -18638,7 +18751,7 @@
               </a:rPr>
               <a:t>Generality: </a:t>
             </a:r>
-            <a:endParaRPr b="0" lang="en-US" sz="2000" spc="-1" strike="noStrike">
+            <a:endParaRPr b="0" lang="en-GB" sz="2000" spc="-1" strike="noStrike">
               <a:solidFill>
                 <a:srgbClr val="000000"/>
               </a:solidFill>
@@ -18673,7 +18786,7 @@
               </a:rPr>
               <a:t>Continuum of interpretations, but exact classification, summarized version of the interpretation is available</a:t>
             </a:r>
-            <a:endParaRPr b="0" lang="en-US" sz="2000" spc="-1" strike="noStrike">
+            <a:endParaRPr b="0" lang="en-GB" sz="2000" spc="-1" strike="noStrike">
               <a:solidFill>
                 <a:srgbClr val="000000"/>
               </a:solidFill>
@@ -18708,7 +18821,7 @@
               </a:rPr>
               <a:t>The ATM system shall increase the market coverage of the bank company XYZ by at least 5%</a:t>
             </a:r>
-            <a:endParaRPr b="0" lang="en-US" sz="1800" spc="-1" strike="noStrike">
+            <a:endParaRPr b="0" lang="en-GB" sz="1800" spc="-1" strike="noStrike">
               <a:solidFill>
                 <a:srgbClr val="000000"/>
               </a:solidFill>
@@ -18743,7 +18856,7 @@
               </a:rPr>
               <a:t>No charge for ATM transactions, user interface should require as few user interactions as possible …</a:t>
             </a:r>
-            <a:endParaRPr b="0" lang="en-US" sz="1800" spc="-1" strike="noStrike">
+            <a:endParaRPr b="0" lang="en-GB" sz="1800" spc="-1" strike="noStrike">
               <a:solidFill>
                 <a:srgbClr val="000000"/>
               </a:solidFill>
@@ -18761,7 +18874,7 @@
         <p:spPr>
           <a:xfrm>
             <a:off x="630720" y="1560600"/>
-            <a:ext cx="10913400" cy="4683600"/>
+            <a:ext cx="10913040" cy="4683240"/>
           </a:xfrm>
           <a:prstGeom prst="rect">
             <a:avLst/>
@@ -18782,11 +18895,17 @@
             <a:noAutofit/>
           </a:bodyPr>
           <a:p>
+            <a:pPr>
+              <a:lnSpc>
+                <a:spcPct val="100000"/>
+              </a:lnSpc>
+            </a:pPr>
             <a:endParaRPr b="0" lang="en-US" sz="1800" spc="-1" strike="noStrike">
               <a:solidFill>
                 <a:srgbClr val="000000"/>
               </a:solidFill>
               <a:latin typeface="Arial"/>
+              <a:ea typeface="DejaVu Sans"/>
             </a:endParaRPr>
           </a:p>
         </p:txBody>
@@ -18800,7 +18919,7 @@
         <p:spPr>
           <a:xfrm>
             <a:off x="542880" y="725040"/>
-            <a:ext cx="10357920" cy="498600"/>
+            <a:ext cx="10357560" cy="498240"/>
           </a:xfrm>
           <a:prstGeom prst="rect">
             <a:avLst/>
@@ -18836,7 +18955,7 @@
               </a:rPr>
               <a:t>Textual Requirements Specification</a:t>
             </a:r>
-            <a:endParaRPr b="0" lang="en-US" sz="2200" spc="-1" strike="noStrike">
+            <a:endParaRPr b="0" lang="en-GB" sz="2200" spc="-1" strike="noStrike">
               <a:solidFill>
                 <a:srgbClr val="000000"/>
               </a:solidFill>
@@ -18854,7 +18973,7 @@
         <p:spPr>
           <a:xfrm>
             <a:off x="542880" y="1270440"/>
-            <a:ext cx="10357920" cy="498600"/>
+            <a:ext cx="10357560" cy="498240"/>
           </a:xfrm>
           <a:prstGeom prst="rect">
             <a:avLst/>
@@ -18890,7 +19009,7 @@
               </a:rPr>
               <a:t>Ambiguity – Types of Ambiguities</a:t>
             </a:r>
-            <a:endParaRPr b="0" lang="en-US" sz="2200" spc="-1" strike="noStrike">
+            <a:endParaRPr b="0" lang="en-GB" sz="2200" spc="-1" strike="noStrike">
               <a:solidFill>
                 <a:srgbClr val="000000"/>
               </a:solidFill>
@@ -18938,7 +19057,7 @@
         <p:spPr>
           <a:xfrm>
             <a:off x="613800" y="1611360"/>
-            <a:ext cx="11442960" cy="4353480"/>
+            <a:ext cx="11442600" cy="4353120"/>
           </a:xfrm>
           <a:prstGeom prst="rect">
             <a:avLst/>
@@ -18959,11 +19078,17 @@
             <a:noAutofit/>
           </a:bodyPr>
           <a:p>
+            <a:pPr>
+              <a:lnSpc>
+                <a:spcPct val="100000"/>
+              </a:lnSpc>
+            </a:pPr>
             <a:endParaRPr b="0" lang="en-US" sz="1800" spc="-1" strike="noStrike">
               <a:solidFill>
                 <a:srgbClr val="000000"/>
               </a:solidFill>
               <a:latin typeface="Arial"/>
+              <a:ea typeface="DejaVu Sans"/>
             </a:endParaRPr>
           </a:p>
         </p:txBody>
@@ -18977,7 +19102,7 @@
         <p:spPr>
           <a:xfrm>
             <a:off x="539640" y="1339200"/>
-            <a:ext cx="10731600" cy="4859280"/>
+            <a:ext cx="10731240" cy="4858920"/>
           </a:xfrm>
           <a:prstGeom prst="rect">
             <a:avLst/>
@@ -19020,7 +19145,7 @@
               </a:rPr>
               <a:t>Genuine Ambiguity:</a:t>
             </a:r>
-            <a:endParaRPr b="0" lang="en-US" sz="2000" spc="-1" strike="noStrike">
+            <a:endParaRPr b="0" lang="en-GB" sz="2000" spc="-1" strike="noStrike">
               <a:solidFill>
                 <a:srgbClr val="000000"/>
               </a:solidFill>
@@ -19055,7 +19180,7 @@
               </a:rPr>
               <a:t>Countable number of interpretations, no summarized version of the interpretation available, thus immediate clarification needed</a:t>
             </a:r>
-            <a:endParaRPr b="0" lang="en-US" sz="2000" spc="-1" strike="noStrike">
+            <a:endParaRPr b="0" lang="en-GB" sz="2000" spc="-1" strike="noStrike">
               <a:solidFill>
                 <a:srgbClr val="000000"/>
               </a:solidFill>
@@ -19101,7 +19226,7 @@
               </a:rPr>
               <a:t> A term with several, in most cases related meanings</a:t>
             </a:r>
-            <a:endParaRPr b="0" lang="en-US" sz="1800" spc="-1" strike="noStrike">
+            <a:endParaRPr b="0" lang="en-GB" sz="1800" spc="-1" strike="noStrike">
               <a:solidFill>
                 <a:srgbClr val="000000"/>
               </a:solidFill>
@@ -19159,7 +19284,7 @@
               </a:rPr>
               <a:t>The current alarm or the ability to sound alarms?</a:t>
             </a:r>
-            <a:endParaRPr b="0" lang="en-US" sz="1600" spc="-1" strike="noStrike">
+            <a:endParaRPr b="0" lang="en-GB" sz="1600" spc="-1" strike="noStrike">
               <a:solidFill>
                 <a:srgbClr val="000000"/>
               </a:solidFill>
@@ -19178,7 +19303,7 @@
                 <a:tab algn="l" pos="0"/>
               </a:tabLst>
             </a:pPr>
-            <a:endParaRPr b="0" lang="en-US" sz="1600" spc="-1" strike="noStrike">
+            <a:endParaRPr b="0" lang="en-GB" sz="1600" spc="-1" strike="noStrike">
               <a:solidFill>
                 <a:srgbClr val="000000"/>
               </a:solidFill>
@@ -19224,7 +19349,7 @@
               </a:rPr>
               <a:t> Structure of a sentence is not clear without ambiguity</a:t>
             </a:r>
-            <a:endParaRPr b="0" lang="en-US" sz="1800" spc="-1" strike="noStrike">
+            <a:endParaRPr b="0" lang="en-GB" sz="1800" spc="-1" strike="noStrike">
               <a:solidFill>
                 <a:srgbClr val="000000"/>
               </a:solidFill>
@@ -19269,7 +19394,7 @@
               </a:rPr>
               <a:t>Is the code read from the card or is it typed in?</a:t>
             </a:r>
-            <a:endParaRPr b="0" lang="en-US" sz="1600" spc="-1" strike="noStrike">
+            <a:endParaRPr b="0" lang="en-GB" sz="1600" spc="-1" strike="noStrike">
               <a:solidFill>
                 <a:srgbClr val="000000"/>
               </a:solidFill>
@@ -19287,7 +19412,7 @@
         <p:spPr>
           <a:xfrm>
             <a:off x="542880" y="725400"/>
-            <a:ext cx="10357920" cy="498600"/>
+            <a:ext cx="10357560" cy="498240"/>
           </a:xfrm>
           <a:prstGeom prst="rect">
             <a:avLst/>
@@ -19323,7 +19448,7 @@
               </a:rPr>
               <a:t>Textual Requirements Specification</a:t>
             </a:r>
-            <a:endParaRPr b="0" lang="en-US" sz="2200" spc="-1" strike="noStrike">
+            <a:endParaRPr b="0" lang="en-GB" sz="2200" spc="-1" strike="noStrike">
               <a:solidFill>
                 <a:srgbClr val="000000"/>
               </a:solidFill>
@@ -19341,7 +19466,7 @@
         <p:spPr>
           <a:xfrm>
             <a:off x="542880" y="1270800"/>
-            <a:ext cx="10357920" cy="498600"/>
+            <a:ext cx="10357560" cy="498240"/>
           </a:xfrm>
           <a:prstGeom prst="rect">
             <a:avLst/>
@@ -19377,7 +19502,7 @@
               </a:rPr>
               <a:t>Ambiguity – Types of Ambiguities</a:t>
             </a:r>
-            <a:endParaRPr b="0" lang="en-US" sz="2200" spc="-1" strike="noStrike">
+            <a:endParaRPr b="0" lang="en-GB" sz="2200" spc="-1" strike="noStrike">
               <a:solidFill>
                 <a:srgbClr val="000000"/>
               </a:solidFill>
@@ -19425,7 +19550,7 @@
         <p:spPr>
           <a:xfrm>
             <a:off x="539640" y="1598760"/>
-            <a:ext cx="10566360" cy="4509000"/>
+            <a:ext cx="10566000" cy="4508640"/>
           </a:xfrm>
           <a:prstGeom prst="rect">
             <a:avLst/>
@@ -19487,7 +19612,7 @@
               </a:rPr>
               <a:t> A sentence can be translated into several logic terms</a:t>
             </a:r>
-            <a:endParaRPr b="0" lang="en-US" sz="1800" spc="-1" strike="noStrike">
+            <a:endParaRPr b="0" lang="en-GB" sz="1800" spc="-1" strike="noStrike">
               <a:solidFill>
                 <a:srgbClr val="000000"/>
               </a:solidFill>
@@ -19571,7 +19696,7 @@
               </a:rPr>
               <a:t>Is the „and“ or the „or“ the stronger binding operator?</a:t>
             </a:r>
-            <a:endParaRPr b="0" lang="en-US" sz="1600" spc="-1" strike="noStrike">
+            <a:endParaRPr b="0" lang="en-GB" sz="1600" spc="-1" strike="noStrike">
               <a:solidFill>
                 <a:srgbClr val="000000"/>
               </a:solidFill>
@@ -19620,7 +19745,7 @@
               </a:rPr>
               <a:t> A reference to an object is ambiguous to a previous sentence or subordinate clause. Is caused by nouns and pronouns.</a:t>
             </a:r>
-            <a:endParaRPr b="0" lang="en-US" sz="1800" spc="-1" strike="noStrike">
+            <a:endParaRPr b="0" lang="en-GB" sz="1800" spc="-1" strike="noStrike">
               <a:solidFill>
                 <a:srgbClr val="000000"/>
               </a:solidFill>
@@ -19678,7 +19803,7 @@
               </a:rPr>
               <a:t>Card or code not valid?</a:t>
             </a:r>
-            <a:endParaRPr b="0" lang="en-US" sz="1600" spc="-1" strike="noStrike">
+            <a:endParaRPr b="0" lang="en-GB" sz="1600" spc="-1" strike="noStrike">
               <a:solidFill>
                 <a:srgbClr val="000000"/>
               </a:solidFill>
@@ -19729,7 +19854,7 @@
               </a:rPr>
               <a:t>[…] The product shall show all roads predicted to freeze. Reference of “all roads”?</a:t>
             </a:r>
-            <a:endParaRPr b="0" lang="en-US" sz="1600" spc="-1" strike="noStrike">
+            <a:endParaRPr b="0" lang="en-GB" sz="1600" spc="-1" strike="noStrike">
               <a:solidFill>
                 <a:srgbClr val="000000"/>
               </a:solidFill>
@@ -19747,7 +19872,7 @@
         <p:spPr>
           <a:xfrm>
             <a:off x="542880" y="725400"/>
-            <a:ext cx="10357920" cy="498600"/>
+            <a:ext cx="10357560" cy="498240"/>
           </a:xfrm>
           <a:prstGeom prst="rect">
             <a:avLst/>
@@ -19783,7 +19908,7 @@
               </a:rPr>
               <a:t>Textual Requirements Specification</a:t>
             </a:r>
-            <a:endParaRPr b="0" lang="en-US" sz="2200" spc="-1" strike="noStrike">
+            <a:endParaRPr b="0" lang="en-GB" sz="2200" spc="-1" strike="noStrike">
               <a:solidFill>
                 <a:srgbClr val="000000"/>
               </a:solidFill>
@@ -19801,7 +19926,7 @@
         <p:spPr>
           <a:xfrm>
             <a:off x="542880" y="1270800"/>
-            <a:ext cx="10357920" cy="498600"/>
+            <a:ext cx="10357560" cy="498240"/>
           </a:xfrm>
           <a:prstGeom prst="rect">
             <a:avLst/>
@@ -19837,7 +19962,7 @@
               </a:rPr>
               <a:t>Ambiguity – Types of Ambiguities</a:t>
             </a:r>
-            <a:endParaRPr b="0" lang="en-US" sz="2200" spc="-1" strike="noStrike">
+            <a:endParaRPr b="0" lang="en-GB" sz="2200" spc="-1" strike="noStrike">
               <a:solidFill>
                 <a:srgbClr val="000000"/>
               </a:solidFill>
@@ -19885,7 +20010,7 @@
         <p:spPr>
           <a:xfrm>
             <a:off x="613800" y="1544760"/>
-            <a:ext cx="11125080" cy="4645440"/>
+            <a:ext cx="11124720" cy="4645080"/>
           </a:xfrm>
           <a:prstGeom prst="rect">
             <a:avLst/>
@@ -19906,11 +20031,17 @@
             <a:noAutofit/>
           </a:bodyPr>
           <a:p>
+            <a:pPr>
+              <a:lnSpc>
+                <a:spcPct val="100000"/>
+              </a:lnSpc>
+            </a:pPr>
             <a:endParaRPr b="0" lang="en-US" sz="1800" spc="-1" strike="noStrike">
               <a:solidFill>
                 <a:srgbClr val="000000"/>
               </a:solidFill>
               <a:latin typeface="Arial"/>
+              <a:ea typeface="DejaVu Sans"/>
             </a:endParaRPr>
           </a:p>
         </p:txBody>
@@ -19924,7 +20055,7 @@
         <p:spPr>
           <a:xfrm>
             <a:off x="539640" y="1339200"/>
-            <a:ext cx="10731600" cy="4859280"/>
+            <a:ext cx="10731240" cy="4858920"/>
           </a:xfrm>
           <a:prstGeom prst="rect">
             <a:avLst/>
@@ -19983,7 +20114,7 @@
               </a:rPr>
               <a:t> = A requirement is ambiguous in relation to other requirements.</a:t>
             </a:r>
-            <a:endParaRPr b="0" lang="en-US" sz="2000" spc="-1" strike="noStrike">
+            <a:endParaRPr b="0" lang="en-GB" sz="2000" spc="-1" strike="noStrike">
               <a:solidFill>
                 <a:srgbClr val="000000"/>
               </a:solidFill>
@@ -20019,7 +20150,7 @@
               </a:rPr>
               <a:t>Example 1:</a:t>
             </a:r>
-            <a:endParaRPr b="0" lang="en-US" sz="2000" spc="-1" strike="noStrike">
+            <a:endParaRPr b="0" lang="en-GB" sz="2000" spc="-1" strike="noStrike">
               <a:solidFill>
                 <a:srgbClr val="000000"/>
               </a:solidFill>
@@ -20064,7 +20195,7 @@
               </a:rPr>
               <a:t>When the XYZ button is pressed, the Head-up Display (HUD) shows the aircraft‘s current coordinates.</a:t>
             </a:r>
-            <a:endParaRPr b="0" lang="en-US" sz="1800" spc="-1" strike="noStrike">
+            <a:endParaRPr b="0" lang="en-GB" sz="1800" spc="-1" strike="noStrike">
               <a:solidFill>
                 <a:srgbClr val="000000"/>
               </a:solidFill>
@@ -20119,7 +20250,7 @@
               </a:rPr>
               <a:t>When the aircraft is not airborne, the HUD shows the current weather conditions.</a:t>
             </a:r>
-            <a:endParaRPr b="0" lang="en-US" sz="1800" spc="-1" strike="noStrike">
+            <a:endParaRPr b="0" lang="en-GB" sz="1800" spc="-1" strike="noStrike">
               <a:solidFill>
                 <a:srgbClr val="000000"/>
               </a:solidFill>
@@ -20168,7 +20299,7 @@
               </a:rPr>
               <a:t>Will the coordinates be displayed if the XYZ button is pressed and the aircraft is currently not airborne?</a:t>
             </a:r>
-            <a:endParaRPr b="0" lang="en-US" sz="1600" spc="-1" strike="noStrike">
+            <a:endParaRPr b="0" lang="en-GB" sz="1600" spc="-1" strike="noStrike">
               <a:solidFill>
                 <a:srgbClr val="000000"/>
               </a:solidFill>
@@ -20204,7 +20335,7 @@
               </a:rPr>
               <a:t>Example 2:</a:t>
             </a:r>
-            <a:endParaRPr b="0" lang="en-US" sz="2000" spc="-1" strike="noStrike">
+            <a:endParaRPr b="0" lang="en-GB" sz="2000" spc="-1" strike="noStrike">
               <a:solidFill>
                 <a:srgbClr val="000000"/>
               </a:solidFill>
@@ -20259,7 +20390,7 @@
               </a:rPr>
               <a:t>Is the notice send after 2 or after 4 weeks? (or after 6 weeks?)</a:t>
             </a:r>
-            <a:endParaRPr b="0" lang="en-US" sz="1800" spc="-1" strike="noStrike">
+            <a:endParaRPr b="0" lang="en-GB" sz="1800" spc="-1" strike="noStrike">
               <a:solidFill>
                 <a:srgbClr val="000000"/>
               </a:solidFill>
@@ -20277,7 +20408,7 @@
         <p:spPr>
           <a:xfrm>
             <a:off x="542880" y="725400"/>
-            <a:ext cx="10357920" cy="498600"/>
+            <a:ext cx="10357560" cy="498240"/>
           </a:xfrm>
           <a:prstGeom prst="rect">
             <a:avLst/>
@@ -20313,7 +20444,7 @@
               </a:rPr>
               <a:t>Textual Requirements Specification</a:t>
             </a:r>
-            <a:endParaRPr b="0" lang="en-US" sz="2200" spc="-1" strike="noStrike">
+            <a:endParaRPr b="0" lang="en-GB" sz="2200" spc="-1" strike="noStrike">
               <a:solidFill>
                 <a:srgbClr val="000000"/>
               </a:solidFill>
@@ -20331,7 +20462,7 @@
         <p:spPr>
           <a:xfrm>
             <a:off x="542880" y="1270800"/>
-            <a:ext cx="10357920" cy="498600"/>
+            <a:ext cx="10357560" cy="498240"/>
           </a:xfrm>
           <a:prstGeom prst="rect">
             <a:avLst/>
@@ -20367,7 +20498,7 @@
               </a:rPr>
               <a:t>Ambiguity – Types of Ambiguities</a:t>
             </a:r>
-            <a:endParaRPr b="0" lang="en-US" sz="2200" spc="-1" strike="noStrike">
+            <a:endParaRPr b="0" lang="en-GB" sz="2200" spc="-1" strike="noStrike">
               <a:solidFill>
                 <a:srgbClr val="000000"/>
               </a:solidFill>
@@ -20415,7 +20546,7 @@
         <p:spPr>
           <a:xfrm>
             <a:off x="539640" y="1339200"/>
-            <a:ext cx="10429560" cy="5058000"/>
+            <a:ext cx="10429200" cy="5057640"/>
           </a:xfrm>
           <a:prstGeom prst="rect">
             <a:avLst/>
@@ -20463,7 +20594,7 @@
               </a:rPr>
               <a:t>Most requirements documentation is still done using text</a:t>
             </a:r>
-            <a:endParaRPr b="0" lang="en-US" sz="2000" spc="-1" strike="noStrike">
+            <a:endParaRPr b="0" lang="en-GB" sz="2000" spc="-1" strike="noStrike">
               <a:solidFill>
                 <a:srgbClr val="000000"/>
               </a:solidFill>
@@ -20498,7 +20629,7 @@
               </a:rPr>
               <a:t>Typical quality problems of requirements</a:t>
             </a:r>
-            <a:endParaRPr b="0" lang="en-US" sz="2000" spc="-1" strike="noStrike">
+            <a:endParaRPr b="0" lang="en-GB" sz="2000" spc="-1" strike="noStrike">
               <a:solidFill>
                 <a:srgbClr val="000000"/>
               </a:solidFill>
@@ -20543,7 +20674,7 @@
               </a:rPr>
               <a:t> requirements are described that unnecessarily restrict the range of possible interpretations</a:t>
             </a:r>
-            <a:endParaRPr b="0" lang="en-US" sz="1800" spc="-1" strike="noStrike">
+            <a:endParaRPr b="0" lang="en-GB" sz="1800" spc="-1" strike="noStrike">
               <a:solidFill>
                 <a:srgbClr val="000000"/>
               </a:solidFill>
@@ -20588,7 +20719,7 @@
               </a:rPr>
               <a:t> single users request highly specialized functions, or the requirement does not contribute to the software systems goals.</a:t>
             </a:r>
-            <a:endParaRPr b="0" lang="en-US" sz="1800" spc="-1" strike="noStrike">
+            <a:endParaRPr b="0" lang="en-GB" sz="1800" spc="-1" strike="noStrike">
               <a:solidFill>
                 <a:srgbClr val="000000"/>
               </a:solidFill>
@@ -20633,7 +20764,7 @@
               </a:rPr>
               <a:t> with goals of the software system, standards, directives, etc.</a:t>
             </a:r>
-            <a:endParaRPr b="0" lang="en-US" sz="1800" spc="-1" strike="noStrike">
+            <a:endParaRPr b="0" lang="en-GB" sz="1800" spc="-1" strike="noStrike">
               <a:solidFill>
                 <a:srgbClr val="000000"/>
               </a:solidFill>
@@ -20678,7 +20809,7 @@
               </a:rPr>
               <a:t> with other information (in the requirements document)</a:t>
             </a:r>
-            <a:endParaRPr b="0" lang="en-US" sz="1800" spc="-1" strike="noStrike">
+            <a:endParaRPr b="0" lang="en-GB" sz="1800" spc="-1" strike="noStrike">
               <a:solidFill>
                 <a:srgbClr val="000000"/>
               </a:solidFill>
@@ -20697,7 +20828,7 @@
                 <a:tab algn="l" pos="0"/>
               </a:tabLst>
             </a:pPr>
-            <a:endParaRPr b="0" lang="en-US" sz="1800" spc="-1" strike="noStrike">
+            <a:endParaRPr b="0" lang="en-GB" sz="1800" spc="-1" strike="noStrike">
               <a:solidFill>
                 <a:srgbClr val="000000"/>
               </a:solidFill>
@@ -20726,7 +20857,7 @@
               </a:rPr>
               <a:t>le guide</a:t>
             </a:r>
-            <a:endParaRPr b="0" lang="en-US" sz="2000" spc="-1" strike="noStrike">
+            <a:endParaRPr b="0" lang="en-GB" sz="2000" spc="-1" strike="noStrike">
               <a:solidFill>
                 <a:srgbClr val="000000"/>
               </a:solidFill>
@@ -20744,7 +20875,7 @@
         <p:spPr>
           <a:xfrm>
             <a:off x="542880" y="722160"/>
-            <a:ext cx="10357920" cy="498600"/>
+            <a:ext cx="10357560" cy="498240"/>
           </a:xfrm>
           <a:prstGeom prst="rect">
             <a:avLst/>
@@ -20780,7 +20911,7 @@
               </a:rPr>
               <a:t>Textual Requirements Specification</a:t>
             </a:r>
-            <a:endParaRPr b="0" lang="en-US" sz="2200" spc="-1" strike="noStrike">
+            <a:endParaRPr b="0" lang="en-GB" sz="2200" spc="-1" strike="noStrike">
               <a:solidFill>
                 <a:srgbClr val="000000"/>
               </a:solidFill>
@@ -20798,7 +20929,7 @@
         <p:spPr>
           <a:xfrm>
             <a:off x="542880" y="1267560"/>
-            <a:ext cx="10357920" cy="498600"/>
+            <a:ext cx="10357560" cy="498240"/>
           </a:xfrm>
           <a:prstGeom prst="rect">
             <a:avLst/>
@@ -20834,7 +20965,7 @@
               </a:rPr>
               <a:t>Typical Quality Problems</a:t>
             </a:r>
-            <a:endParaRPr b="0" lang="en-US" sz="2200" spc="-1" strike="noStrike">
+            <a:endParaRPr b="0" lang="en-GB" sz="2200" spc="-1" strike="noStrike">
               <a:solidFill>
                 <a:srgbClr val="000000"/>
               </a:solidFill>
@@ -20882,7 +21013,7 @@
         <p:spPr>
           <a:xfrm>
             <a:off x="539640" y="1769760"/>
-            <a:ext cx="10429560" cy="4627440"/>
+            <a:ext cx="10429200" cy="4627080"/>
           </a:xfrm>
           <a:prstGeom prst="rect">
             <a:avLst/>
@@ -20930,7 +21061,7 @@
               </a:rPr>
               <a:t>Most requirements documentation is still done using text</a:t>
             </a:r>
-            <a:endParaRPr b="0" lang="en-US" sz="2000" spc="-1" strike="noStrike">
+            <a:endParaRPr b="0" lang="en-GB" sz="2000" spc="-1" strike="noStrike">
               <a:solidFill>
                 <a:srgbClr val="000000"/>
               </a:solidFill>
@@ -20965,7 +21096,7 @@
               </a:rPr>
               <a:t>Typical quality problems of requirements</a:t>
             </a:r>
-            <a:endParaRPr b="0" lang="en-US" sz="2000" spc="-1" strike="noStrike">
+            <a:endParaRPr b="0" lang="en-GB" sz="2000" spc="-1" strike="noStrike">
               <a:solidFill>
                 <a:srgbClr val="000000"/>
               </a:solidFill>
@@ -21010,7 +21141,7 @@
               </a:rPr>
               <a:t> requirements are described that unnecessarily restrict the range of possible interpretations</a:t>
             </a:r>
-            <a:endParaRPr b="0" lang="en-US" sz="1800" spc="-1" strike="noStrike">
+            <a:endParaRPr b="0" lang="en-GB" sz="1800" spc="-1" strike="noStrike">
               <a:solidFill>
                 <a:srgbClr val="000000"/>
               </a:solidFill>
@@ -21055,7 +21186,7 @@
               </a:rPr>
               <a:t> single users request highly specialized functions, or the requirement does not contribute to the software systems goals.</a:t>
             </a:r>
-            <a:endParaRPr b="0" lang="en-US" sz="1800" spc="-1" strike="noStrike">
+            <a:endParaRPr b="0" lang="en-GB" sz="1800" spc="-1" strike="noStrike">
               <a:solidFill>
                 <a:srgbClr val="000000"/>
               </a:solidFill>
@@ -21100,7 +21231,7 @@
               </a:rPr>
               <a:t> with goals of the software system, standards, directives, etc.</a:t>
             </a:r>
-            <a:endParaRPr b="0" lang="en-US" sz="1800" spc="-1" strike="noStrike">
+            <a:endParaRPr b="0" lang="en-GB" sz="1800" spc="-1" strike="noStrike">
               <a:solidFill>
                 <a:srgbClr val="000000"/>
               </a:solidFill>
@@ -21145,7 +21276,7 @@
               </a:rPr>
               <a:t> with other information (in the requirements document)</a:t>
             </a:r>
-            <a:endParaRPr b="0" lang="en-US" sz="1800" spc="-1" strike="noStrike">
+            <a:endParaRPr b="0" lang="en-GB" sz="1800" spc="-1" strike="noStrike">
               <a:solidFill>
                 <a:srgbClr val="000000"/>
               </a:solidFill>
@@ -21184,7 +21315,7 @@
               </a:rPr>
               <a:t>Style Guide</a:t>
             </a:r>
-            <a:endParaRPr b="0" lang="en-US" sz="1800" spc="-1" strike="noStrike">
+            <a:endParaRPr b="0" lang="en-GB" sz="1800" spc="-1" strike="noStrike">
               <a:solidFill>
                 <a:srgbClr val="000000"/>
               </a:solidFill>
@@ -21203,7 +21334,7 @@
                 <a:tab algn="l" pos="0"/>
               </a:tabLst>
             </a:pPr>
-            <a:endParaRPr b="0" lang="en-US" sz="1800" spc="-1" strike="noStrike">
+            <a:endParaRPr b="0" lang="en-GB" sz="1800" spc="-1" strike="noStrike">
               <a:solidFill>
                 <a:srgbClr val="000000"/>
               </a:solidFill>
@@ -21232,7 +21363,7 @@
               </a:rPr>
               <a:t>Style guide</a:t>
             </a:r>
-            <a:endParaRPr b="0" lang="en-US" sz="2000" spc="-1" strike="noStrike">
+            <a:endParaRPr b="0" lang="en-GB" sz="2000" spc="-1" strike="noStrike">
               <a:solidFill>
                 <a:srgbClr val="000000"/>
               </a:solidFill>
@@ -21250,7 +21381,7 @@
         <p:spPr>
           <a:xfrm>
             <a:off x="542880" y="722160"/>
-            <a:ext cx="10357920" cy="498600"/>
+            <a:ext cx="10357560" cy="498240"/>
           </a:xfrm>
           <a:prstGeom prst="rect">
             <a:avLst/>
@@ -21286,7 +21417,7 @@
               </a:rPr>
               <a:t>Textual Requirements Specification</a:t>
             </a:r>
-            <a:endParaRPr b="0" lang="en-US" sz="2200" spc="-1" strike="noStrike">
+            <a:endParaRPr b="0" lang="en-GB" sz="2200" spc="-1" strike="noStrike">
               <a:solidFill>
                 <a:srgbClr val="000000"/>
               </a:solidFill>
@@ -21304,7 +21435,7 @@
         <p:spPr>
           <a:xfrm>
             <a:off x="542880" y="1267560"/>
-            <a:ext cx="10357920" cy="498600"/>
+            <a:ext cx="10357560" cy="498240"/>
           </a:xfrm>
           <a:prstGeom prst="rect">
             <a:avLst/>
@@ -21340,7 +21471,7 @@
               </a:rPr>
               <a:t>Typical Quality Problems</a:t>
             </a:r>
-            <a:endParaRPr b="0" lang="en-US" sz="2200" spc="-1" strike="noStrike">
+            <a:endParaRPr b="0" lang="en-GB" sz="2200" spc="-1" strike="noStrike">
               <a:solidFill>
                 <a:srgbClr val="000000"/>
               </a:solidFill>
@@ -21388,7 +21519,7 @@
         <p:spPr>
           <a:xfrm>
             <a:off x="542880" y="721800"/>
-            <a:ext cx="10357920" cy="498600"/>
+            <a:ext cx="10357560" cy="498240"/>
           </a:xfrm>
           <a:prstGeom prst="rect">
             <a:avLst/>
@@ -21424,7 +21555,7 @@
               </a:rPr>
               <a:t>Lecture 4: Requirements Documentation</a:t>
             </a:r>
-            <a:endParaRPr b="0" lang="en-US" sz="2200" spc="-1" strike="noStrike">
+            <a:endParaRPr b="0" lang="en-GB" sz="2200" spc="-1" strike="noStrike">
               <a:solidFill>
                 <a:srgbClr val="000000"/>
               </a:solidFill>
@@ -21442,7 +21573,7 @@
         <p:spPr>
           <a:xfrm>
             <a:off x="542880" y="1267200"/>
-            <a:ext cx="10357920" cy="498600"/>
+            <a:ext cx="10357560" cy="498240"/>
           </a:xfrm>
           <a:prstGeom prst="rect">
             <a:avLst/>
@@ -21478,7 +21609,7 @@
               </a:rPr>
               <a:t>Content</a:t>
             </a:r>
-            <a:endParaRPr b="0" lang="en-US" sz="2200" spc="-1" strike="noStrike">
+            <a:endParaRPr b="0" lang="en-GB" sz="2200" spc="-1" strike="noStrike">
               <a:solidFill>
                 <a:srgbClr val="000000"/>
               </a:solidFill>
@@ -21496,7 +21627,7 @@
         <p:spPr>
           <a:xfrm>
             <a:off x="539640" y="1709280"/>
-            <a:ext cx="8225280" cy="4353480"/>
+            <a:ext cx="8224920" cy="4353120"/>
           </a:xfrm>
           <a:prstGeom prst="rect">
             <a:avLst/>
@@ -21543,7 +21674,7 @@
               </a:rPr>
               <a:t>Types of Requirements</a:t>
             </a:r>
-            <a:endParaRPr b="0" lang="en-US" sz="1800" spc="-1" strike="noStrike">
+            <a:endParaRPr b="0" lang="en-GB" sz="1800" spc="-1" strike="noStrike">
               <a:solidFill>
                 <a:srgbClr val="000000"/>
               </a:solidFill>
@@ -21577,7 +21708,7 @@
               </a:rPr>
               <a:t>Textual Requirements Specification</a:t>
             </a:r>
-            <a:endParaRPr b="0" lang="en-US" sz="1800" spc="-1" strike="noStrike">
+            <a:endParaRPr b="0" lang="en-GB" sz="1800" spc="-1" strike="noStrike">
               <a:solidFill>
                 <a:srgbClr val="000000"/>
               </a:solidFill>
@@ -21611,7 +21742,7 @@
               </a:rPr>
               <a:t>Ambiguity</a:t>
             </a:r>
-            <a:endParaRPr b="0" lang="en-US" sz="1800" spc="-1" strike="noStrike">
+            <a:endParaRPr b="0" lang="en-GB" sz="1800" spc="-1" strike="noStrike">
               <a:solidFill>
                 <a:srgbClr val="000000"/>
               </a:solidFill>
@@ -21645,7 +21776,7 @@
               </a:rPr>
               <a:t>Guidelines</a:t>
             </a:r>
-            <a:endParaRPr b="0" lang="en-US" sz="1800" spc="-1" strike="noStrike">
+            <a:endParaRPr b="0" lang="en-GB" sz="1800" spc="-1" strike="noStrike">
               <a:solidFill>
                 <a:srgbClr val="000000"/>
               </a:solidFill>
@@ -21679,7 +21810,7 @@
               </a:rPr>
               <a:t>Syntactic Requirements Patterns</a:t>
             </a:r>
-            <a:endParaRPr b="0" lang="en-US" sz="1800" spc="-1" strike="noStrike">
+            <a:endParaRPr b="0" lang="en-GB" sz="1800" spc="-1" strike="noStrike">
               <a:solidFill>
                 <a:srgbClr val="000000"/>
               </a:solidFill>
@@ -21727,7 +21858,7 @@
         <p:spPr>
           <a:xfrm>
             <a:off x="542880" y="721800"/>
-            <a:ext cx="10356840" cy="497520"/>
+            <a:ext cx="10356480" cy="497160"/>
           </a:xfrm>
           <a:prstGeom prst="rect">
             <a:avLst/>
@@ -21763,7 +21894,7 @@
               </a:rPr>
               <a:t>General Requirements Engineering Process</a:t>
             </a:r>
-            <a:endParaRPr b="0" lang="en-US" sz="2200" spc="-1" strike="noStrike">
+            <a:endParaRPr b="0" lang="en-GB" sz="2200" spc="-1" strike="noStrike">
               <a:solidFill>
                 <a:srgbClr val="000000"/>
               </a:solidFill>
@@ -21781,7 +21912,7 @@
         <p:spPr>
           <a:xfrm>
             <a:off x="542880" y="1267200"/>
-            <a:ext cx="10356840" cy="497520"/>
+            <a:ext cx="10356480" cy="497160"/>
           </a:xfrm>
           <a:prstGeom prst="rect">
             <a:avLst/>
@@ -21817,7 +21948,7 @@
               </a:rPr>
               <a:t>Overview</a:t>
             </a:r>
-            <a:endParaRPr b="0" lang="en-US" sz="2200" spc="-1" strike="noStrike">
+            <a:endParaRPr b="0" lang="en-GB" sz="2200" spc="-1" strike="noStrike">
               <a:solidFill>
                 <a:srgbClr val="000000"/>
               </a:solidFill>
@@ -21839,7 +21970,7 @@
         <p:spPr>
           <a:xfrm>
             <a:off x="542880" y="2387520"/>
-            <a:ext cx="10101960" cy="2079360"/>
+            <a:ext cx="10101600" cy="2079000"/>
           </a:xfrm>
           <a:prstGeom prst="rect">
             <a:avLst/>
@@ -21858,7 +21989,7 @@
         <p:spPr>
           <a:xfrm>
             <a:off x="3846240" y="2297880"/>
-            <a:ext cx="1818000" cy="2258280"/>
+            <a:ext cx="1817640" cy="2257920"/>
           </a:xfrm>
           <a:prstGeom prst="frame">
             <a:avLst>
@@ -21894,11 +22025,17 @@
             <a:noAutofit/>
           </a:bodyPr>
           <a:p>
+            <a:pPr>
+              <a:lnSpc>
+                <a:spcPct val="100000"/>
+              </a:lnSpc>
+            </a:pPr>
             <a:endParaRPr b="0" lang="en-US" sz="1800" spc="-1" strike="noStrike">
               <a:solidFill>
                 <a:srgbClr val="000000"/>
               </a:solidFill>
               <a:latin typeface="Arial"/>
+              <a:ea typeface="DejaVu Sans"/>
             </a:endParaRPr>
           </a:p>
         </p:txBody>
@@ -21942,7 +22079,7 @@
         <p:spPr>
           <a:xfrm>
             <a:off x="539640" y="1339200"/>
-            <a:ext cx="10503000" cy="4859280"/>
+            <a:ext cx="10502640" cy="4858920"/>
           </a:xfrm>
           <a:prstGeom prst="rect">
             <a:avLst/>
@@ -21985,7 +22122,7 @@
               </a:rPr>
               <a:t>Objectives:</a:t>
             </a:r>
-            <a:endParaRPr b="0" lang="en-US" sz="2000" spc="-1" strike="noStrike">
+            <a:endParaRPr b="0" lang="en-GB" sz="2000" spc="-1" strike="noStrike">
               <a:solidFill>
                 <a:srgbClr val="000000"/>
               </a:solidFill>
@@ -22020,7 +22157,7 @@
               </a:rPr>
               <a:t>Requirements are easier to read and thus easier to understand</a:t>
             </a:r>
-            <a:endParaRPr b="0" lang="en-US" sz="2000" spc="-1" strike="noStrike">
+            <a:endParaRPr b="0" lang="en-GB" sz="2000" spc="-1" strike="noStrike">
               <a:solidFill>
                 <a:srgbClr val="000000"/>
               </a:solidFill>
@@ -22055,7 +22192,7 @@
               </a:rPr>
               <a:t>Our style guide handles the most frequent problems, project-specific extensions may be reasonable</a:t>
             </a:r>
-            <a:endParaRPr b="0" lang="en-US" sz="2000" spc="-1" strike="noStrike">
+            <a:endParaRPr b="0" lang="en-GB" sz="2000" spc="-1" strike="noStrike">
               <a:solidFill>
                 <a:srgbClr val="000000"/>
               </a:solidFill>
@@ -22090,7 +22227,7 @@
               </a:rPr>
               <a:t>Directives should be consolidated in a company-specific style guide</a:t>
             </a:r>
-            <a:endParaRPr b="0" lang="en-US" sz="2000" spc="-1" strike="noStrike">
+            <a:endParaRPr b="0" lang="en-GB" sz="2000" spc="-1" strike="noStrike">
               <a:solidFill>
                 <a:srgbClr val="000000"/>
               </a:solidFill>
@@ -22108,7 +22245,7 @@
         <p:spPr>
           <a:xfrm>
             <a:off x="542880" y="722520"/>
-            <a:ext cx="10357920" cy="498600"/>
+            <a:ext cx="10357560" cy="498240"/>
           </a:xfrm>
           <a:prstGeom prst="rect">
             <a:avLst/>
@@ -22144,7 +22281,7 @@
               </a:rPr>
               <a:t>Textual Requirements Specification</a:t>
             </a:r>
-            <a:endParaRPr b="0" lang="en-US" sz="2200" spc="-1" strike="noStrike">
+            <a:endParaRPr b="0" lang="en-GB" sz="2200" spc="-1" strike="noStrike">
               <a:solidFill>
                 <a:srgbClr val="000000"/>
               </a:solidFill>
@@ -22162,7 +22299,7 @@
         <p:spPr>
           <a:xfrm>
             <a:off x="542880" y="1267920"/>
-            <a:ext cx="10357920" cy="498600"/>
+            <a:ext cx="10357560" cy="498240"/>
           </a:xfrm>
           <a:prstGeom prst="rect">
             <a:avLst/>
@@ -22198,7 +22335,7 @@
               </a:rPr>
               <a:t>Guidelines – Style Guide for the Specification of Requirements</a:t>
             </a:r>
-            <a:endParaRPr b="0" lang="en-US" sz="2200" spc="-1" strike="noStrike">
+            <a:endParaRPr b="0" lang="en-GB" sz="2200" spc="-1" strike="noStrike">
               <a:solidFill>
                 <a:srgbClr val="000000"/>
               </a:solidFill>
@@ -22246,7 +22383,7 @@
         <p:spPr>
           <a:xfrm>
             <a:off x="539640" y="1681200"/>
-            <a:ext cx="11347200" cy="4521600"/>
+            <a:ext cx="11346840" cy="4521240"/>
           </a:xfrm>
           <a:prstGeom prst="rect">
             <a:avLst/>
@@ -22294,7 +22431,7 @@
               </a:rPr>
               <a:t>Short sentences, because of the limitation of the human short-term memory</a:t>
             </a:r>
-            <a:endParaRPr b="0" lang="en-US" sz="2000" spc="-1" strike="noStrike">
+            <a:endParaRPr b="0" lang="en-GB" sz="2000" spc="-1" strike="noStrike">
               <a:solidFill>
                 <a:srgbClr val="000000"/>
               </a:solidFill>
@@ -22329,7 +22466,7 @@
               </a:rPr>
               <a:t>Describe only one requirement per sentence, avoid „and“</a:t>
             </a:r>
-            <a:endParaRPr b="0" lang="en-US" sz="2000" spc="-1" strike="noStrike">
+            <a:endParaRPr b="0" lang="en-GB" sz="2000" spc="-1" strike="noStrike">
               <a:solidFill>
                 <a:srgbClr val="000000"/>
               </a:solidFill>
@@ -22364,7 +22501,7 @@
               </a:rPr>
               <a:t>Avoid jargon, use abbreviations sparingly</a:t>
             </a:r>
-            <a:endParaRPr b="0" lang="en-US" sz="2000" spc="-1" strike="noStrike">
+            <a:endParaRPr b="0" lang="en-GB" sz="2000" spc="-1" strike="noStrike">
               <a:solidFill>
                 <a:srgbClr val="000000"/>
               </a:solidFill>
@@ -22399,7 +22536,7 @@
               </a:rPr>
               <a:t>Short paragraphs (max. 7 sentences)</a:t>
             </a:r>
-            <a:endParaRPr b="0" lang="en-US" sz="2000" spc="-1" strike="noStrike">
+            <a:endParaRPr b="0" lang="en-GB" sz="2000" spc="-1" strike="noStrike">
               <a:solidFill>
                 <a:srgbClr val="000000"/>
               </a:solidFill>
@@ -22434,7 +22571,7 @@
               </a:rPr>
               <a:t>Use lists, instead of listing sentences</a:t>
             </a:r>
-            <a:endParaRPr b="0" lang="en-US" sz="2000" spc="-1" strike="noStrike">
+            <a:endParaRPr b="0" lang="en-GB" sz="2000" spc="-1" strike="noStrike">
               <a:solidFill>
                 <a:srgbClr val="000000"/>
               </a:solidFill>
@@ -22469,7 +22606,7 @@
               </a:rPr>
               <a:t>Use terminology consistent; repetition of words is welcome!</a:t>
             </a:r>
-            <a:endParaRPr b="0" lang="en-US" sz="2000" spc="-1" strike="noStrike">
+            <a:endParaRPr b="0" lang="en-GB" sz="2000" spc="-1" strike="noStrike">
               <a:solidFill>
                 <a:srgbClr val="000000"/>
               </a:solidFill>
@@ -22504,7 +22641,7 @@
               </a:rPr>
               <a:t>Avoid nested logic terms</a:t>
             </a:r>
-            <a:endParaRPr b="0" lang="en-US" sz="2000" spc="-1" strike="noStrike">
+            <a:endParaRPr b="0" lang="en-GB" sz="2000" spc="-1" strike="noStrike">
               <a:solidFill>
                 <a:srgbClr val="000000"/>
               </a:solidFill>
@@ -22549,7 +22686,7 @@
               </a:rPr>
               <a:t>If X or Y is given in case Z, but not..</a:t>
             </a:r>
-            <a:endParaRPr b="0" lang="en-US" sz="1800" spc="-1" strike="noStrike">
+            <a:endParaRPr b="0" lang="en-GB" sz="1800" spc="-1" strike="noStrike">
               <a:solidFill>
                 <a:srgbClr val="000000"/>
               </a:solidFill>
@@ -22594,7 +22731,7 @@
               </a:rPr>
               <a:t>= Use pseudo code or decision tables</a:t>
             </a:r>
-            <a:endParaRPr b="0" lang="en-US" sz="1800" spc="-1" strike="noStrike">
+            <a:endParaRPr b="0" lang="en-GB" sz="1800" spc="-1" strike="noStrike">
               <a:solidFill>
                 <a:srgbClr val="000000"/>
               </a:solidFill>
@@ -22612,7 +22749,7 @@
         <p:spPr>
           <a:xfrm>
             <a:off x="542880" y="722880"/>
-            <a:ext cx="10357920" cy="498600"/>
+            <a:ext cx="10357560" cy="498240"/>
           </a:xfrm>
           <a:prstGeom prst="rect">
             <a:avLst/>
@@ -22648,7 +22785,7 @@
               </a:rPr>
               <a:t>Textual Requirements Specification</a:t>
             </a:r>
-            <a:endParaRPr b="0" lang="en-US" sz="2200" spc="-1" strike="noStrike">
+            <a:endParaRPr b="0" lang="en-GB" sz="2200" spc="-1" strike="noStrike">
               <a:solidFill>
                 <a:srgbClr val="000000"/>
               </a:solidFill>
@@ -22666,7 +22803,7 @@
         <p:spPr>
           <a:xfrm>
             <a:off x="542880" y="1268280"/>
-            <a:ext cx="10357920" cy="498600"/>
+            <a:ext cx="10357560" cy="498240"/>
           </a:xfrm>
           <a:prstGeom prst="rect">
             <a:avLst/>
@@ -22712,7 +22849,7 @@
               </a:rPr>
               <a:t>Style Guide</a:t>
             </a:r>
-            <a:endParaRPr b="0" lang="en-US" sz="2200" spc="-1" strike="noStrike">
+            <a:endParaRPr b="0" lang="en-GB" sz="2200" spc="-1" strike="noStrike">
               <a:solidFill>
                 <a:srgbClr val="000000"/>
               </a:solidFill>
@@ -22760,7 +22897,7 @@
         <p:spPr>
           <a:xfrm>
             <a:off x="2461680" y="2104920"/>
-            <a:ext cx="8735760" cy="3683520"/>
+            <a:ext cx="8735400" cy="3683160"/>
           </a:xfrm>
           <a:prstGeom prst="rect">
             <a:avLst/>
@@ -22802,7 +22939,7 @@
               </a:rPr>
               <a:t>Users attempting to access the ABC database should be reminded by a system message that will be acknowledged and by page headings on all reports that the data is sensitive, and access is limited by their system privileges.</a:t>
             </a:r>
-            <a:endParaRPr b="0" lang="en-US" sz="1800" spc="-1" strike="noStrike">
+            <a:endParaRPr b="0" lang="en-GB" sz="1800" spc="-1" strike="noStrike">
               <a:solidFill>
                 <a:srgbClr val="000000"/>
               </a:solidFill>
@@ -22844,7 +22981,7 @@
               </a:rPr>
               <a:t>       database that</a:t>
             </a:r>
-            <a:endParaRPr b="0" lang="en-US" sz="1800" spc="-1" strike="noStrike">
+            <a:endParaRPr b="0" lang="en-GB" sz="1800" spc="-1" strike="noStrike">
               <a:solidFill>
                 <a:srgbClr val="000000"/>
               </a:solidFill>
@@ -22878,7 +23015,7 @@
               </a:rPr>
               <a:t>The ABC data is classified “sensitive”</a:t>
             </a:r>
-            <a:endParaRPr b="0" lang="en-US" sz="1600" spc="-1" strike="noStrike">
+            <a:endParaRPr b="0" lang="en-GB" sz="1600" spc="-1" strike="noStrike">
               <a:solidFill>
                 <a:srgbClr val="000000"/>
               </a:solidFill>
@@ -22912,7 +23049,7 @@
               </a:rPr>
               <a:t>Access to the ABC data is limited according to the user’s system privileges</a:t>
             </a:r>
-            <a:endParaRPr b="0" lang="en-US" sz="1600" spc="-1" strike="noStrike">
+            <a:endParaRPr b="0" lang="en-GB" sz="1600" spc="-1" strike="noStrike">
               <a:solidFill>
                 <a:srgbClr val="000000"/>
               </a:solidFill>
@@ -22946,7 +23083,7 @@
               </a:rPr>
               <a:t>Page headings on all reports generated using the ABC database must state that the report contains sensitive information</a:t>
             </a:r>
-            <a:endParaRPr b="0" lang="en-US" sz="1600" spc="-1" strike="noStrike">
+            <a:endParaRPr b="0" lang="en-GB" sz="1600" spc="-1" strike="noStrike">
               <a:solidFill>
                 <a:srgbClr val="000000"/>
               </a:solidFill>
@@ -22988,7 +23125,7 @@
               </a:rPr>
               <a:t>          notification before being allowed to access the ABC database.</a:t>
             </a:r>
-            <a:endParaRPr b="0" lang="en-US" sz="1800" spc="-1" strike="noStrike">
+            <a:endParaRPr b="0" lang="en-GB" sz="1800" spc="-1" strike="noStrike">
               <a:solidFill>
                 <a:srgbClr val="000000"/>
               </a:solidFill>
@@ -23047,7 +23184,7 @@
               </a:rPr>
               <a:t>Bad</a:t>
             </a:r>
-            <a:endParaRPr b="0" lang="en-US" sz="1600" spc="-1" strike="noStrike">
+            <a:endParaRPr b="0" lang="en-GB" sz="1600" spc="-1" strike="noStrike">
               <a:solidFill>
                 <a:srgbClr val="000000"/>
               </a:solidFill>
@@ -23106,7 +23243,7 @@
               </a:rPr>
               <a:t>Good</a:t>
             </a:r>
-            <a:endParaRPr b="0" lang="en-US" sz="1600" spc="-1" strike="noStrike">
+            <a:endParaRPr b="0" lang="en-GB" sz="1600" spc="-1" strike="noStrike">
               <a:solidFill>
                 <a:srgbClr val="000000"/>
               </a:solidFill>
@@ -23124,7 +23261,7 @@
         <p:spPr>
           <a:xfrm>
             <a:off x="542880" y="723240"/>
-            <a:ext cx="10357920" cy="498600"/>
+            <a:ext cx="10357560" cy="498240"/>
           </a:xfrm>
           <a:prstGeom prst="rect">
             <a:avLst/>
@@ -23160,7 +23297,7 @@
               </a:rPr>
               <a:t>Textual Requirements Specification</a:t>
             </a:r>
-            <a:endParaRPr b="0" lang="en-US" sz="2200" spc="-1" strike="noStrike">
+            <a:endParaRPr b="0" lang="en-GB" sz="2200" spc="-1" strike="noStrike">
               <a:solidFill>
                 <a:srgbClr val="000000"/>
               </a:solidFill>
@@ -23178,7 +23315,7 @@
         <p:spPr>
           <a:xfrm>
             <a:off x="542880" y="1268640"/>
-            <a:ext cx="10357920" cy="498600"/>
+            <a:ext cx="10357560" cy="498240"/>
           </a:xfrm>
           <a:prstGeom prst="rect">
             <a:avLst/>
@@ -23224,7 +23361,7 @@
               </a:rPr>
               <a:t>Example</a:t>
             </a:r>
-            <a:endParaRPr b="0" lang="en-US" sz="2200" spc="-1" strike="noStrike">
+            <a:endParaRPr b="0" lang="en-GB" sz="2200" spc="-1" strike="noStrike">
               <a:solidFill>
                 <a:srgbClr val="000000"/>
               </a:solidFill>
@@ -23266,7 +23403,7 @@
           <a:fontRef idx="minor"/>
         </p:style>
         <p:txBody>
-          <a:bodyPr lIns="90000" rIns="90000" tIns="45000" bIns="45000" anchor="t" anchorCtr="1">
+          <a:bodyPr lIns="90000" rIns="90000" tIns="2520" bIns="2520" anchor="t" anchorCtr="1">
             <a:noAutofit/>
           </a:bodyPr>
           <a:p>
@@ -23275,6 +23412,7 @@
                 <a:srgbClr val="000000"/>
               </a:solidFill>
               <a:latin typeface="Arial"/>
+              <a:ea typeface="DejaVu Sans"/>
             </a:endParaRPr>
           </a:p>
         </p:txBody>
@@ -23318,7 +23456,7 @@
         <p:spPr>
           <a:xfrm>
             <a:off x="539640" y="1589040"/>
-            <a:ext cx="10319040" cy="5036760"/>
+            <a:ext cx="10318680" cy="5036400"/>
           </a:xfrm>
           <a:prstGeom prst="rect">
             <a:avLst/>
@@ -23366,7 +23504,7 @@
               </a:rPr>
               <a:t>Use words like ‘must’, ‘can’, ‘ought’, ‘should’, ‘is’, etc. carefully</a:t>
             </a:r>
-            <a:endParaRPr b="0" lang="en-US" sz="2000" spc="-1" strike="noStrike">
+            <a:endParaRPr b="0" lang="en-GB" sz="2000" spc="-1" strike="noStrike">
               <a:solidFill>
                 <a:srgbClr val="000000"/>
               </a:solidFill>
@@ -23411,7 +23549,7 @@
               </a:rPr>
               <a:t> precise definition: ‘must’, ‘ought’ show that the requirement is mandatory, etc.</a:t>
             </a:r>
-            <a:endParaRPr b="0" lang="en-US" sz="1800" spc="-1" strike="noStrike">
+            <a:endParaRPr b="0" lang="en-GB" sz="1800" spc="-1" strike="noStrike">
               <a:solidFill>
                 <a:srgbClr val="000000"/>
               </a:solidFill>
@@ -23456,7 +23594,7 @@
               </a:rPr>
               <a:t> separate mandatory from optional requirements through a definition of a respective attribute or through a chapter heading</a:t>
             </a:r>
-            <a:endParaRPr b="0" lang="en-US" sz="1800" spc="-1" strike="noStrike">
+            <a:endParaRPr b="0" lang="en-GB" sz="1800" spc="-1" strike="noStrike">
               <a:solidFill>
                 <a:srgbClr val="000000"/>
               </a:solidFill>
@@ -23491,7 +23629,7 @@
               </a:rPr>
               <a:t>Use active instead of passive</a:t>
             </a:r>
-            <a:endParaRPr b="0" lang="en-US" sz="2000" spc="-1" strike="noStrike">
+            <a:endParaRPr b="0" lang="en-GB" sz="2000" spc="-1" strike="noStrike">
               <a:solidFill>
                 <a:srgbClr val="000000"/>
               </a:solidFill>
@@ -23536,7 +23674,7 @@
               </a:rPr>
               <a:t> a result is displayed</a:t>
             </a:r>
-            <a:endParaRPr b="0" lang="en-US" sz="1800" spc="-1" strike="noStrike">
+            <a:endParaRPr b="0" lang="en-GB" sz="1800" spc="-1" strike="noStrike">
               <a:solidFill>
                 <a:srgbClr val="000000"/>
               </a:solidFill>
@@ -23594,7 +23732,7 @@
               </a:rPr>
               <a:t>(thus the actor is obvious!)</a:t>
             </a:r>
-            <a:endParaRPr b="0" lang="en-US" sz="1800" spc="-1" strike="noStrike">
+            <a:endParaRPr b="0" lang="en-GB" sz="1800" spc="-1" strike="noStrike">
               <a:solidFill>
                 <a:srgbClr val="000000"/>
               </a:solidFill>
@@ -23629,7 +23767,7 @@
               </a:rPr>
               <a:t>Illustrate complex dependencies with graphics</a:t>
             </a:r>
-            <a:endParaRPr b="0" lang="en-US" sz="2000" spc="-1" strike="noStrike">
+            <a:endParaRPr b="0" lang="en-GB" sz="2000" spc="-1" strike="noStrike">
               <a:solidFill>
                 <a:srgbClr val="000000"/>
               </a:solidFill>
@@ -23664,7 +23802,7 @@
               </a:rPr>
               <a:t>Use precise references</a:t>
             </a:r>
-            <a:endParaRPr b="0" lang="en-US" sz="2000" spc="-1" strike="noStrike">
+            <a:endParaRPr b="0" lang="en-GB" sz="2000" spc="-1" strike="noStrike">
               <a:solidFill>
                 <a:srgbClr val="000000"/>
               </a:solidFill>
@@ -23699,7 +23837,7 @@
               </a:rPr>
               <a:t>Use automatic spellchecker</a:t>
             </a:r>
-            <a:endParaRPr b="0" lang="en-US" sz="2000" spc="-1" strike="noStrike">
+            <a:endParaRPr b="0" lang="en-GB" sz="2000" spc="-1" strike="noStrike">
               <a:solidFill>
                 <a:srgbClr val="000000"/>
               </a:solidFill>
@@ -23717,7 +23855,7 @@
         <p:spPr>
           <a:xfrm>
             <a:off x="542880" y="723240"/>
-            <a:ext cx="10357920" cy="498600"/>
+            <a:ext cx="10357560" cy="498240"/>
           </a:xfrm>
           <a:prstGeom prst="rect">
             <a:avLst/>
@@ -23753,7 +23891,7 @@
               </a:rPr>
               <a:t>Textual Requirements Specification</a:t>
             </a:r>
-            <a:endParaRPr b="0" lang="en-US" sz="2200" spc="-1" strike="noStrike">
+            <a:endParaRPr b="0" lang="en-GB" sz="2200" spc="-1" strike="noStrike">
               <a:solidFill>
                 <a:srgbClr val="000000"/>
               </a:solidFill>
@@ -23771,7 +23909,7 @@
         <p:spPr>
           <a:xfrm>
             <a:off x="542880" y="1268640"/>
-            <a:ext cx="10357920" cy="498600"/>
+            <a:ext cx="10357560" cy="498240"/>
           </a:xfrm>
           <a:prstGeom prst="rect">
             <a:avLst/>
@@ -23817,7 +23955,7 @@
               </a:rPr>
               <a:t>Style Guide</a:t>
             </a:r>
-            <a:endParaRPr b="0" lang="en-US" sz="2200" spc="-1" strike="noStrike">
+            <a:endParaRPr b="0" lang="en-GB" sz="2200" spc="-1" strike="noStrike">
               <a:solidFill>
                 <a:srgbClr val="000000"/>
               </a:solidFill>
@@ -23865,7 +24003,7 @@
         <p:spPr>
           <a:xfrm>
             <a:off x="539640" y="1608120"/>
-            <a:ext cx="10547640" cy="4416840"/>
+            <a:ext cx="10547280" cy="4416480"/>
           </a:xfrm>
           <a:prstGeom prst="rect">
             <a:avLst/>
@@ -23913,7 +24051,7 @@
               </a:rPr>
               <a:t>Express requirements so they are testable. Thus it is possible to check whether or not the system meets the requirements</a:t>
             </a:r>
-            <a:endParaRPr b="0" lang="en-US" sz="2000" spc="-1" strike="noStrike">
+            <a:endParaRPr b="0" lang="en-GB" sz="2000" spc="-1" strike="noStrike">
               <a:solidFill>
                 <a:srgbClr val="000000"/>
               </a:solidFill>
@@ -23948,7 +24086,7 @@
               </a:rPr>
               <a:t>Is it possible to create a test case for requirement X?</a:t>
             </a:r>
-            <a:endParaRPr b="0" lang="en-US" sz="1800" spc="-1" strike="noStrike">
+            <a:endParaRPr b="0" lang="en-GB" sz="1800" spc="-1" strike="noStrike">
               <a:solidFill>
                 <a:srgbClr val="000000"/>
               </a:solidFill>
@@ -23983,7 +24121,7 @@
               </a:rPr>
               <a:t>State rationale for each requirement</a:t>
             </a:r>
-            <a:endParaRPr b="0" lang="en-US" sz="2000" spc="-1" strike="noStrike">
+            <a:endParaRPr b="0" lang="en-GB" sz="2000" spc="-1" strike="noStrike">
               <a:solidFill>
                 <a:srgbClr val="000000"/>
               </a:solidFill>
@@ -24038,7 +24176,7 @@
               </a:rPr>
               <a:t>requirements during development</a:t>
             </a:r>
-            <a:endParaRPr b="0" lang="en-US" sz="1800" spc="-1" strike="noStrike">
+            <a:endParaRPr b="0" lang="en-GB" sz="1800" spc="-1" strike="noStrike">
               <a:solidFill>
                 <a:srgbClr val="000000"/>
               </a:solidFill>
@@ -24073,7 +24211,7 @@
               </a:rPr>
               <a:t>Explanations in requirements are confusing</a:t>
             </a:r>
-            <a:endParaRPr b="0" lang="en-US" sz="2000" spc="-1" strike="noStrike">
+            <a:endParaRPr b="0" lang="en-GB" sz="2000" spc="-1" strike="noStrike">
               <a:solidFill>
                 <a:srgbClr val="000000"/>
               </a:solidFill>
@@ -24119,7 +24257,7 @@
               </a:rPr>
               <a:t> “To enable an experienced user to work efficiently, the access authorization is also checked on double-clicking a list item and if this authorization is valid, the customer-specific data will be displayed in ‘Access’ field. In case the SQL-query returns an error code (-1), …“    </a:t>
             </a:r>
-            <a:endParaRPr b="0" lang="en-US" sz="1800" spc="-1" strike="noStrike">
+            <a:endParaRPr b="0" lang="en-GB" sz="1800" spc="-1" strike="noStrike">
               <a:solidFill>
                 <a:srgbClr val="000000"/>
               </a:solidFill>
@@ -24175,7 +24313,7 @@
               </a:rPr>
               <a:t>ake explanations explicit</a:t>
             </a:r>
-            <a:endParaRPr b="0" lang="en-US" sz="1800" spc="-1" strike="noStrike">
+            <a:endParaRPr b="0" lang="en-GB" sz="1800" spc="-1" strike="noStrike">
               <a:solidFill>
                 <a:srgbClr val="000000"/>
               </a:solidFill>
@@ -24193,7 +24331,7 @@
         <p:spPr>
           <a:xfrm>
             <a:off x="542880" y="723240"/>
-            <a:ext cx="10357920" cy="498600"/>
+            <a:ext cx="10357560" cy="498240"/>
           </a:xfrm>
           <a:prstGeom prst="rect">
             <a:avLst/>
@@ -24229,7 +24367,7 @@
               </a:rPr>
               <a:t>Textual Requirements Specification</a:t>
             </a:r>
-            <a:endParaRPr b="0" lang="en-US" sz="2200" spc="-1" strike="noStrike">
+            <a:endParaRPr b="0" lang="en-GB" sz="2200" spc="-1" strike="noStrike">
               <a:solidFill>
                 <a:srgbClr val="000000"/>
               </a:solidFill>
@@ -24247,7 +24385,7 @@
         <p:spPr>
           <a:xfrm>
             <a:off x="542880" y="1268640"/>
-            <a:ext cx="10357920" cy="498600"/>
+            <a:ext cx="10357560" cy="498240"/>
           </a:xfrm>
           <a:prstGeom prst="rect">
             <a:avLst/>
@@ -24293,7 +24431,7 @@
               </a:rPr>
               <a:t>Style Guide</a:t>
             </a:r>
-            <a:endParaRPr b="0" lang="en-US" sz="2200" spc="-1" strike="noStrike">
+            <a:endParaRPr b="0" lang="en-GB" sz="2200" spc="-1" strike="noStrike">
               <a:solidFill>
                 <a:srgbClr val="000000"/>
               </a:solidFill>
@@ -24341,7 +24479,7 @@
         <p:spPr>
           <a:xfrm>
             <a:off x="539640" y="1684440"/>
-            <a:ext cx="10319040" cy="4416840"/>
+            <a:ext cx="10318680" cy="4416480"/>
           </a:xfrm>
           <a:prstGeom prst="rect">
             <a:avLst/>
@@ -24389,7 +24527,7 @@
               </a:rPr>
               <a:t>Avoid generalities</a:t>
             </a:r>
-            <a:endParaRPr b="0" lang="en-US" sz="2000" spc="-1" strike="noStrike">
+            <a:endParaRPr b="0" lang="en-GB" sz="2000" spc="-1" strike="noStrike">
               <a:solidFill>
                 <a:srgbClr val="000000"/>
               </a:solidFill>
@@ -24424,7 +24562,7 @@
               </a:rPr>
               <a:t>Leads to ambiguities → Example Tamagotchi: “On clicking the R-button the selected function is canceled.“ Is this also true for the time function?</a:t>
             </a:r>
-            <a:endParaRPr b="0" lang="en-US" sz="1800" spc="-1" strike="noStrike">
+            <a:endParaRPr b="0" lang="en-GB" sz="1800" spc="-1" strike="noStrike">
               <a:solidFill>
                 <a:srgbClr val="000000"/>
               </a:solidFill>
@@ -24459,7 +24597,7 @@
               </a:rPr>
               <a:t>Seems boring if it has platitude characteristics → Example: “Input masks should be displayed entirely on screen. Scrolling should be avoided if possible. That is a principle of graphical user-interface design!“</a:t>
             </a:r>
-            <a:endParaRPr b="0" lang="en-US" sz="1800" spc="-1" strike="noStrike">
+            <a:endParaRPr b="0" lang="en-GB" sz="1800" spc="-1" strike="noStrike">
               <a:solidFill>
                 <a:srgbClr val="000000"/>
               </a:solidFill>
@@ -24478,7 +24616,7 @@
                 <a:tab algn="l" pos="1714680"/>
               </a:tabLst>
             </a:pPr>
-            <a:endParaRPr b="0" lang="en-US" sz="1800" spc="-1" strike="noStrike">
+            <a:endParaRPr b="0" lang="en-GB" sz="1800" spc="-1" strike="noStrike">
               <a:solidFill>
                 <a:srgbClr val="000000"/>
               </a:solidFill>
@@ -24513,7 +24651,7 @@
               </a:rPr>
               <a:t>Document the sources (persons) of all requirements</a:t>
             </a:r>
-            <a:endParaRPr b="0" lang="en-US" sz="2000" spc="-1" strike="noStrike">
+            <a:endParaRPr b="0" lang="en-GB" sz="2000" spc="-1" strike="noStrike">
               <a:solidFill>
                 <a:srgbClr val="000000"/>
               </a:solidFill>
@@ -24548,7 +24686,7 @@
               </a:rPr>
               <a:t>For a large number of requirements or after a certain period of time, it is difficult to remember a source, if a requirement must be changed.  </a:t>
             </a:r>
-            <a:endParaRPr b="0" lang="en-US" sz="1800" spc="-1" strike="noStrike">
+            <a:endParaRPr b="0" lang="en-GB" sz="1800" spc="-1" strike="noStrike">
               <a:solidFill>
                 <a:srgbClr val="000000"/>
               </a:solidFill>
@@ -24566,7 +24704,7 @@
         <p:spPr>
           <a:xfrm>
             <a:off x="542880" y="723240"/>
-            <a:ext cx="10357920" cy="498600"/>
+            <a:ext cx="10357560" cy="498240"/>
           </a:xfrm>
           <a:prstGeom prst="rect">
             <a:avLst/>
@@ -24602,7 +24740,7 @@
               </a:rPr>
               <a:t>Textual Requirements Specification</a:t>
             </a:r>
-            <a:endParaRPr b="0" lang="en-US" sz="2200" spc="-1" strike="noStrike">
+            <a:endParaRPr b="0" lang="en-GB" sz="2200" spc="-1" strike="noStrike">
               <a:solidFill>
                 <a:srgbClr val="000000"/>
               </a:solidFill>
@@ -24620,7 +24758,7 @@
         <p:spPr>
           <a:xfrm>
             <a:off x="542880" y="1268640"/>
-            <a:ext cx="10357920" cy="498600"/>
+            <a:ext cx="10357560" cy="498240"/>
           </a:xfrm>
           <a:prstGeom prst="rect">
             <a:avLst/>
@@ -24666,7 +24804,7 @@
               </a:rPr>
               <a:t>Style Guide</a:t>
             </a:r>
-            <a:endParaRPr b="0" lang="en-US" sz="2200" spc="-1" strike="noStrike">
+            <a:endParaRPr b="0" lang="en-GB" sz="2200" spc="-1" strike="noStrike">
               <a:solidFill>
                 <a:srgbClr val="000000"/>
               </a:solidFill>
@@ -24714,7 +24852,7 @@
         <p:spPr>
           <a:xfrm>
             <a:off x="539640" y="1662120"/>
-            <a:ext cx="10336320" cy="4378680"/>
+            <a:ext cx="10335960" cy="4378320"/>
           </a:xfrm>
           <a:prstGeom prst="rect">
             <a:avLst/>
@@ -24762,7 +24900,7 @@
               </a:rPr>
               <a:t>Why should technical terms be defined?</a:t>
             </a:r>
-            <a:endParaRPr b="0" lang="en-US" sz="2000" spc="-1" strike="noStrike">
+            <a:endParaRPr b="0" lang="en-GB" sz="2000" spc="-1" strike="noStrike">
               <a:solidFill>
                 <a:srgbClr val="000000"/>
               </a:solidFill>
@@ -24797,7 +24935,7 @@
               </a:rPr>
               <a:t>The advantage is to avoid misunderstandings caused by the following phenomena:</a:t>
             </a:r>
-            <a:endParaRPr b="0" lang="en-US" sz="2000" spc="-1" strike="noStrike">
+            <a:endParaRPr b="0" lang="en-GB" sz="2000" spc="-1" strike="noStrike">
               <a:solidFill>
                 <a:srgbClr val="000000"/>
               </a:solidFill>
@@ -24832,7 +24970,7 @@
               </a:rPr>
               <a:t>Unclear terms. Meaning is unclear to the requirement engineer (e.g., “butterfly valve”)</a:t>
             </a:r>
-            <a:endParaRPr b="0" lang="en-US" sz="1800" spc="-1" strike="noStrike">
+            <a:endParaRPr b="0" lang="en-GB" sz="1800" spc="-1" strike="noStrike">
               <a:solidFill>
                 <a:srgbClr val="000000"/>
               </a:solidFill>
@@ -24867,7 +25005,7 @@
               </a:rPr>
               <a:t>Ordinary terms may have special meanings to clients/users (“article”, “call”)</a:t>
             </a:r>
-            <a:endParaRPr b="0" lang="en-US" sz="1800" spc="-1" strike="noStrike">
+            <a:endParaRPr b="0" lang="en-GB" sz="1800" spc="-1" strike="noStrike">
               <a:solidFill>
                 <a:srgbClr val="000000"/>
               </a:solidFill>
@@ -24902,7 +25040,7 @@
               </a:rPr>
               <a:t>Different terms for the same „thing“ (synonyms) used by different sources or because the vocabulary of concepts of the client is not yet defined</a:t>
             </a:r>
-            <a:endParaRPr b="0" lang="en-US" sz="1800" spc="-1" strike="noStrike">
+            <a:endParaRPr b="0" lang="en-GB" sz="1800" spc="-1" strike="noStrike">
               <a:solidFill>
                 <a:srgbClr val="000000"/>
               </a:solidFill>
@@ -24997,7 +25135,7 @@
               </a:rPr>
               <a:t> specific school (e.g., Werner v. Siemens Schule in Hildesheim)</a:t>
             </a:r>
-            <a:endParaRPr b="0" lang="en-US" sz="1800" spc="-1" strike="noStrike">
+            <a:endParaRPr b="0" lang="en-GB" sz="1800" spc="-1" strike="noStrike">
               <a:solidFill>
                 <a:srgbClr val="000000"/>
               </a:solidFill>
@@ -25015,7 +25153,7 @@
         <p:spPr>
           <a:xfrm>
             <a:off x="542880" y="723240"/>
-            <a:ext cx="10357920" cy="498600"/>
+            <a:ext cx="10357560" cy="498240"/>
           </a:xfrm>
           <a:prstGeom prst="rect">
             <a:avLst/>
@@ -25051,7 +25189,7 @@
               </a:rPr>
               <a:t>Textual Requirements Specification</a:t>
             </a:r>
-            <a:endParaRPr b="0" lang="en-US" sz="2200" spc="-1" strike="noStrike">
+            <a:endParaRPr b="0" lang="en-GB" sz="2200" spc="-1" strike="noStrike">
               <a:solidFill>
                 <a:srgbClr val="000000"/>
               </a:solidFill>
@@ -25069,7 +25207,7 @@
         <p:spPr>
           <a:xfrm>
             <a:off x="542880" y="1268640"/>
-            <a:ext cx="10357920" cy="498600"/>
+            <a:ext cx="10357560" cy="498240"/>
           </a:xfrm>
           <a:prstGeom prst="rect">
             <a:avLst/>
@@ -25115,7 +25253,7 @@
               </a:rPr>
               <a:t>Technical Terms</a:t>
             </a:r>
-            <a:endParaRPr b="0" lang="en-US" sz="2200" spc="-1" strike="noStrike">
+            <a:endParaRPr b="0" lang="en-GB" sz="2200" spc="-1" strike="noStrike">
               <a:solidFill>
                 <a:srgbClr val="000000"/>
               </a:solidFill>
@@ -25163,7 +25301,7 @@
         <p:spPr>
           <a:xfrm>
             <a:off x="539640" y="1582560"/>
-            <a:ext cx="10581840" cy="3391200"/>
+            <a:ext cx="10581480" cy="3390840"/>
           </a:xfrm>
           <a:prstGeom prst="rect">
             <a:avLst/>
@@ -25205,7 +25343,7 @@
               </a:rPr>
               <a:t>Choose terms appropriate for the readers</a:t>
             </a:r>
-            <a:endParaRPr b="0" lang="en-US" sz="2000" spc="-1" strike="noStrike">
+            <a:endParaRPr b="0" lang="en-GB" sz="2000" spc="-1" strike="noStrike">
               <a:solidFill>
                 <a:srgbClr val="000000"/>
               </a:solidFill>
@@ -25224,7 +25362,7 @@
                 <a:tab algn="l" pos="0"/>
               </a:tabLst>
             </a:pPr>
-            <a:endParaRPr b="0" lang="en-US" sz="2000" spc="-1" strike="noStrike">
+            <a:endParaRPr b="0" lang="en-GB" sz="2000" spc="-1" strike="noStrike">
               <a:solidFill>
                 <a:srgbClr val="000000"/>
               </a:solidFill>
@@ -25276,7 +25414,7 @@
               </a:rPr>
               <a:t> ISDN phone</a:t>
             </a:r>
-            <a:endParaRPr b="0" lang="en-US" sz="2000" spc="-1" strike="noStrike">
+            <a:endParaRPr b="0" lang="en-GB" sz="2000" spc="-1" strike="noStrike">
               <a:solidFill>
                 <a:srgbClr val="000000"/>
               </a:solidFill>
@@ -25321,7 +25459,7 @@
               </a:rPr>
               <a:t>key codes and activation of the LCD display</a:t>
             </a:r>
-            <a:endParaRPr b="0" lang="en-US" sz="2000" spc="-1" strike="noStrike">
+            <a:endParaRPr b="0" lang="en-GB" sz="2000" spc="-1" strike="noStrike">
               <a:solidFill>
                 <a:srgbClr val="000000"/>
               </a:solidFill>
@@ -25366,7 +25504,7 @@
               </a:rPr>
               <a:t>key sequences and masks on the LCD display</a:t>
             </a:r>
-            <a:endParaRPr b="0" lang="en-US" sz="2000" spc="-1" strike="noStrike">
+            <a:endParaRPr b="0" lang="en-GB" sz="2000" spc="-1" strike="noStrike">
               <a:solidFill>
                 <a:srgbClr val="000000"/>
               </a:solidFill>
@@ -25411,7 +25549,7 @@
               </a:rPr>
               <a:t>functions like call forwarding</a:t>
             </a:r>
-            <a:endParaRPr b="0" lang="en-US" sz="2000" spc="-1" strike="noStrike">
+            <a:endParaRPr b="0" lang="en-GB" sz="2000" spc="-1" strike="noStrike">
               <a:solidFill>
                 <a:srgbClr val="000000"/>
               </a:solidFill>
@@ -25446,7 +25584,7 @@
               </a:rPr>
               <a:t>The correct description level is the one, that suits the expectations of the requirements-document reader</a:t>
             </a:r>
-            <a:endParaRPr b="0" lang="en-US" sz="2000" spc="-1" strike="noStrike">
+            <a:endParaRPr b="0" lang="en-GB" sz="2000" spc="-1" strike="noStrike">
               <a:solidFill>
                 <a:srgbClr val="000000"/>
               </a:solidFill>
@@ -25464,7 +25602,7 @@
         <p:spPr>
           <a:xfrm>
             <a:off x="542880" y="723600"/>
-            <a:ext cx="10357920" cy="498600"/>
+            <a:ext cx="10357560" cy="498240"/>
           </a:xfrm>
           <a:prstGeom prst="rect">
             <a:avLst/>
@@ -25500,7 +25638,7 @@
               </a:rPr>
               <a:t>Textual Requirements Specification</a:t>
             </a:r>
-            <a:endParaRPr b="0" lang="en-US" sz="2200" spc="-1" strike="noStrike">
+            <a:endParaRPr b="0" lang="en-GB" sz="2200" spc="-1" strike="noStrike">
               <a:solidFill>
                 <a:srgbClr val="000000"/>
               </a:solidFill>
@@ -25518,7 +25656,7 @@
         <p:spPr>
           <a:xfrm>
             <a:off x="542880" y="1269000"/>
-            <a:ext cx="10357920" cy="498600"/>
+            <a:ext cx="10357560" cy="498240"/>
           </a:xfrm>
           <a:prstGeom prst="rect">
             <a:avLst/>
@@ -25564,7 +25702,7 @@
               </a:rPr>
               <a:t>Technical Terms</a:t>
             </a:r>
-            <a:endParaRPr b="0" lang="en-US" sz="2200" spc="-1" strike="noStrike">
+            <a:endParaRPr b="0" lang="en-GB" sz="2200" spc="-1" strike="noStrike">
               <a:solidFill>
                 <a:srgbClr val="000000"/>
               </a:solidFill>
@@ -25612,7 +25750,7 @@
         <p:spPr>
           <a:xfrm>
             <a:off x="542880" y="721800"/>
-            <a:ext cx="10357920" cy="498600"/>
+            <a:ext cx="10357560" cy="498240"/>
           </a:xfrm>
           <a:prstGeom prst="rect">
             <a:avLst/>
@@ -25648,7 +25786,7 @@
               </a:rPr>
               <a:t>Lecture 4: Requirements Documentation</a:t>
             </a:r>
-            <a:endParaRPr b="0" lang="en-US" sz="2200" spc="-1" strike="noStrike">
+            <a:endParaRPr b="0" lang="en-GB" sz="2200" spc="-1" strike="noStrike">
               <a:solidFill>
                 <a:srgbClr val="000000"/>
               </a:solidFill>
@@ -25666,7 +25804,7 @@
         <p:spPr>
           <a:xfrm>
             <a:off x="542880" y="1267200"/>
-            <a:ext cx="10357920" cy="498600"/>
+            <a:ext cx="10357560" cy="498240"/>
           </a:xfrm>
           <a:prstGeom prst="rect">
             <a:avLst/>
@@ -25702,7 +25840,7 @@
               </a:rPr>
               <a:t>Content</a:t>
             </a:r>
-            <a:endParaRPr b="0" lang="en-US" sz="2200" spc="-1" strike="noStrike">
+            <a:endParaRPr b="0" lang="en-GB" sz="2200" spc="-1" strike="noStrike">
               <a:solidFill>
                 <a:srgbClr val="000000"/>
               </a:solidFill>
@@ -25720,7 +25858,7 @@
         <p:spPr>
           <a:xfrm>
             <a:off x="539640" y="1709280"/>
-            <a:ext cx="8225280" cy="4353480"/>
+            <a:ext cx="8224920" cy="4353120"/>
           </a:xfrm>
           <a:prstGeom prst="rect">
             <a:avLst/>
@@ -25767,7 +25905,7 @@
               </a:rPr>
               <a:t>Types of Requirements</a:t>
             </a:r>
-            <a:endParaRPr b="0" lang="en-US" sz="1800" spc="-1" strike="noStrike">
+            <a:endParaRPr b="0" lang="en-GB" sz="1800" spc="-1" strike="noStrike">
               <a:solidFill>
                 <a:srgbClr val="000000"/>
               </a:solidFill>
@@ -25801,7 +25939,7 @@
               </a:rPr>
               <a:t>Textual Requirements Specification</a:t>
             </a:r>
-            <a:endParaRPr b="0" lang="en-US" sz="1800" spc="-1" strike="noStrike">
+            <a:endParaRPr b="0" lang="en-GB" sz="1800" spc="-1" strike="noStrike">
               <a:solidFill>
                 <a:srgbClr val="000000"/>
               </a:solidFill>
@@ -25835,7 +25973,7 @@
               </a:rPr>
               <a:t>Ambiguity</a:t>
             </a:r>
-            <a:endParaRPr b="0" lang="en-US" sz="1800" spc="-1" strike="noStrike">
+            <a:endParaRPr b="0" lang="en-GB" sz="1800" spc="-1" strike="noStrike">
               <a:solidFill>
                 <a:srgbClr val="000000"/>
               </a:solidFill>
@@ -25869,7 +26007,7 @@
               </a:rPr>
               <a:t>Guidelines</a:t>
             </a:r>
-            <a:endParaRPr b="0" lang="en-US" sz="1800" spc="-1" strike="noStrike">
+            <a:endParaRPr b="0" lang="en-GB" sz="1800" spc="-1" strike="noStrike">
               <a:solidFill>
                 <a:srgbClr val="000000"/>
               </a:solidFill>
@@ -25903,7 +26041,7 @@
               </a:rPr>
               <a:t>Syntactic Requirements Patterns</a:t>
             </a:r>
-            <a:endParaRPr b="0" lang="en-US" sz="1800" spc="-1" strike="noStrike">
+            <a:endParaRPr b="0" lang="en-GB" sz="1800" spc="-1" strike="noStrike">
               <a:solidFill>
                 <a:srgbClr val="000000"/>
               </a:solidFill>
@@ -25951,7 +26089,7 @@
         <p:spPr>
           <a:xfrm>
             <a:off x="539640" y="1339200"/>
-            <a:ext cx="10889640" cy="4859280"/>
+            <a:ext cx="10889280" cy="4858920"/>
           </a:xfrm>
           <a:prstGeom prst="rect">
             <a:avLst/>
@@ -25999,7 +26137,7 @@
               </a:rPr>
               <a:t>Technique that aims at avoiding mistakes</a:t>
             </a:r>
-            <a:endParaRPr b="0" lang="en-US" sz="2000" spc="-1" strike="noStrike">
+            <a:endParaRPr b="0" lang="en-GB" sz="2000" spc="-1" strike="noStrike">
               <a:solidFill>
                 <a:srgbClr val="000000"/>
               </a:solidFill>
@@ -26044,7 +26182,7 @@
               </a:rPr>
               <a:t>requirement templates</a:t>
             </a:r>
-            <a:endParaRPr b="0" lang="en-US" sz="2000" spc="-1" strike="noStrike">
+            <a:endParaRPr b="0" lang="en-GB" sz="2000" spc="-1" strike="noStrike">
               <a:solidFill>
                 <a:srgbClr val="000000"/>
               </a:solidFill>
@@ -26063,7 +26201,7 @@
                 <a:tab algn="l" pos="0"/>
               </a:tabLst>
             </a:pPr>
-            <a:endParaRPr b="0" lang="en-US" sz="2000" spc="-1" strike="noStrike">
+            <a:endParaRPr b="0" lang="en-GB" sz="2000" spc="-1" strike="noStrike">
               <a:solidFill>
                 <a:srgbClr val="000000"/>
               </a:solidFill>
@@ -26098,7 +26236,7 @@
               </a:rPr>
               <a:t> </a:t>
             </a:r>
-            <a:endParaRPr b="0" lang="en-US" sz="2000" spc="-1" strike="noStrike">
+            <a:endParaRPr b="0" lang="en-GB" sz="2000" spc="-1" strike="noStrike">
               <a:solidFill>
                 <a:srgbClr val="000000"/>
               </a:solidFill>
@@ -26117,7 +26255,7 @@
                 <a:tab algn="l" pos="0"/>
               </a:tabLst>
             </a:pPr>
-            <a:endParaRPr b="0" lang="en-US" sz="2000" spc="-1" strike="noStrike">
+            <a:endParaRPr b="0" lang="en-GB" sz="2000" spc="-1" strike="noStrike">
               <a:solidFill>
                 <a:srgbClr val="000000"/>
               </a:solidFill>
@@ -26136,7 +26274,7 @@
                 <a:tab algn="l" pos="0"/>
               </a:tabLst>
             </a:pPr>
-            <a:endParaRPr b="0" lang="en-US" sz="2000" spc="-1" strike="noStrike">
+            <a:endParaRPr b="0" lang="en-GB" sz="2000" spc="-1" strike="noStrike">
               <a:solidFill>
                 <a:srgbClr val="000000"/>
               </a:solidFill>
@@ -26171,7 +26309,7 @@
               </a:rPr>
               <a:t>A good pattern contains:</a:t>
             </a:r>
-            <a:endParaRPr b="0" lang="en-US" sz="2000" spc="-1" strike="noStrike">
+            <a:endParaRPr b="0" lang="en-GB" sz="2000" spc="-1" strike="noStrike">
               <a:solidFill>
                 <a:srgbClr val="000000"/>
               </a:solidFill>
@@ -26206,7 +26344,7 @@
               </a:rPr>
               <a:t>Condition, subject, “legal obligation”, verb, object</a:t>
             </a:r>
-            <a:endParaRPr b="0" lang="en-US" sz="1800" spc="-1" strike="noStrike">
+            <a:endParaRPr b="0" lang="en-GB" sz="1800" spc="-1" strike="noStrike">
               <a:solidFill>
                 <a:srgbClr val="000000"/>
               </a:solidFill>
@@ -26225,7 +26363,7 @@
                 <a:tab algn="l" pos="0"/>
               </a:tabLst>
             </a:pPr>
-            <a:endParaRPr b="0" lang="en-US" sz="1800" spc="-1" strike="noStrike">
+            <a:endParaRPr b="0" lang="en-GB" sz="1800" spc="-1" strike="noStrike">
               <a:solidFill>
                 <a:srgbClr val="000000"/>
               </a:solidFill>
@@ -26243,7 +26381,7 @@
         <p:spPr>
           <a:xfrm>
             <a:off x="542880" y="722160"/>
-            <a:ext cx="10357920" cy="498600"/>
+            <a:ext cx="10357560" cy="498240"/>
           </a:xfrm>
           <a:prstGeom prst="rect">
             <a:avLst/>
@@ -26279,7 +26417,7 @@
               </a:rPr>
               <a:t>Textual Requirements Specification</a:t>
             </a:r>
-            <a:endParaRPr b="0" lang="en-US" sz="2200" spc="-1" strike="noStrike">
+            <a:endParaRPr b="0" lang="en-GB" sz="2200" spc="-1" strike="noStrike">
               <a:solidFill>
                 <a:srgbClr val="000000"/>
               </a:solidFill>
@@ -26297,7 +26435,7 @@
         <p:spPr>
           <a:xfrm>
             <a:off x="542880" y="1267560"/>
-            <a:ext cx="10357920" cy="498600"/>
+            <a:ext cx="10357560" cy="498240"/>
           </a:xfrm>
           <a:prstGeom prst="rect">
             <a:avLst/>
@@ -26333,7 +26471,7 @@
               </a:rPr>
               <a:t>Syntactic Requirements Patterns</a:t>
             </a:r>
-            <a:endParaRPr b="0" lang="en-US" sz="2200" spc="-1" strike="noStrike">
+            <a:endParaRPr b="0" lang="en-GB" sz="2200" spc="-1" strike="noStrike">
               <a:solidFill>
                 <a:srgbClr val="000000"/>
               </a:solidFill>
@@ -26351,7 +26489,7 @@
         <p:spPr>
           <a:xfrm>
             <a:off x="465840" y="3309120"/>
-            <a:ext cx="10889640" cy="1058400"/>
+            <a:ext cx="10889280" cy="1058040"/>
           </a:xfrm>
           <a:prstGeom prst="roundRect">
             <a:avLst>
@@ -26424,7 +26562,7 @@
               </a:rPr>
               <a:t>”</a:t>
             </a:r>
-            <a:endParaRPr b="0" lang="en-US" sz="2000" spc="-1" strike="noStrike">
+            <a:endParaRPr b="0" lang="en-GB" sz="2000" spc="-1" strike="noStrike">
               <a:solidFill>
                 <a:srgbClr val="000000"/>
               </a:solidFill>
@@ -26442,7 +26580,7 @@
         <p:spPr>
           <a:xfrm>
             <a:off x="263520" y="6411600"/>
-            <a:ext cx="10917000" cy="226800"/>
+            <a:ext cx="10916640" cy="226800"/>
           </a:xfrm>
           <a:prstGeom prst="rect">
             <a:avLst/>
@@ -26488,7 +26626,7 @@
               </a:rPr>
               <a:t>Requirements Engineering – Fundamentals, Principles and Techniques</a:t>
             </a:r>
-            <a:endParaRPr b="0" lang="en-US" sz="900" spc="-1" strike="noStrike">
+            <a:endParaRPr b="0" lang="en-GB" sz="900" spc="-1" strike="noStrike">
               <a:solidFill>
                 <a:srgbClr val="000000"/>
               </a:solidFill>
@@ -26536,7 +26674,7 @@
         <p:spPr>
           <a:xfrm>
             <a:off x="542880" y="721800"/>
-            <a:ext cx="10357920" cy="498600"/>
+            <a:ext cx="10357560" cy="498240"/>
           </a:xfrm>
           <a:prstGeom prst="rect">
             <a:avLst/>
@@ -26572,7 +26710,7 @@
               </a:rPr>
               <a:t>Lecture 7: Requirements Documentation</a:t>
             </a:r>
-            <a:endParaRPr b="0" lang="en-US" sz="2200" spc="-1" strike="noStrike">
+            <a:endParaRPr b="0" lang="en-GB" sz="2200" spc="-1" strike="noStrike">
               <a:solidFill>
                 <a:srgbClr val="000000"/>
               </a:solidFill>
@@ -26590,7 +26728,7 @@
         <p:spPr>
           <a:xfrm>
             <a:off x="542880" y="1267200"/>
-            <a:ext cx="10357920" cy="498600"/>
+            <a:ext cx="10357560" cy="498240"/>
           </a:xfrm>
           <a:prstGeom prst="rect">
             <a:avLst/>
@@ -26626,7 +26764,7 @@
               </a:rPr>
               <a:t>Content</a:t>
             </a:r>
-            <a:endParaRPr b="0" lang="en-US" sz="2200" spc="-1" strike="noStrike">
+            <a:endParaRPr b="0" lang="en-GB" sz="2200" spc="-1" strike="noStrike">
               <a:solidFill>
                 <a:srgbClr val="000000"/>
               </a:solidFill>
@@ -26644,7 +26782,7 @@
         <p:spPr>
           <a:xfrm>
             <a:off x="451800" y="1709280"/>
-            <a:ext cx="8225280" cy="4353480"/>
+            <a:ext cx="8224920" cy="4353120"/>
           </a:xfrm>
           <a:prstGeom prst="rect">
             <a:avLst/>
@@ -26691,7 +26829,7 @@
               </a:rPr>
               <a:t>Textual Requirements Specification</a:t>
             </a:r>
-            <a:endParaRPr b="0" lang="en-US" sz="1800" spc="-1" strike="noStrike">
+            <a:endParaRPr b="0" lang="en-GB" sz="1800" spc="-1" strike="noStrike">
               <a:solidFill>
                 <a:srgbClr val="000000"/>
               </a:solidFill>
@@ -26739,7 +26877,7 @@
         <p:spPr>
           <a:xfrm>
             <a:off x="539640" y="4363920"/>
-            <a:ext cx="10889640" cy="1834560"/>
+            <a:ext cx="10889280" cy="1834200"/>
           </a:xfrm>
           <a:prstGeom prst="rect">
             <a:avLst/>
@@ -26787,7 +26925,7 @@
               </a:rPr>
               <a:t>&lt;when?&gt; / &lt;under what conditions&gt;</a:t>
             </a:r>
-            <a:endParaRPr b="0" lang="en-US" sz="2000" spc="-1" strike="noStrike">
+            <a:endParaRPr b="0" lang="en-GB" sz="2000" spc="-1" strike="noStrike">
               <a:solidFill>
                 <a:srgbClr val="000000"/>
               </a:solidFill>
@@ -26822,7 +26960,7 @@
               </a:rPr>
               <a:t>Conditions under which the function documented in the requirement is performed</a:t>
             </a:r>
-            <a:endParaRPr b="0" lang="en-US" sz="1800" spc="-1" strike="noStrike">
+            <a:endParaRPr b="0" lang="en-GB" sz="1800" spc="-1" strike="noStrike">
               <a:solidFill>
                 <a:srgbClr val="000000"/>
               </a:solidFill>
@@ -26857,7 +26995,7 @@
               </a:rPr>
               <a:t>Temporal or logical</a:t>
             </a:r>
-            <a:endParaRPr b="0" lang="en-US" sz="1800" spc="-1" strike="noStrike">
+            <a:endParaRPr b="0" lang="en-GB" sz="1800" spc="-1" strike="noStrike">
               <a:solidFill>
                 <a:srgbClr val="000000"/>
               </a:solidFill>
@@ -26892,7 +27030,7 @@
               </a:rPr>
               <a:t>One or more</a:t>
             </a:r>
-            <a:endParaRPr b="0" lang="en-US" sz="1800" spc="-1" strike="noStrike">
+            <a:endParaRPr b="0" lang="en-GB" sz="1800" spc="-1" strike="noStrike">
               <a:solidFill>
                 <a:srgbClr val="000000"/>
               </a:solidFill>
@@ -26910,7 +27048,7 @@
         <p:spPr>
           <a:xfrm>
             <a:off x="542880" y="722160"/>
-            <a:ext cx="10357920" cy="498600"/>
+            <a:ext cx="10357560" cy="498240"/>
           </a:xfrm>
           <a:prstGeom prst="rect">
             <a:avLst/>
@@ -26946,7 +27084,7 @@
               </a:rPr>
               <a:t>Textual Requirements Specification</a:t>
             </a:r>
-            <a:endParaRPr b="0" lang="en-US" sz="2200" spc="-1" strike="noStrike">
+            <a:endParaRPr b="0" lang="en-GB" sz="2200" spc="-1" strike="noStrike">
               <a:solidFill>
                 <a:srgbClr val="000000"/>
               </a:solidFill>
@@ -26964,7 +27102,7 @@
         <p:spPr>
           <a:xfrm>
             <a:off x="542880" y="1267560"/>
-            <a:ext cx="10357920" cy="498600"/>
+            <a:ext cx="10357560" cy="498240"/>
           </a:xfrm>
           <a:prstGeom prst="rect">
             <a:avLst/>
@@ -27000,7 +27138,7 @@
               </a:rPr>
               <a:t>Syntactic Requirements Patterns – Example </a:t>
             </a:r>
-            <a:endParaRPr b="0" lang="en-US" sz="2200" spc="-1" strike="noStrike">
+            <a:endParaRPr b="0" lang="en-GB" sz="2200" spc="-1" strike="noStrike">
               <a:solidFill>
                 <a:srgbClr val="000000"/>
               </a:solidFill>
@@ -27018,7 +27156,7 @@
         <p:spPr>
           <a:xfrm>
             <a:off x="263520" y="6411600"/>
-            <a:ext cx="10917000" cy="226800"/>
+            <a:ext cx="10916640" cy="226800"/>
           </a:xfrm>
           <a:prstGeom prst="rect">
             <a:avLst/>
@@ -27064,7 +27202,7 @@
               </a:rPr>
               <a:t>Requirements Engineering and Management</a:t>
             </a:r>
-            <a:endParaRPr b="0" lang="en-US" sz="900" spc="-1" strike="noStrike">
+            <a:endParaRPr b="0" lang="en-GB" sz="900" spc="-1" strike="noStrike">
               <a:solidFill>
                 <a:srgbClr val="000000"/>
               </a:solidFill>
@@ -27086,7 +27224,7 @@
         <p:spPr>
           <a:xfrm>
             <a:off x="1040760" y="1868040"/>
-            <a:ext cx="10106640" cy="2394000"/>
+            <a:ext cx="10106280" cy="2393640"/>
           </a:xfrm>
           <a:prstGeom prst="rect">
             <a:avLst/>
@@ -27105,7 +27243,7 @@
         <p:spPr>
           <a:xfrm>
             <a:off x="914400" y="2552400"/>
-            <a:ext cx="1494000" cy="982080"/>
+            <a:ext cx="1493640" cy="981720"/>
           </a:xfrm>
           <a:prstGeom prst="frame">
             <a:avLst>
@@ -27141,11 +27279,17 @@
             <a:noAutofit/>
           </a:bodyPr>
           <a:p>
+            <a:pPr>
+              <a:lnSpc>
+                <a:spcPct val="100000"/>
+              </a:lnSpc>
+            </a:pPr>
             <a:endParaRPr b="0" lang="en-US" sz="1800" spc="-1" strike="noStrike">
               <a:solidFill>
                 <a:srgbClr val="000000"/>
               </a:solidFill>
               <a:latin typeface="Arial"/>
+              <a:ea typeface="DejaVu Sans"/>
             </a:endParaRPr>
           </a:p>
         </p:txBody>
@@ -27189,7 +27333,7 @@
         <p:spPr>
           <a:xfrm>
             <a:off x="539640" y="4363920"/>
-            <a:ext cx="10889640" cy="1834560"/>
+            <a:ext cx="10889280" cy="1834200"/>
           </a:xfrm>
           <a:prstGeom prst="rect">
             <a:avLst/>
@@ -27237,7 +27381,7 @@
               </a:rPr>
               <a:t>THE SYSTEM / &lt;system name&gt;</a:t>
             </a:r>
-            <a:endParaRPr b="0" lang="en-US" sz="2000" spc="-1" strike="noStrike">
+            <a:endParaRPr b="0" lang="en-GB" sz="2000" spc="-1" strike="noStrike">
               <a:solidFill>
                 <a:srgbClr val="000000"/>
               </a:solidFill>
@@ -27272,7 +27416,7 @@
               </a:rPr>
               <a:t>Name of the system that shall provide the functionality</a:t>
             </a:r>
-            <a:endParaRPr b="0" lang="en-US" sz="1800" spc="-1" strike="noStrike">
+            <a:endParaRPr b="0" lang="en-GB" sz="1800" spc="-1" strike="noStrike">
               <a:solidFill>
                 <a:srgbClr val="000000"/>
               </a:solidFill>
@@ -27307,7 +27451,7 @@
               </a:rPr>
               <a:t>Subject of the sentence</a:t>
             </a:r>
-            <a:endParaRPr b="0" lang="en-US" sz="1800" spc="-1" strike="noStrike">
+            <a:endParaRPr b="0" lang="en-GB" sz="1800" spc="-1" strike="noStrike">
               <a:solidFill>
                 <a:srgbClr val="000000"/>
               </a:solidFill>
@@ -27325,7 +27469,7 @@
         <p:spPr>
           <a:xfrm>
             <a:off x="542880" y="722160"/>
-            <a:ext cx="10357920" cy="498600"/>
+            <a:ext cx="10357560" cy="498240"/>
           </a:xfrm>
           <a:prstGeom prst="rect">
             <a:avLst/>
@@ -27361,7 +27505,7 @@
               </a:rPr>
               <a:t>Textual Requirements Specification</a:t>
             </a:r>
-            <a:endParaRPr b="0" lang="en-US" sz="2200" spc="-1" strike="noStrike">
+            <a:endParaRPr b="0" lang="en-GB" sz="2200" spc="-1" strike="noStrike">
               <a:solidFill>
                 <a:srgbClr val="000000"/>
               </a:solidFill>
@@ -27379,7 +27523,7 @@
         <p:spPr>
           <a:xfrm>
             <a:off x="542880" y="1267560"/>
-            <a:ext cx="10357920" cy="498600"/>
+            <a:ext cx="10357560" cy="498240"/>
           </a:xfrm>
           <a:prstGeom prst="rect">
             <a:avLst/>
@@ -27415,7 +27559,7 @@
               </a:rPr>
               <a:t>Syntactic Requirements Patterns – Example </a:t>
             </a:r>
-            <a:endParaRPr b="0" lang="en-US" sz="2200" spc="-1" strike="noStrike">
+            <a:endParaRPr b="0" lang="en-GB" sz="2200" spc="-1" strike="noStrike">
               <a:solidFill>
                 <a:srgbClr val="000000"/>
               </a:solidFill>
@@ -27433,7 +27577,7 @@
         <p:spPr>
           <a:xfrm>
             <a:off x="263520" y="6411600"/>
-            <a:ext cx="10917000" cy="226800"/>
+            <a:ext cx="10916640" cy="226800"/>
           </a:xfrm>
           <a:prstGeom prst="rect">
             <a:avLst/>
@@ -27479,7 +27623,7 @@
               </a:rPr>
               <a:t>Requirements Engineering and Management</a:t>
             </a:r>
-            <a:endParaRPr b="0" lang="en-US" sz="900" spc="-1" strike="noStrike">
+            <a:endParaRPr b="0" lang="en-GB" sz="900" spc="-1" strike="noStrike">
               <a:solidFill>
                 <a:srgbClr val="000000"/>
               </a:solidFill>
@@ -27501,7 +27645,7 @@
         <p:spPr>
           <a:xfrm>
             <a:off x="1040760" y="1868040"/>
-            <a:ext cx="10106640" cy="2394000"/>
+            <a:ext cx="10106280" cy="2393640"/>
           </a:xfrm>
           <a:prstGeom prst="rect">
             <a:avLst/>
@@ -27520,7 +27664,7 @@
         <p:spPr>
           <a:xfrm>
             <a:off x="2586960" y="2574000"/>
-            <a:ext cx="1494000" cy="982080"/>
+            <a:ext cx="1493640" cy="981720"/>
           </a:xfrm>
           <a:prstGeom prst="frame">
             <a:avLst>
@@ -27556,11 +27700,17 @@
             <a:noAutofit/>
           </a:bodyPr>
           <a:p>
+            <a:pPr>
+              <a:lnSpc>
+                <a:spcPct val="100000"/>
+              </a:lnSpc>
+            </a:pPr>
             <a:endParaRPr b="0" lang="en-US" sz="1800" spc="-1" strike="noStrike">
               <a:solidFill>
                 <a:srgbClr val="000000"/>
               </a:solidFill>
               <a:latin typeface="Arial"/>
+              <a:ea typeface="DejaVu Sans"/>
             </a:endParaRPr>
           </a:p>
         </p:txBody>
@@ -27604,7 +27754,7 @@
         <p:spPr>
           <a:xfrm>
             <a:off x="539640" y="4363920"/>
-            <a:ext cx="10889640" cy="1834560"/>
+            <a:ext cx="10889280" cy="1834200"/>
           </a:xfrm>
           <a:prstGeom prst="rect">
             <a:avLst/>
@@ -27652,7 +27802,7 @@
               </a:rPr>
               <a:t>SHALL</a:t>
             </a:r>
-            <a:endParaRPr b="0" lang="en-US" sz="2000" spc="-1" strike="noStrike">
+            <a:endParaRPr b="0" lang="en-GB" sz="2000" spc="-1" strike="noStrike">
               <a:solidFill>
                 <a:srgbClr val="000000"/>
               </a:solidFill>
@@ -27687,7 +27837,7 @@
               </a:rPr>
               <a:t>Legally binding requirement</a:t>
             </a:r>
-            <a:endParaRPr b="0" lang="en-US" sz="1800" spc="-1" strike="noStrike">
+            <a:endParaRPr b="0" lang="en-GB" sz="1800" spc="-1" strike="noStrike">
               <a:solidFill>
                 <a:srgbClr val="000000"/>
               </a:solidFill>
@@ -27722,7 +27872,7 @@
               </a:rPr>
               <a:t>If a statement does not contain “shall”, it is not a requirement</a:t>
             </a:r>
-            <a:endParaRPr b="0" lang="en-US" sz="1800" spc="-1" strike="noStrike">
+            <a:endParaRPr b="0" lang="en-GB" sz="1800" spc="-1" strike="noStrike">
               <a:solidFill>
                 <a:srgbClr val="000000"/>
               </a:solidFill>
@@ -27740,7 +27890,7 @@
         <p:spPr>
           <a:xfrm>
             <a:off x="542880" y="722160"/>
-            <a:ext cx="10357920" cy="498600"/>
+            <a:ext cx="10357560" cy="498240"/>
           </a:xfrm>
           <a:prstGeom prst="rect">
             <a:avLst/>
@@ -27776,7 +27926,7 @@
               </a:rPr>
               <a:t>Textual Requirements Specification</a:t>
             </a:r>
-            <a:endParaRPr b="0" lang="en-US" sz="2200" spc="-1" strike="noStrike">
+            <a:endParaRPr b="0" lang="en-GB" sz="2200" spc="-1" strike="noStrike">
               <a:solidFill>
                 <a:srgbClr val="000000"/>
               </a:solidFill>
@@ -27794,7 +27944,7 @@
         <p:spPr>
           <a:xfrm>
             <a:off x="542880" y="1267560"/>
-            <a:ext cx="10357920" cy="498600"/>
+            <a:ext cx="10357560" cy="498240"/>
           </a:xfrm>
           <a:prstGeom prst="rect">
             <a:avLst/>
@@ -27830,7 +27980,7 @@
               </a:rPr>
               <a:t>Syntactic Requirements Patterns – Example </a:t>
             </a:r>
-            <a:endParaRPr b="0" lang="en-US" sz="2200" spc="-1" strike="noStrike">
+            <a:endParaRPr b="0" lang="en-GB" sz="2200" spc="-1" strike="noStrike">
               <a:solidFill>
                 <a:srgbClr val="000000"/>
               </a:solidFill>
@@ -27848,7 +27998,7 @@
         <p:spPr>
           <a:xfrm>
             <a:off x="263520" y="6411600"/>
-            <a:ext cx="10917000" cy="226800"/>
+            <a:ext cx="10916640" cy="226800"/>
           </a:xfrm>
           <a:prstGeom prst="rect">
             <a:avLst/>
@@ -27894,7 +28044,7 @@
               </a:rPr>
               <a:t>Requirements Engineering and Management</a:t>
             </a:r>
-            <a:endParaRPr b="0" lang="en-US" sz="900" spc="-1" strike="noStrike">
+            <a:endParaRPr b="0" lang="en-GB" sz="900" spc="-1" strike="noStrike">
               <a:solidFill>
                 <a:srgbClr val="000000"/>
               </a:solidFill>
@@ -27916,7 +28066,7 @@
         <p:spPr>
           <a:xfrm>
             <a:off x="1040760" y="1868040"/>
-            <a:ext cx="10106640" cy="2394000"/>
+            <a:ext cx="10106280" cy="2393640"/>
           </a:xfrm>
           <a:prstGeom prst="rect">
             <a:avLst/>
@@ -27935,7 +28085,7 @@
         <p:spPr>
           <a:xfrm>
             <a:off x="4512600" y="2252160"/>
-            <a:ext cx="894960" cy="457200"/>
+            <a:ext cx="894600" cy="456840"/>
           </a:xfrm>
           <a:prstGeom prst="frame">
             <a:avLst>
@@ -27971,11 +28121,17 @@
             <a:noAutofit/>
           </a:bodyPr>
           <a:p>
+            <a:pPr>
+              <a:lnSpc>
+                <a:spcPct val="100000"/>
+              </a:lnSpc>
+            </a:pPr>
             <a:endParaRPr b="0" lang="en-US" sz="1800" spc="-1" strike="noStrike">
               <a:solidFill>
                 <a:srgbClr val="000000"/>
               </a:solidFill>
               <a:latin typeface="Arial"/>
+              <a:ea typeface="DejaVu Sans"/>
             </a:endParaRPr>
           </a:p>
         </p:txBody>
@@ -28019,7 +28175,7 @@
         <p:spPr>
           <a:xfrm>
             <a:off x="539640" y="4363920"/>
-            <a:ext cx="10889640" cy="1834560"/>
+            <a:ext cx="10889280" cy="1834200"/>
           </a:xfrm>
           <a:prstGeom prst="rect">
             <a:avLst/>
@@ -28067,7 +28223,7 @@
               </a:rPr>
               <a:t>SHOULD</a:t>
             </a:r>
-            <a:endParaRPr b="0" lang="en-US" sz="2000" spc="-1" strike="noStrike">
+            <a:endParaRPr b="0" lang="en-GB" sz="2000" spc="-1" strike="noStrike">
               <a:solidFill>
                 <a:srgbClr val="000000"/>
               </a:solidFill>
@@ -28102,7 +28258,7 @@
               </a:rPr>
               <a:t>Highly recommended feature</a:t>
             </a:r>
-            <a:endParaRPr b="0" lang="en-US" sz="1800" spc="-1" strike="noStrike">
+            <a:endParaRPr b="0" lang="en-GB" sz="1800" spc="-1" strike="noStrike">
               <a:solidFill>
                 <a:srgbClr val="000000"/>
               </a:solidFill>
@@ -28137,7 +28293,7 @@
               </a:rPr>
               <a:t>Optional, not contractually required</a:t>
             </a:r>
-            <a:endParaRPr b="0" lang="en-US" sz="1800" spc="-1" strike="noStrike">
+            <a:endParaRPr b="0" lang="en-GB" sz="1800" spc="-1" strike="noStrike">
               <a:solidFill>
                 <a:srgbClr val="000000"/>
               </a:solidFill>
@@ -28172,7 +28328,7 @@
               </a:rPr>
               <a:t>More like goals instead of requirements</a:t>
             </a:r>
-            <a:endParaRPr b="0" lang="en-US" sz="1800" spc="-1" strike="noStrike">
+            <a:endParaRPr b="0" lang="en-GB" sz="1800" spc="-1" strike="noStrike">
               <a:solidFill>
                 <a:srgbClr val="000000"/>
               </a:solidFill>
@@ -28190,7 +28346,7 @@
         <p:spPr>
           <a:xfrm>
             <a:off x="542880" y="722160"/>
-            <a:ext cx="10357920" cy="498600"/>
+            <a:ext cx="10357560" cy="498240"/>
           </a:xfrm>
           <a:prstGeom prst="rect">
             <a:avLst/>
@@ -28226,7 +28382,7 @@
               </a:rPr>
               <a:t>Textual Requirements Specification</a:t>
             </a:r>
-            <a:endParaRPr b="0" lang="en-US" sz="2200" spc="-1" strike="noStrike">
+            <a:endParaRPr b="0" lang="en-GB" sz="2200" spc="-1" strike="noStrike">
               <a:solidFill>
                 <a:srgbClr val="000000"/>
               </a:solidFill>
@@ -28244,7 +28400,7 @@
         <p:spPr>
           <a:xfrm>
             <a:off x="542880" y="1267560"/>
-            <a:ext cx="10357920" cy="498600"/>
+            <a:ext cx="10357560" cy="498240"/>
           </a:xfrm>
           <a:prstGeom prst="rect">
             <a:avLst/>
@@ -28280,7 +28436,7 @@
               </a:rPr>
               <a:t>Syntactic Requirements Patterns – Example </a:t>
             </a:r>
-            <a:endParaRPr b="0" lang="en-US" sz="2200" spc="-1" strike="noStrike">
+            <a:endParaRPr b="0" lang="en-GB" sz="2200" spc="-1" strike="noStrike">
               <a:solidFill>
                 <a:srgbClr val="000000"/>
               </a:solidFill>
@@ -28298,7 +28454,7 @@
         <p:spPr>
           <a:xfrm>
             <a:off x="263520" y="6411600"/>
-            <a:ext cx="10917000" cy="226800"/>
+            <a:ext cx="10916640" cy="226800"/>
           </a:xfrm>
           <a:prstGeom prst="rect">
             <a:avLst/>
@@ -28344,7 +28500,7 @@
               </a:rPr>
               <a:t>Requirements Engineering and Management</a:t>
             </a:r>
-            <a:endParaRPr b="0" lang="en-US" sz="900" spc="-1" strike="noStrike">
+            <a:endParaRPr b="0" lang="en-GB" sz="900" spc="-1" strike="noStrike">
               <a:solidFill>
                 <a:srgbClr val="000000"/>
               </a:solidFill>
@@ -28366,7 +28522,7 @@
         <p:spPr>
           <a:xfrm>
             <a:off x="1040760" y="1868040"/>
-            <a:ext cx="10106640" cy="2394000"/>
+            <a:ext cx="10106280" cy="2393640"/>
           </a:xfrm>
           <a:prstGeom prst="rect">
             <a:avLst/>
@@ -28385,7 +28541,7 @@
         <p:spPr>
           <a:xfrm>
             <a:off x="4512600" y="2836440"/>
-            <a:ext cx="894960" cy="457200"/>
+            <a:ext cx="894600" cy="456840"/>
           </a:xfrm>
           <a:prstGeom prst="frame">
             <a:avLst>
@@ -28421,11 +28577,17 @@
             <a:noAutofit/>
           </a:bodyPr>
           <a:p>
+            <a:pPr>
+              <a:lnSpc>
+                <a:spcPct val="100000"/>
+              </a:lnSpc>
+            </a:pPr>
             <a:endParaRPr b="0" lang="en-US" sz="1800" spc="-1" strike="noStrike">
               <a:solidFill>
                 <a:srgbClr val="000000"/>
               </a:solidFill>
               <a:latin typeface="Arial"/>
+              <a:ea typeface="DejaVu Sans"/>
             </a:endParaRPr>
           </a:p>
         </p:txBody>
@@ -28469,7 +28631,7 @@
         <p:spPr>
           <a:xfrm>
             <a:off x="539640" y="4363920"/>
-            <a:ext cx="10889640" cy="1834560"/>
+            <a:ext cx="10889280" cy="1834200"/>
           </a:xfrm>
           <a:prstGeom prst="rect">
             <a:avLst/>
@@ -28517,7 +28679,7 @@
               </a:rPr>
               <a:t>WILL</a:t>
             </a:r>
-            <a:endParaRPr b="0" lang="en-US" sz="2000" spc="-1" strike="noStrike">
+            <a:endParaRPr b="0" lang="en-GB" sz="2000" spc="-1" strike="noStrike">
               <a:solidFill>
                 <a:srgbClr val="000000"/>
               </a:solidFill>
@@ -28552,7 +28714,7 @@
               </a:rPr>
               <a:t>Statements of fact</a:t>
             </a:r>
-            <a:endParaRPr b="0" lang="en-US" sz="1800" spc="-1" strike="noStrike">
+            <a:endParaRPr b="0" lang="en-GB" sz="1800" spc="-1" strike="noStrike">
               <a:solidFill>
                 <a:srgbClr val="000000"/>
               </a:solidFill>
@@ -28587,7 +28749,7 @@
               </a:rPr>
               <a:t>Example: If I want to tell you something about another system I will use “will”.</a:t>
             </a:r>
-            <a:endParaRPr b="0" lang="en-US" sz="1800" spc="-1" strike="noStrike">
+            <a:endParaRPr b="0" lang="en-GB" sz="1800" spc="-1" strike="noStrike">
               <a:solidFill>
                 <a:srgbClr val="000000"/>
               </a:solidFill>
@@ -28605,7 +28767,7 @@
         <p:spPr>
           <a:xfrm>
             <a:off x="542880" y="722160"/>
-            <a:ext cx="10357920" cy="498600"/>
+            <a:ext cx="10357560" cy="498240"/>
           </a:xfrm>
           <a:prstGeom prst="rect">
             <a:avLst/>
@@ -28641,7 +28803,7 @@
               </a:rPr>
               <a:t>Textual Requirements Specification</a:t>
             </a:r>
-            <a:endParaRPr b="0" lang="en-US" sz="2200" spc="-1" strike="noStrike">
+            <a:endParaRPr b="0" lang="en-GB" sz="2200" spc="-1" strike="noStrike">
               <a:solidFill>
                 <a:srgbClr val="000000"/>
               </a:solidFill>
@@ -28659,7 +28821,7 @@
         <p:spPr>
           <a:xfrm>
             <a:off x="542880" y="1267560"/>
-            <a:ext cx="10357920" cy="498600"/>
+            <a:ext cx="10357560" cy="498240"/>
           </a:xfrm>
           <a:prstGeom prst="rect">
             <a:avLst/>
@@ -28695,7 +28857,7 @@
               </a:rPr>
               <a:t>Syntactic Requirements Patterns – Example </a:t>
             </a:r>
-            <a:endParaRPr b="0" lang="en-US" sz="2200" spc="-1" strike="noStrike">
+            <a:endParaRPr b="0" lang="en-GB" sz="2200" spc="-1" strike="noStrike">
               <a:solidFill>
                 <a:srgbClr val="000000"/>
               </a:solidFill>
@@ -28713,7 +28875,7 @@
         <p:spPr>
           <a:xfrm>
             <a:off x="263520" y="6411600"/>
-            <a:ext cx="10917000" cy="226800"/>
+            <a:ext cx="10916640" cy="226800"/>
           </a:xfrm>
           <a:prstGeom prst="rect">
             <a:avLst/>
@@ -28759,7 +28921,7 @@
               </a:rPr>
               <a:t>Requirements Engineering and Management</a:t>
             </a:r>
-            <a:endParaRPr b="0" lang="en-US" sz="900" spc="-1" strike="noStrike">
+            <a:endParaRPr b="0" lang="en-GB" sz="900" spc="-1" strike="noStrike">
               <a:solidFill>
                 <a:srgbClr val="000000"/>
               </a:solidFill>
@@ -28781,7 +28943,7 @@
         <p:spPr>
           <a:xfrm>
             <a:off x="1040760" y="1868040"/>
-            <a:ext cx="10106640" cy="2394000"/>
+            <a:ext cx="10106280" cy="2393640"/>
           </a:xfrm>
           <a:prstGeom prst="rect">
             <a:avLst/>
@@ -28800,7 +28962,7 @@
         <p:spPr>
           <a:xfrm>
             <a:off x="4519800" y="3357360"/>
-            <a:ext cx="894960" cy="457200"/>
+            <a:ext cx="894600" cy="456840"/>
           </a:xfrm>
           <a:prstGeom prst="frame">
             <a:avLst>
@@ -28836,11 +28998,17 @@
             <a:noAutofit/>
           </a:bodyPr>
           <a:p>
+            <a:pPr>
+              <a:lnSpc>
+                <a:spcPct val="100000"/>
+              </a:lnSpc>
+            </a:pPr>
             <a:endParaRPr b="0" lang="en-US" sz="1800" spc="-1" strike="noStrike">
               <a:solidFill>
                 <a:srgbClr val="000000"/>
               </a:solidFill>
               <a:latin typeface="Arial"/>
+              <a:ea typeface="DejaVu Sans"/>
             </a:endParaRPr>
           </a:p>
         </p:txBody>
@@ -28884,7 +29052,7 @@
         <p:spPr>
           <a:xfrm>
             <a:off x="539640" y="4363920"/>
-            <a:ext cx="10889640" cy="1834560"/>
+            <a:ext cx="10889280" cy="1834200"/>
           </a:xfrm>
           <a:prstGeom prst="rect">
             <a:avLst/>
@@ -28932,7 +29100,7 @@
               </a:rPr>
               <a:t>PROVIDE &lt;whom?&gt; WITH THE ABILITY TO &lt;process&gt;</a:t>
             </a:r>
-            <a:endParaRPr b="0" lang="en-US" sz="2000" spc="-1" strike="noStrike">
+            <a:endParaRPr b="0" lang="en-GB" sz="2000" spc="-1" strike="noStrike">
               <a:solidFill>
                 <a:srgbClr val="000000"/>
               </a:solidFill>
@@ -28987,7 +29155,7 @@
               </a:rPr>
               <a:t> &lt;whom?&gt;</a:t>
             </a:r>
-            <a:endParaRPr b="0" lang="en-US" sz="1800" spc="-1" strike="noStrike">
+            <a:endParaRPr b="0" lang="en-GB" sz="1800" spc="-1" strike="noStrike">
               <a:solidFill>
                 <a:srgbClr val="000000"/>
               </a:solidFill>
@@ -29005,7 +29173,7 @@
         <p:spPr>
           <a:xfrm>
             <a:off x="542880" y="722160"/>
-            <a:ext cx="10357920" cy="498600"/>
+            <a:ext cx="10357560" cy="498240"/>
           </a:xfrm>
           <a:prstGeom prst="rect">
             <a:avLst/>
@@ -29041,7 +29209,7 @@
               </a:rPr>
               <a:t>Textual Requirements Specification</a:t>
             </a:r>
-            <a:endParaRPr b="0" lang="en-US" sz="2200" spc="-1" strike="noStrike">
+            <a:endParaRPr b="0" lang="en-GB" sz="2200" spc="-1" strike="noStrike">
               <a:solidFill>
                 <a:srgbClr val="000000"/>
               </a:solidFill>
@@ -29059,7 +29227,7 @@
         <p:spPr>
           <a:xfrm>
             <a:off x="542880" y="1267560"/>
-            <a:ext cx="10357920" cy="498600"/>
+            <a:ext cx="10357560" cy="498240"/>
           </a:xfrm>
           <a:prstGeom prst="rect">
             <a:avLst/>
@@ -29095,7 +29263,7 @@
               </a:rPr>
               <a:t>Syntactic Requirements Patterns – Example </a:t>
             </a:r>
-            <a:endParaRPr b="0" lang="en-US" sz="2200" spc="-1" strike="noStrike">
+            <a:endParaRPr b="0" lang="en-GB" sz="2200" spc="-1" strike="noStrike">
               <a:solidFill>
                 <a:srgbClr val="000000"/>
               </a:solidFill>
@@ -29113,7 +29281,7 @@
         <p:spPr>
           <a:xfrm>
             <a:off x="263520" y="6411600"/>
-            <a:ext cx="10917000" cy="226800"/>
+            <a:ext cx="10916640" cy="226800"/>
           </a:xfrm>
           <a:prstGeom prst="rect">
             <a:avLst/>
@@ -29159,7 +29327,7 @@
               </a:rPr>
               <a:t>Requirements Engineering and Management</a:t>
             </a:r>
-            <a:endParaRPr b="0" lang="en-US" sz="900" spc="-1" strike="noStrike">
+            <a:endParaRPr b="0" lang="en-GB" sz="900" spc="-1" strike="noStrike">
               <a:solidFill>
                 <a:srgbClr val="000000"/>
               </a:solidFill>
@@ -29181,7 +29349,7 @@
         <p:spPr>
           <a:xfrm>
             <a:off x="1040760" y="1868040"/>
-            <a:ext cx="10106640" cy="2394000"/>
+            <a:ext cx="10106280" cy="2393640"/>
           </a:xfrm>
           <a:prstGeom prst="rect">
             <a:avLst/>
@@ -29200,7 +29368,7 @@
         <p:spPr>
           <a:xfrm>
             <a:off x="6296760" y="2605680"/>
-            <a:ext cx="1698480" cy="928800"/>
+            <a:ext cx="1698120" cy="928440"/>
           </a:xfrm>
           <a:prstGeom prst="frame">
             <a:avLst>
@@ -29236,11 +29404,17 @@
             <a:noAutofit/>
           </a:bodyPr>
           <a:p>
+            <a:pPr>
+              <a:lnSpc>
+                <a:spcPct val="100000"/>
+              </a:lnSpc>
+            </a:pPr>
             <a:endParaRPr b="0" lang="en-US" sz="1800" spc="-1" strike="noStrike">
               <a:solidFill>
                 <a:srgbClr val="000000"/>
               </a:solidFill>
               <a:latin typeface="Arial"/>
+              <a:ea typeface="DejaVu Sans"/>
             </a:endParaRPr>
           </a:p>
         </p:txBody>
@@ -29284,7 +29458,7 @@
         <p:spPr>
           <a:xfrm>
             <a:off x="539640" y="4363920"/>
-            <a:ext cx="10889640" cy="1834560"/>
+            <a:ext cx="10889280" cy="1834200"/>
           </a:xfrm>
           <a:prstGeom prst="rect">
             <a:avLst/>
@@ -29332,7 +29506,7 @@
               </a:rPr>
               <a:t>BE ABLE TO &lt;process&gt;</a:t>
             </a:r>
-            <a:endParaRPr b="0" lang="en-US" sz="2000" spc="-1" strike="noStrike">
+            <a:endParaRPr b="0" lang="en-GB" sz="2000" spc="-1" strike="noStrike">
               <a:solidFill>
                 <a:srgbClr val="000000"/>
               </a:solidFill>
@@ -29367,7 +29541,7 @@
               </a:rPr>
               <a:t>Same as &lt;process&gt;, except: Applies to requirements that are performed as reactions to trigger events from other systems</a:t>
             </a:r>
-            <a:endParaRPr b="0" lang="en-US" sz="1800" spc="-1" strike="noStrike">
+            <a:endParaRPr b="0" lang="en-GB" sz="1800" spc="-1" strike="noStrike">
               <a:solidFill>
                 <a:srgbClr val="000000"/>
               </a:solidFill>
@@ -29385,7 +29559,7 @@
         <p:spPr>
           <a:xfrm>
             <a:off x="542880" y="722160"/>
-            <a:ext cx="10357920" cy="498600"/>
+            <a:ext cx="10357560" cy="498240"/>
           </a:xfrm>
           <a:prstGeom prst="rect">
             <a:avLst/>
@@ -29421,7 +29595,7 @@
               </a:rPr>
               <a:t>Textual Requirements Specification</a:t>
             </a:r>
-            <a:endParaRPr b="0" lang="en-US" sz="2200" spc="-1" strike="noStrike">
+            <a:endParaRPr b="0" lang="en-GB" sz="2200" spc="-1" strike="noStrike">
               <a:solidFill>
                 <a:srgbClr val="000000"/>
               </a:solidFill>
@@ -29439,7 +29613,7 @@
         <p:spPr>
           <a:xfrm>
             <a:off x="542880" y="1267560"/>
-            <a:ext cx="10357920" cy="498600"/>
+            <a:ext cx="10357560" cy="498240"/>
           </a:xfrm>
           <a:prstGeom prst="rect">
             <a:avLst/>
@@ -29475,7 +29649,7 @@
               </a:rPr>
               <a:t>Syntactic Requirements Patterns – Example </a:t>
             </a:r>
-            <a:endParaRPr b="0" lang="en-US" sz="2200" spc="-1" strike="noStrike">
+            <a:endParaRPr b="0" lang="en-GB" sz="2200" spc="-1" strike="noStrike">
               <a:solidFill>
                 <a:srgbClr val="000000"/>
               </a:solidFill>
@@ -29493,7 +29667,7 @@
         <p:spPr>
           <a:xfrm>
             <a:off x="263520" y="6411600"/>
-            <a:ext cx="10917000" cy="226800"/>
+            <a:ext cx="10916640" cy="226800"/>
           </a:xfrm>
           <a:prstGeom prst="rect">
             <a:avLst/>
@@ -29539,7 +29713,7 @@
               </a:rPr>
               <a:t>Requirements Engineering and Management</a:t>
             </a:r>
-            <a:endParaRPr b="0" lang="en-US" sz="900" spc="-1" strike="noStrike">
+            <a:endParaRPr b="0" lang="en-GB" sz="900" spc="-1" strike="noStrike">
               <a:solidFill>
                 <a:srgbClr val="000000"/>
               </a:solidFill>
@@ -29561,7 +29735,7 @@
         <p:spPr>
           <a:xfrm>
             <a:off x="1040760" y="1868040"/>
-            <a:ext cx="10106640" cy="2394000"/>
+            <a:ext cx="10106280" cy="2393640"/>
           </a:xfrm>
           <a:prstGeom prst="rect">
             <a:avLst/>
@@ -29580,7 +29754,7 @@
         <p:spPr>
           <a:xfrm>
             <a:off x="6467760" y="3688200"/>
-            <a:ext cx="1177920" cy="671760"/>
+            <a:ext cx="1177560" cy="671400"/>
           </a:xfrm>
           <a:prstGeom prst="frame">
             <a:avLst>
@@ -29616,11 +29790,17 @@
             <a:noAutofit/>
           </a:bodyPr>
           <a:p>
+            <a:pPr>
+              <a:lnSpc>
+                <a:spcPct val="100000"/>
+              </a:lnSpc>
+            </a:pPr>
             <a:endParaRPr b="0" lang="en-US" sz="1800" spc="-1" strike="noStrike">
               <a:solidFill>
                 <a:srgbClr val="000000"/>
               </a:solidFill>
               <a:latin typeface="Arial"/>
+              <a:ea typeface="DejaVu Sans"/>
             </a:endParaRPr>
           </a:p>
         </p:txBody>
@@ -29664,7 +29844,7 @@
         <p:spPr>
           <a:xfrm>
             <a:off x="539640" y="4363920"/>
-            <a:ext cx="10889640" cy="1834560"/>
+            <a:ext cx="10889280" cy="1834200"/>
           </a:xfrm>
           <a:prstGeom prst="rect">
             <a:avLst/>
@@ -29712,7 +29892,7 @@
               </a:rPr>
               <a:t>&lt;object&gt; and &lt;additional details about the object&gt;</a:t>
             </a:r>
-            <a:endParaRPr b="0" lang="en-US" sz="2000" spc="-1" strike="noStrike">
+            <a:endParaRPr b="0" lang="en-GB" sz="2000" spc="-1" strike="noStrike">
               <a:solidFill>
                 <a:srgbClr val="000000"/>
               </a:solidFill>
@@ -29747,7 +29927,7 @@
               </a:rPr>
               <a:t>Object for which the functionality is required, e.g., which document shall be printed</a:t>
             </a:r>
-            <a:endParaRPr b="0" lang="en-US" sz="1800" spc="-1" strike="noStrike">
+            <a:endParaRPr b="0" lang="en-GB" sz="1800" spc="-1" strike="noStrike">
               <a:solidFill>
                 <a:srgbClr val="000000"/>
               </a:solidFill>
@@ -29765,7 +29945,7 @@
         <p:spPr>
           <a:xfrm>
             <a:off x="542880" y="722160"/>
-            <a:ext cx="10357920" cy="498600"/>
+            <a:ext cx="10357560" cy="498240"/>
           </a:xfrm>
           <a:prstGeom prst="rect">
             <a:avLst/>
@@ -29801,7 +29981,7 @@
               </a:rPr>
               <a:t>Textual Requirements Specification</a:t>
             </a:r>
-            <a:endParaRPr b="0" lang="en-US" sz="2200" spc="-1" strike="noStrike">
+            <a:endParaRPr b="0" lang="en-GB" sz="2200" spc="-1" strike="noStrike">
               <a:solidFill>
                 <a:srgbClr val="000000"/>
               </a:solidFill>
@@ -29819,7 +29999,7 @@
         <p:spPr>
           <a:xfrm>
             <a:off x="542880" y="1267560"/>
-            <a:ext cx="10357920" cy="498600"/>
+            <a:ext cx="10357560" cy="498240"/>
           </a:xfrm>
           <a:prstGeom prst="rect">
             <a:avLst/>
@@ -29855,7 +30035,7 @@
               </a:rPr>
               <a:t>Syntactic Requirements Patterns – Example </a:t>
             </a:r>
-            <a:endParaRPr b="0" lang="en-US" sz="2200" spc="-1" strike="noStrike">
+            <a:endParaRPr b="0" lang="en-GB" sz="2200" spc="-1" strike="noStrike">
               <a:solidFill>
                 <a:srgbClr val="000000"/>
               </a:solidFill>
@@ -29873,7 +30053,7 @@
         <p:spPr>
           <a:xfrm>
             <a:off x="263520" y="6411600"/>
-            <a:ext cx="10917000" cy="226800"/>
+            <a:ext cx="10916640" cy="226800"/>
           </a:xfrm>
           <a:prstGeom prst="rect">
             <a:avLst/>
@@ -29919,7 +30099,7 @@
               </a:rPr>
               <a:t>Requirements Engineering and Management</a:t>
             </a:r>
-            <a:endParaRPr b="0" lang="en-US" sz="900" spc="-1" strike="noStrike">
+            <a:endParaRPr b="0" lang="en-GB" sz="900" spc="-1" strike="noStrike">
               <a:solidFill>
                 <a:srgbClr val="000000"/>
               </a:solidFill>
@@ -29941,7 +30121,7 @@
         <p:spPr>
           <a:xfrm>
             <a:off x="1040760" y="1868040"/>
-            <a:ext cx="10106640" cy="2394000"/>
+            <a:ext cx="10106280" cy="2393640"/>
           </a:xfrm>
           <a:prstGeom prst="rect">
             <a:avLst/>
@@ -29960,7 +30140,7 @@
         <p:spPr>
           <a:xfrm>
             <a:off x="8750160" y="2632680"/>
-            <a:ext cx="2397240" cy="909360"/>
+            <a:ext cx="2396880" cy="909000"/>
           </a:xfrm>
           <a:prstGeom prst="frame">
             <a:avLst>
@@ -29996,11 +30176,17 @@
             <a:noAutofit/>
           </a:bodyPr>
           <a:p>
+            <a:pPr>
+              <a:lnSpc>
+                <a:spcPct val="100000"/>
+              </a:lnSpc>
+            </a:pPr>
             <a:endParaRPr b="0" lang="en-US" sz="1800" spc="-1" strike="noStrike">
               <a:solidFill>
                 <a:srgbClr val="000000"/>
               </a:solidFill>
               <a:latin typeface="Arial"/>
+              <a:ea typeface="DejaVu Sans"/>
             </a:endParaRPr>
           </a:p>
         </p:txBody>
@@ -30044,7 +30230,7 @@
         <p:spPr>
           <a:xfrm>
             <a:off x="539640" y="1339200"/>
-            <a:ext cx="10889640" cy="4859280"/>
+            <a:ext cx="10889280" cy="4858920"/>
           </a:xfrm>
           <a:prstGeom prst="rect">
             <a:avLst/>
@@ -30192,7 +30378,7 @@
               </a:rPr>
               <a:t>.”</a:t>
             </a:r>
-            <a:endParaRPr b="0" lang="en-US" sz="2000" spc="-1" strike="noStrike">
+            <a:endParaRPr b="0" lang="en-GB" sz="2000" spc="-1" strike="noStrike">
               <a:solidFill>
                 <a:srgbClr val="000000"/>
               </a:solidFill>
@@ -30227,7 +30413,7 @@
               </a:rPr>
               <a:t>&lt;when&gt;: if the glass break detector detects the damaging of a window</a:t>
             </a:r>
-            <a:endParaRPr b="0" lang="en-US" sz="1800" spc="-1" strike="noStrike">
+            <a:endParaRPr b="0" lang="en-GB" sz="1800" spc="-1" strike="noStrike">
               <a:solidFill>
                 <a:srgbClr val="000000"/>
               </a:solidFill>
@@ -30262,7 +30448,7 @@
               </a:rPr>
               <a:t>&lt;system name&gt;: the Burglar3000</a:t>
             </a:r>
-            <a:endParaRPr b="0" lang="en-US" sz="1800" spc="-1" strike="noStrike">
+            <a:endParaRPr b="0" lang="en-GB" sz="1800" spc="-1" strike="noStrike">
               <a:solidFill>
                 <a:srgbClr val="000000"/>
               </a:solidFill>
@@ -30297,7 +30483,7 @@
               </a:rPr>
               <a:t>SHALL</a:t>
             </a:r>
-            <a:endParaRPr b="0" lang="en-US" sz="1800" spc="-1" strike="noStrike">
+            <a:endParaRPr b="0" lang="en-GB" sz="1800" spc="-1" strike="noStrike">
               <a:solidFill>
                 <a:srgbClr val="000000"/>
               </a:solidFill>
@@ -30332,7 +30518,7 @@
               </a:rPr>
               <a:t>&lt;process&gt;: inform</a:t>
             </a:r>
-            <a:endParaRPr b="0" lang="en-US" sz="1800" spc="-1" strike="noStrike">
+            <a:endParaRPr b="0" lang="en-GB" sz="1800" spc="-1" strike="noStrike">
               <a:solidFill>
                 <a:srgbClr val="000000"/>
               </a:solidFill>
@@ -30367,7 +30553,7 @@
               </a:rPr>
               <a:t>&lt;object&gt;: the head office of the security service</a:t>
             </a:r>
-            <a:endParaRPr b="0" lang="en-US" sz="1800" spc="-1" strike="noStrike">
+            <a:endParaRPr b="0" lang="en-GB" sz="1800" spc="-1" strike="noStrike">
               <a:solidFill>
                 <a:srgbClr val="000000"/>
               </a:solidFill>
@@ -30385,7 +30571,7 @@
         <p:spPr>
           <a:xfrm>
             <a:off x="542880" y="722160"/>
-            <a:ext cx="10357920" cy="498600"/>
+            <a:ext cx="10357560" cy="498240"/>
           </a:xfrm>
           <a:prstGeom prst="rect">
             <a:avLst/>
@@ -30421,7 +30607,7 @@
               </a:rPr>
               <a:t>Textual Requirements Specification</a:t>
             </a:r>
-            <a:endParaRPr b="0" lang="en-US" sz="2200" spc="-1" strike="noStrike">
+            <a:endParaRPr b="0" lang="en-GB" sz="2200" spc="-1" strike="noStrike">
               <a:solidFill>
                 <a:srgbClr val="000000"/>
               </a:solidFill>
@@ -30439,7 +30625,7 @@
         <p:spPr>
           <a:xfrm>
             <a:off x="542880" y="1267560"/>
-            <a:ext cx="10357920" cy="498600"/>
+            <a:ext cx="10357560" cy="498240"/>
           </a:xfrm>
           <a:prstGeom prst="rect">
             <a:avLst/>
@@ -30475,7 +30661,7 @@
               </a:rPr>
               <a:t>Syntactic Requirements Patterns – Example </a:t>
             </a:r>
-            <a:endParaRPr b="0" lang="en-US" sz="2200" spc="-1" strike="noStrike">
+            <a:endParaRPr b="0" lang="en-GB" sz="2200" spc="-1" strike="noStrike">
               <a:solidFill>
                 <a:srgbClr val="000000"/>
               </a:solidFill>
@@ -30493,7 +30679,7 @@
         <p:spPr>
           <a:xfrm>
             <a:off x="263520" y="6411600"/>
-            <a:ext cx="10917000" cy="226800"/>
+            <a:ext cx="10916640" cy="226800"/>
           </a:xfrm>
           <a:prstGeom prst="rect">
             <a:avLst/>
@@ -30539,7 +30725,7 @@
               </a:rPr>
               <a:t>Requirements Engineering – Fundamentals, Principles and Techniques</a:t>
             </a:r>
-            <a:endParaRPr b="0" lang="en-US" sz="900" spc="-1" strike="noStrike">
+            <a:endParaRPr b="0" lang="en-GB" sz="900" spc="-1" strike="noStrike">
               <a:solidFill>
                 <a:srgbClr val="000000"/>
               </a:solidFill>
@@ -30587,7 +30773,7 @@
         <p:spPr>
           <a:xfrm>
             <a:off x="542880" y="722160"/>
-            <a:ext cx="10357920" cy="498600"/>
+            <a:ext cx="10357560" cy="498240"/>
           </a:xfrm>
           <a:prstGeom prst="rect">
             <a:avLst/>
@@ -30623,7 +30809,7 @@
               </a:rPr>
               <a:t>Textual Requirements Specification</a:t>
             </a:r>
-            <a:endParaRPr b="0" lang="en-US" sz="2200" spc="-1" strike="noStrike">
+            <a:endParaRPr b="0" lang="en-GB" sz="2200" spc="-1" strike="noStrike">
               <a:solidFill>
                 <a:srgbClr val="000000"/>
               </a:solidFill>
@@ -30641,7 +30827,7 @@
         <p:spPr>
           <a:xfrm>
             <a:off x="542880" y="1267560"/>
-            <a:ext cx="10357920" cy="498600"/>
+            <a:ext cx="10357560" cy="498240"/>
           </a:xfrm>
           <a:prstGeom prst="rect">
             <a:avLst/>
@@ -30677,7 +30863,7 @@
               </a:rPr>
               <a:t>Syntactic Requirements Patterns – Fitting a Requirement into the Pattern </a:t>
             </a:r>
-            <a:endParaRPr b="0" lang="en-US" sz="2200" spc="-1" strike="noStrike">
+            <a:endParaRPr b="0" lang="en-GB" sz="2200" spc="-1" strike="noStrike">
               <a:solidFill>
                 <a:srgbClr val="000000"/>
               </a:solidFill>
@@ -30695,7 +30881,7 @@
         <p:spPr>
           <a:xfrm>
             <a:off x="263520" y="6411600"/>
-            <a:ext cx="10917000" cy="226800"/>
+            <a:ext cx="10916640" cy="226800"/>
           </a:xfrm>
           <a:prstGeom prst="rect">
             <a:avLst/>
@@ -30741,7 +30927,7 @@
               </a:rPr>
               <a:t>Requirements Engineering – Fundamentals, Principles and Techniques</a:t>
             </a:r>
-            <a:endParaRPr b="0" lang="en-US" sz="900" spc="-1" strike="noStrike">
+            <a:endParaRPr b="0" lang="en-GB" sz="900" spc="-1" strike="noStrike">
               <a:solidFill>
                 <a:srgbClr val="000000"/>
               </a:solidFill>
@@ -30763,7 +30949,7 @@
         <p:spPr>
           <a:xfrm>
             <a:off x="2033280" y="1843920"/>
-            <a:ext cx="8121600" cy="4489920"/>
+            <a:ext cx="8121240" cy="4489560"/>
           </a:xfrm>
           <a:prstGeom prst="rect">
             <a:avLst/>
@@ -30812,7 +30998,7 @@
         <p:spPr>
           <a:xfrm>
             <a:off x="335520" y="4406760"/>
-            <a:ext cx="10748520" cy="1357560"/>
+            <a:ext cx="10748160" cy="1357200"/>
           </a:xfrm>
           <a:prstGeom prst="rect">
             <a:avLst/>
@@ -30848,7 +31034,7 @@
               </a:rPr>
               <a:t>Textual Requirements Specification</a:t>
             </a:r>
-            <a:endParaRPr b="0" lang="en-US" sz="3000" spc="-1" strike="noStrike">
+            <a:endParaRPr b="0" lang="en-GB" sz="3000" spc="-1" strike="noStrike">
               <a:solidFill>
                 <a:srgbClr val="000000"/>
               </a:solidFill>
@@ -30866,7 +31052,7 @@
         <p:spPr>
           <a:xfrm>
             <a:off x="335520" y="2906640"/>
-            <a:ext cx="10748520" cy="1495440"/>
+            <a:ext cx="10748160" cy="1495080"/>
           </a:xfrm>
           <a:prstGeom prst="rect">
             <a:avLst/>
@@ -30887,11 +31073,17 @@
             <a:noAutofit/>
           </a:bodyPr>
           <a:p>
+            <a:pPr>
+              <a:lnSpc>
+                <a:spcPct val="100000"/>
+              </a:lnSpc>
+            </a:pPr>
             <a:endParaRPr b="0" lang="en-US" sz="1800" spc="-1" strike="noStrike">
               <a:solidFill>
                 <a:srgbClr val="000000"/>
               </a:solidFill>
               <a:latin typeface="Arial"/>
+              <a:ea typeface="DejaVu Sans"/>
             </a:endParaRPr>
           </a:p>
         </p:txBody>
@@ -30935,7 +31127,7 @@
         <p:spPr>
           <a:xfrm>
             <a:off x="335520" y="4406760"/>
-            <a:ext cx="10748520" cy="1357560"/>
+            <a:ext cx="10748160" cy="1357200"/>
           </a:xfrm>
           <a:prstGeom prst="rect">
             <a:avLst/>
@@ -30971,7 +31163,7 @@
               </a:rPr>
               <a:t>Summary</a:t>
             </a:r>
-            <a:endParaRPr b="0" lang="en-US" sz="3000" spc="-1" strike="noStrike">
+            <a:endParaRPr b="0" lang="en-GB" sz="3000" spc="-1" strike="noStrike">
               <a:solidFill>
                 <a:srgbClr val="000000"/>
               </a:solidFill>
@@ -30989,7 +31181,7 @@
         <p:spPr>
           <a:xfrm>
             <a:off x="335520" y="2906640"/>
-            <a:ext cx="10748520" cy="1495440"/>
+            <a:ext cx="10748160" cy="1495080"/>
           </a:xfrm>
           <a:prstGeom prst="rect">
             <a:avLst/>
@@ -31010,11 +31202,17 @@
             <a:noAutofit/>
           </a:bodyPr>
           <a:p>
+            <a:pPr>
+              <a:lnSpc>
+                <a:spcPct val="100000"/>
+              </a:lnSpc>
+            </a:pPr>
             <a:endParaRPr b="0" lang="en-US" sz="1800" spc="-1" strike="noStrike">
               <a:solidFill>
                 <a:srgbClr val="000000"/>
               </a:solidFill>
               <a:latin typeface="Arial"/>
+              <a:ea typeface="DejaVu Sans"/>
             </a:endParaRPr>
           </a:p>
         </p:txBody>
@@ -31058,7 +31256,7 @@
         <p:spPr>
           <a:xfrm>
             <a:off x="542880" y="721800"/>
-            <a:ext cx="10356840" cy="497520"/>
+            <a:ext cx="10356480" cy="497160"/>
           </a:xfrm>
           <a:prstGeom prst="rect">
             <a:avLst/>
@@ -31094,7 +31292,7 @@
               </a:rPr>
               <a:t>Summary</a:t>
             </a:r>
-            <a:endParaRPr b="0" lang="en-US" sz="2200" spc="-1" strike="noStrike">
+            <a:endParaRPr b="0" lang="en-GB" sz="2200" spc="-1" strike="noStrike">
               <a:solidFill>
                 <a:srgbClr val="000000"/>
               </a:solidFill>
@@ -31112,7 +31310,7 @@
         <p:spPr>
           <a:xfrm>
             <a:off x="451800" y="1709280"/>
-            <a:ext cx="8224200" cy="4352400"/>
+            <a:ext cx="8223840" cy="4352040"/>
           </a:xfrm>
           <a:prstGeom prst="rect">
             <a:avLst/>
@@ -31133,11 +31331,17 @@
             <a:noAutofit/>
           </a:bodyPr>
           <a:p>
+            <a:pPr>
+              <a:lnSpc>
+                <a:spcPct val="100000"/>
+              </a:lnSpc>
+            </a:pPr>
             <a:endParaRPr b="0" lang="en-US" sz="1800" spc="-1" strike="noStrike">
               <a:solidFill>
                 <a:srgbClr val="000000"/>
               </a:solidFill>
               <a:latin typeface="Arial"/>
+              <a:ea typeface="DejaVu Sans"/>
             </a:endParaRPr>
           </a:p>
         </p:txBody>
@@ -31151,7 +31355,7 @@
         <p:spPr>
           <a:xfrm>
             <a:off x="609480" y="1769400"/>
-            <a:ext cx="10587240" cy="4855320"/>
+            <a:ext cx="10586880" cy="4854960"/>
           </a:xfrm>
           <a:prstGeom prst="rect">
             <a:avLst/>
@@ -31199,7 +31403,7 @@
               </a:rPr>
               <a:t>Requirements Documentation is a key artifact</a:t>
             </a:r>
-            <a:endParaRPr b="0" lang="en-US" sz="2000" spc="-1" strike="noStrike">
+            <a:endParaRPr b="0" lang="en-GB" sz="2000" spc="-1" strike="noStrike">
               <a:solidFill>
                 <a:srgbClr val="000000"/>
               </a:solidFill>
@@ -31234,7 +31438,7 @@
               </a:rPr>
               <a:t>Required amount of requirements documentation depends on context</a:t>
             </a:r>
-            <a:endParaRPr b="0" lang="en-US" sz="1800" spc="-1" strike="noStrike">
+            <a:endParaRPr b="0" lang="en-GB" sz="1800" spc="-1" strike="noStrike">
               <a:solidFill>
                 <a:srgbClr val="000000"/>
               </a:solidFill>
@@ -31269,7 +31473,7 @@
               </a:rPr>
               <a:t>Natural language is a versatile means for requirements documentation</a:t>
             </a:r>
-            <a:endParaRPr b="0" lang="en-US" sz="2000" spc="-1" strike="noStrike">
+            <a:endParaRPr b="0" lang="en-GB" sz="2000" spc="-1" strike="noStrike">
               <a:solidFill>
                 <a:srgbClr val="000000"/>
               </a:solidFill>
@@ -31304,7 +31508,7 @@
               </a:rPr>
               <a:t>Versatility allows ambiguities and problems with the perspective</a:t>
             </a:r>
-            <a:endParaRPr b="0" lang="en-US" sz="1800" spc="-1" strike="noStrike">
+            <a:endParaRPr b="0" lang="en-GB" sz="1800" spc="-1" strike="noStrike">
               <a:solidFill>
                 <a:srgbClr val="000000"/>
               </a:solidFill>
@@ -31339,7 +31543,7 @@
               </a:rPr>
               <a:t>Ambiguity (multiple forms)</a:t>
             </a:r>
-            <a:endParaRPr b="0" lang="en-US" sz="1800" spc="-1" strike="noStrike">
+            <a:endParaRPr b="0" lang="en-GB" sz="1800" spc="-1" strike="noStrike">
               <a:solidFill>
                 <a:srgbClr val="000000"/>
               </a:solidFill>
@@ -31374,7 +31578,7 @@
               </a:rPr>
               <a:t>Guidelines for writing requirements documents</a:t>
             </a:r>
-            <a:endParaRPr b="0" lang="en-US" sz="1800" spc="-1" strike="noStrike">
+            <a:endParaRPr b="0" lang="en-GB" sz="1800" spc="-1" strike="noStrike">
               <a:solidFill>
                 <a:srgbClr val="000000"/>
               </a:solidFill>
@@ -31409,7 +31613,7 @@
               </a:rPr>
               <a:t>Syntactic Requirements Patterns define a fixed structure for the requirements documentation</a:t>
             </a:r>
-            <a:endParaRPr b="0" lang="en-US" sz="2000" spc="-1" strike="noStrike">
+            <a:endParaRPr b="0" lang="en-GB" sz="2000" spc="-1" strike="noStrike">
               <a:solidFill>
                 <a:srgbClr val="000000"/>
               </a:solidFill>
@@ -31444,7 +31648,7 @@
               </a:rPr>
               <a:t>Condition, subject, legal obligation, verb, object</a:t>
             </a:r>
-            <a:endParaRPr b="0" lang="en-US" sz="1800" spc="-1" strike="noStrike">
+            <a:endParaRPr b="0" lang="en-GB" sz="1800" spc="-1" strike="noStrike">
               <a:solidFill>
                 <a:srgbClr val="000000"/>
               </a:solidFill>
@@ -31492,7 +31696,7 @@
         <p:spPr>
           <a:xfrm>
             <a:off x="335520" y="1268640"/>
-            <a:ext cx="10746360" cy="5033880"/>
+            <a:ext cx="10746000" cy="5033520"/>
           </a:xfrm>
           <a:prstGeom prst="rect">
             <a:avLst/>
@@ -31534,7 +31738,7 @@
               </a:rPr>
               <a:t>Questions?</a:t>
             </a:r>
-            <a:endParaRPr b="0" lang="en-US" sz="4000" spc="-1" strike="noStrike">
+            <a:endParaRPr b="0" lang="en-GB" sz="4000" spc="-1" strike="noStrike">
               <a:solidFill>
                 <a:srgbClr val="000000"/>
               </a:solidFill>
@@ -31552,7 +31756,7 @@
         <p:spPr>
           <a:xfrm>
             <a:off x="335520" y="764640"/>
-            <a:ext cx="10746360" cy="497160"/>
+            <a:ext cx="10746000" cy="496800"/>
           </a:xfrm>
           <a:prstGeom prst="rect">
             <a:avLst/>
@@ -31573,11 +31777,17 @@
             <a:noAutofit/>
           </a:bodyPr>
           <a:p>
+            <a:pPr>
+              <a:lnSpc>
+                <a:spcPct val="100000"/>
+              </a:lnSpc>
+            </a:pPr>
             <a:endParaRPr b="0" lang="en-US" sz="1800" spc="-1" strike="noStrike">
               <a:solidFill>
                 <a:srgbClr val="000000"/>
               </a:solidFill>
               <a:latin typeface="Arial"/>
+              <a:ea typeface="DejaVu Sans"/>
             </a:endParaRPr>
           </a:p>
         </p:txBody>
@@ -31621,7 +31831,7 @@
         <p:spPr>
           <a:xfrm>
             <a:off x="542880" y="685800"/>
-            <a:ext cx="10357920" cy="498600"/>
+            <a:ext cx="10357560" cy="498240"/>
           </a:xfrm>
           <a:prstGeom prst="rect">
             <a:avLst/>
@@ -31657,7 +31867,7 @@
               </a:rPr>
               <a:t>References</a:t>
             </a:r>
-            <a:endParaRPr b="0" lang="en-US" sz="2000" spc="-1" strike="noStrike">
+            <a:endParaRPr b="0" lang="en-GB" sz="2000" spc="-1" strike="noStrike">
               <a:solidFill>
                 <a:srgbClr val="000000"/>
               </a:solidFill>
@@ -31705,7 +31915,7 @@
         <p:spPr>
           <a:xfrm>
             <a:off x="542880" y="721800"/>
-            <a:ext cx="10357920" cy="498600"/>
+            <a:ext cx="10357560" cy="498240"/>
           </a:xfrm>
           <a:prstGeom prst="rect">
             <a:avLst/>
@@ -31741,7 +31951,7 @@
               </a:rPr>
               <a:t>Lecture 4: Requirements Documentation</a:t>
             </a:r>
-            <a:endParaRPr b="0" lang="en-US" sz="2200" spc="-1" strike="noStrike">
+            <a:endParaRPr b="0" lang="en-GB" sz="2200" spc="-1" strike="noStrike">
               <a:solidFill>
                 <a:srgbClr val="000000"/>
               </a:solidFill>
@@ -31759,7 +31969,7 @@
         <p:spPr>
           <a:xfrm>
             <a:off x="542880" y="1267200"/>
-            <a:ext cx="10357920" cy="498600"/>
+            <a:ext cx="10357560" cy="498240"/>
           </a:xfrm>
           <a:prstGeom prst="rect">
             <a:avLst/>
@@ -31795,7 +32005,7 @@
               </a:rPr>
               <a:t>Content</a:t>
             </a:r>
-            <a:endParaRPr b="0" lang="en-US" sz="2200" spc="-1" strike="noStrike">
+            <a:endParaRPr b="0" lang="en-GB" sz="2200" spc="-1" strike="noStrike">
               <a:solidFill>
                 <a:srgbClr val="000000"/>
               </a:solidFill>
@@ -31813,7 +32023,7 @@
         <p:spPr>
           <a:xfrm>
             <a:off x="539640" y="1709280"/>
-            <a:ext cx="8225280" cy="4353480"/>
+            <a:ext cx="8224920" cy="4353120"/>
           </a:xfrm>
           <a:prstGeom prst="rect">
             <a:avLst/>
@@ -31860,7 +32070,7 @@
               </a:rPr>
               <a:t>Types of Requirements</a:t>
             </a:r>
-            <a:endParaRPr b="0" lang="en-US" sz="1800" spc="-1" strike="noStrike">
+            <a:endParaRPr b="0" lang="en-GB" sz="1800" spc="-1" strike="noStrike">
               <a:solidFill>
                 <a:srgbClr val="000000"/>
               </a:solidFill>
@@ -31894,7 +32104,7 @@
               </a:rPr>
               <a:t>Textual Requirements Specification</a:t>
             </a:r>
-            <a:endParaRPr b="0" lang="en-US" sz="1800" spc="-1" strike="noStrike">
+            <a:endParaRPr b="0" lang="en-GB" sz="1800" spc="-1" strike="noStrike">
               <a:solidFill>
                 <a:srgbClr val="000000"/>
               </a:solidFill>
@@ -31928,7 +32138,7 @@
               </a:rPr>
               <a:t>Ambiguity</a:t>
             </a:r>
-            <a:endParaRPr b="0" lang="en-US" sz="1800" spc="-1" strike="noStrike">
+            <a:endParaRPr b="0" lang="en-GB" sz="1800" spc="-1" strike="noStrike">
               <a:solidFill>
                 <a:srgbClr val="000000"/>
               </a:solidFill>
@@ -31962,7 +32172,7 @@
               </a:rPr>
               <a:t>Guidelines</a:t>
             </a:r>
-            <a:endParaRPr b="0" lang="en-US" sz="1800" spc="-1" strike="noStrike">
+            <a:endParaRPr b="0" lang="en-GB" sz="1800" spc="-1" strike="noStrike">
               <a:solidFill>
                 <a:srgbClr val="000000"/>
               </a:solidFill>
@@ -31996,7 +32206,7 @@
               </a:rPr>
               <a:t>Syntactic Requirements Patterns</a:t>
             </a:r>
-            <a:endParaRPr b="0" lang="en-US" sz="1800" spc="-1" strike="noStrike">
+            <a:endParaRPr b="0" lang="en-GB" sz="1800" spc="-1" strike="noStrike">
               <a:solidFill>
                 <a:srgbClr val="000000"/>
               </a:solidFill>
@@ -32044,7 +32254,7 @@
         <p:spPr>
           <a:xfrm>
             <a:off x="539640" y="1339200"/>
-            <a:ext cx="11521080" cy="4859280"/>
+            <a:ext cx="11520720" cy="4858920"/>
           </a:xfrm>
           <a:prstGeom prst="rect">
             <a:avLst/>
@@ -32087,7 +32297,7 @@
               </a:rPr>
               <a:t>Three essential advantages</a:t>
             </a:r>
-            <a:endParaRPr b="0" lang="en-US" sz="2000" spc="-1" strike="noStrike">
+            <a:endParaRPr b="0" lang="en-GB" sz="2000" spc="-1" strike="noStrike">
               <a:solidFill>
                 <a:srgbClr val="000000"/>
               </a:solidFill>
@@ -32106,7 +32316,7 @@
                 <a:tab algn="l" pos="0"/>
               </a:tabLst>
             </a:pPr>
-            <a:endParaRPr b="0" lang="en-US" sz="2000" spc="-1" strike="noStrike">
+            <a:endParaRPr b="0" lang="en-GB" sz="2000" spc="-1" strike="noStrike">
               <a:solidFill>
                 <a:srgbClr val="000000"/>
               </a:solidFill>
@@ -32141,7 +32351,7 @@
               </a:rPr>
               <a:t>Universal</a:t>
             </a:r>
-            <a:endParaRPr b="0" lang="en-US" sz="2000" spc="-1" strike="noStrike">
+            <a:endParaRPr b="0" lang="en-GB" sz="2000" spc="-1" strike="noStrike">
               <a:solidFill>
                 <a:srgbClr val="000000"/>
               </a:solidFill>
@@ -32176,7 +32386,7 @@
               </a:rPr>
               <a:t>Can be used in any problem area or domain</a:t>
             </a:r>
-            <a:endParaRPr b="0" lang="en-US" sz="1800" spc="-1" strike="noStrike">
+            <a:endParaRPr b="0" lang="en-GB" sz="1800" spc="-1" strike="noStrike">
               <a:solidFill>
                 <a:srgbClr val="000000"/>
               </a:solidFill>
@@ -32211,7 +32421,7 @@
               </a:rPr>
               <a:t>Flexible</a:t>
             </a:r>
-            <a:endParaRPr b="0" lang="en-US" sz="2000" spc="-1" strike="noStrike">
+            <a:endParaRPr b="0" lang="en-GB" sz="2000" spc="-1" strike="noStrike">
               <a:solidFill>
                 <a:srgbClr val="000000"/>
               </a:solidFill>
@@ -32246,7 +32456,7 @@
               </a:rPr>
               <a:t>Allows arbitrary abstractions and refinements</a:t>
             </a:r>
-            <a:endParaRPr b="0" lang="en-US" sz="1800" spc="-1" strike="noStrike">
+            <a:endParaRPr b="0" lang="en-GB" sz="1800" spc="-1" strike="noStrike">
               <a:solidFill>
                 <a:srgbClr val="000000"/>
               </a:solidFill>
@@ -32281,7 +32491,7 @@
               </a:rPr>
               <a:t>Comprehensible</a:t>
             </a:r>
-            <a:endParaRPr b="0" lang="en-US" sz="2000" spc="-1" strike="noStrike">
+            <a:endParaRPr b="0" lang="en-GB" sz="2000" spc="-1" strike="noStrike">
               <a:solidFill>
                 <a:srgbClr val="000000"/>
               </a:solidFill>
@@ -32316,7 +32526,7 @@
               </a:rPr>
               <a:t>Can (potentially) be understood by any stakeholder</a:t>
             </a:r>
-            <a:endParaRPr b="0" lang="en-US" sz="1800" spc="-1" strike="noStrike">
+            <a:endParaRPr b="0" lang="en-GB" sz="1800" spc="-1" strike="noStrike">
               <a:solidFill>
                 <a:srgbClr val="000000"/>
               </a:solidFill>
@@ -32334,7 +32544,7 @@
         <p:spPr>
           <a:xfrm>
             <a:off x="542880" y="722160"/>
-            <a:ext cx="10357920" cy="498600"/>
+            <a:ext cx="10357560" cy="498240"/>
           </a:xfrm>
           <a:prstGeom prst="rect">
             <a:avLst/>
@@ -32370,7 +32580,7 @@
               </a:rPr>
               <a:t>Textual Requirements Specification</a:t>
             </a:r>
-            <a:endParaRPr b="0" lang="en-US" sz="2200" spc="-1" strike="noStrike">
+            <a:endParaRPr b="0" lang="en-GB" sz="2200" spc="-1" strike="noStrike">
               <a:solidFill>
                 <a:srgbClr val="000000"/>
               </a:solidFill>
@@ -32388,7 +32598,7 @@
         <p:spPr>
           <a:xfrm>
             <a:off x="542880" y="1267560"/>
-            <a:ext cx="10357920" cy="498600"/>
+            <a:ext cx="10357560" cy="498240"/>
           </a:xfrm>
           <a:prstGeom prst="rect">
             <a:avLst/>
@@ -32424,7 +32634,7 @@
               </a:rPr>
               <a:t>Advantages of Natural Language</a:t>
             </a:r>
-            <a:endParaRPr b="0" lang="en-US" sz="2200" spc="-1" strike="noStrike">
+            <a:endParaRPr b="0" lang="en-GB" sz="2200" spc="-1" strike="noStrike">
               <a:solidFill>
                 <a:srgbClr val="000000"/>
               </a:solidFill>
@@ -32472,7 +32682,7 @@
         <p:spPr>
           <a:xfrm>
             <a:off x="542880" y="1600200"/>
-            <a:ext cx="10731960" cy="4797000"/>
+            <a:ext cx="10731600" cy="4796640"/>
           </a:xfrm>
           <a:prstGeom prst="rect">
             <a:avLst/>
@@ -32540,7 +32750,7 @@
               </a:rPr>
               <a:t> perspectives (data/structural, function, behavioral) in functional requirements </a:t>
             </a:r>
-            <a:endParaRPr b="0" lang="en-US" sz="2000" spc="-1" strike="noStrike">
+            <a:endParaRPr b="0" lang="en-GB" sz="2000" spc="-1" strike="noStrike">
               <a:solidFill>
                 <a:srgbClr val="000000"/>
               </a:solidFill>
@@ -32575,7 +32785,7 @@
               </a:rPr>
               <a:t>Often even mixed with quality requirements</a:t>
             </a:r>
-            <a:endParaRPr b="0" lang="en-US" sz="2000" spc="-1" strike="noStrike">
+            <a:endParaRPr b="0" lang="en-GB" sz="2000" spc="-1" strike="noStrike">
               <a:solidFill>
                 <a:srgbClr val="000000"/>
               </a:solidFill>
@@ -32611,7 +32821,7 @@
               </a:rPr>
               <a:t>Example</a:t>
             </a:r>
-            <a:endParaRPr b="0" lang="en-US" sz="2000" spc="-1" strike="noStrike">
+            <a:endParaRPr b="0" lang="en-GB" sz="2000" spc="-1" strike="noStrike">
               <a:solidFill>
                 <a:srgbClr val="000000"/>
               </a:solidFill>
@@ -32826,7 +33036,7 @@
               </a:rPr>
               <a:t>.</a:t>
             </a:r>
-            <a:endParaRPr b="0" lang="en-US" sz="1800" spc="-1" strike="noStrike">
+            <a:endParaRPr b="0" lang="en-GB" sz="1800" spc="-1" strike="noStrike">
               <a:solidFill>
                 <a:srgbClr val="000000"/>
               </a:solidFill>
@@ -32861,7 +33071,7 @@
               </a:rPr>
               <a:t>Structural: glass break detector, window, pane, system, security service</a:t>
             </a:r>
-            <a:endParaRPr b="0" lang="en-US" sz="1800" spc="-1" strike="noStrike">
+            <a:endParaRPr b="0" lang="en-GB" sz="1800" spc="-1" strike="noStrike">
               <a:solidFill>
                 <a:srgbClr val="000000"/>
               </a:solidFill>
@@ -32896,7 +33106,7 @@
               </a:rPr>
               <a:t>Function: detects, inform the security service</a:t>
             </a:r>
-            <a:endParaRPr b="0" lang="en-US" sz="1800" spc="-1" strike="noStrike">
+            <a:endParaRPr b="0" lang="en-GB" sz="1800" spc="-1" strike="noStrike">
               <a:solidFill>
                 <a:srgbClr val="000000"/>
               </a:solidFill>
@@ -32931,7 +33141,7 @@
               </a:rPr>
               <a:t>Behavior: if damaged, shall inform</a:t>
             </a:r>
-            <a:endParaRPr b="0" lang="en-US" sz="1800" spc="-1" strike="noStrike">
+            <a:endParaRPr b="0" lang="en-GB" sz="1800" spc="-1" strike="noStrike">
               <a:solidFill>
                 <a:srgbClr val="000000"/>
               </a:solidFill>
@@ -32966,7 +33176,7 @@
               </a:rPr>
               <a:t>Quality: 2 seconds</a:t>
             </a:r>
-            <a:endParaRPr b="0" lang="en-US" sz="1800" spc="-1" strike="noStrike">
+            <a:endParaRPr b="0" lang="en-GB" sz="1800" spc="-1" strike="noStrike">
               <a:solidFill>
                 <a:srgbClr val="000000"/>
               </a:solidFill>
@@ -33005,7 +33215,7 @@
               </a:rPr>
               <a:t>Mixing concepts is a bad idea</a:t>
             </a:r>
-            <a:endParaRPr b="0" lang="en-US" sz="2000" spc="-1" strike="noStrike">
+            <a:endParaRPr b="0" lang="en-GB" sz="2000" spc="-1" strike="noStrike">
               <a:solidFill>
                 <a:srgbClr val="000000"/>
               </a:solidFill>
@@ -33023,7 +33233,7 @@
         <p:spPr>
           <a:xfrm>
             <a:off x="542880" y="722160"/>
-            <a:ext cx="10357920" cy="498600"/>
+            <a:ext cx="10357560" cy="498240"/>
           </a:xfrm>
           <a:prstGeom prst="rect">
             <a:avLst/>
@@ -33059,7 +33269,7 @@
               </a:rPr>
               <a:t>Textual Requirements Specification</a:t>
             </a:r>
-            <a:endParaRPr b="0" lang="en-US" sz="2200" spc="-1" strike="noStrike">
+            <a:endParaRPr b="0" lang="en-GB" sz="2200" spc="-1" strike="noStrike">
               <a:solidFill>
                 <a:srgbClr val="000000"/>
               </a:solidFill>
@@ -33077,7 +33287,7 @@
         <p:spPr>
           <a:xfrm>
             <a:off x="542880" y="1267560"/>
-            <a:ext cx="10357920" cy="498600"/>
+            <a:ext cx="10357560" cy="498240"/>
           </a:xfrm>
           <a:prstGeom prst="rect">
             <a:avLst/>
@@ -33113,7 +33323,7 @@
               </a:rPr>
               <a:t>Mixing Concepts</a:t>
             </a:r>
-            <a:endParaRPr b="0" lang="en-US" sz="2200" spc="-1" strike="noStrike">
+            <a:endParaRPr b="0" lang="en-GB" sz="2200" spc="-1" strike="noStrike">
               <a:solidFill>
                 <a:srgbClr val="000000"/>
               </a:solidFill>
@@ -33161,7 +33371,7 @@
         <p:spPr>
           <a:xfrm>
             <a:off x="539640" y="1339200"/>
-            <a:ext cx="10658160" cy="4859280"/>
+            <a:ext cx="10657800" cy="4858920"/>
           </a:xfrm>
           <a:prstGeom prst="rect">
             <a:avLst/>
@@ -33204,7 +33414,7 @@
               </a:rPr>
               <a:t>At least separate functional and quality aspects</a:t>
             </a:r>
-            <a:endParaRPr b="0" lang="en-US" sz="2000" spc="-1" strike="noStrike">
+            <a:endParaRPr b="0" lang="en-GB" sz="2000" spc="-1" strike="noStrike">
               <a:solidFill>
                 <a:srgbClr val="000000"/>
               </a:solidFill>
@@ -33223,7 +33433,7 @@
                 <a:tab algn="l" pos="0"/>
               </a:tabLst>
             </a:pPr>
-            <a:endParaRPr b="0" lang="en-US" sz="2000" spc="-1" strike="noStrike">
+            <a:endParaRPr b="0" lang="en-GB" sz="2000" spc="-1" strike="noStrike">
               <a:solidFill>
                 <a:srgbClr val="000000"/>
               </a:solidFill>
@@ -33258,7 +33468,7 @@
               </a:rPr>
               <a:t>Functional</a:t>
             </a:r>
-            <a:endParaRPr b="0" lang="en-US" sz="2000" spc="-1" strike="noStrike">
+            <a:endParaRPr b="0" lang="en-GB" sz="2000" spc="-1" strike="noStrike">
               <a:solidFill>
                 <a:srgbClr val="000000"/>
               </a:solidFill>
@@ -33293,7 +33503,7 @@
               </a:rPr>
               <a:t>The glass break detector at the window shall detect if the glass pane is damaged.</a:t>
             </a:r>
-            <a:endParaRPr b="0" lang="en-US" sz="1800" spc="-1" strike="noStrike">
+            <a:endParaRPr b="0" lang="en-GB" sz="1800" spc="-1" strike="noStrike">
               <a:solidFill>
                 <a:srgbClr val="000000"/>
               </a:solidFill>
@@ -33328,7 +33538,7 @@
               </a:rPr>
               <a:t>If the detector detects damage to the pane, the system shall inform the security service.</a:t>
             </a:r>
-            <a:endParaRPr b="0" lang="en-US" sz="1800" spc="-1" strike="noStrike">
+            <a:endParaRPr b="0" lang="en-GB" sz="1800" spc="-1" strike="noStrike">
               <a:solidFill>
                 <a:srgbClr val="000000"/>
               </a:solidFill>
@@ -33347,7 +33557,7 @@
                 <a:tab algn="l" pos="0"/>
               </a:tabLst>
             </a:pPr>
-            <a:endParaRPr b="0" lang="en-US" sz="1800" spc="-1" strike="noStrike">
+            <a:endParaRPr b="0" lang="en-GB" sz="1800" spc="-1" strike="noStrike">
               <a:solidFill>
                 <a:srgbClr val="000000"/>
               </a:solidFill>
@@ -33382,7 +33592,7 @@
               </a:rPr>
               <a:t>Quality</a:t>
             </a:r>
-            <a:endParaRPr b="0" lang="en-US" sz="2000" spc="-1" strike="noStrike">
+            <a:endParaRPr b="0" lang="en-GB" sz="2000" spc="-1" strike="noStrike">
               <a:solidFill>
                 <a:srgbClr val="000000"/>
               </a:solidFill>
@@ -33417,7 +33627,7 @@
               </a:rPr>
               <a:t>The system shall inform the security service within 2 seconds after detecting the damage.</a:t>
             </a:r>
-            <a:endParaRPr b="0" lang="en-US" sz="1800" spc="-1" strike="noStrike">
+            <a:endParaRPr b="0" lang="en-GB" sz="1800" spc="-1" strike="noStrike">
               <a:solidFill>
                 <a:srgbClr val="000000"/>
               </a:solidFill>
@@ -33435,7 +33645,7 @@
         <p:spPr>
           <a:xfrm>
             <a:off x="542880" y="722160"/>
-            <a:ext cx="10357920" cy="498600"/>
+            <a:ext cx="10357560" cy="498240"/>
           </a:xfrm>
           <a:prstGeom prst="rect">
             <a:avLst/>
@@ -33471,7 +33681,7 @@
               </a:rPr>
               <a:t>Textual Requirements Specification</a:t>
             </a:r>
-            <a:endParaRPr b="0" lang="en-US" sz="2200" spc="-1" strike="noStrike">
+            <a:endParaRPr b="0" lang="en-GB" sz="2200" spc="-1" strike="noStrike">
               <a:solidFill>
                 <a:srgbClr val="000000"/>
               </a:solidFill>
@@ -33489,7 +33699,7 @@
         <p:spPr>
           <a:xfrm>
             <a:off x="542880" y="1267560"/>
-            <a:ext cx="10357920" cy="498600"/>
+            <a:ext cx="10357560" cy="498240"/>
           </a:xfrm>
           <a:prstGeom prst="rect">
             <a:avLst/>
@@ -33525,7 +33735,7 @@
               </a:rPr>
               <a:t>Separation of Functional and Quality Aspects</a:t>
             </a:r>
-            <a:endParaRPr b="0" lang="en-US" sz="2200" spc="-1" strike="noStrike">
+            <a:endParaRPr b="0" lang="en-GB" sz="2200" spc="-1" strike="noStrike">
               <a:solidFill>
                 <a:srgbClr val="000000"/>
               </a:solidFill>
@@ -33573,7 +33783,7 @@
         <p:spPr>
           <a:xfrm>
             <a:off x="542880" y="723960"/>
-            <a:ext cx="10357920" cy="498600"/>
+            <a:ext cx="10357560" cy="498240"/>
           </a:xfrm>
           <a:prstGeom prst="rect">
             <a:avLst/>
@@ -33609,7 +33819,7 @@
               </a:rPr>
               <a:t>Textual Requirements Specification</a:t>
             </a:r>
-            <a:endParaRPr b="0" lang="en-US" sz="2200" spc="-1" strike="noStrike">
+            <a:endParaRPr b="0" lang="en-GB" sz="2200" spc="-1" strike="noStrike">
               <a:solidFill>
                 <a:srgbClr val="000000"/>
               </a:solidFill>
@@ -33627,7 +33837,7 @@
         <p:spPr>
           <a:xfrm>
             <a:off x="542880" y="1269360"/>
-            <a:ext cx="10357920" cy="498600"/>
+            <a:ext cx="10357560" cy="498240"/>
           </a:xfrm>
           <a:prstGeom prst="rect">
             <a:avLst/>
@@ -33663,7 +33873,7 @@
               </a:rPr>
               <a:t>Ambiguity</a:t>
             </a:r>
-            <a:endParaRPr b="0" lang="en-US" sz="2200" spc="-1" strike="noStrike">
+            <a:endParaRPr b="0" lang="en-GB" sz="2200" spc="-1" strike="noStrike">
               <a:solidFill>
                 <a:srgbClr val="000000"/>
               </a:solidFill>
@@ -33681,7 +33891,7 @@
         <p:spPr>
           <a:xfrm>
             <a:off x="408960" y="2545560"/>
-            <a:ext cx="10857240" cy="974160"/>
+            <a:ext cx="10856880" cy="973800"/>
           </a:xfrm>
           <a:prstGeom prst="roundRect">
             <a:avLst>
@@ -33748,7 +33958,7 @@
               </a:rPr>
               <a:t>, if it allows more than one interpretation even though the relevant context (other requirements, application domain, software system) is known.</a:t>
             </a:r>
-            <a:endParaRPr b="0" lang="en-US" sz="2000" spc="-1" strike="noStrike">
+            <a:endParaRPr b="0" lang="en-GB" sz="2000" spc="-1" strike="noStrike">
               <a:solidFill>
                 <a:srgbClr val="000000"/>
               </a:solidFill>
@@ -33876,7 +34086,7 @@
         </a:gradFill>
       </a:fillStyleLst>
       <a:lnStyleLst>
-        <a:ln w="9525" cap="flat" cmpd="sng" algn="ctr">
+        <a:ln w="6350" cap="flat" cmpd="sng" algn="ctr">
           <a:solidFill>
             <a:schemeClr val="phClr">
               <a:shade val="95000"/>
@@ -33886,14 +34096,14 @@
           <a:prstDash val="solid"/>
           <a:miter/>
         </a:ln>
-        <a:ln w="25400" cap="flat" cmpd="sng" algn="ctr">
+        <a:ln w="12700" cap="flat" cmpd="sng" algn="ctr">
           <a:solidFill>
             <a:schemeClr val="phClr"/>
           </a:solidFill>
           <a:prstDash val="solid"/>
           <a:miter/>
         </a:ln>
-        <a:ln w="38100" cap="flat" cmpd="sng" algn="ctr">
+        <a:ln w="19050" cap="flat" cmpd="sng" algn="ctr">
           <a:solidFill>
             <a:schemeClr val="phClr"/>
           </a:solidFill>
@@ -33903,22 +34113,10 @@
       </a:lnStyleLst>
       <a:effectStyleLst>
         <a:effectStyle>
-          <a:effectLst>
-            <a:outerShdw blurRad="40000" dist="20000" dir="5400000" rotWithShape="0">
-              <a:srgbClr val="000000">
-                <a:alpha val="38000"/>
-              </a:srgbClr>
-            </a:outerShdw>
-          </a:effectLst>
+          <a:effectLst/>
         </a:effectStyle>
         <a:effectStyle>
-          <a:effectLst>
-            <a:outerShdw blurRad="40000" dist="23000" dir="5400000" rotWithShape="0">
-              <a:srgbClr val="000000">
-                <a:alpha val="35000"/>
-              </a:srgbClr>
-            </a:outerShdw>
-          </a:effectLst>
+          <a:effectLst/>
         </a:effectStyle>
         <a:effectStyle>
           <a:effectLst>
@@ -34102,7 +34300,7 @@
         </a:gradFill>
       </a:fillStyleLst>
       <a:lnStyleLst>
-        <a:ln w="9525" cap="flat" cmpd="sng" algn="ctr">
+        <a:ln w="6350" cap="flat" cmpd="sng" algn="ctr">
           <a:solidFill>
             <a:schemeClr val="phClr">
               <a:shade val="95000"/>
@@ -34112,14 +34310,14 @@
           <a:prstDash val="solid"/>
           <a:miter/>
         </a:ln>
-        <a:ln w="25400" cap="flat" cmpd="sng" algn="ctr">
+        <a:ln w="12700" cap="flat" cmpd="sng" algn="ctr">
           <a:solidFill>
             <a:schemeClr val="phClr"/>
           </a:solidFill>
           <a:prstDash val="solid"/>
           <a:miter/>
         </a:ln>
-        <a:ln w="38100" cap="flat" cmpd="sng" algn="ctr">
+        <a:ln w="19050" cap="flat" cmpd="sng" algn="ctr">
           <a:solidFill>
             <a:schemeClr val="phClr"/>
           </a:solidFill>
@@ -34129,22 +34327,10 @@
       </a:lnStyleLst>
       <a:effectStyleLst>
         <a:effectStyle>
-          <a:effectLst>
-            <a:outerShdw blurRad="40000" dist="20000" dir="5400000" rotWithShape="0">
-              <a:srgbClr val="000000">
-                <a:alpha val="38000"/>
-              </a:srgbClr>
-            </a:outerShdw>
-          </a:effectLst>
+          <a:effectLst/>
         </a:effectStyle>
         <a:effectStyle>
-          <a:effectLst>
-            <a:outerShdw blurRad="40000" dist="23000" dir="5400000" rotWithShape="0">
-              <a:srgbClr val="000000">
-                <a:alpha val="35000"/>
-              </a:srgbClr>
-            </a:outerShdw>
-          </a:effectLst>
+          <a:effectLst/>
         </a:effectStyle>
         <a:effectStyle>
           <a:effectLst>
@@ -34328,7 +34514,7 @@
         </a:gradFill>
       </a:fillStyleLst>
       <a:lnStyleLst>
-        <a:ln w="9525" cap="flat" cmpd="sng" algn="ctr">
+        <a:ln w="6350" cap="flat" cmpd="sng" algn="ctr">
           <a:solidFill>
             <a:schemeClr val="phClr">
               <a:shade val="95000"/>
@@ -34338,14 +34524,14 @@
           <a:prstDash val="solid"/>
           <a:miter/>
         </a:ln>
-        <a:ln w="25400" cap="flat" cmpd="sng" algn="ctr">
+        <a:ln w="12700" cap="flat" cmpd="sng" algn="ctr">
           <a:solidFill>
             <a:schemeClr val="phClr"/>
           </a:solidFill>
           <a:prstDash val="solid"/>
           <a:miter/>
         </a:ln>
-        <a:ln w="38100" cap="flat" cmpd="sng" algn="ctr">
+        <a:ln w="19050" cap="flat" cmpd="sng" algn="ctr">
           <a:solidFill>
             <a:schemeClr val="phClr"/>
           </a:solidFill>
@@ -34355,22 +34541,10 @@
       </a:lnStyleLst>
       <a:effectStyleLst>
         <a:effectStyle>
-          <a:effectLst>
-            <a:outerShdw blurRad="40000" dist="20000" dir="5400000" rotWithShape="0">
-              <a:srgbClr val="000000">
-                <a:alpha val="38000"/>
-              </a:srgbClr>
-            </a:outerShdw>
-          </a:effectLst>
+          <a:effectLst/>
         </a:effectStyle>
         <a:effectStyle>
-          <a:effectLst>
-            <a:outerShdw blurRad="40000" dist="23000" dir="5400000" rotWithShape="0">
-              <a:srgbClr val="000000">
-                <a:alpha val="35000"/>
-              </a:srgbClr>
-            </a:outerShdw>
-          </a:effectLst>
+          <a:effectLst/>
         </a:effectStyle>
         <a:effectStyle>
           <a:effectLst>
@@ -34554,7 +34728,7 @@
         </a:gradFill>
       </a:fillStyleLst>
       <a:lnStyleLst>
-        <a:ln w="9525" cap="flat" cmpd="sng" algn="ctr">
+        <a:ln w="6350" cap="flat" cmpd="sng" algn="ctr">
           <a:solidFill>
             <a:schemeClr val="phClr">
               <a:shade val="95000"/>
@@ -34564,14 +34738,14 @@
           <a:prstDash val="solid"/>
           <a:miter/>
         </a:ln>
-        <a:ln w="25400" cap="flat" cmpd="sng" algn="ctr">
+        <a:ln w="12700" cap="flat" cmpd="sng" algn="ctr">
           <a:solidFill>
             <a:schemeClr val="phClr"/>
           </a:solidFill>
           <a:prstDash val="solid"/>
           <a:miter/>
         </a:ln>
-        <a:ln w="38100" cap="flat" cmpd="sng" algn="ctr">
+        <a:ln w="19050" cap="flat" cmpd="sng" algn="ctr">
           <a:solidFill>
             <a:schemeClr val="phClr"/>
           </a:solidFill>
@@ -34581,22 +34755,10 @@
       </a:lnStyleLst>
       <a:effectStyleLst>
         <a:effectStyle>
-          <a:effectLst>
-            <a:outerShdw blurRad="40000" dist="20000" dir="5400000" rotWithShape="0">
-              <a:srgbClr val="000000">
-                <a:alpha val="38000"/>
-              </a:srgbClr>
-            </a:outerShdw>
-          </a:effectLst>
+          <a:effectLst/>
         </a:effectStyle>
         <a:effectStyle>
-          <a:effectLst>
-            <a:outerShdw blurRad="40000" dist="23000" dir="5400000" rotWithShape="0">
-              <a:srgbClr val="000000">
-                <a:alpha val="35000"/>
-              </a:srgbClr>
-            </a:outerShdw>
-          </a:effectLst>
+          <a:effectLst/>
         </a:effectStyle>
         <a:effectStyle>
           <a:effectLst>
@@ -34780,7 +34942,7 @@
         </a:gradFill>
       </a:fillStyleLst>
       <a:lnStyleLst>
-        <a:ln w="9525" cap="flat" cmpd="sng" algn="ctr">
+        <a:ln w="6350" cap="flat" cmpd="sng" algn="ctr">
           <a:solidFill>
             <a:schemeClr val="phClr">
               <a:shade val="95000"/>
@@ -34790,14 +34952,14 @@
           <a:prstDash val="solid"/>
           <a:miter/>
         </a:ln>
-        <a:ln w="25400" cap="flat" cmpd="sng" algn="ctr">
+        <a:ln w="12700" cap="flat" cmpd="sng" algn="ctr">
           <a:solidFill>
             <a:schemeClr val="phClr"/>
           </a:solidFill>
           <a:prstDash val="solid"/>
           <a:miter/>
         </a:ln>
-        <a:ln w="38100" cap="flat" cmpd="sng" algn="ctr">
+        <a:ln w="19050" cap="flat" cmpd="sng" algn="ctr">
           <a:solidFill>
             <a:schemeClr val="phClr"/>
           </a:solidFill>
@@ -34807,22 +34969,10 @@
       </a:lnStyleLst>
       <a:effectStyleLst>
         <a:effectStyle>
-          <a:effectLst>
-            <a:outerShdw blurRad="40000" dist="20000" dir="5400000" rotWithShape="0">
-              <a:srgbClr val="000000">
-                <a:alpha val="38000"/>
-              </a:srgbClr>
-            </a:outerShdw>
-          </a:effectLst>
+          <a:effectLst/>
         </a:effectStyle>
         <a:effectStyle>
-          <a:effectLst>
-            <a:outerShdw blurRad="40000" dist="23000" dir="5400000" rotWithShape="0">
-              <a:srgbClr val="000000">
-                <a:alpha val="35000"/>
-              </a:srgbClr>
-            </a:outerShdw>
-          </a:effectLst>
+          <a:effectLst/>
         </a:effectStyle>
         <a:effectStyle>
           <a:effectLst>
